--- a/PPTs/L2-Processes Threads.pptx
+++ b/PPTs/L2-Processes Threads.pptx
@@ -5,10 +5,10 @@
     <p:sldMasterId id="2147483648" r:id="rId1"/>
   </p:sldMasterIdLst>
   <p:notesMasterIdLst>
-    <p:notesMasterId r:id="rId48"/>
+    <p:notesMasterId r:id="rId47"/>
   </p:notesMasterIdLst>
   <p:handoutMasterIdLst>
-    <p:handoutMasterId r:id="rId49"/>
+    <p:handoutMasterId r:id="rId48"/>
   </p:handoutMasterIdLst>
   <p:sldIdLst>
     <p:sldId id="799" r:id="rId2"/>
@@ -18,45 +18,44 @@
     <p:sldId id="260" r:id="rId6"/>
     <p:sldId id="276" r:id="rId7"/>
     <p:sldId id="273" r:id="rId8"/>
-    <p:sldId id="275" r:id="rId9"/>
-    <p:sldId id="277" r:id="rId10"/>
-    <p:sldId id="278" r:id="rId11"/>
-    <p:sldId id="279" r:id="rId12"/>
-    <p:sldId id="280" r:id="rId13"/>
-    <p:sldId id="282" r:id="rId14"/>
-    <p:sldId id="281" r:id="rId15"/>
-    <p:sldId id="297" r:id="rId16"/>
-    <p:sldId id="283" r:id="rId17"/>
-    <p:sldId id="284" r:id="rId18"/>
-    <p:sldId id="286" r:id="rId19"/>
-    <p:sldId id="287" r:id="rId20"/>
-    <p:sldId id="298" r:id="rId21"/>
-    <p:sldId id="300" r:id="rId22"/>
-    <p:sldId id="290" r:id="rId23"/>
-    <p:sldId id="291" r:id="rId24"/>
-    <p:sldId id="292" r:id="rId25"/>
-    <p:sldId id="293" r:id="rId26"/>
-    <p:sldId id="800" r:id="rId27"/>
-    <p:sldId id="801" r:id="rId28"/>
-    <p:sldId id="299" r:id="rId29"/>
-    <p:sldId id="802" r:id="rId30"/>
-    <p:sldId id="803" r:id="rId31"/>
-    <p:sldId id="804" r:id="rId32"/>
-    <p:sldId id="805" r:id="rId33"/>
-    <p:sldId id="806" r:id="rId34"/>
-    <p:sldId id="807" r:id="rId35"/>
-    <p:sldId id="808" r:id="rId36"/>
-    <p:sldId id="809" r:id="rId37"/>
-    <p:sldId id="285" r:id="rId38"/>
-    <p:sldId id="307" r:id="rId39"/>
-    <p:sldId id="308" r:id="rId40"/>
-    <p:sldId id="310" r:id="rId41"/>
-    <p:sldId id="810" r:id="rId42"/>
-    <p:sldId id="289" r:id="rId43"/>
-    <p:sldId id="303" r:id="rId44"/>
-    <p:sldId id="811" r:id="rId45"/>
-    <p:sldId id="304" r:id="rId46"/>
-    <p:sldId id="306" r:id="rId47"/>
+    <p:sldId id="277" r:id="rId9"/>
+    <p:sldId id="278" r:id="rId10"/>
+    <p:sldId id="279" r:id="rId11"/>
+    <p:sldId id="280" r:id="rId12"/>
+    <p:sldId id="282" r:id="rId13"/>
+    <p:sldId id="281" r:id="rId14"/>
+    <p:sldId id="297" r:id="rId15"/>
+    <p:sldId id="283" r:id="rId16"/>
+    <p:sldId id="284" r:id="rId17"/>
+    <p:sldId id="286" r:id="rId18"/>
+    <p:sldId id="287" r:id="rId19"/>
+    <p:sldId id="298" r:id="rId20"/>
+    <p:sldId id="300" r:id="rId21"/>
+    <p:sldId id="290" r:id="rId22"/>
+    <p:sldId id="291" r:id="rId23"/>
+    <p:sldId id="292" r:id="rId24"/>
+    <p:sldId id="293" r:id="rId25"/>
+    <p:sldId id="800" r:id="rId26"/>
+    <p:sldId id="801" r:id="rId27"/>
+    <p:sldId id="299" r:id="rId28"/>
+    <p:sldId id="802" r:id="rId29"/>
+    <p:sldId id="803" r:id="rId30"/>
+    <p:sldId id="804" r:id="rId31"/>
+    <p:sldId id="805" r:id="rId32"/>
+    <p:sldId id="806" r:id="rId33"/>
+    <p:sldId id="807" r:id="rId34"/>
+    <p:sldId id="808" r:id="rId35"/>
+    <p:sldId id="809" r:id="rId36"/>
+    <p:sldId id="285" r:id="rId37"/>
+    <p:sldId id="307" r:id="rId38"/>
+    <p:sldId id="308" r:id="rId39"/>
+    <p:sldId id="310" r:id="rId40"/>
+    <p:sldId id="810" r:id="rId41"/>
+    <p:sldId id="289" r:id="rId42"/>
+    <p:sldId id="303" r:id="rId43"/>
+    <p:sldId id="811" r:id="rId44"/>
+    <p:sldId id="304" r:id="rId45"/>
+    <p:sldId id="306" r:id="rId46"/>
   </p:sldIdLst>
   <p:sldSz cx="12192000" cy="6858000"/>
   <p:notesSz cx="9601200" cy="7315200"/>
@@ -198,7 +197,6 @@
             <p14:sldId id="260"/>
             <p14:sldId id="276"/>
             <p14:sldId id="273"/>
-            <p14:sldId id="275"/>
             <p14:sldId id="277"/>
             <p14:sldId id="278"/>
             <p14:sldId id="279"/>
@@ -307,14 +305,14 @@
           <a:effectLst/>
           <a:extLst>
             <a:ext uri="{909E8E84-426E-40dd-AFC4-6F175D3DCCD1}">
-              <a14:hiddenFill xmlns:a14="http://schemas.microsoft.com/office/drawing/2010/main" xmlns="">
+              <a14:hiddenFill xmlns="" xmlns:a14="http://schemas.microsoft.com/office/drawing/2010/main">
                 <a:solidFill>
                   <a:schemeClr val="bg1"/>
                 </a:solidFill>
               </a14:hiddenFill>
             </a:ext>
             <a:ext uri="{91240B29-F687-4f45-9708-019B960494DF}">
-              <a14:hiddenLine xmlns:a14="http://schemas.microsoft.com/office/drawing/2010/main" xmlns="" w="12700">
+              <a14:hiddenLine xmlns="" xmlns:a14="http://schemas.microsoft.com/office/drawing/2010/main" w="12700">
                 <a:pattFill prst="narHorz">
                   <a:fgClr>
                     <a:schemeClr val="tx1"/>
@@ -329,7 +327,7 @@
               </a14:hiddenLine>
             </a:ext>
             <a:ext uri="{AF507438-7753-43e0-B8FC-AC1667EBCBE1}">
-              <a14:hiddenEffects xmlns:a14="http://schemas.microsoft.com/office/drawing/2010/main" xmlns="">
+              <a14:hiddenEffects xmlns="" xmlns:a14="http://schemas.microsoft.com/office/drawing/2010/main">
                 <a:effectLst>
                   <a:outerShdw dist="35921" dir="2700000" algn="ctr" rotWithShape="0">
                     <a:schemeClr val="bg2"/>
@@ -435,14 +433,14 @@
           <a:effectLst/>
           <a:extLst>
             <a:ext uri="{909E8E84-426E-40dd-AFC4-6F175D3DCCD1}">
-              <a14:hiddenFill xmlns:a14="http://schemas.microsoft.com/office/drawing/2010/main" xmlns="">
+              <a14:hiddenFill xmlns="" xmlns:a14="http://schemas.microsoft.com/office/drawing/2010/main">
                 <a:solidFill>
                   <a:schemeClr val="bg1"/>
                 </a:solidFill>
               </a14:hiddenFill>
             </a:ext>
             <a:ext uri="{91240B29-F687-4f45-9708-019B960494DF}">
-              <a14:hiddenLine xmlns:a14="http://schemas.microsoft.com/office/drawing/2010/main" xmlns="" w="12700">
+              <a14:hiddenLine xmlns="" xmlns:a14="http://schemas.microsoft.com/office/drawing/2010/main" w="12700">
                 <a:pattFill prst="narHorz">
                   <a:fgClr>
                     <a:schemeClr val="tx1"/>
@@ -457,7 +455,7 @@
               </a14:hiddenLine>
             </a:ext>
             <a:ext uri="{AF507438-7753-43e0-B8FC-AC1667EBCBE1}">
-              <a14:hiddenEffects xmlns:a14="http://schemas.microsoft.com/office/drawing/2010/main" xmlns="">
+              <a14:hiddenEffects xmlns="" xmlns:a14="http://schemas.microsoft.com/office/drawing/2010/main">
                 <a:effectLst>
                   <a:outerShdw dist="35921" dir="2700000" algn="ctr" rotWithShape="0">
                     <a:schemeClr val="bg2"/>
@@ -525,17 +523,17 @@
           <a:effectLst/>
           <a:extLst>
             <a:ext uri="{FAA26D3D-D897-4be2-8F04-BA451C77F1D7}">
-              <ma14:placeholderFlag xmlns:ma14="http://schemas.microsoft.com/office/mac/drawingml/2011/main" xmlns="" val="1"/>
+              <ma14:placeholderFlag xmlns="" xmlns:ma14="http://schemas.microsoft.com/office/mac/drawingml/2011/main" val="1"/>
             </a:ext>
             <a:ext uri="{909E8E84-426E-40dd-AFC4-6F175D3DCCD1}">
-              <a14:hiddenFill xmlns:a14="http://schemas.microsoft.com/office/drawing/2010/main" xmlns="">
+              <a14:hiddenFill xmlns="" xmlns:a14="http://schemas.microsoft.com/office/drawing/2010/main">
                 <a:solidFill>
                   <a:srgbClr val="FFFFFF"/>
                 </a:solidFill>
               </a14:hiddenFill>
             </a:ext>
             <a:ext uri="{AF507438-7753-43e0-B8FC-AC1667EBCBE1}">
-              <a14:hiddenEffects xmlns:a14="http://schemas.microsoft.com/office/drawing/2010/main" xmlns="">
+              <a14:hiddenEffects xmlns="" xmlns:a14="http://schemas.microsoft.com/office/drawing/2010/main">
                 <a:effectLst>
                   <a:outerShdw blurRad="63500" dist="38099" dir="2700000" algn="ctr" rotWithShape="0">
                     <a:srgbClr val="000000">
@@ -546,7 +544,7 @@
               </a14:hiddenEffects>
             </a:ext>
             <a:ext uri="{53640926-AAD7-44d8-BBD7-CCE9431645EC}">
-              <a14:shadowObscured xmlns:a14="http://schemas.microsoft.com/office/drawing/2010/main" xmlns="" val="1"/>
+              <a14:shadowObscured xmlns="" xmlns:a14="http://schemas.microsoft.com/office/drawing/2010/main" val="1"/>
             </a:ext>
           </a:extLst>
         </p:spPr>
@@ -576,14 +574,14 @@
           <a:effectLst/>
           <a:extLst>
             <a:ext uri="{909E8E84-426E-40dd-AFC4-6F175D3DCCD1}">
-              <a14:hiddenFill xmlns:a14="http://schemas.microsoft.com/office/drawing/2010/main" xmlns="">
+              <a14:hiddenFill xmlns="" xmlns:a14="http://schemas.microsoft.com/office/drawing/2010/main">
                 <a:solidFill>
                   <a:schemeClr val="bg1"/>
                 </a:solidFill>
               </a14:hiddenFill>
             </a:ext>
             <a:ext uri="{91240B29-F687-4f45-9708-019B960494DF}">
-              <a14:hiddenLine xmlns:a14="http://schemas.microsoft.com/office/drawing/2010/main" xmlns="" w="12700">
+              <a14:hiddenLine xmlns="" xmlns:a14="http://schemas.microsoft.com/office/drawing/2010/main" w="12700">
                 <a:pattFill prst="narHorz">
                   <a:fgClr>
                     <a:schemeClr val="tx1"/>
@@ -598,7 +596,7 @@
               </a14:hiddenLine>
             </a:ext>
             <a:ext uri="{AF507438-7753-43e0-B8FC-AC1667EBCBE1}">
-              <a14:hiddenEffects xmlns:a14="http://schemas.microsoft.com/office/drawing/2010/main" xmlns="">
+              <a14:hiddenEffects xmlns="" xmlns:a14="http://schemas.microsoft.com/office/drawing/2010/main">
                 <a:effectLst>
                   <a:outerShdw dist="35921" dir="2700000" algn="ctr" rotWithShape="0">
                     <a:schemeClr val="bg2"/>
@@ -848,10 +846,10 @@
         <p:spPr>
           <a:extLst>
             <a:ext uri="{FAA26D3D-D897-4be2-8F04-BA451C77F1D7}">
-              <ma14:placeholderFlag xmlns="" xmlns:ma14="http://schemas.microsoft.com/office/mac/drawingml/2011/main" val="1"/>
+              <ma14:placeholderFlag xmlns:ma14="http://schemas.microsoft.com/office/mac/drawingml/2011/main" xmlns="" val="1"/>
             </a:ext>
             <a:ext uri="{AF507438-7753-43e0-B8FC-AC1667EBCBE1}">
-              <a14:hiddenEffects xmlns="" xmlns:a14="http://schemas.microsoft.com/office/drawing/2010/main">
+              <a14:hiddenEffects xmlns:a14="http://schemas.microsoft.com/office/drawing/2010/main" xmlns="">
                 <a:effectLst>
                   <a:outerShdw blurRad="63500" dist="38099" dir="2700000" algn="ctr" rotWithShape="0">
                     <a:schemeClr val="bg2">
@@ -950,7 +948,7 @@
           <a:p>
             <a:fld id="{0EB10148-9EF2-FB49-9E1A-13660DDAFF20}" type="slidenum">
               <a:rPr kumimoji="1" lang="zh-CN" altLang="en-US" smtClean="0"/>
-              <a:t>13</a:t>
+              <a:t>12</a:t>
             </a:fld>
             <a:endParaRPr kumimoji="1" lang="zh-CN" altLang="en-US"/>
           </a:p>
@@ -1034,7 +1032,7 @@
           <a:p>
             <a:fld id="{0EB10148-9EF2-FB49-9E1A-13660DDAFF20}" type="slidenum">
               <a:rPr kumimoji="1" lang="zh-CN" altLang="en-US" smtClean="0"/>
-              <a:t>14</a:t>
+              <a:t>13</a:t>
             </a:fld>
             <a:endParaRPr kumimoji="1" lang="zh-CN" altLang="en-US"/>
           </a:p>
@@ -1516,7 +1514,7 @@
           <a:p>
             <a:fld id="{0EB10148-9EF2-FB49-9E1A-13660DDAFF20}" type="slidenum">
               <a:rPr kumimoji="1" lang="zh-CN" altLang="en-US" smtClean="0"/>
-              <a:t>16</a:t>
+              <a:t>15</a:t>
             </a:fld>
             <a:endParaRPr kumimoji="1" lang="zh-CN" altLang="en-US"/>
           </a:p>
@@ -1628,7 +1626,7 @@
           <a:p>
             <a:fld id="{0EB10148-9EF2-FB49-9E1A-13660DDAFF20}" type="slidenum">
               <a:rPr kumimoji="1" lang="zh-CN" altLang="en-US" smtClean="0"/>
-              <a:t>17</a:t>
+              <a:t>16</a:t>
             </a:fld>
             <a:endParaRPr kumimoji="1" lang="zh-CN" altLang="en-US"/>
           </a:p>
@@ -1825,7 +1823,7 @@
           <a:p>
             <a:fld id="{0EB10148-9EF2-FB49-9E1A-13660DDAFF20}" type="slidenum">
               <a:rPr kumimoji="1" lang="zh-CN" altLang="en-US" smtClean="0"/>
-              <a:t>18</a:t>
+              <a:t>17</a:t>
             </a:fld>
             <a:endParaRPr kumimoji="1" lang="zh-CN" altLang="en-US"/>
           </a:p>
@@ -1909,7 +1907,7 @@
           <a:p>
             <a:fld id="{0EB10148-9EF2-FB49-9E1A-13660DDAFF20}" type="slidenum">
               <a:rPr kumimoji="1" lang="zh-CN" altLang="en-US" smtClean="0"/>
-              <a:t>19</a:t>
+              <a:t>18</a:t>
             </a:fld>
             <a:endParaRPr kumimoji="1" lang="zh-CN" altLang="en-US"/>
           </a:p>
@@ -2005,7 +2003,7 @@
           <a:p>
             <a:fld id="{0EB10148-9EF2-FB49-9E1A-13660DDAFF20}" type="slidenum">
               <a:rPr kumimoji="1" lang="zh-CN" altLang="en-US" smtClean="0"/>
-              <a:t>21</a:t>
+              <a:t>20</a:t>
             </a:fld>
             <a:endParaRPr kumimoji="1" lang="zh-CN" altLang="en-US"/>
           </a:p>
@@ -2089,7 +2087,7 @@
           <a:p>
             <a:fld id="{0EB10148-9EF2-FB49-9E1A-13660DDAFF20}" type="slidenum">
               <a:rPr kumimoji="1" lang="zh-CN" altLang="en-US" smtClean="0"/>
-              <a:t>22</a:t>
+              <a:t>21</a:t>
             </a:fld>
             <a:endParaRPr kumimoji="1" lang="zh-CN" altLang="en-US"/>
           </a:p>
@@ -2173,7 +2171,7 @@
           <a:p>
             <a:fld id="{0EB10148-9EF2-FB49-9E1A-13660DDAFF20}" type="slidenum">
               <a:rPr kumimoji="1" lang="zh-CN" altLang="en-US" smtClean="0"/>
-              <a:t>23</a:t>
+              <a:t>22</a:t>
             </a:fld>
             <a:endParaRPr kumimoji="1" lang="zh-CN" altLang="en-US"/>
           </a:p>
@@ -2369,7 +2367,7 @@
           <a:p>
             <a:fld id="{0EB10148-9EF2-FB49-9E1A-13660DDAFF20}" type="slidenum">
               <a:rPr kumimoji="1" lang="zh-CN" altLang="en-US" smtClean="0"/>
-              <a:t>24</a:t>
+              <a:t>23</a:t>
             </a:fld>
             <a:endParaRPr kumimoji="1" lang="zh-CN" altLang="en-US"/>
           </a:p>
@@ -2603,7 +2601,7 @@
             <a:fld id="{A460F991-4A27-42BB-BC0B-B9893A2CCE1D}" type="slidenum">
               <a:rPr lang="en-US" altLang="en-SE"/>
               <a:pPr/>
-              <a:t>26</a:t>
+              <a:t>25</a:t>
             </a:fld>
             <a:endParaRPr lang="en-US" altLang="en-SE"/>
           </a:p>
@@ -2722,7 +2720,7 @@
             <a:fld id="{4BF145FB-7BDD-4151-8FF5-DE7A798D7ED4}" type="slidenum">
               <a:rPr lang="en-US" altLang="en-SE"/>
               <a:pPr/>
-              <a:t>27</a:t>
+              <a:t>26</a:t>
             </a:fld>
             <a:endParaRPr lang="en-US" altLang="en-SE"/>
           </a:p>
@@ -2824,7 +2822,7 @@
             <a:fld id="{7088EB23-D1CE-4DA6-A81A-707CD8539C7D}" type="slidenum">
               <a:rPr lang="en-US" altLang="en-SE"/>
               <a:pPr/>
-              <a:t>28</a:t>
+              <a:t>27</a:t>
             </a:fld>
             <a:endParaRPr lang="en-US" altLang="en-SE"/>
           </a:p>
@@ -3037,7 +3035,7 @@
             <a:fld id="{54DB5D3C-9F25-464D-9824-A875D2BAE9CF}" type="slidenum">
               <a:rPr lang="en-US" altLang="en-SE"/>
               <a:pPr/>
-              <a:t>29</a:t>
+              <a:t>28</a:t>
             </a:fld>
             <a:endParaRPr lang="en-US" altLang="en-SE"/>
           </a:p>
@@ -3139,7 +3137,7 @@
             <a:fld id="{D0930BE4-DDA0-4F9F-BDB7-C9D4160F96C6}" type="slidenum">
               <a:rPr lang="en-US" altLang="en-SE"/>
               <a:pPr/>
-              <a:t>30</a:t>
+              <a:t>29</a:t>
             </a:fld>
             <a:endParaRPr lang="en-US" altLang="en-SE"/>
           </a:p>
@@ -3241,7 +3239,7 @@
             <a:fld id="{65236FE6-7695-4C7A-8670-58D61413E100}" type="slidenum">
               <a:rPr lang="en-US" altLang="en-SE"/>
               <a:pPr/>
-              <a:t>31</a:t>
+              <a:t>30</a:t>
             </a:fld>
             <a:endParaRPr lang="en-US" altLang="en-SE"/>
           </a:p>
@@ -3343,7 +3341,7 @@
             <a:fld id="{F63C82CA-0173-4304-8C88-6191E725EF00}" type="slidenum">
               <a:rPr lang="en-US" altLang="en-SE"/>
               <a:pPr/>
-              <a:t>32</a:t>
+              <a:t>31</a:t>
             </a:fld>
             <a:endParaRPr lang="en-US" altLang="en-SE"/>
           </a:p>
@@ -3445,7 +3443,7 @@
             <a:fld id="{5E572CDF-320B-4F89-90B5-A1D30C529DFC}" type="slidenum">
               <a:rPr lang="en-US" altLang="en-SE"/>
               <a:pPr/>
-              <a:t>33</a:t>
+              <a:t>32</a:t>
             </a:fld>
             <a:endParaRPr lang="en-US" altLang="en-SE"/>
           </a:p>
@@ -3547,7 +3545,7 @@
             <a:fld id="{C36B5C4C-9C35-428B-ABDF-5220042EA051}" type="slidenum">
               <a:rPr lang="en-US" altLang="en-SE"/>
               <a:pPr/>
-              <a:t>34</a:t>
+              <a:t>33</a:t>
             </a:fld>
             <a:endParaRPr lang="en-US" altLang="en-SE"/>
           </a:p>
@@ -3649,7 +3647,7 @@
             <a:fld id="{AAA55D20-961A-45EA-A0C4-3245F00C5732}" type="slidenum">
               <a:rPr lang="en-US" altLang="en-SE"/>
               <a:pPr/>
-              <a:t>35</a:t>
+              <a:t>34</a:t>
             </a:fld>
             <a:endParaRPr lang="en-US" altLang="en-SE"/>
           </a:p>
@@ -3981,6 +3979,39 @@
               <a:rPr lang="en-US" altLang="zh-CN" dirty="0"/>
               <a:t>process</a:t>
             </a:r>
+          </a:p>
+          <a:p>
+            <a:pPr marL="0" marR="0" lvl="0" indent="0" algn="l" defTabSz="914400" rtl="0" eaLnBrk="0" fontAlgn="base" latinLnBrk="0" hangingPunct="0">
+              <a:lnSpc>
+                <a:spcPct val="90000"/>
+              </a:lnSpc>
+              <a:spcBef>
+                <a:spcPct val="40000"/>
+              </a:spcBef>
+              <a:spcAft>
+                <a:spcPct val="0"/>
+              </a:spcAft>
+              <a:buClrTx/>
+              <a:buSzTx/>
+              <a:buFontTx/>
+              <a:buNone/>
+              <a:tabLst/>
+              <a:defRPr/>
+            </a:pPr>
+            <a:r>
+              <a:rPr lang="en-US" altLang="zh-CN" dirty="0"/>
+              <a:t>general</a:t>
+            </a:r>
+            <a:r>
+              <a:rPr lang="zh-CN" altLang="en-US" dirty="0"/>
+              <a:t> </a:t>
+            </a:r>
+            <a:r>
+              <a:rPr lang="en-US" altLang="zh-CN" dirty="0"/>
+              <a:t>purpose reg</a:t>
+            </a:r>
+          </a:p>
+          <a:p>
             <a:endParaRPr lang="en-US" dirty="0"/>
           </a:p>
         </p:txBody>
@@ -4064,7 +4095,7 @@
             <a:fld id="{39A96768-C111-48F3-ADAC-CCF8512A48E9}" type="slidenum">
               <a:rPr lang="en-US" altLang="en-SE"/>
               <a:pPr/>
-              <a:t>36</a:t>
+              <a:t>35</a:t>
             </a:fld>
             <a:endParaRPr lang="en-US" altLang="en-SE"/>
           </a:p>
@@ -4166,7 +4197,7 @@
             <a:fld id="{6CAEB181-7564-4BA6-A8B9-4345022F9CB6}" type="slidenum">
               <a:rPr lang="en-US" altLang="en-SE"/>
               <a:pPr/>
-              <a:t>37</a:t>
+              <a:t>36</a:t>
             </a:fld>
             <a:endParaRPr lang="en-US" altLang="en-SE"/>
           </a:p>
@@ -4268,7 +4299,7 @@
             <a:fld id="{00C0937E-470A-47B3-A3F2-29C0CC0ED79A}" type="slidenum">
               <a:rPr lang="en-US" altLang="en-SE"/>
               <a:pPr/>
-              <a:t>38</a:t>
+              <a:t>37</a:t>
             </a:fld>
             <a:endParaRPr lang="en-US" altLang="en-SE"/>
           </a:p>
@@ -4370,7 +4401,7 @@
             <a:fld id="{F3BDEA84-3B3D-4FFD-AC16-FDB6B09519DE}" type="slidenum">
               <a:rPr lang="en-US" altLang="en-SE"/>
               <a:pPr/>
-              <a:t>39</a:t>
+              <a:t>38</a:t>
             </a:fld>
             <a:endParaRPr lang="en-US" altLang="en-SE"/>
           </a:p>
@@ -4472,7 +4503,7 @@
             <a:fld id="{5A2471CD-19A5-4D29-B356-21B057F3B6D6}" type="slidenum">
               <a:rPr lang="en-US" altLang="en-SE"/>
               <a:pPr/>
-              <a:t>40</a:t>
+              <a:t>39</a:t>
             </a:fld>
             <a:endParaRPr lang="en-US" altLang="en-SE"/>
           </a:p>
@@ -4574,7 +4605,7 @@
             <a:fld id="{9003F481-BC5E-4B66-9464-D759DB7C4583}" type="slidenum">
               <a:rPr lang="en-US" altLang="en-SE"/>
               <a:pPr/>
-              <a:t>41</a:t>
+              <a:t>40</a:t>
             </a:fld>
             <a:endParaRPr lang="en-US" altLang="en-SE"/>
           </a:p>
@@ -4676,7 +4707,7 @@
             <a:fld id="{2CFDD219-E382-4FD4-9A7A-C9C0237EE4CC}" type="slidenum">
               <a:rPr lang="en-US" altLang="en-SE"/>
               <a:pPr/>
-              <a:t>42</a:t>
+              <a:t>41</a:t>
             </a:fld>
             <a:endParaRPr lang="en-US" altLang="en-SE"/>
           </a:p>
@@ -4778,7 +4809,7 @@
             <a:fld id="{75403325-FF36-4D9B-82AA-F7143ABDAB12}" type="slidenum">
               <a:rPr lang="en-US" altLang="en-SE"/>
               <a:pPr/>
-              <a:t>43</a:t>
+              <a:t>42</a:t>
             </a:fld>
             <a:endParaRPr lang="en-US" altLang="en-SE"/>
           </a:p>
@@ -4880,7 +4911,7 @@
             <a:fld id="{A6FE3B9C-FEF1-41A8-BAF0-57ADAC113098}" type="slidenum">
               <a:rPr lang="en-US" altLang="en-SE"/>
               <a:pPr/>
-              <a:t>44</a:t>
+              <a:t>43</a:t>
             </a:fld>
             <a:endParaRPr lang="en-US" altLang="en-SE"/>
           </a:p>
@@ -4982,7 +5013,7 @@
             <a:fld id="{8CE6AFDA-FFF0-41C3-BC3E-42F3491BD27F}" type="slidenum">
               <a:rPr lang="en-US" altLang="en-SE"/>
               <a:pPr/>
-              <a:t>45</a:t>
+              <a:t>44</a:t>
             </a:fld>
             <a:endParaRPr lang="en-US" altLang="en-SE"/>
           </a:p>
@@ -5274,7 +5305,7 @@
             <a:fld id="{455597D6-1F05-4C7A-8DB6-1E85A6AD5CFF}" type="slidenum">
               <a:rPr lang="en-US" altLang="en-SE"/>
               <a:pPr/>
-              <a:t>46</a:t>
+              <a:t>45</a:t>
             </a:fld>
             <a:endParaRPr lang="en-US" altLang="en-SE"/>
           </a:p>
@@ -5321,7 +5352,40 @@
           <a:bodyPr/>
           <a:lstStyle/>
           <a:p>
-            <a:endParaRPr lang="en-SE" altLang="en-SE"/>
+            <a:pPr marL="0" marR="0" lvl="0" indent="0" algn="l" defTabSz="914400" rtl="0" eaLnBrk="0" fontAlgn="base" latinLnBrk="0" hangingPunct="0">
+              <a:lnSpc>
+                <a:spcPct val="90000"/>
+              </a:lnSpc>
+              <a:spcBef>
+                <a:spcPct val="40000"/>
+              </a:spcBef>
+              <a:spcAft>
+                <a:spcPct val="0"/>
+              </a:spcAft>
+              <a:buClrTx/>
+              <a:buSzTx/>
+              <a:buFontTx/>
+              <a:buNone/>
+              <a:tabLst/>
+              <a:defRPr/>
+            </a:pPr>
+            <a:r>
+              <a:rPr lang="en-GB" b="1" i="0" dirty="0">
+                <a:solidFill>
+                  <a:srgbClr val="0F0F0F"/>
+                </a:solidFill>
+                <a:effectLst/>
+                <a:latin typeface="Roboto" panose="02000000000000000000" pitchFamily="2" charset="0"/>
+              </a:rPr>
+              <a:t>What is Thread Synchronization?</a:t>
+            </a:r>
+          </a:p>
+          <a:p>
+            <a:r>
+              <a:rPr lang="en-GB" altLang="en-SE" dirty="0"/>
+              <a:t>https://www.youtube.com/watch?v=8_CRd1R5g98</a:t>
+            </a:r>
+            <a:endParaRPr lang="en-SE" altLang="en-SE" dirty="0"/>
           </a:p>
         </p:txBody>
       </p:sp>
@@ -5642,7 +5706,7 @@
           <a:p>
             <a:fld id="{0EB10148-9EF2-FB49-9E1A-13660DDAFF20}" type="slidenum">
               <a:rPr kumimoji="1" lang="zh-CN" altLang="en-US" smtClean="0"/>
-              <a:t>9</a:t>
+              <a:t>8</a:t>
             </a:fld>
             <a:endParaRPr kumimoji="1" lang="zh-CN" altLang="en-US"/>
           </a:p>
@@ -5726,7 +5790,7 @@
           <a:p>
             <a:fld id="{0EB10148-9EF2-FB49-9E1A-13660DDAFF20}" type="slidenum">
               <a:rPr kumimoji="1" lang="zh-CN" altLang="en-US" smtClean="0"/>
-              <a:t>10</a:t>
+              <a:t>9</a:t>
             </a:fld>
             <a:endParaRPr kumimoji="1" lang="zh-CN" altLang="en-US"/>
           </a:p>
@@ -5810,7 +5874,7 @@
           <a:p>
             <a:fld id="{0EB10148-9EF2-FB49-9E1A-13660DDAFF20}" type="slidenum">
               <a:rPr kumimoji="1" lang="zh-CN" altLang="en-US" smtClean="0"/>
-              <a:t>11</a:t>
+              <a:t>10</a:t>
             </a:fld>
             <a:endParaRPr kumimoji="1" lang="zh-CN" altLang="en-US"/>
           </a:p>
@@ -5897,7 +5961,7 @@
           <a:p>
             <a:fld id="{0EB10148-9EF2-FB49-9E1A-13660DDAFF20}" type="slidenum">
               <a:rPr kumimoji="1" lang="zh-CN" altLang="en-US" smtClean="0"/>
-              <a:t>12</a:t>
+              <a:t>11</a:t>
             </a:fld>
             <a:endParaRPr kumimoji="1" lang="zh-CN" altLang="en-US"/>
           </a:p>
@@ -7955,17 +8019,17 @@
           <a:effectLst/>
           <a:extLst>
             <a:ext uri="{FAA26D3D-D897-4be2-8F04-BA451C77F1D7}">
-              <ma14:placeholderFlag xmlns:ma14="http://schemas.microsoft.com/office/mac/drawingml/2011/main" xmlns="" val="1"/>
+              <ma14:placeholderFlag xmlns="" xmlns:ma14="http://schemas.microsoft.com/office/mac/drawingml/2011/main" val="1"/>
             </a:ext>
             <a:ext uri="{909E8E84-426E-40dd-AFC4-6F175D3DCCD1}">
-              <a14:hiddenFill xmlns:a14="http://schemas.microsoft.com/office/drawing/2010/main" xmlns="">
+              <a14:hiddenFill xmlns="" xmlns:a14="http://schemas.microsoft.com/office/drawing/2010/main">
                 <a:solidFill>
                   <a:schemeClr val="bg1"/>
                 </a:solidFill>
               </a14:hiddenFill>
             </a:ext>
             <a:ext uri="{91240B29-F687-4f45-9708-019B960494DF}">
-              <a14:hiddenLine xmlns:a14="http://schemas.microsoft.com/office/drawing/2010/main" xmlns="" w="12700">
+              <a14:hiddenLine xmlns="" xmlns:a14="http://schemas.microsoft.com/office/drawing/2010/main" w="12700">
                 <a:pattFill prst="narHorz">
                   <a:fgClr>
                     <a:schemeClr val="tx1"/>
@@ -7980,7 +8044,7 @@
               </a14:hiddenLine>
             </a:ext>
             <a:ext uri="{AF507438-7753-43e0-B8FC-AC1667EBCBE1}">
-              <a14:hiddenEffects xmlns:a14="http://schemas.microsoft.com/office/drawing/2010/main" xmlns="">
+              <a14:hiddenEffects xmlns="" xmlns:a14="http://schemas.microsoft.com/office/drawing/2010/main">
                 <a:effectLst>
                   <a:outerShdw blurRad="63500" dist="38099" dir="2700000" algn="ctr" rotWithShape="0">
                     <a:schemeClr val="bg2">
@@ -8033,17 +8097,17 @@
           <a:effectLst/>
           <a:extLst>
             <a:ext uri="{FAA26D3D-D897-4be2-8F04-BA451C77F1D7}">
-              <ma14:placeholderFlag xmlns:ma14="http://schemas.microsoft.com/office/mac/drawingml/2011/main" xmlns="" val="1"/>
+              <ma14:placeholderFlag xmlns="" xmlns:ma14="http://schemas.microsoft.com/office/mac/drawingml/2011/main" val="1"/>
             </a:ext>
             <a:ext uri="{909E8E84-426E-40dd-AFC4-6F175D3DCCD1}">
-              <a14:hiddenFill xmlns:a14="http://schemas.microsoft.com/office/drawing/2010/main" xmlns="">
+              <a14:hiddenFill xmlns="" xmlns:a14="http://schemas.microsoft.com/office/drawing/2010/main">
                 <a:solidFill>
                   <a:schemeClr val="bg1"/>
                 </a:solidFill>
               </a14:hiddenFill>
             </a:ext>
             <a:ext uri="{91240B29-F687-4f45-9708-019B960494DF}">
-              <a14:hiddenLine xmlns:a14="http://schemas.microsoft.com/office/drawing/2010/main" xmlns="" w="12700">
+              <a14:hiddenLine xmlns="" xmlns:a14="http://schemas.microsoft.com/office/drawing/2010/main" w="12700">
                 <a:pattFill prst="narHorz">
                   <a:fgClr>
                     <a:schemeClr val="tx1"/>
@@ -8058,7 +8122,7 @@
               </a14:hiddenLine>
             </a:ext>
             <a:ext uri="{AF507438-7753-43e0-B8FC-AC1667EBCBE1}">
-              <a14:hiddenEffects xmlns:a14="http://schemas.microsoft.com/office/drawing/2010/main" xmlns="">
+              <a14:hiddenEffects xmlns="" xmlns:a14="http://schemas.microsoft.com/office/drawing/2010/main">
                 <a:effectLst>
                   <a:outerShdw blurRad="63500" dist="38099" dir="2700000" algn="ctr" rotWithShape="0">
                     <a:schemeClr val="bg2">
@@ -8137,14 +8201,14 @@
           <a:effectLst/>
           <a:extLst>
             <a:ext uri="{909E8E84-426E-40dd-AFC4-6F175D3DCCD1}">
-              <a14:hiddenFill xmlns:a14="http://schemas.microsoft.com/office/drawing/2010/main" xmlns="">
+              <a14:hiddenFill xmlns="" xmlns:a14="http://schemas.microsoft.com/office/drawing/2010/main">
                 <a:solidFill>
                   <a:schemeClr val="bg1"/>
                 </a:solidFill>
               </a14:hiddenFill>
             </a:ext>
             <a:ext uri="{91240B29-F687-4f45-9708-019B960494DF}">
-              <a14:hiddenLine xmlns:a14="http://schemas.microsoft.com/office/drawing/2010/main" xmlns="" w="12700">
+              <a14:hiddenLine xmlns="" xmlns:a14="http://schemas.microsoft.com/office/drawing/2010/main" w="12700">
                 <a:pattFill prst="narHorz">
                   <a:fgClr>
                     <a:schemeClr val="tx1"/>
@@ -8159,7 +8223,7 @@
               </a14:hiddenLine>
             </a:ext>
             <a:ext uri="{AF507438-7753-43e0-B8FC-AC1667EBCBE1}">
-              <a14:hiddenEffects xmlns:a14="http://schemas.microsoft.com/office/drawing/2010/main" xmlns="">
+              <a14:hiddenEffects xmlns="" xmlns:a14="http://schemas.microsoft.com/office/drawing/2010/main">
                 <a:effectLst>
                   <a:outerShdw dist="35921" dir="2700000" algn="ctr" rotWithShape="0">
                     <a:schemeClr val="bg2"/>
@@ -8235,12 +8299,12 @@
           <a:effectLst/>
           <a:extLst>
             <a:ext uri="{909E8E84-426E-40dd-AFC4-6F175D3DCCD1}">
-              <a14:hiddenFill xmlns:a14="http://schemas.microsoft.com/office/drawing/2010/main" xmlns="">
+              <a14:hiddenFill xmlns="" xmlns:a14="http://schemas.microsoft.com/office/drawing/2010/main">
                 <a:noFill/>
               </a14:hiddenFill>
             </a:ext>
             <a:ext uri="{AF507438-7753-43e0-B8FC-AC1667EBCBE1}">
-              <a14:hiddenEffects xmlns:a14="http://schemas.microsoft.com/office/drawing/2010/main" xmlns="">
+              <a14:hiddenEffects xmlns="" xmlns:a14="http://schemas.microsoft.com/office/drawing/2010/main">
                 <a:effectLst>
                   <a:outerShdw blurRad="63500" dist="38099" dir="2700000" algn="ctr" rotWithShape="0">
                     <a:schemeClr val="bg2">
@@ -8959,472 +9023,6 @@
             <p:ph type="title"/>
           </p:nvPr>
         </p:nvSpPr>
-        <p:spPr/>
-        <p:txBody>
-          <a:bodyPr/>
-          <a:lstStyle/>
-          <a:p>
-            <a:r>
-              <a:rPr lang="en-US" altLang="zh-CN" dirty="0"/>
-              <a:t>Process</a:t>
-            </a:r>
-            <a:r>
-              <a:rPr lang="zh-CN" altLang="en-US" dirty="0"/>
-              <a:t> </a:t>
-            </a:r>
-            <a:r>
-              <a:rPr lang="en-US" altLang="zh-CN" dirty="0"/>
-              <a:t>Creation</a:t>
-            </a:r>
-            <a:endParaRPr lang="nb-NO" dirty="0"/>
-          </a:p>
-        </p:txBody>
-      </p:sp>
-      <p:sp>
-        <p:nvSpPr>
-          <p:cNvPr id="3" name="Plassholder for innhold 2">
-            <a:extLst>
-              <a:ext uri="{FF2B5EF4-FFF2-40B4-BE49-F238E27FC236}">
-                <a16:creationId xmlns:a16="http://schemas.microsoft.com/office/drawing/2014/main" id="{FC7524D1-ADBD-8C45-9DC3-F343D7DEE3B6}"/>
-              </a:ext>
-            </a:extLst>
-          </p:cNvPr>
-          <p:cNvSpPr>
-            <a:spLocks noGrp="1"/>
-          </p:cNvSpPr>
-          <p:nvPr>
-            <p:ph idx="1"/>
-          </p:nvPr>
-        </p:nvSpPr>
-        <p:spPr/>
-        <p:txBody>
-          <a:bodyPr/>
-          <a:lstStyle/>
-          <a:p>
-            <a:r>
-              <a:rPr lang="en-US" altLang="zh-CN" dirty="0"/>
-              <a:t>A</a:t>
-            </a:r>
-            <a:r>
-              <a:rPr lang="zh-CN" altLang="en-US" dirty="0"/>
-              <a:t> </a:t>
-            </a:r>
-            <a:r>
-              <a:rPr lang="en-US" altLang="zh-CN" dirty="0"/>
-              <a:t>process</a:t>
-            </a:r>
-            <a:r>
-              <a:rPr lang="zh-CN" altLang="en-US" dirty="0"/>
-              <a:t> </a:t>
-            </a:r>
-            <a:r>
-              <a:rPr lang="en-US" altLang="zh-CN" dirty="0"/>
-              <a:t>is</a:t>
-            </a:r>
-            <a:r>
-              <a:rPr lang="zh-CN" altLang="en-US" dirty="0"/>
-              <a:t> </a:t>
-            </a:r>
-            <a:r>
-              <a:rPr lang="en-US" altLang="zh-CN" dirty="0"/>
-              <a:t>created</a:t>
-            </a:r>
-            <a:r>
-              <a:rPr lang="zh-CN" altLang="en-US" dirty="0"/>
-              <a:t> </a:t>
-            </a:r>
-            <a:r>
-              <a:rPr lang="en-US" altLang="zh-CN" dirty="0"/>
-              <a:t>by</a:t>
-            </a:r>
-            <a:r>
-              <a:rPr lang="zh-CN" altLang="en-US" dirty="0"/>
-              <a:t> </a:t>
-            </a:r>
-            <a:r>
-              <a:rPr lang="en-US" altLang="zh-CN" dirty="0"/>
-              <a:t>another</a:t>
-            </a:r>
-            <a:r>
-              <a:rPr lang="zh-CN" altLang="en-US" dirty="0"/>
-              <a:t> </a:t>
-            </a:r>
-            <a:r>
-              <a:rPr lang="en-US" altLang="zh-CN" dirty="0"/>
-              <a:t>process,</a:t>
-            </a:r>
-            <a:r>
-              <a:rPr lang="zh-CN" altLang="en-US" dirty="0"/>
-              <a:t> </a:t>
-            </a:r>
-            <a:r>
-              <a:rPr lang="en-US" altLang="zh-CN" b="1" dirty="0">
-                <a:solidFill>
-                  <a:srgbClr val="0070C0"/>
-                </a:solidFill>
-              </a:rPr>
-              <a:t>parent</a:t>
-            </a:r>
-            <a:r>
-              <a:rPr lang="zh-CN" altLang="en-US" b="1" dirty="0">
-                <a:solidFill>
-                  <a:srgbClr val="0070C0"/>
-                </a:solidFill>
-              </a:rPr>
-              <a:t> </a:t>
-            </a:r>
-            <a:r>
-              <a:rPr lang="en-US" altLang="zh-CN" b="1" dirty="0">
-                <a:solidFill>
-                  <a:srgbClr val="0070C0"/>
-                </a:solidFill>
-              </a:rPr>
-              <a:t>process</a:t>
-            </a:r>
-            <a:r>
-              <a:rPr lang="zh-CN" altLang="en-US" b="1" dirty="0">
-                <a:solidFill>
-                  <a:srgbClr val="0070C0"/>
-                </a:solidFill>
-              </a:rPr>
-              <a:t> </a:t>
-            </a:r>
-            <a:r>
-              <a:rPr lang="en-US" altLang="zh-CN" dirty="0"/>
-              <a:t>or</a:t>
-            </a:r>
-            <a:r>
-              <a:rPr lang="zh-CN" altLang="en-US" dirty="0"/>
-              <a:t> </a:t>
-            </a:r>
-            <a:r>
-              <a:rPr lang="en-US" altLang="zh-CN" b="1" dirty="0">
-                <a:solidFill>
-                  <a:srgbClr val="0070C0"/>
-                </a:solidFill>
-              </a:rPr>
-              <a:t>calling</a:t>
-            </a:r>
-            <a:r>
-              <a:rPr lang="zh-CN" altLang="en-US" b="1" dirty="0">
-                <a:solidFill>
-                  <a:srgbClr val="0070C0"/>
-                </a:solidFill>
-              </a:rPr>
-              <a:t> </a:t>
-            </a:r>
-            <a:r>
-              <a:rPr lang="en-US" altLang="zh-CN" b="1" dirty="0">
-                <a:solidFill>
-                  <a:srgbClr val="0070C0"/>
-                </a:solidFill>
-              </a:rPr>
-              <a:t>process</a:t>
-            </a:r>
-          </a:p>
-          <a:p>
-            <a:endParaRPr lang="en-US" altLang="zh-CN" dirty="0"/>
-          </a:p>
-          <a:p>
-            <a:r>
-              <a:rPr lang="en-US" altLang="zh-CN" dirty="0"/>
-              <a:t>Process</a:t>
-            </a:r>
-            <a:r>
-              <a:rPr lang="zh-CN" altLang="en-US" dirty="0"/>
-              <a:t> </a:t>
-            </a:r>
-            <a:r>
-              <a:rPr lang="en-US" altLang="zh-CN" dirty="0"/>
-              <a:t>creation</a:t>
-            </a:r>
-            <a:r>
-              <a:rPr lang="zh-CN" altLang="en-US" dirty="0"/>
-              <a:t> </a:t>
-            </a:r>
-            <a:r>
-              <a:rPr lang="en-US" altLang="zh-CN" dirty="0"/>
-              <a:t>relies</a:t>
-            </a:r>
-            <a:r>
-              <a:rPr lang="zh-CN" altLang="en-US" dirty="0"/>
-              <a:t> </a:t>
-            </a:r>
-            <a:r>
-              <a:rPr lang="en-US" altLang="zh-CN" dirty="0"/>
-              <a:t>on</a:t>
-            </a:r>
-            <a:r>
-              <a:rPr lang="zh-CN" altLang="en-US" dirty="0"/>
-              <a:t> </a:t>
-            </a:r>
-            <a:r>
-              <a:rPr lang="en-US" altLang="zh-CN" dirty="0"/>
-              <a:t>two</a:t>
-            </a:r>
-            <a:r>
-              <a:rPr lang="zh-CN" altLang="en-US" dirty="0"/>
-              <a:t> </a:t>
-            </a:r>
-            <a:r>
-              <a:rPr lang="en-US" altLang="zh-CN" dirty="0"/>
-              <a:t>system</a:t>
-            </a:r>
-            <a:r>
-              <a:rPr lang="zh-CN" altLang="en-US" dirty="0"/>
-              <a:t> </a:t>
-            </a:r>
-            <a:r>
-              <a:rPr lang="en-US" altLang="zh-CN" dirty="0"/>
-              <a:t>calls</a:t>
-            </a:r>
-          </a:p>
-          <a:p>
-            <a:pPr lvl="1"/>
-            <a:r>
-              <a:rPr lang="en-US" altLang="zh-CN" b="1" dirty="0">
-                <a:solidFill>
-                  <a:srgbClr val="0070C0"/>
-                </a:solidFill>
-              </a:rPr>
-              <a:t>fork()</a:t>
-            </a:r>
-          </a:p>
-          <a:p>
-            <a:pPr lvl="2"/>
-            <a:r>
-              <a:rPr lang="en-US" altLang="zh-CN" dirty="0"/>
-              <a:t>Create</a:t>
-            </a:r>
-            <a:r>
-              <a:rPr lang="zh-CN" altLang="en-US" dirty="0"/>
-              <a:t> </a:t>
-            </a:r>
-            <a:r>
-              <a:rPr lang="en-US" altLang="zh-CN" dirty="0"/>
-              <a:t>a</a:t>
-            </a:r>
-            <a:r>
-              <a:rPr lang="zh-CN" altLang="en-US" dirty="0"/>
-              <a:t> </a:t>
-            </a:r>
-            <a:r>
-              <a:rPr lang="en-US" altLang="zh-CN" dirty="0"/>
-              <a:t>new</a:t>
-            </a:r>
-            <a:r>
-              <a:rPr lang="zh-CN" altLang="en-US" dirty="0"/>
-              <a:t> </a:t>
-            </a:r>
-            <a:r>
-              <a:rPr lang="en-US" altLang="zh-CN" dirty="0"/>
-              <a:t>process</a:t>
-            </a:r>
-            <a:r>
-              <a:rPr lang="zh-CN" altLang="en-US" dirty="0"/>
-              <a:t> </a:t>
-            </a:r>
-            <a:r>
-              <a:rPr lang="en-US" altLang="zh-CN" dirty="0"/>
-              <a:t>and</a:t>
-            </a:r>
-            <a:r>
-              <a:rPr lang="zh-CN" altLang="en-US" dirty="0"/>
-              <a:t> </a:t>
-            </a:r>
-            <a:r>
-              <a:rPr lang="en-US" altLang="zh-CN" dirty="0">
-                <a:solidFill>
-                  <a:srgbClr val="FF0000"/>
-                </a:solidFill>
-              </a:rPr>
-              <a:t>clone</a:t>
-            </a:r>
-            <a:r>
-              <a:rPr lang="zh-CN" altLang="en-US" dirty="0"/>
-              <a:t> </a:t>
-            </a:r>
-            <a:r>
-              <a:rPr lang="en-US" altLang="zh-CN" dirty="0"/>
-              <a:t>its</a:t>
-            </a:r>
-            <a:r>
-              <a:rPr lang="zh-CN" altLang="en-US" dirty="0"/>
-              <a:t> </a:t>
-            </a:r>
-            <a:r>
-              <a:rPr lang="en-US" altLang="zh-CN" dirty="0"/>
-              <a:t>parent</a:t>
-            </a:r>
-            <a:r>
-              <a:rPr lang="zh-CN" altLang="en-US" dirty="0"/>
-              <a:t> </a:t>
-            </a:r>
-            <a:r>
-              <a:rPr lang="en-US" altLang="zh-CN" dirty="0"/>
-              <a:t>process</a:t>
-            </a:r>
-            <a:r>
-              <a:rPr lang="zh-CN" altLang="en-US" dirty="0"/>
-              <a:t> </a:t>
-            </a:r>
-            <a:endParaRPr lang="en-US" altLang="zh-CN" dirty="0"/>
-          </a:p>
-          <a:p>
-            <a:pPr lvl="1"/>
-            <a:r>
-              <a:rPr lang="en-US" altLang="zh-CN" b="1" dirty="0">
-                <a:solidFill>
-                  <a:srgbClr val="0070C0"/>
-                </a:solidFill>
-              </a:rPr>
-              <a:t>exec()</a:t>
-            </a:r>
-          </a:p>
-          <a:p>
-            <a:pPr lvl="2"/>
-            <a:r>
-              <a:rPr lang="en-US" altLang="zh-CN" dirty="0"/>
-              <a:t>Overwrite</a:t>
-            </a:r>
-            <a:r>
-              <a:rPr lang="zh-CN" altLang="en-US" dirty="0"/>
-              <a:t> </a:t>
-            </a:r>
-            <a:r>
-              <a:rPr lang="en-US" altLang="zh-CN" dirty="0"/>
-              <a:t>the</a:t>
-            </a:r>
-            <a:r>
-              <a:rPr lang="zh-CN" altLang="en-US" dirty="0"/>
-              <a:t> </a:t>
-            </a:r>
-            <a:r>
-              <a:rPr lang="en-US" altLang="zh-CN" dirty="0"/>
-              <a:t>created</a:t>
-            </a:r>
-            <a:r>
-              <a:rPr lang="zh-CN" altLang="en-US" dirty="0"/>
-              <a:t> </a:t>
-            </a:r>
-            <a:r>
-              <a:rPr lang="en-US" altLang="zh-CN" dirty="0"/>
-              <a:t>process</a:t>
-            </a:r>
-            <a:r>
-              <a:rPr lang="zh-CN" altLang="en-US" dirty="0"/>
-              <a:t> </a:t>
-            </a:r>
-            <a:r>
-              <a:rPr lang="en-US" altLang="zh-CN" dirty="0"/>
-              <a:t>with</a:t>
-            </a:r>
-            <a:r>
-              <a:rPr lang="zh-CN" altLang="en-US" dirty="0"/>
-              <a:t> </a:t>
-            </a:r>
-            <a:r>
-              <a:rPr lang="en-US" altLang="zh-CN" dirty="0"/>
-              <a:t>a</a:t>
-            </a:r>
-            <a:r>
-              <a:rPr lang="zh-CN" altLang="en-US" dirty="0"/>
-              <a:t> </a:t>
-            </a:r>
-            <a:r>
-              <a:rPr lang="en-US" altLang="zh-CN" dirty="0"/>
-              <a:t>new</a:t>
-            </a:r>
-            <a:r>
-              <a:rPr lang="zh-CN" altLang="en-US" dirty="0"/>
-              <a:t> </a:t>
-            </a:r>
-            <a:r>
-              <a:rPr lang="en-US" altLang="zh-CN" dirty="0"/>
-              <a:t>program</a:t>
-            </a:r>
-          </a:p>
-        </p:txBody>
-      </p:sp>
-      <p:sp>
-        <p:nvSpPr>
-          <p:cNvPr id="4" name="页脚占位符 3">
-            <a:extLst>
-              <a:ext uri="{FF2B5EF4-FFF2-40B4-BE49-F238E27FC236}">
-                <a16:creationId xmlns:a16="http://schemas.microsoft.com/office/drawing/2014/main" id="{CA92268A-2DCE-0BDC-31AD-54BC4E61A1D2}"/>
-              </a:ext>
-            </a:extLst>
-          </p:cNvPr>
-          <p:cNvSpPr>
-            <a:spLocks noGrp="1"/>
-          </p:cNvSpPr>
-          <p:nvPr>
-            <p:ph type="ftr" sz="quarter" idx="4294967295"/>
-          </p:nvPr>
-        </p:nvSpPr>
-        <p:spPr>
-          <a:xfrm>
-            <a:off x="4038600" y="6356351"/>
-            <a:ext cx="4114800" cy="365125"/>
-          </a:xfrm>
-          <a:prstGeom prst="rect">
-            <a:avLst/>
-          </a:prstGeom>
-        </p:spPr>
-        <p:txBody>
-          <a:bodyPr/>
-          <a:lstStyle/>
-          <a:p>
-            <a:endParaRPr lang="en-US" altLang="zh-CN" dirty="0"/>
-          </a:p>
-        </p:txBody>
-      </p:sp>
-    </p:spTree>
-    <p:extLst>
-      <p:ext uri="{BB962C8B-B14F-4D97-AF65-F5344CB8AC3E}">
-        <p14:creationId xmlns:p14="http://schemas.microsoft.com/office/powerpoint/2010/main" val="3380590396"/>
-      </p:ext>
-    </p:extLst>
-  </p:cSld>
-  <p:clrMapOvr>
-    <a:masterClrMapping/>
-  </p:clrMapOvr>
-</p:sld>
-</file>
-
-<file path=ppt/slides/slide11.xml><?xml version="1.0" encoding="utf-8"?>
-<p:sld xmlns:a="http://schemas.openxmlformats.org/drawingml/2006/main" xmlns:r="http://schemas.openxmlformats.org/officeDocument/2006/relationships" xmlns:p="http://schemas.openxmlformats.org/presentationml/2006/main">
-  <p:cSld>
-    <p:spTree>
-      <p:nvGrpSpPr>
-        <p:cNvPr id="1" name=""/>
-        <p:cNvGrpSpPr/>
-        <p:nvPr/>
-      </p:nvGrpSpPr>
-      <p:grpSpPr>
-        <a:xfrm>
-          <a:off x="0" y="0"/>
-          <a:ext cx="0" cy="0"/>
-          <a:chOff x="0" y="0"/>
-          <a:chExt cx="0" cy="0"/>
-        </a:xfrm>
-      </p:grpSpPr>
-      <p:sp>
-        <p:nvSpPr>
-          <p:cNvPr id="2" name="Tittel 1">
-            <a:extLst>
-              <a:ext uri="{FF2B5EF4-FFF2-40B4-BE49-F238E27FC236}">
-                <a16:creationId xmlns:a16="http://schemas.microsoft.com/office/drawing/2014/main" id="{444E9320-82CB-6B47-9656-1B5499518015}"/>
-              </a:ext>
-            </a:extLst>
-          </p:cNvPr>
-          <p:cNvSpPr>
-            <a:spLocks noGrp="1"/>
-          </p:cNvSpPr>
-          <p:nvPr>
-            <p:ph type="title"/>
-          </p:nvPr>
-        </p:nvSpPr>
         <p:spPr>
           <a:xfrm>
             <a:off x="419449" y="274639"/>
@@ -10422,7 +10020,7 @@
 </p:sld>
 </file>
 
-<file path=ppt/slides/slide12.xml><?xml version="1.0" encoding="utf-8"?>
+<file path=ppt/slides/slide11.xml><?xml version="1.0" encoding="utf-8"?>
 <p:sld xmlns:a="http://schemas.openxmlformats.org/drawingml/2006/main" xmlns:r="http://schemas.openxmlformats.org/officeDocument/2006/relationships" xmlns:p="http://schemas.openxmlformats.org/presentationml/2006/main">
   <p:cSld>
     <p:spTree>
@@ -12055,7 +11653,7 @@
 </p:sld>
 </file>
 
-<file path=ppt/slides/slide13.xml><?xml version="1.0" encoding="utf-8"?>
+<file path=ppt/slides/slide12.xml><?xml version="1.0" encoding="utf-8"?>
 <p:sld xmlns:a="http://schemas.openxmlformats.org/drawingml/2006/main" xmlns:r="http://schemas.openxmlformats.org/officeDocument/2006/relationships" xmlns:p="http://schemas.openxmlformats.org/presentationml/2006/main">
   <p:cSld>
     <p:spTree>
@@ -13017,7 +12615,7 @@
 </p:sld>
 </file>
 
-<file path=ppt/slides/slide14.xml><?xml version="1.0" encoding="utf-8"?>
+<file path=ppt/slides/slide13.xml><?xml version="1.0" encoding="utf-8"?>
 <p:sld xmlns:a="http://schemas.openxmlformats.org/drawingml/2006/main" xmlns:r="http://schemas.openxmlformats.org/officeDocument/2006/relationships" xmlns:p="http://schemas.openxmlformats.org/presentationml/2006/main">
   <p:cSld>
     <p:spTree>
@@ -14678,7 +14276,7 @@
 </p:sld>
 </file>
 
-<file path=ppt/slides/slide15.xml><?xml version="1.0" encoding="utf-8"?>
+<file path=ppt/slides/slide14.xml><?xml version="1.0" encoding="utf-8"?>
 <p:sld xmlns:a="http://schemas.openxmlformats.org/drawingml/2006/main" xmlns:r="http://schemas.openxmlformats.org/officeDocument/2006/relationships" xmlns:p="http://schemas.openxmlformats.org/presentationml/2006/main">
   <p:cSld>
     <p:spTree>
@@ -14829,39 +14427,6 @@
               <a:t>child runs first, and parents waits for child to finish</a:t>
             </a:r>
             <a:endParaRPr lang="en-US" dirty="0"/>
-          </a:p>
-        </p:txBody>
-      </p:sp>
-      <p:sp>
-        <p:nvSpPr>
-          <p:cNvPr id="4" name="页脚占位符 3">
-            <a:extLst>
-              <a:ext uri="{FF2B5EF4-FFF2-40B4-BE49-F238E27FC236}">
-                <a16:creationId xmlns:a16="http://schemas.microsoft.com/office/drawing/2014/main" id="{39965567-C697-ABBA-BE62-DC236B9417F3}"/>
-              </a:ext>
-            </a:extLst>
-          </p:cNvPr>
-          <p:cNvSpPr>
-            <a:spLocks noGrp="1"/>
-          </p:cNvSpPr>
-          <p:nvPr>
-            <p:ph type="ftr" sz="quarter" idx="4294967295"/>
-          </p:nvPr>
-        </p:nvSpPr>
-        <p:spPr>
-          <a:xfrm>
-            <a:off x="4038600" y="6356351"/>
-            <a:ext cx="4114800" cy="365125"/>
-          </a:xfrm>
-          <a:prstGeom prst="rect">
-            <a:avLst/>
-          </a:prstGeom>
-        </p:spPr>
-        <p:txBody>
-          <a:bodyPr/>
-          <a:lstStyle/>
-          <a:p>
-            <a:endParaRPr lang="en-US" altLang="zh-CN" dirty="0"/>
           </a:p>
         </p:txBody>
       </p:sp>
@@ -14924,6 +14489,69 @@
           </a:prstGeom>
         </p:spPr>
       </p:pic>
+      <p:sp>
+        <p:nvSpPr>
+          <p:cNvPr id="8" name="TextBox 7">
+            <a:extLst>
+              <a:ext uri="{FF2B5EF4-FFF2-40B4-BE49-F238E27FC236}">
+                <a16:creationId xmlns:a16="http://schemas.microsoft.com/office/drawing/2014/main" id="{4F852127-3924-E040-AB09-C5A5E2EDFBD4}"/>
+              </a:ext>
+            </a:extLst>
+          </p:cNvPr>
+          <p:cNvSpPr txBox="1"/>
+          <p:nvPr/>
+        </p:nvSpPr>
+        <p:spPr>
+          <a:xfrm>
+            <a:off x="3744686" y="6153757"/>
+            <a:ext cx="5595257" cy="646331"/>
+          </a:xfrm>
+          <a:prstGeom prst="rect">
+            <a:avLst/>
+          </a:prstGeom>
+          <a:noFill/>
+        </p:spPr>
+        <p:txBody>
+          <a:bodyPr wrap="square">
+            <a:spAutoFit/>
+          </a:bodyPr>
+          <a:lstStyle/>
+          <a:p>
+            <a:pPr algn="l"/>
+            <a:r>
+              <a:rPr lang="en-GB" b="0" i="0" dirty="0">
+                <a:solidFill>
+                  <a:srgbClr val="0F0F0F"/>
+                </a:solidFill>
+                <a:effectLst/>
+                <a:latin typeface="Roboto" panose="02000000000000000000" pitchFamily="2" charset="0"/>
+              </a:rPr>
+              <a:t>Fork() system call tutorial</a:t>
+            </a:r>
+          </a:p>
+          <a:p>
+            <a:pPr algn="l"/>
+            <a:r>
+              <a:rPr lang="en-GB" b="0" i="0" dirty="0">
+                <a:solidFill>
+                  <a:srgbClr val="0F0F0F"/>
+                </a:solidFill>
+                <a:effectLst/>
+                <a:latin typeface="Roboto" panose="02000000000000000000" pitchFamily="2" charset="0"/>
+                <a:hlinkClick r:id="rId4"/>
+              </a:rPr>
+              <a:t>https://www.youtube.com/watch?v=xVSPv-9x3gk</a:t>
+            </a:r>
+            <a:endParaRPr lang="en-GB" b="0" i="0" dirty="0">
+              <a:solidFill>
+                <a:srgbClr val="0F0F0F"/>
+              </a:solidFill>
+              <a:effectLst/>
+              <a:latin typeface="Roboto" panose="02000000000000000000" pitchFamily="2" charset="0"/>
+            </a:endParaRPr>
+          </a:p>
+        </p:txBody>
+      </p:sp>
     </p:spTree>
     <p:extLst>
       <p:ext uri="{BB962C8B-B14F-4D97-AF65-F5344CB8AC3E}">
@@ -14937,7 +14565,7 @@
 </p:sld>
 </file>
 
-<file path=ppt/slides/slide16.xml><?xml version="1.0" encoding="utf-8"?>
+<file path=ppt/slides/slide15.xml><?xml version="1.0" encoding="utf-8"?>
 <p:sld xmlns:a="http://schemas.openxmlformats.org/drawingml/2006/main" xmlns:r="http://schemas.openxmlformats.org/officeDocument/2006/relationships" xmlns:p="http://schemas.openxmlformats.org/presentationml/2006/main">
   <p:cSld>
     <p:spTree>
@@ -15456,7 +15084,7 @@
 </p:sld>
 </file>
 
-<file path=ppt/slides/slide17.xml><?xml version="1.0" encoding="utf-8"?>
+<file path=ppt/slides/slide16.xml><?xml version="1.0" encoding="utf-8"?>
 <p:sld xmlns:a="http://schemas.openxmlformats.org/drawingml/2006/main" xmlns:r="http://schemas.openxmlformats.org/officeDocument/2006/relationships" xmlns:p="http://schemas.openxmlformats.org/presentationml/2006/main">
   <p:cSld>
     <p:spTree>
@@ -17144,7 +16772,7 @@
 </p:sld>
 </file>
 
-<file path=ppt/slides/slide18.xml><?xml version="1.0" encoding="utf-8"?>
+<file path=ppt/slides/slide17.xml><?xml version="1.0" encoding="utf-8"?>
 <p:sld xmlns:a="http://schemas.openxmlformats.org/drawingml/2006/main" xmlns:r="http://schemas.openxmlformats.org/officeDocument/2006/relationships" xmlns:p="http://schemas.openxmlformats.org/presentationml/2006/main">
   <p:cSld>
     <p:spTree>
@@ -17707,7 +17335,7 @@
 </p:sld>
 </file>
 
-<file path=ppt/slides/slide19.xml><?xml version="1.0" encoding="utf-8"?>
+<file path=ppt/slides/slide18.xml><?xml version="1.0" encoding="utf-8"?>
 <p:sld xmlns:a="http://schemas.openxmlformats.org/drawingml/2006/main" xmlns:r="http://schemas.openxmlformats.org/officeDocument/2006/relationships" xmlns:p="http://schemas.openxmlformats.org/presentationml/2006/main">
   <p:cSld>
     <p:spTree>
@@ -18265,7 +17893,7 @@
           </a:ln>
           <a:extLst>
             <a:ext uri="{AF507438-7753-43e0-B8FC-AC1667EBCBE1}">
-              <a14:hiddenEffects xmlns:a14="http://schemas.microsoft.com/office/drawing/2010/main" xmlns="">
+              <a14:hiddenEffects xmlns="" xmlns:a14="http://schemas.microsoft.com/office/drawing/2010/main">
                 <a:effectLst>
                   <a:outerShdw dist="35921" dir="2700000" algn="ctr" rotWithShape="0">
                     <a:schemeClr val="bg2"/>
@@ -18352,7 +17980,7 @@
           </a:ln>
           <a:extLst>
             <a:ext uri="{AF507438-7753-43e0-B8FC-AC1667EBCBE1}">
-              <a14:hiddenEffects xmlns:a14="http://schemas.microsoft.com/office/drawing/2010/main" xmlns="">
+              <a14:hiddenEffects xmlns="" xmlns:a14="http://schemas.microsoft.com/office/drawing/2010/main">
                 <a:effectLst>
                   <a:outerShdw dist="35921" dir="2700000" algn="ctr" rotWithShape="0">
                     <a:schemeClr val="bg2"/>
@@ -18525,7 +18153,7 @@
           </a:ln>
           <a:extLst>
             <a:ext uri="{AF507438-7753-43e0-B8FC-AC1667EBCBE1}">
-              <a14:hiddenEffects xmlns:a14="http://schemas.microsoft.com/office/drawing/2010/main" xmlns="">
+              <a14:hiddenEffects xmlns="" xmlns:a14="http://schemas.microsoft.com/office/drawing/2010/main">
                 <a:effectLst>
                   <a:outerShdw dist="35921" dir="2700000" algn="ctr" rotWithShape="0">
                     <a:schemeClr val="bg2"/>
@@ -18590,6 +18218,191 @@
     <p:extLst>
       <p:ext uri="{BB962C8B-B14F-4D97-AF65-F5344CB8AC3E}">
         <p14:creationId xmlns:p14="http://schemas.microsoft.com/office/powerpoint/2010/main" val="2851166251"/>
+      </p:ext>
+    </p:extLst>
+  </p:cSld>
+  <p:clrMapOvr>
+    <a:masterClrMapping/>
+  </p:clrMapOvr>
+</p:sld>
+</file>
+
+<file path=ppt/slides/slide19.xml><?xml version="1.0" encoding="utf-8"?>
+<p:sld xmlns:a="http://schemas.openxmlformats.org/drawingml/2006/main" xmlns:r="http://schemas.openxmlformats.org/officeDocument/2006/relationships" xmlns:p="http://schemas.openxmlformats.org/presentationml/2006/main">
+  <p:cSld>
+    <p:spTree>
+      <p:nvGrpSpPr>
+        <p:cNvPr id="1" name=""/>
+        <p:cNvGrpSpPr/>
+        <p:nvPr/>
+      </p:nvGrpSpPr>
+      <p:grpSpPr>
+        <a:xfrm>
+          <a:off x="0" y="0"/>
+          <a:ext cx="0" cy="0"/>
+          <a:chOff x="0" y="0"/>
+          <a:chExt cx="0" cy="0"/>
+        </a:xfrm>
+      </p:grpSpPr>
+      <p:sp>
+        <p:nvSpPr>
+          <p:cNvPr id="2" name="标题 1">
+            <a:extLst>
+              <a:ext uri="{FF2B5EF4-FFF2-40B4-BE49-F238E27FC236}">
+                <a16:creationId xmlns:a16="http://schemas.microsoft.com/office/drawing/2014/main" id="{A12AF80B-F633-FB1C-B078-1ADDBAE2EF3C}"/>
+              </a:ext>
+            </a:extLst>
+          </p:cNvPr>
+          <p:cNvSpPr>
+            <a:spLocks noGrp="1"/>
+          </p:cNvSpPr>
+          <p:nvPr>
+            <p:ph type="title"/>
+          </p:nvPr>
+        </p:nvSpPr>
+        <p:spPr/>
+        <p:txBody>
+          <a:bodyPr/>
+          <a:lstStyle/>
+          <a:p>
+            <a:r>
+              <a:rPr lang="en-US" altLang="zh-CN" dirty="0"/>
+              <a:t>Process</a:t>
+            </a:r>
+            <a:r>
+              <a:rPr lang="zh-CN" altLang="en-US" dirty="0"/>
+              <a:t> </a:t>
+            </a:r>
+            <a:r>
+              <a:rPr lang="en-US" altLang="zh-CN" dirty="0"/>
+              <a:t>Tree</a:t>
+            </a:r>
+            <a:endParaRPr lang="en-US" dirty="0"/>
+          </a:p>
+        </p:txBody>
+      </p:sp>
+      <p:sp>
+        <p:nvSpPr>
+          <p:cNvPr id="3" name="内容占位符 2">
+            <a:extLst>
+              <a:ext uri="{FF2B5EF4-FFF2-40B4-BE49-F238E27FC236}">
+                <a16:creationId xmlns:a16="http://schemas.microsoft.com/office/drawing/2014/main" id="{08EA202D-2329-46FC-D16F-7F672EA47134}"/>
+              </a:ext>
+            </a:extLst>
+          </p:cNvPr>
+          <p:cNvSpPr>
+            <a:spLocks noGrp="1"/>
+          </p:cNvSpPr>
+          <p:nvPr>
+            <p:ph idx="1"/>
+          </p:nvPr>
+        </p:nvSpPr>
+        <p:spPr/>
+        <p:txBody>
+          <a:bodyPr/>
+          <a:lstStyle/>
+          <a:p>
+            <a:endParaRPr lang="en-US"/>
+          </a:p>
+        </p:txBody>
+      </p:sp>
+      <p:sp>
+        <p:nvSpPr>
+          <p:cNvPr id="4" name="页脚占位符 3">
+            <a:extLst>
+              <a:ext uri="{FF2B5EF4-FFF2-40B4-BE49-F238E27FC236}">
+                <a16:creationId xmlns:a16="http://schemas.microsoft.com/office/drawing/2014/main" id="{28DD35F1-0DFA-E584-9F82-156351DB9F54}"/>
+              </a:ext>
+            </a:extLst>
+          </p:cNvPr>
+          <p:cNvSpPr>
+            <a:spLocks noGrp="1"/>
+          </p:cNvSpPr>
+          <p:nvPr>
+            <p:ph type="ftr" sz="quarter" idx="4294967295"/>
+          </p:nvPr>
+        </p:nvSpPr>
+        <p:spPr>
+          <a:xfrm>
+            <a:off x="4038600" y="6356351"/>
+            <a:ext cx="4114800" cy="365125"/>
+          </a:xfrm>
+          <a:prstGeom prst="rect">
+            <a:avLst/>
+          </a:prstGeom>
+        </p:spPr>
+        <p:txBody>
+          <a:bodyPr/>
+          <a:lstStyle/>
+          <a:p>
+            <a:endParaRPr lang="en-US" altLang="zh-CN" dirty="0"/>
+          </a:p>
+        </p:txBody>
+      </p:sp>
+      <p:pic>
+        <p:nvPicPr>
+          <p:cNvPr id="6" name="Picture 1" descr="3_08.pdf">
+            <a:extLst>
+              <a:ext uri="{FF2B5EF4-FFF2-40B4-BE49-F238E27FC236}">
+                <a16:creationId xmlns:a16="http://schemas.microsoft.com/office/drawing/2014/main" id="{35DFF573-A46E-A7D6-67CA-AEAC70167C93}"/>
+              </a:ext>
+            </a:extLst>
+          </p:cNvPr>
+          <p:cNvPicPr>
+            <a:picLocks noChangeAspect="1"/>
+          </p:cNvPicPr>
+          <p:nvPr/>
+        </p:nvPicPr>
+        <p:blipFill>
+          <a:blip r:embed="rId2">
+            <a:extLst>
+              <a:ext uri="{28A0092B-C50C-407E-A947-70E740481C1C}">
+                <a14:useLocalDpi xmlns:a14="http://schemas.microsoft.com/office/drawing/2010/main" val="0"/>
+              </a:ext>
+            </a:extLst>
+          </a:blip>
+          <a:srcRect/>
+          <a:stretch>
+            <a:fillRect/>
+          </a:stretch>
+        </p:blipFill>
+        <p:spPr bwMode="auto">
+          <a:xfrm>
+            <a:off x="2243980" y="1165263"/>
+            <a:ext cx="7780381" cy="4122833"/>
+          </a:xfrm>
+          <a:prstGeom prst="rect">
+            <a:avLst/>
+          </a:prstGeom>
+          <a:noFill/>
+          <a:ln>
+            <a:noFill/>
+          </a:ln>
+          <a:extLst>
+            <a:ext uri="{909E8E84-426E-40DD-AFC4-6F175D3DCCD1}">
+              <a14:hiddenFill xmlns:a14="http://schemas.microsoft.com/office/drawing/2010/main">
+                <a:solidFill>
+                  <a:srgbClr val="FFFFFF"/>
+                </a:solidFill>
+              </a14:hiddenFill>
+            </a:ext>
+            <a:ext uri="{91240B29-F687-4F45-9708-019B960494DF}">
+              <a14:hiddenLine xmlns:a14="http://schemas.microsoft.com/office/drawing/2010/main" w="9525">
+                <a:solidFill>
+                  <a:srgbClr val="000000"/>
+                </a:solidFill>
+                <a:miter lim="800000"/>
+                <a:headEnd/>
+                <a:tailEnd/>
+              </a14:hiddenLine>
+            </a:ext>
+          </a:extLst>
+        </p:spPr>
+      </p:pic>
+    </p:spTree>
+    <p:extLst>
+      <p:ext uri="{BB962C8B-B14F-4D97-AF65-F5344CB8AC3E}">
+        <p14:creationId xmlns:p14="http://schemas.microsoft.com/office/powerpoint/2010/main" val="747926631"/>
       </p:ext>
     </p:extLst>
   </p:cSld>
@@ -18791,191 +18604,6 @@
 </file>
 
 <file path=ppt/slides/slide20.xml><?xml version="1.0" encoding="utf-8"?>
-<p:sld xmlns:a="http://schemas.openxmlformats.org/drawingml/2006/main" xmlns:r="http://schemas.openxmlformats.org/officeDocument/2006/relationships" xmlns:p="http://schemas.openxmlformats.org/presentationml/2006/main">
-  <p:cSld>
-    <p:spTree>
-      <p:nvGrpSpPr>
-        <p:cNvPr id="1" name=""/>
-        <p:cNvGrpSpPr/>
-        <p:nvPr/>
-      </p:nvGrpSpPr>
-      <p:grpSpPr>
-        <a:xfrm>
-          <a:off x="0" y="0"/>
-          <a:ext cx="0" cy="0"/>
-          <a:chOff x="0" y="0"/>
-          <a:chExt cx="0" cy="0"/>
-        </a:xfrm>
-      </p:grpSpPr>
-      <p:sp>
-        <p:nvSpPr>
-          <p:cNvPr id="2" name="标题 1">
-            <a:extLst>
-              <a:ext uri="{FF2B5EF4-FFF2-40B4-BE49-F238E27FC236}">
-                <a16:creationId xmlns:a16="http://schemas.microsoft.com/office/drawing/2014/main" id="{A12AF80B-F633-FB1C-B078-1ADDBAE2EF3C}"/>
-              </a:ext>
-            </a:extLst>
-          </p:cNvPr>
-          <p:cNvSpPr>
-            <a:spLocks noGrp="1"/>
-          </p:cNvSpPr>
-          <p:nvPr>
-            <p:ph type="title"/>
-          </p:nvPr>
-        </p:nvSpPr>
-        <p:spPr/>
-        <p:txBody>
-          <a:bodyPr/>
-          <a:lstStyle/>
-          <a:p>
-            <a:r>
-              <a:rPr lang="en-US" altLang="zh-CN" dirty="0"/>
-              <a:t>Process</a:t>
-            </a:r>
-            <a:r>
-              <a:rPr lang="zh-CN" altLang="en-US" dirty="0"/>
-              <a:t> </a:t>
-            </a:r>
-            <a:r>
-              <a:rPr lang="en-US" altLang="zh-CN" dirty="0"/>
-              <a:t>Tree</a:t>
-            </a:r>
-            <a:endParaRPr lang="en-US" dirty="0"/>
-          </a:p>
-        </p:txBody>
-      </p:sp>
-      <p:sp>
-        <p:nvSpPr>
-          <p:cNvPr id="3" name="内容占位符 2">
-            <a:extLst>
-              <a:ext uri="{FF2B5EF4-FFF2-40B4-BE49-F238E27FC236}">
-                <a16:creationId xmlns:a16="http://schemas.microsoft.com/office/drawing/2014/main" id="{08EA202D-2329-46FC-D16F-7F672EA47134}"/>
-              </a:ext>
-            </a:extLst>
-          </p:cNvPr>
-          <p:cNvSpPr>
-            <a:spLocks noGrp="1"/>
-          </p:cNvSpPr>
-          <p:nvPr>
-            <p:ph idx="1"/>
-          </p:nvPr>
-        </p:nvSpPr>
-        <p:spPr/>
-        <p:txBody>
-          <a:bodyPr/>
-          <a:lstStyle/>
-          <a:p>
-            <a:endParaRPr lang="en-US"/>
-          </a:p>
-        </p:txBody>
-      </p:sp>
-      <p:sp>
-        <p:nvSpPr>
-          <p:cNvPr id="4" name="页脚占位符 3">
-            <a:extLst>
-              <a:ext uri="{FF2B5EF4-FFF2-40B4-BE49-F238E27FC236}">
-                <a16:creationId xmlns:a16="http://schemas.microsoft.com/office/drawing/2014/main" id="{28DD35F1-0DFA-E584-9F82-156351DB9F54}"/>
-              </a:ext>
-            </a:extLst>
-          </p:cNvPr>
-          <p:cNvSpPr>
-            <a:spLocks noGrp="1"/>
-          </p:cNvSpPr>
-          <p:nvPr>
-            <p:ph type="ftr" sz="quarter" idx="4294967295"/>
-          </p:nvPr>
-        </p:nvSpPr>
-        <p:spPr>
-          <a:xfrm>
-            <a:off x="4038600" y="6356351"/>
-            <a:ext cx="4114800" cy="365125"/>
-          </a:xfrm>
-          <a:prstGeom prst="rect">
-            <a:avLst/>
-          </a:prstGeom>
-        </p:spPr>
-        <p:txBody>
-          <a:bodyPr/>
-          <a:lstStyle/>
-          <a:p>
-            <a:endParaRPr lang="en-US" altLang="zh-CN" dirty="0"/>
-          </a:p>
-        </p:txBody>
-      </p:sp>
-      <p:pic>
-        <p:nvPicPr>
-          <p:cNvPr id="6" name="Picture 1" descr="3_08.pdf">
-            <a:extLst>
-              <a:ext uri="{FF2B5EF4-FFF2-40B4-BE49-F238E27FC236}">
-                <a16:creationId xmlns:a16="http://schemas.microsoft.com/office/drawing/2014/main" id="{35DFF573-A46E-A7D6-67CA-AEAC70167C93}"/>
-              </a:ext>
-            </a:extLst>
-          </p:cNvPr>
-          <p:cNvPicPr>
-            <a:picLocks noChangeAspect="1"/>
-          </p:cNvPicPr>
-          <p:nvPr/>
-        </p:nvPicPr>
-        <p:blipFill>
-          <a:blip r:embed="rId2">
-            <a:extLst>
-              <a:ext uri="{28A0092B-C50C-407E-A947-70E740481C1C}">
-                <a14:useLocalDpi xmlns:a14="http://schemas.microsoft.com/office/drawing/2010/main" val="0"/>
-              </a:ext>
-            </a:extLst>
-          </a:blip>
-          <a:srcRect/>
-          <a:stretch>
-            <a:fillRect/>
-          </a:stretch>
-        </p:blipFill>
-        <p:spPr bwMode="auto">
-          <a:xfrm>
-            <a:off x="2243980" y="1165263"/>
-            <a:ext cx="7780381" cy="4122833"/>
-          </a:xfrm>
-          <a:prstGeom prst="rect">
-            <a:avLst/>
-          </a:prstGeom>
-          <a:noFill/>
-          <a:ln>
-            <a:noFill/>
-          </a:ln>
-          <a:extLst>
-            <a:ext uri="{909E8E84-426E-40DD-AFC4-6F175D3DCCD1}">
-              <a14:hiddenFill xmlns:a14="http://schemas.microsoft.com/office/drawing/2010/main">
-                <a:solidFill>
-                  <a:srgbClr val="FFFFFF"/>
-                </a:solidFill>
-              </a14:hiddenFill>
-            </a:ext>
-            <a:ext uri="{91240B29-F687-4F45-9708-019B960494DF}">
-              <a14:hiddenLine xmlns:a14="http://schemas.microsoft.com/office/drawing/2010/main" w="9525">
-                <a:solidFill>
-                  <a:srgbClr val="000000"/>
-                </a:solidFill>
-                <a:miter lim="800000"/>
-                <a:headEnd/>
-                <a:tailEnd/>
-              </a14:hiddenLine>
-            </a:ext>
-          </a:extLst>
-        </p:spPr>
-      </p:pic>
-    </p:spTree>
-    <p:extLst>
-      <p:ext uri="{BB962C8B-B14F-4D97-AF65-F5344CB8AC3E}">
-        <p14:creationId xmlns:p14="http://schemas.microsoft.com/office/powerpoint/2010/main" val="747926631"/>
-      </p:ext>
-    </p:extLst>
-  </p:cSld>
-  <p:clrMapOvr>
-    <a:masterClrMapping/>
-  </p:clrMapOvr>
-</p:sld>
-</file>
-
-<file path=ppt/slides/slide21.xml><?xml version="1.0" encoding="utf-8"?>
 <p:sld xmlns:a="http://schemas.openxmlformats.org/drawingml/2006/main" xmlns:r="http://schemas.openxmlformats.org/officeDocument/2006/relationships" xmlns:p="http://schemas.openxmlformats.org/presentationml/2006/main">
   <p:cSld>
     <p:spTree>
@@ -19276,7 +18904,7 @@
 </p:sld>
 </file>
 
-<file path=ppt/slides/slide22.xml><?xml version="1.0" encoding="utf-8"?>
+<file path=ppt/slides/slide21.xml><?xml version="1.0" encoding="utf-8"?>
 <p:sld xmlns:a="http://schemas.openxmlformats.org/drawingml/2006/main" xmlns:r="http://schemas.openxmlformats.org/officeDocument/2006/relationships" xmlns:p="http://schemas.openxmlformats.org/presentationml/2006/main">
   <p:cSld>
     <p:spTree>
@@ -19779,7 +19407,7 @@
 </p:sld>
 </file>
 
-<file path=ppt/slides/slide23.xml><?xml version="1.0" encoding="utf-8"?>
+<file path=ppt/slides/slide22.xml><?xml version="1.0" encoding="utf-8"?>
 <p:sld xmlns:a="http://schemas.openxmlformats.org/drawingml/2006/main" xmlns:r="http://schemas.openxmlformats.org/officeDocument/2006/relationships" xmlns:p="http://schemas.openxmlformats.org/presentationml/2006/main">
   <p:cSld>
     <p:spTree>
@@ -20525,7 +20153,7 @@
 </p:sld>
 </file>
 
-<file path=ppt/slides/slide24.xml><?xml version="1.0" encoding="utf-8"?>
+<file path=ppt/slides/slide23.xml><?xml version="1.0" encoding="utf-8"?>
 <p:sld xmlns:a="http://schemas.openxmlformats.org/drawingml/2006/main" xmlns:r="http://schemas.openxmlformats.org/officeDocument/2006/relationships" xmlns:p="http://schemas.openxmlformats.org/presentationml/2006/main">
   <p:cSld>
     <p:spTree>
@@ -21114,7 +20742,7 @@
 </p:sld>
 </file>
 
-<file path=ppt/slides/slide25.xml><?xml version="1.0" encoding="utf-8"?>
+<file path=ppt/slides/slide24.xml><?xml version="1.0" encoding="utf-8"?>
 <p:sld xmlns:a="http://schemas.openxmlformats.org/drawingml/2006/main" xmlns:r="http://schemas.openxmlformats.org/officeDocument/2006/relationships" xmlns:p="http://schemas.openxmlformats.org/presentationml/2006/main">
   <p:cSld>
     <p:spTree>
@@ -21484,7 +21112,7 @@
 </p:sld>
 </file>
 
-<file path=ppt/slides/slide26.xml><?xml version="1.0" encoding="utf-8"?>
+<file path=ppt/slides/slide25.xml><?xml version="1.0" encoding="utf-8"?>
 <p:sld xmlns:a="http://schemas.openxmlformats.org/drawingml/2006/main" xmlns:r="http://schemas.openxmlformats.org/officeDocument/2006/relationships" xmlns:p="http://schemas.openxmlformats.org/presentationml/2006/main">
   <p:cSld>
     <p:spTree>
@@ -21687,7 +21315,7 @@
 </p:sld>
 </file>
 
-<file path=ppt/slides/slide27.xml><?xml version="1.0" encoding="utf-8"?>
+<file path=ppt/slides/slide26.xml><?xml version="1.0" encoding="utf-8"?>
 <p:sld xmlns:a="http://schemas.openxmlformats.org/drawingml/2006/main" xmlns:r="http://schemas.openxmlformats.org/officeDocument/2006/relationships" xmlns:p="http://schemas.openxmlformats.org/presentationml/2006/main">
   <p:cSld>
     <p:spTree>
@@ -21826,7 +21454,7 @@
 </p:sld>
 </file>
 
-<file path=ppt/slides/slide28.xml><?xml version="1.0" encoding="utf-8"?>
+<file path=ppt/slides/slide27.xml><?xml version="1.0" encoding="utf-8"?>
 <p:sld xmlns:a="http://schemas.openxmlformats.org/drawingml/2006/main" xmlns:r="http://schemas.openxmlformats.org/officeDocument/2006/relationships" xmlns:p="http://schemas.openxmlformats.org/presentationml/2006/main">
   <p:cSld>
     <p:spTree>
@@ -22013,7 +21641,7 @@
 </p:sld>
 </file>
 
-<file path=ppt/slides/slide29.xml><?xml version="1.0" encoding="utf-8"?>
+<file path=ppt/slides/slide28.xml><?xml version="1.0" encoding="utf-8"?>
 <p:sld xmlns:a="http://schemas.openxmlformats.org/drawingml/2006/main" xmlns:r="http://schemas.openxmlformats.org/officeDocument/2006/relationships" xmlns:p="http://schemas.openxmlformats.org/presentationml/2006/main">
   <p:cSld>
     <p:spTree>
@@ -22229,260 +21857,7 @@
 </p:sld>
 </file>
 
-<file path=ppt/slides/slide3.xml><?xml version="1.0" encoding="utf-8"?>
-<p:sld xmlns:a="http://schemas.openxmlformats.org/drawingml/2006/main" xmlns:r="http://schemas.openxmlformats.org/officeDocument/2006/relationships" xmlns:p="http://schemas.openxmlformats.org/presentationml/2006/main">
-  <p:cSld>
-    <p:spTree>
-      <p:nvGrpSpPr>
-        <p:cNvPr id="1" name=""/>
-        <p:cNvGrpSpPr/>
-        <p:nvPr/>
-      </p:nvGrpSpPr>
-      <p:grpSpPr>
-        <a:xfrm>
-          <a:off x="0" y="0"/>
-          <a:ext cx="0" cy="0"/>
-          <a:chOff x="0" y="0"/>
-          <a:chExt cx="0" cy="0"/>
-        </a:xfrm>
-      </p:grpSpPr>
-      <p:sp>
-        <p:nvSpPr>
-          <p:cNvPr id="2" name="标题 1">
-            <a:extLst>
-              <a:ext uri="{FF2B5EF4-FFF2-40B4-BE49-F238E27FC236}">
-                <a16:creationId xmlns:a16="http://schemas.microsoft.com/office/drawing/2014/main" id="{8794EE4F-7897-DF99-A99C-FFA9A958DFF6}"/>
-              </a:ext>
-            </a:extLst>
-          </p:cNvPr>
-          <p:cNvSpPr>
-            <a:spLocks noGrp="1"/>
-          </p:cNvSpPr>
-          <p:nvPr>
-            <p:ph type="title"/>
-          </p:nvPr>
-        </p:nvSpPr>
-        <p:spPr/>
-        <p:txBody>
-          <a:bodyPr/>
-          <a:lstStyle/>
-          <a:p>
-            <a:r>
-              <a:rPr lang="en-US" altLang="zh-CN" dirty="0"/>
-              <a:t>Process</a:t>
-            </a:r>
-            <a:endParaRPr lang="en-US" dirty="0"/>
-          </a:p>
-        </p:txBody>
-      </p:sp>
-      <p:sp>
-        <p:nvSpPr>
-          <p:cNvPr id="3" name="内容占位符 2">
-            <a:extLst>
-              <a:ext uri="{FF2B5EF4-FFF2-40B4-BE49-F238E27FC236}">
-                <a16:creationId xmlns:a16="http://schemas.microsoft.com/office/drawing/2014/main" id="{E4A1B987-911C-9C1A-3A3A-93E98F8C3255}"/>
-              </a:ext>
-            </a:extLst>
-          </p:cNvPr>
-          <p:cNvSpPr>
-            <a:spLocks noGrp="1"/>
-          </p:cNvSpPr>
-          <p:nvPr>
-            <p:ph idx="1"/>
-          </p:nvPr>
-        </p:nvSpPr>
-        <p:spPr/>
-        <p:txBody>
-          <a:bodyPr/>
-          <a:lstStyle/>
-          <a:p>
-            <a:r>
-              <a:rPr lang="en-US" altLang="en-US" dirty="0"/>
-              <a:t>Program is </a:t>
-            </a:r>
-            <a:r>
-              <a:rPr lang="en-US" altLang="zh-CN" dirty="0"/>
-              <a:t>a</a:t>
-            </a:r>
-            <a:r>
-              <a:rPr lang="zh-CN" altLang="en-US" dirty="0"/>
-              <a:t> </a:t>
-            </a:r>
-            <a:r>
-              <a:rPr lang="en-US" altLang="zh-CN" b="1" i="1" dirty="0">
-                <a:solidFill>
-                  <a:srgbClr val="0070C0"/>
-                </a:solidFill>
-              </a:rPr>
-              <a:t>static</a:t>
-            </a:r>
-            <a:r>
-              <a:rPr lang="en-US" altLang="en-US" dirty="0"/>
-              <a:t> entity stored on disk (</a:t>
-            </a:r>
-            <a:r>
-              <a:rPr lang="en-US" altLang="en-US" b="1" dirty="0">
-                <a:solidFill>
-                  <a:srgbClr val="3366FF"/>
-                </a:solidFill>
-              </a:rPr>
-              <a:t>executable file</a:t>
-            </a:r>
-            <a:r>
-              <a:rPr lang="en-US" altLang="en-US" dirty="0"/>
-              <a:t>), process is </a:t>
-            </a:r>
-            <a:r>
-              <a:rPr lang="en-US" altLang="en-US" b="1" i="1" dirty="0">
-                <a:solidFill>
-                  <a:srgbClr val="0070C0"/>
-                </a:solidFill>
-              </a:rPr>
-              <a:t>active</a:t>
-            </a:r>
-            <a:r>
-              <a:rPr lang="en-US" altLang="en-US" b="1" i="1" dirty="0"/>
-              <a:t> </a:t>
-            </a:r>
-          </a:p>
-          <a:p>
-            <a:pPr lvl="1"/>
-            <a:r>
-              <a:rPr lang="en-US" altLang="en-US" dirty="0"/>
-              <a:t>Program becomes process when executable file loaded into memory</a:t>
-            </a:r>
-          </a:p>
-          <a:p>
-            <a:pPr lvl="1"/>
-            <a:r>
-              <a:rPr lang="en-GB" altLang="en-US" dirty="0"/>
-              <a:t>Process is an abstraction of CPU</a:t>
-            </a:r>
-            <a:endParaRPr lang="en-US" altLang="en-US" dirty="0"/>
-          </a:p>
-          <a:p>
-            <a:r>
-              <a:rPr lang="en-US" altLang="en-US" dirty="0"/>
-              <a:t>Execution of program started via Gra</a:t>
-            </a:r>
-            <a:r>
-              <a:rPr lang="en-US" altLang="zh-CN" dirty="0"/>
-              <a:t>phic</a:t>
-            </a:r>
-            <a:r>
-              <a:rPr lang="zh-CN" altLang="en-US" dirty="0"/>
-              <a:t> </a:t>
-            </a:r>
-            <a:r>
-              <a:rPr lang="en-US" altLang="zh-CN" dirty="0"/>
-              <a:t>User</a:t>
-            </a:r>
-            <a:r>
-              <a:rPr lang="zh-CN" altLang="en-US" dirty="0"/>
-              <a:t> </a:t>
-            </a:r>
-            <a:r>
-              <a:rPr lang="en-US" altLang="zh-CN" dirty="0"/>
-              <a:t>Interface</a:t>
-            </a:r>
-            <a:r>
-              <a:rPr lang="zh-CN" altLang="en-US" dirty="0"/>
-              <a:t> </a:t>
-            </a:r>
-            <a:r>
-              <a:rPr lang="en-US" altLang="zh-CN" dirty="0"/>
-              <a:t>(</a:t>
-            </a:r>
-            <a:r>
-              <a:rPr lang="en-US" altLang="en-US" dirty="0"/>
-              <a:t>GUI</a:t>
-            </a:r>
-            <a:r>
-              <a:rPr lang="en-US" altLang="zh-CN" dirty="0"/>
-              <a:t>)</a:t>
-            </a:r>
-            <a:r>
-              <a:rPr lang="en-US" altLang="en-US" dirty="0"/>
-              <a:t> mouse clicks, command line entry of its name, </a:t>
-            </a:r>
-            <a:r>
-              <a:rPr lang="en-US" altLang="en-US" dirty="0" err="1"/>
-              <a:t>etc</a:t>
-            </a:r>
-            <a:endParaRPr lang="en-US" altLang="en-US" dirty="0"/>
-          </a:p>
-          <a:p>
-            <a:r>
-              <a:rPr lang="en-GB" dirty="0"/>
-              <a:t>A physical CPU is shared by many processes</a:t>
-            </a:r>
-          </a:p>
-          <a:p>
-            <a:pPr lvl="1"/>
-            <a:r>
-              <a:rPr lang="en-GB" dirty="0"/>
-              <a:t>Time sharing: run one process for a little while, then run another one, and so forth.</a:t>
-            </a:r>
-          </a:p>
-          <a:p>
-            <a:pPr lvl="1"/>
-            <a:r>
-              <a:rPr lang="en-GB" dirty="0"/>
-              <a:t>Processes believe they are using CPU alone</a:t>
-            </a:r>
-          </a:p>
-          <a:p>
-            <a:endParaRPr lang="en-US" dirty="0"/>
-          </a:p>
-        </p:txBody>
-      </p:sp>
-      <p:sp>
-        <p:nvSpPr>
-          <p:cNvPr id="4" name="页脚占位符 3">
-            <a:extLst>
-              <a:ext uri="{FF2B5EF4-FFF2-40B4-BE49-F238E27FC236}">
-                <a16:creationId xmlns:a16="http://schemas.microsoft.com/office/drawing/2014/main" id="{36265D60-85DA-9C2C-A26F-1FB2B84C7779}"/>
-              </a:ext>
-            </a:extLst>
-          </p:cNvPr>
-          <p:cNvSpPr>
-            <a:spLocks noGrp="1"/>
-          </p:cNvSpPr>
-          <p:nvPr>
-            <p:ph type="ftr" sz="quarter" idx="4294967295"/>
-          </p:nvPr>
-        </p:nvSpPr>
-        <p:spPr>
-          <a:xfrm>
-            <a:off x="4038600" y="6356351"/>
-            <a:ext cx="4114800" cy="365125"/>
-          </a:xfrm>
-          <a:prstGeom prst="rect">
-            <a:avLst/>
-          </a:prstGeom>
-        </p:spPr>
-        <p:txBody>
-          <a:bodyPr/>
-          <a:lstStyle/>
-          <a:p>
-            <a:endParaRPr lang="en-US" altLang="zh-CN" dirty="0"/>
-          </a:p>
-        </p:txBody>
-      </p:sp>
-    </p:spTree>
-    <p:extLst>
-      <p:ext uri="{BB962C8B-B14F-4D97-AF65-F5344CB8AC3E}">
-        <p14:creationId xmlns:p14="http://schemas.microsoft.com/office/powerpoint/2010/main" val="446925035"/>
-      </p:ext>
-    </p:extLst>
-  </p:cSld>
-  <p:clrMapOvr>
-    <a:masterClrMapping/>
-  </p:clrMapOvr>
-</p:sld>
-</file>
-
-<file path=ppt/slides/slide30.xml><?xml version="1.0" encoding="utf-8"?>
+<file path=ppt/slides/slide29.xml><?xml version="1.0" encoding="utf-8"?>
 <p:sld xmlns:a="http://schemas.openxmlformats.org/drawingml/2006/main" xmlns:r="http://schemas.openxmlformats.org/officeDocument/2006/relationships" xmlns:p="http://schemas.openxmlformats.org/presentationml/2006/main">
   <p:cSld>
     <p:spTree>
@@ -29010,7 +28385,260 @@
 </p:sld>
 </file>
 
-<file path=ppt/slides/slide31.xml><?xml version="1.0" encoding="utf-8"?>
+<file path=ppt/slides/slide3.xml><?xml version="1.0" encoding="utf-8"?>
+<p:sld xmlns:a="http://schemas.openxmlformats.org/drawingml/2006/main" xmlns:r="http://schemas.openxmlformats.org/officeDocument/2006/relationships" xmlns:p="http://schemas.openxmlformats.org/presentationml/2006/main">
+  <p:cSld>
+    <p:spTree>
+      <p:nvGrpSpPr>
+        <p:cNvPr id="1" name=""/>
+        <p:cNvGrpSpPr/>
+        <p:nvPr/>
+      </p:nvGrpSpPr>
+      <p:grpSpPr>
+        <a:xfrm>
+          <a:off x="0" y="0"/>
+          <a:ext cx="0" cy="0"/>
+          <a:chOff x="0" y="0"/>
+          <a:chExt cx="0" cy="0"/>
+        </a:xfrm>
+      </p:grpSpPr>
+      <p:sp>
+        <p:nvSpPr>
+          <p:cNvPr id="2" name="标题 1">
+            <a:extLst>
+              <a:ext uri="{FF2B5EF4-FFF2-40B4-BE49-F238E27FC236}">
+                <a16:creationId xmlns:a16="http://schemas.microsoft.com/office/drawing/2014/main" id="{8794EE4F-7897-DF99-A99C-FFA9A958DFF6}"/>
+              </a:ext>
+            </a:extLst>
+          </p:cNvPr>
+          <p:cNvSpPr>
+            <a:spLocks noGrp="1"/>
+          </p:cNvSpPr>
+          <p:nvPr>
+            <p:ph type="title"/>
+          </p:nvPr>
+        </p:nvSpPr>
+        <p:spPr/>
+        <p:txBody>
+          <a:bodyPr/>
+          <a:lstStyle/>
+          <a:p>
+            <a:r>
+              <a:rPr lang="en-US" altLang="zh-CN" dirty="0"/>
+              <a:t>Process</a:t>
+            </a:r>
+            <a:endParaRPr lang="en-US" dirty="0"/>
+          </a:p>
+        </p:txBody>
+      </p:sp>
+      <p:sp>
+        <p:nvSpPr>
+          <p:cNvPr id="3" name="内容占位符 2">
+            <a:extLst>
+              <a:ext uri="{FF2B5EF4-FFF2-40B4-BE49-F238E27FC236}">
+                <a16:creationId xmlns:a16="http://schemas.microsoft.com/office/drawing/2014/main" id="{E4A1B987-911C-9C1A-3A3A-93E98F8C3255}"/>
+              </a:ext>
+            </a:extLst>
+          </p:cNvPr>
+          <p:cNvSpPr>
+            <a:spLocks noGrp="1"/>
+          </p:cNvSpPr>
+          <p:nvPr>
+            <p:ph idx="1"/>
+          </p:nvPr>
+        </p:nvSpPr>
+        <p:spPr/>
+        <p:txBody>
+          <a:bodyPr/>
+          <a:lstStyle/>
+          <a:p>
+            <a:r>
+              <a:rPr lang="en-US" altLang="en-US" dirty="0"/>
+              <a:t>Program is </a:t>
+            </a:r>
+            <a:r>
+              <a:rPr lang="en-US" altLang="zh-CN" dirty="0"/>
+              <a:t>a</a:t>
+            </a:r>
+            <a:r>
+              <a:rPr lang="zh-CN" altLang="en-US" dirty="0"/>
+              <a:t> </a:t>
+            </a:r>
+            <a:r>
+              <a:rPr lang="en-US" altLang="zh-CN" b="1" i="1" dirty="0">
+                <a:solidFill>
+                  <a:srgbClr val="0070C0"/>
+                </a:solidFill>
+              </a:rPr>
+              <a:t>static</a:t>
+            </a:r>
+            <a:r>
+              <a:rPr lang="en-US" altLang="en-US" dirty="0"/>
+              <a:t> entity stored on disk (</a:t>
+            </a:r>
+            <a:r>
+              <a:rPr lang="en-US" altLang="en-US" b="1" dirty="0">
+                <a:solidFill>
+                  <a:srgbClr val="3366FF"/>
+                </a:solidFill>
+              </a:rPr>
+              <a:t>executable file</a:t>
+            </a:r>
+            <a:r>
+              <a:rPr lang="en-US" altLang="en-US" dirty="0"/>
+              <a:t>), process is </a:t>
+            </a:r>
+            <a:r>
+              <a:rPr lang="en-US" altLang="en-US" b="1" i="1" dirty="0">
+                <a:solidFill>
+                  <a:srgbClr val="0070C0"/>
+                </a:solidFill>
+              </a:rPr>
+              <a:t>active</a:t>
+            </a:r>
+            <a:r>
+              <a:rPr lang="en-US" altLang="en-US" b="1" i="1" dirty="0"/>
+              <a:t> </a:t>
+            </a:r>
+          </a:p>
+          <a:p>
+            <a:pPr lvl="1"/>
+            <a:r>
+              <a:rPr lang="en-US" altLang="en-US" dirty="0"/>
+              <a:t>Program becomes process when executable file loaded into memory</a:t>
+            </a:r>
+          </a:p>
+          <a:p>
+            <a:pPr lvl="1"/>
+            <a:r>
+              <a:rPr lang="en-GB" altLang="en-US" dirty="0"/>
+              <a:t>Process is an abstraction of CPU</a:t>
+            </a:r>
+            <a:endParaRPr lang="en-US" altLang="en-US" dirty="0"/>
+          </a:p>
+          <a:p>
+            <a:r>
+              <a:rPr lang="en-US" altLang="en-US" dirty="0"/>
+              <a:t>Execution of program started via Gra</a:t>
+            </a:r>
+            <a:r>
+              <a:rPr lang="en-US" altLang="zh-CN" dirty="0"/>
+              <a:t>phic</a:t>
+            </a:r>
+            <a:r>
+              <a:rPr lang="zh-CN" altLang="en-US" dirty="0"/>
+              <a:t> </a:t>
+            </a:r>
+            <a:r>
+              <a:rPr lang="en-US" altLang="zh-CN" dirty="0"/>
+              <a:t>User</a:t>
+            </a:r>
+            <a:r>
+              <a:rPr lang="zh-CN" altLang="en-US" dirty="0"/>
+              <a:t> </a:t>
+            </a:r>
+            <a:r>
+              <a:rPr lang="en-US" altLang="zh-CN" dirty="0"/>
+              <a:t>Interface</a:t>
+            </a:r>
+            <a:r>
+              <a:rPr lang="zh-CN" altLang="en-US" dirty="0"/>
+              <a:t> </a:t>
+            </a:r>
+            <a:r>
+              <a:rPr lang="en-US" altLang="zh-CN" dirty="0"/>
+              <a:t>(</a:t>
+            </a:r>
+            <a:r>
+              <a:rPr lang="en-US" altLang="en-US" dirty="0"/>
+              <a:t>GUI</a:t>
+            </a:r>
+            <a:r>
+              <a:rPr lang="en-US" altLang="zh-CN" dirty="0"/>
+              <a:t>)</a:t>
+            </a:r>
+            <a:r>
+              <a:rPr lang="en-US" altLang="en-US" dirty="0"/>
+              <a:t> mouse clicks, command line entry of its name, </a:t>
+            </a:r>
+            <a:r>
+              <a:rPr lang="en-US" altLang="en-US" dirty="0" err="1"/>
+              <a:t>etc</a:t>
+            </a:r>
+            <a:endParaRPr lang="en-US" altLang="en-US" dirty="0"/>
+          </a:p>
+          <a:p>
+            <a:r>
+              <a:rPr lang="en-GB" dirty="0"/>
+              <a:t>A physical CPU is shared by many processes</a:t>
+            </a:r>
+          </a:p>
+          <a:p>
+            <a:pPr lvl="1"/>
+            <a:r>
+              <a:rPr lang="en-GB" dirty="0"/>
+              <a:t>Time sharing: run one process for a little while, then run another one, and so forth.</a:t>
+            </a:r>
+          </a:p>
+          <a:p>
+            <a:pPr lvl="1"/>
+            <a:r>
+              <a:rPr lang="en-GB" dirty="0"/>
+              <a:t>Processes believe they are using CPU alone</a:t>
+            </a:r>
+          </a:p>
+          <a:p>
+            <a:endParaRPr lang="en-US" dirty="0"/>
+          </a:p>
+        </p:txBody>
+      </p:sp>
+      <p:sp>
+        <p:nvSpPr>
+          <p:cNvPr id="4" name="页脚占位符 3">
+            <a:extLst>
+              <a:ext uri="{FF2B5EF4-FFF2-40B4-BE49-F238E27FC236}">
+                <a16:creationId xmlns:a16="http://schemas.microsoft.com/office/drawing/2014/main" id="{36265D60-85DA-9C2C-A26F-1FB2B84C7779}"/>
+              </a:ext>
+            </a:extLst>
+          </p:cNvPr>
+          <p:cNvSpPr>
+            <a:spLocks noGrp="1"/>
+          </p:cNvSpPr>
+          <p:nvPr>
+            <p:ph type="ftr" sz="quarter" idx="4294967295"/>
+          </p:nvPr>
+        </p:nvSpPr>
+        <p:spPr>
+          <a:xfrm>
+            <a:off x="4038600" y="6356351"/>
+            <a:ext cx="4114800" cy="365125"/>
+          </a:xfrm>
+          <a:prstGeom prst="rect">
+            <a:avLst/>
+          </a:prstGeom>
+        </p:spPr>
+        <p:txBody>
+          <a:bodyPr/>
+          <a:lstStyle/>
+          <a:p>
+            <a:endParaRPr lang="en-US" altLang="zh-CN" dirty="0"/>
+          </a:p>
+        </p:txBody>
+      </p:sp>
+    </p:spTree>
+    <p:extLst>
+      <p:ext uri="{BB962C8B-B14F-4D97-AF65-F5344CB8AC3E}">
+        <p14:creationId xmlns:p14="http://schemas.microsoft.com/office/powerpoint/2010/main" val="446925035"/>
+      </p:ext>
+    </p:extLst>
+  </p:cSld>
+  <p:clrMapOvr>
+    <a:masterClrMapping/>
+  </p:clrMapOvr>
+</p:sld>
+</file>
+
+<file path=ppt/slides/slide30.xml><?xml version="1.0" encoding="utf-8"?>
 <p:sld xmlns:a="http://schemas.openxmlformats.org/drawingml/2006/main" xmlns:r="http://schemas.openxmlformats.org/officeDocument/2006/relationships" xmlns:p="http://schemas.openxmlformats.org/presentationml/2006/main">
   <p:cSld>
     <p:spTree>
@@ -29954,7 +29582,7 @@
         <p:spPr bwMode="auto">
           <a:xfrm>
             <a:off x="8185150" y="4891088"/>
-            <a:ext cx="450764" cy="369332"/>
+            <a:ext cx="2569934" cy="369332"/>
           </a:xfrm>
           <a:prstGeom prst="rect">
             <a:avLst/>
@@ -30000,8 +29628,8 @@
           <a:lstStyle/>
           <a:p>
             <a:r>
-              <a:rPr lang="en-US" altLang="en-SE"/>
-              <a:t>PC</a:t>
+              <a:rPr lang="en-US" altLang="en-SE" dirty="0"/>
+              <a:t>PC (Program Counter)</a:t>
             </a:r>
           </a:p>
         </p:txBody>
@@ -30023,7 +29651,7 @@
         <p:spPr bwMode="auto">
           <a:xfrm>
             <a:off x="8185150" y="2286001"/>
-            <a:ext cx="468398" cy="369332"/>
+            <a:ext cx="2257349" cy="369332"/>
           </a:xfrm>
           <a:prstGeom prst="rect">
             <a:avLst/>
@@ -30069,8 +29697,8 @@
           <a:lstStyle/>
           <a:p>
             <a:r>
-              <a:rPr lang="en-US" altLang="en-SE"/>
-              <a:t>SP</a:t>
+              <a:rPr lang="en-US" altLang="en-SE" dirty="0"/>
+              <a:t>SP (Stack Pointer)</a:t>
             </a:r>
           </a:p>
         </p:txBody>
@@ -30084,7 +29712,7 @@
 </p:sld>
 </file>
 
-<file path=ppt/slides/slide32.xml><?xml version="1.0" encoding="utf-8"?>
+<file path=ppt/slides/slide31.xml><?xml version="1.0" encoding="utf-8"?>
 <p:sld xmlns:a="http://schemas.openxmlformats.org/drawingml/2006/main" xmlns:r="http://schemas.openxmlformats.org/officeDocument/2006/relationships" xmlns:p="http://schemas.openxmlformats.org/presentationml/2006/main">
   <p:cSld>
     <p:spTree>
@@ -31997,7 +31625,7 @@
 </p:sld>
 </file>
 
-<file path=ppt/slides/slide33.xml><?xml version="1.0" encoding="utf-8"?>
+<file path=ppt/slides/slide32.xml><?xml version="1.0" encoding="utf-8"?>
 <p:sld xmlns:a="http://schemas.openxmlformats.org/drawingml/2006/main" xmlns:r="http://schemas.openxmlformats.org/officeDocument/2006/relationships" xmlns:p="http://schemas.openxmlformats.org/presentationml/2006/main">
   <p:cSld>
     <p:spTree>
@@ -32157,7 +31785,7 @@
 </p:sld>
 </file>
 
-<file path=ppt/slides/slide34.xml><?xml version="1.0" encoding="utf-8"?>
+<file path=ppt/slides/slide33.xml><?xml version="1.0" encoding="utf-8"?>
 <p:sld xmlns:a="http://schemas.openxmlformats.org/drawingml/2006/main" xmlns:r="http://schemas.openxmlformats.org/officeDocument/2006/relationships" xmlns:p="http://schemas.openxmlformats.org/presentationml/2006/main">
   <p:cSld>
     <p:spTree>
@@ -32294,7 +31922,7 @@
 </p:sld>
 </file>
 
-<file path=ppt/slides/slide35.xml><?xml version="1.0" encoding="utf-8"?>
+<file path=ppt/slides/slide34.xml><?xml version="1.0" encoding="utf-8"?>
 <p:sld xmlns:a="http://schemas.openxmlformats.org/drawingml/2006/main" xmlns:r="http://schemas.openxmlformats.org/officeDocument/2006/relationships" xmlns:p="http://schemas.openxmlformats.org/presentationml/2006/main">
   <p:cSld>
     <p:spTree>
@@ -32439,7 +32067,7 @@
 </p:sld>
 </file>
 
-<file path=ppt/slides/slide36.xml><?xml version="1.0" encoding="utf-8"?>
+<file path=ppt/slides/slide35.xml><?xml version="1.0" encoding="utf-8"?>
 <p:sld xmlns:a="http://schemas.openxmlformats.org/drawingml/2006/main" xmlns:r="http://schemas.openxmlformats.org/officeDocument/2006/relationships" xmlns:p="http://schemas.openxmlformats.org/presentationml/2006/main">
   <p:cSld>
     <p:spTree>
@@ -32672,7 +32300,7 @@
 </p:sld>
 </file>
 
-<file path=ppt/slides/slide37.xml><?xml version="1.0" encoding="utf-8"?>
+<file path=ppt/slides/slide36.xml><?xml version="1.0" encoding="utf-8"?>
 <p:sld xmlns:a="http://schemas.openxmlformats.org/drawingml/2006/main" xmlns:r="http://schemas.openxmlformats.org/officeDocument/2006/relationships" xmlns:p="http://schemas.openxmlformats.org/presentationml/2006/main">
   <p:cSld>
     <p:spTree>
@@ -32821,7 +32449,7 @@
 </p:sld>
 </file>
 
-<file path=ppt/slides/slide38.xml><?xml version="1.0" encoding="utf-8"?>
+<file path=ppt/slides/slide37.xml><?xml version="1.0" encoding="utf-8"?>
 <p:sld xmlns:a="http://schemas.openxmlformats.org/drawingml/2006/main" xmlns:r="http://schemas.openxmlformats.org/officeDocument/2006/relationships" xmlns:p="http://schemas.openxmlformats.org/presentationml/2006/main">
   <p:cSld>
     <p:spTree>
@@ -39286,7 +38914,7 @@
 </p:sld>
 </file>
 
-<file path=ppt/slides/slide39.xml><?xml version="1.0" encoding="utf-8"?>
+<file path=ppt/slides/slide38.xml><?xml version="1.0" encoding="utf-8"?>
 <p:sld xmlns:a="http://schemas.openxmlformats.org/drawingml/2006/main" xmlns:r="http://schemas.openxmlformats.org/officeDocument/2006/relationships" xmlns:p="http://schemas.openxmlformats.org/presentationml/2006/main">
   <p:cSld>
     <p:spTree>
@@ -42279,7 +41907,7 @@
               </a:spcBef>
             </a:pPr>
             <a:r>
-              <a:rPr lang="en-US" altLang="en-SE" sz="1200"/>
+              <a:rPr lang="en-US" altLang="en-SE" sz="1200" dirty="0"/>
               <a:t>(thread create, destroy, signal, wait, etc.)</a:t>
             </a:r>
           </a:p>
@@ -42439,1430 +42067,7 @@
 </p:sld>
 </file>
 
-<file path=ppt/slides/slide4.xml><?xml version="1.0" encoding="utf-8"?>
-<p:sld xmlns:a="http://schemas.openxmlformats.org/drawingml/2006/main" xmlns:r="http://schemas.openxmlformats.org/officeDocument/2006/relationships" xmlns:p="http://schemas.openxmlformats.org/presentationml/2006/main">
-  <p:cSld>
-    <p:spTree>
-      <p:nvGrpSpPr>
-        <p:cNvPr id="1" name=""/>
-        <p:cNvGrpSpPr/>
-        <p:nvPr/>
-      </p:nvGrpSpPr>
-      <p:grpSpPr>
-        <a:xfrm>
-          <a:off x="0" y="0"/>
-          <a:ext cx="0" cy="0"/>
-          <a:chOff x="0" y="0"/>
-          <a:chExt cx="0" cy="0"/>
-        </a:xfrm>
-      </p:grpSpPr>
-      <p:sp>
-        <p:nvSpPr>
-          <p:cNvPr id="2" name="Tittel 1">
-            <a:extLst>
-              <a:ext uri="{FF2B5EF4-FFF2-40B4-BE49-F238E27FC236}">
-                <a16:creationId xmlns:a16="http://schemas.microsoft.com/office/drawing/2014/main" id="{444E9320-82CB-6B47-9656-1B5499518015}"/>
-              </a:ext>
-            </a:extLst>
-          </p:cNvPr>
-          <p:cNvSpPr>
-            <a:spLocks noGrp="1"/>
-          </p:cNvSpPr>
-          <p:nvPr>
-            <p:ph type="title"/>
-          </p:nvPr>
-        </p:nvSpPr>
-        <p:spPr/>
-        <p:txBody>
-          <a:bodyPr/>
-          <a:lstStyle/>
-          <a:p>
-            <a:r>
-              <a:rPr lang="en-US" altLang="zh-CN" dirty="0"/>
-              <a:t>Process</a:t>
-            </a:r>
-            <a:endParaRPr lang="nb-NO" dirty="0"/>
-          </a:p>
-        </p:txBody>
-      </p:sp>
-      <p:sp>
-        <p:nvSpPr>
-          <p:cNvPr id="3" name="Plassholder for innhold 2">
-            <a:extLst>
-              <a:ext uri="{FF2B5EF4-FFF2-40B4-BE49-F238E27FC236}">
-                <a16:creationId xmlns:a16="http://schemas.microsoft.com/office/drawing/2014/main" id="{FC7524D1-ADBD-8C45-9DC3-F343D7DEE3B6}"/>
-              </a:ext>
-            </a:extLst>
-          </p:cNvPr>
-          <p:cNvSpPr>
-            <a:spLocks noGrp="1"/>
-          </p:cNvSpPr>
-          <p:nvPr>
-            <p:ph idx="1"/>
-          </p:nvPr>
-        </p:nvSpPr>
-        <p:spPr>
-          <a:xfrm>
-            <a:off x="7075814" y="1073427"/>
-            <a:ext cx="3265067" cy="5138531"/>
-          </a:xfrm>
-        </p:spPr>
-        <p:txBody>
-          <a:bodyPr/>
-          <a:lstStyle/>
-          <a:p>
-            <a:r>
-              <a:rPr lang="en-US" altLang="zh-CN" dirty="0"/>
-              <a:t>A</a:t>
-            </a:r>
-            <a:r>
-              <a:rPr lang="zh-CN" altLang="en-US" dirty="0"/>
-              <a:t> </a:t>
-            </a:r>
-            <a:r>
-              <a:rPr lang="en-US" altLang="zh-CN" dirty="0"/>
-              <a:t>program</a:t>
-            </a:r>
-            <a:r>
-              <a:rPr lang="zh-CN" altLang="en-US" dirty="0"/>
-              <a:t> </a:t>
-            </a:r>
-            <a:r>
-              <a:rPr lang="en-US" altLang="zh-CN" dirty="0"/>
-              <a:t>becomes</a:t>
-            </a:r>
-            <a:r>
-              <a:rPr lang="zh-CN" altLang="en-US" dirty="0"/>
-              <a:t> </a:t>
-            </a:r>
-            <a:r>
-              <a:rPr lang="en-US" altLang="zh-CN" dirty="0"/>
-              <a:t>a</a:t>
-            </a:r>
-            <a:r>
-              <a:rPr lang="zh-CN" altLang="en-US" dirty="0"/>
-              <a:t> </a:t>
-            </a:r>
-            <a:r>
-              <a:rPr lang="en-US" altLang="zh-CN" dirty="0"/>
-              <a:t>process</a:t>
-            </a:r>
-            <a:r>
-              <a:rPr lang="zh-CN" altLang="en-US" dirty="0"/>
-              <a:t> </a:t>
-            </a:r>
-            <a:r>
-              <a:rPr lang="en-US" altLang="zh-CN" dirty="0"/>
-              <a:t>when</a:t>
-            </a:r>
-            <a:r>
-              <a:rPr lang="zh-CN" altLang="en-US" dirty="0"/>
-              <a:t> </a:t>
-            </a:r>
-            <a:r>
-              <a:rPr lang="en-US" altLang="zh-CN" dirty="0"/>
-              <a:t>it</a:t>
-            </a:r>
-            <a:r>
-              <a:rPr lang="zh-CN" altLang="en-US" dirty="0"/>
-              <a:t> </a:t>
-            </a:r>
-            <a:r>
-              <a:rPr lang="en-US" altLang="zh-CN" dirty="0"/>
-              <a:t>is</a:t>
-            </a:r>
-            <a:r>
-              <a:rPr lang="zh-CN" altLang="en-US" dirty="0"/>
-              <a:t> </a:t>
-            </a:r>
-            <a:r>
-              <a:rPr lang="en-US" altLang="zh-CN" dirty="0"/>
-              <a:t>selected</a:t>
-            </a:r>
-            <a:r>
-              <a:rPr lang="zh-CN" altLang="en-US" dirty="0"/>
-              <a:t> </a:t>
-            </a:r>
-            <a:r>
-              <a:rPr lang="en-US" altLang="zh-CN" dirty="0"/>
-              <a:t>to</a:t>
-            </a:r>
-            <a:r>
-              <a:rPr lang="zh-CN" altLang="en-US" dirty="0"/>
-              <a:t> </a:t>
-            </a:r>
-            <a:r>
-              <a:rPr lang="en-US" altLang="zh-CN" dirty="0"/>
-              <a:t>execute</a:t>
-            </a:r>
-            <a:r>
-              <a:rPr lang="zh-CN" altLang="en-US" dirty="0"/>
-              <a:t> </a:t>
-            </a:r>
-            <a:r>
-              <a:rPr lang="en-US" altLang="zh-CN" dirty="0"/>
-              <a:t>and</a:t>
-            </a:r>
-            <a:r>
-              <a:rPr lang="zh-CN" altLang="en-US" dirty="0"/>
-              <a:t> </a:t>
-            </a:r>
-            <a:r>
-              <a:rPr lang="en-US" altLang="zh-CN" dirty="0"/>
-              <a:t>loaded</a:t>
-            </a:r>
-            <a:r>
-              <a:rPr lang="zh-CN" altLang="en-US" dirty="0"/>
-              <a:t> </a:t>
-            </a:r>
-            <a:r>
-              <a:rPr lang="en-US" altLang="zh-CN" dirty="0"/>
-              <a:t>into</a:t>
-            </a:r>
-            <a:r>
-              <a:rPr lang="zh-CN" altLang="en-US" dirty="0"/>
-              <a:t> </a:t>
-            </a:r>
-            <a:r>
-              <a:rPr lang="en-US" altLang="zh-CN" dirty="0"/>
-              <a:t>memory.</a:t>
-            </a:r>
-          </a:p>
-          <a:p>
-            <a:r>
-              <a:rPr lang="en-US" dirty="0"/>
-              <a:t>A</a:t>
-            </a:r>
-            <a:r>
-              <a:rPr lang="zh-CN" altLang="en-US" dirty="0"/>
-              <a:t> </a:t>
-            </a:r>
-            <a:r>
-              <a:rPr lang="en-US" altLang="zh-CN" dirty="0"/>
-              <a:t>process</a:t>
-            </a:r>
-            <a:r>
-              <a:rPr lang="zh-CN" altLang="en-US" dirty="0"/>
-              <a:t> </a:t>
-            </a:r>
-            <a:r>
-              <a:rPr lang="en-US" altLang="zh-CN" dirty="0"/>
-              <a:t>has</a:t>
-            </a:r>
-            <a:r>
-              <a:rPr lang="zh-CN" altLang="en-US" dirty="0"/>
-              <a:t> </a:t>
-            </a:r>
-            <a:r>
-              <a:rPr lang="en-US" altLang="zh-CN" dirty="0"/>
-              <a:t>an</a:t>
-            </a:r>
-            <a:r>
-              <a:rPr lang="zh-CN" altLang="en-US" dirty="0"/>
-              <a:t> </a:t>
-            </a:r>
-            <a:r>
-              <a:rPr lang="en-US" altLang="zh-CN" b="1" dirty="0">
-                <a:solidFill>
-                  <a:srgbClr val="0070C0"/>
-                </a:solidFill>
-              </a:rPr>
-              <a:t>address</a:t>
-            </a:r>
-            <a:r>
-              <a:rPr lang="zh-CN" altLang="en-US" b="1" dirty="0">
-                <a:solidFill>
-                  <a:srgbClr val="0070C0"/>
-                </a:solidFill>
-              </a:rPr>
-              <a:t> </a:t>
-            </a:r>
-            <a:r>
-              <a:rPr lang="en-US" altLang="zh-CN" b="1" dirty="0">
-                <a:solidFill>
-                  <a:srgbClr val="0070C0"/>
-                </a:solidFill>
-              </a:rPr>
-              <a:t>space</a:t>
-            </a:r>
-            <a:endParaRPr lang="nb-NO" b="1" dirty="0">
-              <a:solidFill>
-                <a:srgbClr val="0070C0"/>
-              </a:solidFill>
-            </a:endParaRPr>
-          </a:p>
-        </p:txBody>
-      </p:sp>
-      <p:sp>
-        <p:nvSpPr>
-          <p:cNvPr id="4" name="직사각형 5">
-            <a:extLst>
-              <a:ext uri="{FF2B5EF4-FFF2-40B4-BE49-F238E27FC236}">
-                <a16:creationId xmlns:a16="http://schemas.microsoft.com/office/drawing/2014/main" id="{C152BA54-B1F1-FDAE-E0A1-3F5F2D317691}"/>
-              </a:ext>
-            </a:extLst>
-          </p:cNvPr>
-          <p:cNvSpPr/>
-          <p:nvPr/>
-        </p:nvSpPr>
-        <p:spPr>
-          <a:xfrm>
-            <a:off x="4411518" y="1229236"/>
-            <a:ext cx="2520280" cy="2426786"/>
-          </a:xfrm>
-          <a:prstGeom prst="rect">
-            <a:avLst/>
-          </a:prstGeom>
-          <a:solidFill>
-            <a:schemeClr val="bg1"/>
-          </a:solidFill>
-          <a:ln w="12700">
-            <a:solidFill>
-              <a:schemeClr val="tx1"/>
-            </a:solidFill>
-          </a:ln>
-          <a:effectLst/>
-        </p:spPr>
-        <p:style>
-          <a:lnRef idx="3">
-            <a:schemeClr val="lt1"/>
-          </a:lnRef>
-          <a:fillRef idx="1">
-            <a:schemeClr val="accent1"/>
-          </a:fillRef>
-          <a:effectRef idx="1">
-            <a:schemeClr val="accent1"/>
-          </a:effectRef>
-          <a:fontRef idx="minor">
-            <a:schemeClr val="lt1"/>
-          </a:fontRef>
-        </p:style>
-        <p:txBody>
-          <a:bodyPr lIns="252000" rtlCol="0" anchor="ctr"/>
-          <a:lstStyle/>
-          <a:p>
-            <a:pPr algn="ctr"/>
-            <a:endParaRPr lang="ko-KR" altLang="en-US" sz="1600" dirty="0">
-              <a:solidFill>
-                <a:srgbClr val="00B050"/>
-              </a:solidFill>
-              <a:latin typeface="Courier New" pitchFamily="49" charset="0"/>
-              <a:ea typeface="맑은 고딕" pitchFamily="50" charset="-127"/>
-              <a:cs typeface="Courier New" pitchFamily="49" charset="0"/>
-            </a:endParaRPr>
-          </a:p>
-        </p:txBody>
-      </p:sp>
-      <p:sp>
-        <p:nvSpPr>
-          <p:cNvPr id="5" name="직사각형 6">
-            <a:extLst>
-              <a:ext uri="{FF2B5EF4-FFF2-40B4-BE49-F238E27FC236}">
-                <a16:creationId xmlns:a16="http://schemas.microsoft.com/office/drawing/2014/main" id="{87E30807-8F43-21A9-2404-CB1E19D61A01}"/>
-              </a:ext>
-            </a:extLst>
-          </p:cNvPr>
-          <p:cNvSpPr/>
-          <p:nvPr/>
-        </p:nvSpPr>
-        <p:spPr>
-          <a:xfrm>
-            <a:off x="4635926" y="1381636"/>
-            <a:ext cx="1440160" cy="1935832"/>
-          </a:xfrm>
-          <a:prstGeom prst="rect">
-            <a:avLst/>
-          </a:prstGeom>
-          <a:solidFill>
-            <a:schemeClr val="bg1"/>
-          </a:solidFill>
-          <a:ln w="12700">
-            <a:solidFill>
-              <a:schemeClr val="tx1"/>
-            </a:solidFill>
-            <a:prstDash val="dash"/>
-          </a:ln>
-          <a:effectLst/>
-        </p:spPr>
-        <p:style>
-          <a:lnRef idx="3">
-            <a:schemeClr val="lt1"/>
-          </a:lnRef>
-          <a:fillRef idx="1">
-            <a:schemeClr val="accent1"/>
-          </a:fillRef>
-          <a:effectRef idx="1">
-            <a:schemeClr val="accent1"/>
-          </a:effectRef>
-          <a:fontRef idx="minor">
-            <a:schemeClr val="lt1"/>
-          </a:fontRef>
-        </p:style>
-        <p:txBody>
-          <a:bodyPr lIns="252000" rtlCol="0" anchor="ctr"/>
-          <a:lstStyle/>
-          <a:p>
-            <a:pPr algn="ctr"/>
-            <a:endParaRPr lang="ko-KR" altLang="en-US" sz="1600" dirty="0">
-              <a:solidFill>
-                <a:srgbClr val="00B050"/>
-              </a:solidFill>
-              <a:latin typeface="Courier New" pitchFamily="49" charset="0"/>
-              <a:ea typeface="맑은 고딕" pitchFamily="50" charset="-127"/>
-              <a:cs typeface="Courier New" pitchFamily="49" charset="0"/>
-            </a:endParaRPr>
-          </a:p>
-        </p:txBody>
-      </p:sp>
-      <p:sp>
-        <p:nvSpPr>
-          <p:cNvPr id="6" name="TextBox 2">
-            <a:extLst>
-              <a:ext uri="{FF2B5EF4-FFF2-40B4-BE49-F238E27FC236}">
-                <a16:creationId xmlns:a16="http://schemas.microsoft.com/office/drawing/2014/main" id="{839DC2EC-C981-F929-9D7D-2CBCFF2C9F32}"/>
-              </a:ext>
-            </a:extLst>
-          </p:cNvPr>
-          <p:cNvSpPr txBox="1"/>
-          <p:nvPr/>
-        </p:nvSpPr>
-        <p:spPr>
-          <a:xfrm>
-            <a:off x="4635926" y="1381636"/>
-            <a:ext cx="1440160" cy="861774"/>
-          </a:xfrm>
-          <a:prstGeom prst="rect">
-            <a:avLst/>
-          </a:prstGeom>
-          <a:noFill/>
-        </p:spPr>
-        <p:txBody>
-          <a:bodyPr wrap="square" rtlCol="0">
-            <a:spAutoFit/>
-          </a:bodyPr>
-          <a:lstStyle/>
-          <a:p>
-            <a:pPr algn="ctr"/>
-            <a:r>
-              <a:rPr lang="en-US" altLang="ko-KR" sz="1600" dirty="0">
-                <a:solidFill>
-                  <a:prstClr val="black"/>
-                </a:solidFill>
-                <a:latin typeface="맑은 고딕" pitchFamily="50" charset="-127"/>
-                <a:ea typeface="맑은 고딕" pitchFamily="50" charset="-127"/>
-              </a:rPr>
-              <a:t>code</a:t>
-            </a:r>
-          </a:p>
-          <a:p>
-            <a:pPr algn="ctr"/>
-            <a:r>
-              <a:rPr lang="en-US" altLang="ko-KR" sz="1600" dirty="0">
-                <a:solidFill>
-                  <a:prstClr val="black"/>
-                </a:solidFill>
-                <a:latin typeface="맑은 고딕" pitchFamily="50" charset="-127"/>
-                <a:ea typeface="맑은 고딕" pitchFamily="50" charset="-127"/>
-              </a:rPr>
-              <a:t>static data</a:t>
-            </a:r>
-          </a:p>
-          <a:p>
-            <a:pPr algn="ctr"/>
-            <a:r>
-              <a:rPr lang="en-US" altLang="ko-KR" sz="1600" dirty="0">
-                <a:solidFill>
-                  <a:prstClr val="black"/>
-                </a:solidFill>
-                <a:latin typeface="맑은 고딕" pitchFamily="50" charset="-127"/>
-                <a:ea typeface="맑은 고딕" pitchFamily="50" charset="-127"/>
-              </a:rPr>
-              <a:t>heap</a:t>
-            </a:r>
-            <a:endParaRPr lang="ko-KR" altLang="en-US" sz="1600" dirty="0">
-              <a:solidFill>
-                <a:prstClr val="black"/>
-              </a:solidFill>
-              <a:latin typeface="맑은 고딕" pitchFamily="50" charset="-127"/>
-              <a:ea typeface="맑은 고딕" pitchFamily="50" charset="-127"/>
-            </a:endParaRPr>
-          </a:p>
-        </p:txBody>
-      </p:sp>
-      <p:sp>
-        <p:nvSpPr>
-          <p:cNvPr id="7" name="TextBox 7">
-            <a:extLst>
-              <a:ext uri="{FF2B5EF4-FFF2-40B4-BE49-F238E27FC236}">
-                <a16:creationId xmlns:a16="http://schemas.microsoft.com/office/drawing/2014/main" id="{5323C302-F1A0-0F19-A9C9-25C15ED403BB}"/>
-              </a:ext>
-            </a:extLst>
-          </p:cNvPr>
-          <p:cNvSpPr txBox="1"/>
-          <p:nvPr/>
-        </p:nvSpPr>
-        <p:spPr>
-          <a:xfrm>
-            <a:off x="4635926" y="2978914"/>
-            <a:ext cx="1440160" cy="338554"/>
-          </a:xfrm>
-          <a:prstGeom prst="rect">
-            <a:avLst/>
-          </a:prstGeom>
-          <a:noFill/>
-        </p:spPr>
-        <p:txBody>
-          <a:bodyPr wrap="square" rtlCol="0">
-            <a:spAutoFit/>
-          </a:bodyPr>
-          <a:lstStyle/>
-          <a:p>
-            <a:pPr algn="ctr"/>
-            <a:r>
-              <a:rPr lang="en-US" altLang="ko-KR" sz="1600" dirty="0">
-                <a:solidFill>
-                  <a:prstClr val="black"/>
-                </a:solidFill>
-                <a:latin typeface="맑은 고딕" pitchFamily="50" charset="-127"/>
-                <a:ea typeface="맑은 고딕" pitchFamily="50" charset="-127"/>
-              </a:rPr>
-              <a:t>stack</a:t>
-            </a:r>
-            <a:endParaRPr lang="ko-KR" altLang="en-US" sz="1600" dirty="0">
-              <a:solidFill>
-                <a:prstClr val="black"/>
-              </a:solidFill>
-              <a:latin typeface="맑은 고딕" pitchFamily="50" charset="-127"/>
-              <a:ea typeface="맑은 고딕" pitchFamily="50" charset="-127"/>
-            </a:endParaRPr>
-          </a:p>
-        </p:txBody>
-      </p:sp>
-      <p:sp>
-        <p:nvSpPr>
-          <p:cNvPr id="8" name="TextBox 8">
-            <a:extLst>
-              <a:ext uri="{FF2B5EF4-FFF2-40B4-BE49-F238E27FC236}">
-                <a16:creationId xmlns:a16="http://schemas.microsoft.com/office/drawing/2014/main" id="{30985657-B17C-F96F-7852-883F9BB4E2CD}"/>
-              </a:ext>
-            </a:extLst>
-          </p:cNvPr>
-          <p:cNvSpPr txBox="1"/>
-          <p:nvPr/>
-        </p:nvSpPr>
-        <p:spPr>
-          <a:xfrm>
-            <a:off x="4635926" y="3317468"/>
-            <a:ext cx="1440160" cy="338554"/>
-          </a:xfrm>
-          <a:prstGeom prst="rect">
-            <a:avLst/>
-          </a:prstGeom>
-          <a:noFill/>
-        </p:spPr>
-        <p:txBody>
-          <a:bodyPr wrap="square" rtlCol="0">
-            <a:spAutoFit/>
-          </a:bodyPr>
-          <a:lstStyle/>
-          <a:p>
-            <a:pPr algn="ctr"/>
-            <a:r>
-              <a:rPr lang="en-US" altLang="ko-KR" sz="1600" i="1" dirty="0">
-                <a:solidFill>
-                  <a:prstClr val="black"/>
-                </a:solidFill>
-                <a:latin typeface="맑은 고딕" pitchFamily="50" charset="-127"/>
-                <a:ea typeface="맑은 고딕" pitchFamily="50" charset="-127"/>
-              </a:rPr>
-              <a:t>Process</a:t>
-            </a:r>
-            <a:endParaRPr lang="ko-KR" altLang="en-US" sz="1600" i="1" dirty="0">
-              <a:solidFill>
-                <a:prstClr val="black"/>
-              </a:solidFill>
-              <a:latin typeface="맑은 고딕" pitchFamily="50" charset="-127"/>
-              <a:ea typeface="맑은 고딕" pitchFamily="50" charset="-127"/>
-            </a:endParaRPr>
-          </a:p>
-        </p:txBody>
-      </p:sp>
-      <p:sp>
-        <p:nvSpPr>
-          <p:cNvPr id="9" name="TextBox 9">
-            <a:extLst>
-              <a:ext uri="{FF2B5EF4-FFF2-40B4-BE49-F238E27FC236}">
-                <a16:creationId xmlns:a16="http://schemas.microsoft.com/office/drawing/2014/main" id="{A7EF9662-EB7E-6F3C-3DFF-21B2E3FFF3D2}"/>
-              </a:ext>
-            </a:extLst>
-          </p:cNvPr>
-          <p:cNvSpPr txBox="1"/>
-          <p:nvPr/>
-        </p:nvSpPr>
-        <p:spPr>
-          <a:xfrm>
-            <a:off x="4951578" y="890682"/>
-            <a:ext cx="1440160" cy="338554"/>
-          </a:xfrm>
-          <a:prstGeom prst="rect">
-            <a:avLst/>
-          </a:prstGeom>
-          <a:noFill/>
-        </p:spPr>
-        <p:txBody>
-          <a:bodyPr wrap="square" rtlCol="0">
-            <a:spAutoFit/>
-          </a:bodyPr>
-          <a:lstStyle/>
-          <a:p>
-            <a:pPr algn="ctr"/>
-            <a:r>
-              <a:rPr lang="en-US" altLang="ko-KR" sz="1600" dirty="0">
-                <a:solidFill>
-                  <a:prstClr val="black"/>
-                </a:solidFill>
-                <a:latin typeface="맑은 고딕" pitchFamily="50" charset="-127"/>
-                <a:ea typeface="맑은 고딕" pitchFamily="50" charset="-127"/>
-              </a:rPr>
-              <a:t>Memory</a:t>
-            </a:r>
-            <a:endParaRPr lang="ko-KR" altLang="en-US" sz="1600" dirty="0">
-              <a:solidFill>
-                <a:prstClr val="black"/>
-              </a:solidFill>
-              <a:latin typeface="맑은 고딕" pitchFamily="50" charset="-127"/>
-              <a:ea typeface="맑은 고딕" pitchFamily="50" charset="-127"/>
-            </a:endParaRPr>
-          </a:p>
-        </p:txBody>
-      </p:sp>
-      <p:cxnSp>
-        <p:nvCxnSpPr>
-          <p:cNvPr id="10" name="직선 연결선 11">
-            <a:extLst>
-              <a:ext uri="{FF2B5EF4-FFF2-40B4-BE49-F238E27FC236}">
-                <a16:creationId xmlns:a16="http://schemas.microsoft.com/office/drawing/2014/main" id="{196A8D14-3458-509D-FF20-C7BC33AF9FEA}"/>
-              </a:ext>
-            </a:extLst>
-          </p:cNvPr>
-          <p:cNvCxnSpPr>
-            <a:stCxn id="4" idx="2"/>
-          </p:cNvCxnSpPr>
-          <p:nvPr/>
-        </p:nvCxnSpPr>
-        <p:spPr>
-          <a:xfrm>
-            <a:off x="5671658" y="3656022"/>
-            <a:ext cx="0" cy="201506"/>
-          </a:xfrm>
-          <a:prstGeom prst="line">
-            <a:avLst/>
-          </a:prstGeom>
-          <a:ln w="25400">
-            <a:solidFill>
-              <a:schemeClr val="tx1"/>
-            </a:solidFill>
-            <a:tailEnd type="none"/>
-          </a:ln>
-        </p:spPr>
-        <p:style>
-          <a:lnRef idx="1">
-            <a:schemeClr val="accent1"/>
-          </a:lnRef>
-          <a:fillRef idx="0">
-            <a:schemeClr val="accent1"/>
-          </a:fillRef>
-          <a:effectRef idx="0">
-            <a:schemeClr val="accent1"/>
-          </a:effectRef>
-          <a:fontRef idx="minor">
-            <a:schemeClr val="tx1"/>
-          </a:fontRef>
-        </p:style>
-      </p:cxnSp>
-      <p:cxnSp>
-        <p:nvCxnSpPr>
-          <p:cNvPr id="11" name="직선 연결선 12">
-            <a:extLst>
-              <a:ext uri="{FF2B5EF4-FFF2-40B4-BE49-F238E27FC236}">
-                <a16:creationId xmlns:a16="http://schemas.microsoft.com/office/drawing/2014/main" id="{57A856FD-1D2B-79DA-CB5E-0FEF4D6D722D}"/>
-              </a:ext>
-            </a:extLst>
-          </p:cNvPr>
-          <p:cNvCxnSpPr>
-            <a:cxnSpLocks/>
-          </p:cNvCxnSpPr>
-          <p:nvPr/>
-        </p:nvCxnSpPr>
-        <p:spPr>
-          <a:xfrm>
-            <a:off x="1838588" y="3857528"/>
-            <a:ext cx="5093211" cy="0"/>
-          </a:xfrm>
-          <a:prstGeom prst="line">
-            <a:avLst/>
-          </a:prstGeom>
-          <a:ln w="25400">
-            <a:solidFill>
-              <a:schemeClr val="tx1"/>
-            </a:solidFill>
-            <a:tailEnd type="none"/>
-          </a:ln>
-        </p:spPr>
-        <p:style>
-          <a:lnRef idx="1">
-            <a:schemeClr val="accent1"/>
-          </a:lnRef>
-          <a:fillRef idx="0">
-            <a:schemeClr val="accent1"/>
-          </a:fillRef>
-          <a:effectRef idx="0">
-            <a:schemeClr val="accent1"/>
-          </a:effectRef>
-          <a:fontRef idx="minor">
-            <a:schemeClr val="tx1"/>
-          </a:fontRef>
-        </p:style>
-      </p:cxnSp>
-      <p:cxnSp>
-        <p:nvCxnSpPr>
-          <p:cNvPr id="12" name="직선 연결선 14">
-            <a:extLst>
-              <a:ext uri="{FF2B5EF4-FFF2-40B4-BE49-F238E27FC236}">
-                <a16:creationId xmlns:a16="http://schemas.microsoft.com/office/drawing/2014/main" id="{AD039B82-C566-5E34-3C01-AB348034194B}"/>
-              </a:ext>
-            </a:extLst>
-          </p:cNvPr>
-          <p:cNvCxnSpPr>
-            <a:cxnSpLocks/>
-          </p:cNvCxnSpPr>
-          <p:nvPr/>
-        </p:nvCxnSpPr>
-        <p:spPr>
-          <a:xfrm>
-            <a:off x="4411518" y="3857528"/>
-            <a:ext cx="0" cy="201506"/>
-          </a:xfrm>
-          <a:prstGeom prst="line">
-            <a:avLst/>
-          </a:prstGeom>
-          <a:ln w="25400">
-            <a:solidFill>
-              <a:schemeClr val="tx1"/>
-            </a:solidFill>
-            <a:tailEnd type="none"/>
-          </a:ln>
-        </p:spPr>
-        <p:style>
-          <a:lnRef idx="1">
-            <a:schemeClr val="accent1"/>
-          </a:lnRef>
-          <a:fillRef idx="0">
-            <a:schemeClr val="accent1"/>
-          </a:fillRef>
-          <a:effectRef idx="0">
-            <a:schemeClr val="accent1"/>
-          </a:effectRef>
-          <a:fontRef idx="minor">
-            <a:schemeClr val="tx1"/>
-          </a:fontRef>
-        </p:style>
-      </p:cxnSp>
-      <p:sp>
-        <p:nvSpPr>
-          <p:cNvPr id="13" name="순서도: 자기 디스크 15">
-            <a:extLst>
-              <a:ext uri="{FF2B5EF4-FFF2-40B4-BE49-F238E27FC236}">
-                <a16:creationId xmlns:a16="http://schemas.microsoft.com/office/drawing/2014/main" id="{78AC4621-8404-A82A-C10F-2FCF7ADE66D1}"/>
-              </a:ext>
-            </a:extLst>
-          </p:cNvPr>
-          <p:cNvSpPr/>
-          <p:nvPr/>
-        </p:nvSpPr>
-        <p:spPr>
-          <a:xfrm>
-            <a:off x="3331398" y="4059034"/>
-            <a:ext cx="2168624" cy="1872208"/>
-          </a:xfrm>
-          <a:prstGeom prst="flowChartMagneticDisk">
-            <a:avLst/>
-          </a:prstGeom>
-          <a:solidFill>
-            <a:schemeClr val="bg1"/>
-          </a:solidFill>
-          <a:ln w="9525">
-            <a:solidFill>
-              <a:schemeClr val="tx1"/>
-            </a:solidFill>
-          </a:ln>
-          <a:effectLst/>
-        </p:spPr>
-        <p:style>
-          <a:lnRef idx="3">
-            <a:schemeClr val="lt1"/>
-          </a:lnRef>
-          <a:fillRef idx="1">
-            <a:schemeClr val="accent1"/>
-          </a:fillRef>
-          <a:effectRef idx="1">
-            <a:schemeClr val="accent1"/>
-          </a:effectRef>
-          <a:fontRef idx="minor">
-            <a:schemeClr val="lt1"/>
-          </a:fontRef>
-        </p:style>
-        <p:txBody>
-          <a:bodyPr lIns="252000" rtlCol="0" anchor="ctr"/>
-          <a:lstStyle/>
-          <a:p>
-            <a:pPr algn="ctr"/>
-            <a:endParaRPr lang="ko-KR" altLang="en-US" sz="1600" dirty="0">
-              <a:solidFill>
-                <a:srgbClr val="00B050"/>
-              </a:solidFill>
-              <a:latin typeface="Courier New" pitchFamily="49" charset="0"/>
-              <a:ea typeface="맑은 고딕" pitchFamily="50" charset="-127"/>
-              <a:cs typeface="Courier New" pitchFamily="49" charset="0"/>
-            </a:endParaRPr>
-          </a:p>
-        </p:txBody>
-      </p:sp>
-      <p:sp>
-        <p:nvSpPr>
-          <p:cNvPr id="14" name="직사각형 16">
-            <a:extLst>
-              <a:ext uri="{FF2B5EF4-FFF2-40B4-BE49-F238E27FC236}">
-                <a16:creationId xmlns:a16="http://schemas.microsoft.com/office/drawing/2014/main" id="{55B2F29B-7B60-9DC8-0547-15F8BC437D87}"/>
-              </a:ext>
-            </a:extLst>
-          </p:cNvPr>
-          <p:cNvSpPr/>
-          <p:nvPr/>
-        </p:nvSpPr>
-        <p:spPr>
-          <a:xfrm>
-            <a:off x="3649096" y="4763435"/>
-            <a:ext cx="1440160" cy="738664"/>
-          </a:xfrm>
-          <a:prstGeom prst="rect">
-            <a:avLst/>
-          </a:prstGeom>
-          <a:solidFill>
-            <a:schemeClr val="bg1"/>
-          </a:solidFill>
-          <a:ln w="12700">
-            <a:solidFill>
-              <a:schemeClr val="tx1"/>
-            </a:solidFill>
-            <a:prstDash val="dash"/>
-          </a:ln>
-          <a:effectLst/>
-        </p:spPr>
-        <p:style>
-          <a:lnRef idx="3">
-            <a:schemeClr val="lt1"/>
-          </a:lnRef>
-          <a:fillRef idx="1">
-            <a:schemeClr val="accent1"/>
-          </a:fillRef>
-          <a:effectRef idx="1">
-            <a:schemeClr val="accent1"/>
-          </a:effectRef>
-          <a:fontRef idx="minor">
-            <a:schemeClr val="lt1"/>
-          </a:fontRef>
-        </p:style>
-        <p:txBody>
-          <a:bodyPr lIns="252000" rtlCol="0" anchor="ctr"/>
-          <a:lstStyle/>
-          <a:p>
-            <a:pPr algn="ctr"/>
-            <a:endParaRPr lang="ko-KR" altLang="en-US" sz="1600" dirty="0">
-              <a:solidFill>
-                <a:srgbClr val="00B050"/>
-              </a:solidFill>
-              <a:latin typeface="Courier New" pitchFamily="49" charset="0"/>
-              <a:ea typeface="맑은 고딕" pitchFamily="50" charset="-127"/>
-              <a:cs typeface="Courier New" pitchFamily="49" charset="0"/>
-            </a:endParaRPr>
-          </a:p>
-        </p:txBody>
-      </p:sp>
-      <p:sp>
-        <p:nvSpPr>
-          <p:cNvPr id="15" name="TextBox 17">
-            <a:extLst>
-              <a:ext uri="{FF2B5EF4-FFF2-40B4-BE49-F238E27FC236}">
-                <a16:creationId xmlns:a16="http://schemas.microsoft.com/office/drawing/2014/main" id="{D1E9F2A8-707F-A65C-863B-6217756A2B88}"/>
-              </a:ext>
-            </a:extLst>
-          </p:cNvPr>
-          <p:cNvSpPr txBox="1"/>
-          <p:nvPr/>
-        </p:nvSpPr>
-        <p:spPr>
-          <a:xfrm>
-            <a:off x="3649096" y="4763435"/>
-            <a:ext cx="1440160" cy="523220"/>
-          </a:xfrm>
-          <a:prstGeom prst="rect">
-            <a:avLst/>
-          </a:prstGeom>
-          <a:noFill/>
-        </p:spPr>
-        <p:txBody>
-          <a:bodyPr wrap="square" rtlCol="0">
-            <a:spAutoFit/>
-          </a:bodyPr>
-          <a:lstStyle/>
-          <a:p>
-            <a:pPr algn="ctr"/>
-            <a:r>
-              <a:rPr lang="en-US" altLang="ko-KR" sz="1400" dirty="0">
-                <a:solidFill>
-                  <a:prstClr val="black"/>
-                </a:solidFill>
-                <a:latin typeface="맑은 고딕" pitchFamily="50" charset="-127"/>
-                <a:ea typeface="맑은 고딕" pitchFamily="50" charset="-127"/>
-              </a:rPr>
-              <a:t>code</a:t>
-            </a:r>
-          </a:p>
-          <a:p>
-            <a:pPr algn="ctr"/>
-            <a:r>
-              <a:rPr lang="en-US" altLang="ko-KR" sz="1400" dirty="0">
-                <a:solidFill>
-                  <a:prstClr val="black"/>
-                </a:solidFill>
-                <a:latin typeface="맑은 고딕" pitchFamily="50" charset="-127"/>
-                <a:ea typeface="맑은 고딕" pitchFamily="50" charset="-127"/>
-              </a:rPr>
-              <a:t>static data</a:t>
-            </a:r>
-          </a:p>
-        </p:txBody>
-      </p:sp>
-      <p:sp>
-        <p:nvSpPr>
-          <p:cNvPr id="16" name="TextBox 18">
-            <a:extLst>
-              <a:ext uri="{FF2B5EF4-FFF2-40B4-BE49-F238E27FC236}">
-                <a16:creationId xmlns:a16="http://schemas.microsoft.com/office/drawing/2014/main" id="{5745FA72-03F5-AFA1-0F95-C6B29CD5AB66}"/>
-              </a:ext>
-            </a:extLst>
-          </p:cNvPr>
-          <p:cNvSpPr txBox="1"/>
-          <p:nvPr/>
-        </p:nvSpPr>
-        <p:spPr>
-          <a:xfrm>
-            <a:off x="3649096" y="5499195"/>
-            <a:ext cx="1440160" cy="307777"/>
-          </a:xfrm>
-          <a:prstGeom prst="rect">
-            <a:avLst/>
-          </a:prstGeom>
-          <a:noFill/>
-        </p:spPr>
-        <p:txBody>
-          <a:bodyPr wrap="square" rtlCol="0">
-            <a:spAutoFit/>
-          </a:bodyPr>
-          <a:lstStyle/>
-          <a:p>
-            <a:pPr algn="ctr"/>
-            <a:r>
-              <a:rPr lang="en-US" altLang="ko-KR" sz="1400" i="1" dirty="0">
-                <a:solidFill>
-                  <a:prstClr val="black"/>
-                </a:solidFill>
-                <a:latin typeface="맑은 고딕" pitchFamily="50" charset="-127"/>
-                <a:ea typeface="맑은 고딕" pitchFamily="50" charset="-127"/>
-              </a:rPr>
-              <a:t>Program</a:t>
-            </a:r>
-            <a:endParaRPr lang="ko-KR" altLang="en-US" sz="1400" i="1" dirty="0">
-              <a:solidFill>
-                <a:prstClr val="black"/>
-              </a:solidFill>
-              <a:latin typeface="맑은 고딕" pitchFamily="50" charset="-127"/>
-              <a:ea typeface="맑은 고딕" pitchFamily="50" charset="-127"/>
-            </a:endParaRPr>
-          </a:p>
-        </p:txBody>
-      </p:sp>
-      <p:sp>
-        <p:nvSpPr>
-          <p:cNvPr id="17" name="TextBox 21">
-            <a:extLst>
-              <a:ext uri="{FF2B5EF4-FFF2-40B4-BE49-F238E27FC236}">
-                <a16:creationId xmlns:a16="http://schemas.microsoft.com/office/drawing/2014/main" id="{F94613E0-1768-7021-6DD3-99119588C193}"/>
-              </a:ext>
-            </a:extLst>
-          </p:cNvPr>
-          <p:cNvSpPr txBox="1"/>
-          <p:nvPr/>
-        </p:nvSpPr>
-        <p:spPr>
-          <a:xfrm>
-            <a:off x="3695630" y="5931242"/>
-            <a:ext cx="1440160" cy="338554"/>
-          </a:xfrm>
-          <a:prstGeom prst="rect">
-            <a:avLst/>
-          </a:prstGeom>
-          <a:noFill/>
-        </p:spPr>
-        <p:txBody>
-          <a:bodyPr wrap="square" rtlCol="0">
-            <a:spAutoFit/>
-          </a:bodyPr>
-          <a:lstStyle/>
-          <a:p>
-            <a:pPr algn="ctr"/>
-            <a:r>
-              <a:rPr lang="en-US" altLang="ko-KR" sz="1600" dirty="0">
-                <a:solidFill>
-                  <a:prstClr val="black"/>
-                </a:solidFill>
-                <a:latin typeface="맑은 고딕" pitchFamily="50" charset="-127"/>
-                <a:ea typeface="맑은 고딕" pitchFamily="50" charset="-127"/>
-              </a:rPr>
-              <a:t>Disk</a:t>
-            </a:r>
-            <a:endParaRPr lang="ko-KR" altLang="en-US" sz="1600" dirty="0">
-              <a:solidFill>
-                <a:prstClr val="black"/>
-              </a:solidFill>
-              <a:latin typeface="맑은 고딕" pitchFamily="50" charset="-127"/>
-              <a:ea typeface="맑은 고딕" pitchFamily="50" charset="-127"/>
-            </a:endParaRPr>
-          </a:p>
-        </p:txBody>
-      </p:sp>
-      <p:cxnSp>
-        <p:nvCxnSpPr>
-          <p:cNvPr id="18" name="꺾인 연결선 23">
-            <a:extLst>
-              <a:ext uri="{FF2B5EF4-FFF2-40B4-BE49-F238E27FC236}">
-                <a16:creationId xmlns:a16="http://schemas.microsoft.com/office/drawing/2014/main" id="{DCC7733F-CBD9-D24E-F467-C2C1B8227B9F}"/>
-              </a:ext>
-            </a:extLst>
-          </p:cNvPr>
-          <p:cNvCxnSpPr>
-            <a:stCxn id="15" idx="3"/>
-            <a:endCxn id="5" idx="3"/>
-          </p:cNvCxnSpPr>
-          <p:nvPr/>
-        </p:nvCxnSpPr>
-        <p:spPr>
-          <a:xfrm flipV="1">
-            <a:off x="5089256" y="2349553"/>
-            <a:ext cx="986830" cy="2675493"/>
-          </a:xfrm>
-          <a:prstGeom prst="bentConnector3">
-            <a:avLst>
-              <a:gd name="adj1" fmla="val 123165"/>
-            </a:avLst>
-          </a:prstGeom>
-          <a:ln w="12700">
-            <a:solidFill>
-              <a:srgbClr val="FF0000"/>
-            </a:solidFill>
-            <a:prstDash val="dash"/>
-            <a:tailEnd type="stealth" w="lg" len="lg"/>
-          </a:ln>
-        </p:spPr>
-        <p:style>
-          <a:lnRef idx="1">
-            <a:schemeClr val="accent1"/>
-          </a:lnRef>
-          <a:fillRef idx="0">
-            <a:schemeClr val="accent1"/>
-          </a:fillRef>
-          <a:effectRef idx="0">
-            <a:schemeClr val="accent1"/>
-          </a:effectRef>
-          <a:fontRef idx="minor">
-            <a:schemeClr val="tx1"/>
-          </a:fontRef>
-        </p:style>
-      </p:cxnSp>
-      <p:sp>
-        <p:nvSpPr>
-          <p:cNvPr id="19" name="직사각형 25">
-            <a:extLst>
-              <a:ext uri="{FF2B5EF4-FFF2-40B4-BE49-F238E27FC236}">
-                <a16:creationId xmlns:a16="http://schemas.microsoft.com/office/drawing/2014/main" id="{D8DEB416-C9FD-70EE-B08E-55F0FBB7006B}"/>
-              </a:ext>
-            </a:extLst>
-          </p:cNvPr>
-          <p:cNvSpPr/>
-          <p:nvPr/>
-        </p:nvSpPr>
-        <p:spPr>
-          <a:xfrm>
-            <a:off x="1838588" y="1229236"/>
-            <a:ext cx="1761487" cy="2397750"/>
-          </a:xfrm>
-          <a:prstGeom prst="rect">
-            <a:avLst/>
-          </a:prstGeom>
-          <a:solidFill>
-            <a:schemeClr val="bg1"/>
-          </a:solidFill>
-          <a:ln w="12700">
-            <a:solidFill>
-              <a:schemeClr val="tx1"/>
-            </a:solidFill>
-          </a:ln>
-          <a:effectLst/>
-        </p:spPr>
-        <p:style>
-          <a:lnRef idx="3">
-            <a:schemeClr val="lt1"/>
-          </a:lnRef>
-          <a:fillRef idx="1">
-            <a:schemeClr val="accent1"/>
-          </a:fillRef>
-          <a:effectRef idx="1">
-            <a:schemeClr val="accent1"/>
-          </a:effectRef>
-          <a:fontRef idx="minor">
-            <a:schemeClr val="lt1"/>
-          </a:fontRef>
-        </p:style>
-        <p:txBody>
-          <a:bodyPr lIns="90000" rtlCol="0" anchor="ctr"/>
-          <a:lstStyle/>
-          <a:p>
-            <a:pPr algn="ctr"/>
-            <a:endParaRPr lang="ko-KR" altLang="en-US" sz="1600" dirty="0">
-              <a:solidFill>
-                <a:prstClr val="black"/>
-              </a:solidFill>
-              <a:latin typeface="맑은 고딕" pitchFamily="50" charset="-127"/>
-              <a:ea typeface="맑은 고딕" pitchFamily="50" charset="-127"/>
-              <a:cs typeface="Courier New" pitchFamily="49" charset="0"/>
-            </a:endParaRPr>
-          </a:p>
-        </p:txBody>
-      </p:sp>
-      <p:cxnSp>
-        <p:nvCxnSpPr>
-          <p:cNvPr id="20" name="직선 연결선 32">
-            <a:extLst>
-              <a:ext uri="{FF2B5EF4-FFF2-40B4-BE49-F238E27FC236}">
-                <a16:creationId xmlns:a16="http://schemas.microsoft.com/office/drawing/2014/main" id="{62097FA3-FDA2-CE64-2548-D04C79B1D954}"/>
-              </a:ext>
-            </a:extLst>
-          </p:cNvPr>
-          <p:cNvCxnSpPr>
-            <a:cxnSpLocks/>
-          </p:cNvCxnSpPr>
-          <p:nvPr/>
-        </p:nvCxnSpPr>
-        <p:spPr>
-          <a:xfrm>
-            <a:off x="2719330" y="3640406"/>
-            <a:ext cx="0" cy="201506"/>
-          </a:xfrm>
-          <a:prstGeom prst="line">
-            <a:avLst/>
-          </a:prstGeom>
-          <a:ln w="25400">
-            <a:solidFill>
-              <a:schemeClr val="tx1"/>
-            </a:solidFill>
-            <a:tailEnd type="none"/>
-          </a:ln>
-        </p:spPr>
-        <p:style>
-          <a:lnRef idx="1">
-            <a:schemeClr val="accent1"/>
-          </a:lnRef>
-          <a:fillRef idx="0">
-            <a:schemeClr val="accent1"/>
-          </a:fillRef>
-          <a:effectRef idx="0">
-            <a:schemeClr val="accent1"/>
-          </a:effectRef>
-          <a:fontRef idx="minor">
-            <a:schemeClr val="tx1"/>
-          </a:fontRef>
-        </p:style>
-      </p:cxnSp>
-      <p:sp>
-        <p:nvSpPr>
-          <p:cNvPr id="21" name="TextBox 35">
-            <a:extLst>
-              <a:ext uri="{FF2B5EF4-FFF2-40B4-BE49-F238E27FC236}">
-                <a16:creationId xmlns:a16="http://schemas.microsoft.com/office/drawing/2014/main" id="{070769ED-86ED-3BE1-2DCA-5D460FF8EE2E}"/>
-              </a:ext>
-            </a:extLst>
-          </p:cNvPr>
-          <p:cNvSpPr txBox="1"/>
-          <p:nvPr/>
-        </p:nvSpPr>
-        <p:spPr>
-          <a:xfrm>
-            <a:off x="6499750" y="4463787"/>
-            <a:ext cx="2376264" cy="1569660"/>
-          </a:xfrm>
-          <a:prstGeom prst="rect">
-            <a:avLst/>
-          </a:prstGeom>
-          <a:noFill/>
-        </p:spPr>
-        <p:txBody>
-          <a:bodyPr wrap="square" rtlCol="0">
-            <a:spAutoFit/>
-          </a:bodyPr>
-          <a:lstStyle/>
-          <a:p>
-            <a:pPr algn="ctr"/>
-            <a:r>
-              <a:rPr lang="en-US" altLang="ko-KR" sz="1600" dirty="0">
-                <a:solidFill>
-                  <a:srgbClr val="FF0000"/>
-                </a:solidFill>
-                <a:latin typeface="맑은 고딕" pitchFamily="50" charset="-127"/>
-                <a:ea typeface="맑은 고딕" pitchFamily="50" charset="-127"/>
-              </a:rPr>
-              <a:t>Loading:</a:t>
-            </a:r>
-          </a:p>
-          <a:p>
-            <a:pPr algn="ctr"/>
-            <a:r>
-              <a:rPr lang="en-US" altLang="ko-KR" sz="1600" dirty="0">
-                <a:solidFill>
-                  <a:srgbClr val="FF0000"/>
-                </a:solidFill>
-                <a:latin typeface="맑은 고딕" pitchFamily="50" charset="-127"/>
-                <a:ea typeface="맑은 고딕" pitchFamily="50" charset="-127"/>
-              </a:rPr>
-              <a:t>Takes on-disk program</a:t>
-            </a:r>
-          </a:p>
-          <a:p>
-            <a:pPr algn="ctr"/>
-            <a:r>
-              <a:rPr lang="en-US" altLang="ko-KR" sz="1600" dirty="0">
-                <a:solidFill>
-                  <a:srgbClr val="FF0000"/>
-                </a:solidFill>
-                <a:latin typeface="맑은 고딕" pitchFamily="50" charset="-127"/>
-                <a:ea typeface="맑은 고딕" pitchFamily="50" charset="-127"/>
-              </a:rPr>
-              <a:t>and </a:t>
-            </a:r>
-            <a:r>
-              <a:rPr lang="en-US" altLang="zh-CN" sz="1600" dirty="0">
-                <a:solidFill>
-                  <a:srgbClr val="FF0000"/>
-                </a:solidFill>
-                <a:latin typeface="맑은 고딕" pitchFamily="50" charset="-127"/>
-                <a:ea typeface="맑은 고딕" pitchFamily="50" charset="-127"/>
-              </a:rPr>
-              <a:t>reads</a:t>
-            </a:r>
-            <a:r>
-              <a:rPr lang="en-US" altLang="ko-KR" sz="1600" dirty="0">
-                <a:solidFill>
-                  <a:srgbClr val="FF0000"/>
-                </a:solidFill>
-                <a:latin typeface="맑은 고딕" pitchFamily="50" charset="-127"/>
-                <a:ea typeface="맑은 고딕" pitchFamily="50" charset="-127"/>
-              </a:rPr>
-              <a:t> it into the address space of process</a:t>
-            </a:r>
-            <a:endParaRPr lang="ko-KR" altLang="en-US" sz="1600" dirty="0">
-              <a:solidFill>
-                <a:srgbClr val="FF0000"/>
-              </a:solidFill>
-              <a:latin typeface="맑은 고딕" pitchFamily="50" charset="-127"/>
-              <a:ea typeface="맑은 고딕" pitchFamily="50" charset="-127"/>
-            </a:endParaRPr>
-          </a:p>
-        </p:txBody>
-      </p:sp>
-      <p:sp>
-        <p:nvSpPr>
-          <p:cNvPr id="22" name="TextBox 22">
-            <a:extLst>
-              <a:ext uri="{FF2B5EF4-FFF2-40B4-BE49-F238E27FC236}">
-                <a16:creationId xmlns:a16="http://schemas.microsoft.com/office/drawing/2014/main" id="{8196B550-B5F7-17B0-E549-4880E3158967}"/>
-              </a:ext>
-            </a:extLst>
-          </p:cNvPr>
-          <p:cNvSpPr txBox="1"/>
-          <p:nvPr/>
-        </p:nvSpPr>
-        <p:spPr>
-          <a:xfrm>
-            <a:off x="2035254" y="890682"/>
-            <a:ext cx="1440160" cy="338554"/>
-          </a:xfrm>
-          <a:prstGeom prst="rect">
-            <a:avLst/>
-          </a:prstGeom>
-          <a:noFill/>
-        </p:spPr>
-        <p:txBody>
-          <a:bodyPr wrap="square" rtlCol="0">
-            <a:spAutoFit/>
-          </a:bodyPr>
-          <a:lstStyle/>
-          <a:p>
-            <a:pPr algn="ctr"/>
-            <a:r>
-              <a:rPr lang="en-US" altLang="ko-KR" sz="1600" dirty="0">
-                <a:solidFill>
-                  <a:prstClr val="black"/>
-                </a:solidFill>
-                <a:latin typeface="맑은 고딕" pitchFamily="50" charset="-127"/>
-                <a:ea typeface="맑은 고딕" pitchFamily="50" charset="-127"/>
-              </a:rPr>
-              <a:t>CPU</a:t>
-            </a:r>
-            <a:endParaRPr lang="ko-KR" altLang="en-US" sz="1600" dirty="0">
-              <a:solidFill>
-                <a:prstClr val="black"/>
-              </a:solidFill>
-              <a:latin typeface="맑은 고딕" pitchFamily="50" charset="-127"/>
-              <a:ea typeface="맑은 고딕" pitchFamily="50" charset="-127"/>
-            </a:endParaRPr>
-          </a:p>
-        </p:txBody>
-      </p:sp>
-      <p:sp>
-        <p:nvSpPr>
-          <p:cNvPr id="23" name="页脚占位符 22">
-            <a:extLst>
-              <a:ext uri="{FF2B5EF4-FFF2-40B4-BE49-F238E27FC236}">
-                <a16:creationId xmlns:a16="http://schemas.microsoft.com/office/drawing/2014/main" id="{74D63CF1-2DEE-49D9-D415-7D6FDFD2EC3D}"/>
-              </a:ext>
-            </a:extLst>
-          </p:cNvPr>
-          <p:cNvSpPr>
-            <a:spLocks noGrp="1"/>
-          </p:cNvSpPr>
-          <p:nvPr>
-            <p:ph type="ftr" sz="quarter" idx="4294967295"/>
-          </p:nvPr>
-        </p:nvSpPr>
-        <p:spPr>
-          <a:xfrm>
-            <a:off x="4038600" y="6356351"/>
-            <a:ext cx="4114800" cy="365125"/>
-          </a:xfrm>
-          <a:prstGeom prst="rect">
-            <a:avLst/>
-          </a:prstGeom>
-        </p:spPr>
-        <p:txBody>
-          <a:bodyPr/>
-          <a:lstStyle/>
-          <a:p>
-            <a:endParaRPr lang="en-US" altLang="zh-CN" dirty="0"/>
-          </a:p>
-        </p:txBody>
-      </p:sp>
-      <p:sp>
-        <p:nvSpPr>
-          <p:cNvPr id="24" name="文本框 23">
-            <a:extLst>
-              <a:ext uri="{FF2B5EF4-FFF2-40B4-BE49-F238E27FC236}">
-                <a16:creationId xmlns:a16="http://schemas.microsoft.com/office/drawing/2014/main" id="{7ECB2B48-B0F8-2935-D995-E9498AB58ACB}"/>
-              </a:ext>
-            </a:extLst>
-          </p:cNvPr>
-          <p:cNvSpPr txBox="1"/>
-          <p:nvPr/>
-        </p:nvSpPr>
-        <p:spPr>
-          <a:xfrm>
-            <a:off x="2038263" y="1363065"/>
-            <a:ext cx="1571566" cy="646331"/>
-          </a:xfrm>
-          <a:prstGeom prst="rect">
-            <a:avLst/>
-          </a:prstGeom>
-          <a:noFill/>
-        </p:spPr>
-        <p:txBody>
-          <a:bodyPr wrap="square" rtlCol="0">
-            <a:spAutoFit/>
-          </a:bodyPr>
-          <a:lstStyle/>
-          <a:p>
-            <a:r>
-              <a:rPr lang="en-US" altLang="zh-CN" dirty="0"/>
-              <a:t>Program Counter (PC)</a:t>
-            </a:r>
-            <a:endParaRPr lang="en-US" dirty="0"/>
-          </a:p>
-        </p:txBody>
-      </p:sp>
-      <p:cxnSp>
-        <p:nvCxnSpPr>
-          <p:cNvPr id="26" name="直线箭头连接符 25">
-            <a:extLst>
-              <a:ext uri="{FF2B5EF4-FFF2-40B4-BE49-F238E27FC236}">
-                <a16:creationId xmlns:a16="http://schemas.microsoft.com/office/drawing/2014/main" id="{D1BEA4C2-88D8-3887-5254-D709D5010A25}"/>
-              </a:ext>
-            </a:extLst>
-          </p:cNvPr>
-          <p:cNvCxnSpPr/>
-          <p:nvPr/>
-        </p:nvCxnSpPr>
-        <p:spPr>
-          <a:xfrm>
-            <a:off x="3595398" y="1628328"/>
-            <a:ext cx="1040529" cy="0"/>
-          </a:xfrm>
-          <a:prstGeom prst="straightConnector1">
-            <a:avLst/>
-          </a:prstGeom>
-          <a:ln>
-            <a:solidFill>
-              <a:srgbClr val="FF0000"/>
-            </a:solidFill>
-            <a:tailEnd type="triangle"/>
-          </a:ln>
-        </p:spPr>
-        <p:style>
-          <a:lnRef idx="2">
-            <a:schemeClr val="accent1"/>
-          </a:lnRef>
-          <a:fillRef idx="0">
-            <a:schemeClr val="accent1"/>
-          </a:fillRef>
-          <a:effectRef idx="1">
-            <a:schemeClr val="accent1"/>
-          </a:effectRef>
-          <a:fontRef idx="minor">
-            <a:schemeClr val="tx1"/>
-          </a:fontRef>
-        </p:style>
-      </p:cxnSp>
-    </p:spTree>
-    <p:extLst>
-      <p:ext uri="{BB962C8B-B14F-4D97-AF65-F5344CB8AC3E}">
-        <p14:creationId xmlns:p14="http://schemas.microsoft.com/office/powerpoint/2010/main" val="261191326"/>
-      </p:ext>
-    </p:extLst>
-  </p:cSld>
-  <p:clrMapOvr>
-    <a:masterClrMapping/>
-  </p:clrMapOvr>
-</p:sld>
-</file>
-
-<file path=ppt/slides/slide40.xml><?xml version="1.0" encoding="utf-8"?>
+<file path=ppt/slides/slide39.xml><?xml version="1.0" encoding="utf-8"?>
 <p:sld xmlns:a="http://schemas.openxmlformats.org/drawingml/2006/main" xmlns:r="http://schemas.openxmlformats.org/officeDocument/2006/relationships" xmlns:p="http://schemas.openxmlformats.org/presentationml/2006/main">
   <p:cSld>
     <p:spTree>
@@ -47908,15 +46113,15 @@
               </a:spcBef>
             </a:pPr>
             <a:r>
-              <a:rPr lang="en-US" altLang="en-SE" sz="1200"/>
+              <a:rPr lang="en-US" altLang="en-SE" sz="1200" dirty="0"/>
               <a:t>(</a:t>
             </a:r>
             <a:r>
-              <a:rPr lang="en-US" altLang="en-SE" sz="1200" i="1"/>
+              <a:rPr lang="en-US" altLang="en-SE" sz="1200" i="1" dirty="0"/>
               <a:t>kernel</a:t>
             </a:r>
             <a:r>
-              <a:rPr lang="en-US" altLang="en-SE" sz="1200"/>
+              <a:rPr lang="en-US" altLang="en-SE" sz="1200" dirty="0"/>
               <a:t> thread create, destroy, signal, wait, etc.)</a:t>
             </a:r>
           </a:p>
@@ -48463,7 +46668,7 @@
                 </a:spcBef>
               </a:pPr>
               <a:r>
-                <a:rPr lang="en-US" altLang="en-SE" sz="1200"/>
+                <a:rPr lang="en-US" altLang="en-SE" sz="1200" dirty="0"/>
                 <a:t>(thread create, destroy, signal, wait, etc.)</a:t>
               </a:r>
             </a:p>
@@ -48662,7 +46867,1430 @@
 </p:sld>
 </file>
 
-<file path=ppt/slides/slide41.xml><?xml version="1.0" encoding="utf-8"?>
+<file path=ppt/slides/slide4.xml><?xml version="1.0" encoding="utf-8"?>
+<p:sld xmlns:a="http://schemas.openxmlformats.org/drawingml/2006/main" xmlns:r="http://schemas.openxmlformats.org/officeDocument/2006/relationships" xmlns:p="http://schemas.openxmlformats.org/presentationml/2006/main">
+  <p:cSld>
+    <p:spTree>
+      <p:nvGrpSpPr>
+        <p:cNvPr id="1" name=""/>
+        <p:cNvGrpSpPr/>
+        <p:nvPr/>
+      </p:nvGrpSpPr>
+      <p:grpSpPr>
+        <a:xfrm>
+          <a:off x="0" y="0"/>
+          <a:ext cx="0" cy="0"/>
+          <a:chOff x="0" y="0"/>
+          <a:chExt cx="0" cy="0"/>
+        </a:xfrm>
+      </p:grpSpPr>
+      <p:sp>
+        <p:nvSpPr>
+          <p:cNvPr id="2" name="Tittel 1">
+            <a:extLst>
+              <a:ext uri="{FF2B5EF4-FFF2-40B4-BE49-F238E27FC236}">
+                <a16:creationId xmlns:a16="http://schemas.microsoft.com/office/drawing/2014/main" id="{444E9320-82CB-6B47-9656-1B5499518015}"/>
+              </a:ext>
+            </a:extLst>
+          </p:cNvPr>
+          <p:cNvSpPr>
+            <a:spLocks noGrp="1"/>
+          </p:cNvSpPr>
+          <p:nvPr>
+            <p:ph type="title"/>
+          </p:nvPr>
+        </p:nvSpPr>
+        <p:spPr/>
+        <p:txBody>
+          <a:bodyPr/>
+          <a:lstStyle/>
+          <a:p>
+            <a:r>
+              <a:rPr lang="en-US" altLang="zh-CN" dirty="0"/>
+              <a:t>Process</a:t>
+            </a:r>
+            <a:endParaRPr lang="nb-NO" dirty="0"/>
+          </a:p>
+        </p:txBody>
+      </p:sp>
+      <p:sp>
+        <p:nvSpPr>
+          <p:cNvPr id="3" name="Plassholder for innhold 2">
+            <a:extLst>
+              <a:ext uri="{FF2B5EF4-FFF2-40B4-BE49-F238E27FC236}">
+                <a16:creationId xmlns:a16="http://schemas.microsoft.com/office/drawing/2014/main" id="{FC7524D1-ADBD-8C45-9DC3-F343D7DEE3B6}"/>
+              </a:ext>
+            </a:extLst>
+          </p:cNvPr>
+          <p:cNvSpPr>
+            <a:spLocks noGrp="1"/>
+          </p:cNvSpPr>
+          <p:nvPr>
+            <p:ph idx="1"/>
+          </p:nvPr>
+        </p:nvSpPr>
+        <p:spPr>
+          <a:xfrm>
+            <a:off x="7075814" y="1073427"/>
+            <a:ext cx="3265067" cy="5138531"/>
+          </a:xfrm>
+        </p:spPr>
+        <p:txBody>
+          <a:bodyPr/>
+          <a:lstStyle/>
+          <a:p>
+            <a:r>
+              <a:rPr lang="en-US" altLang="zh-CN" dirty="0"/>
+              <a:t>A</a:t>
+            </a:r>
+            <a:r>
+              <a:rPr lang="zh-CN" altLang="en-US" dirty="0"/>
+              <a:t> </a:t>
+            </a:r>
+            <a:r>
+              <a:rPr lang="en-US" altLang="zh-CN" dirty="0"/>
+              <a:t>program</a:t>
+            </a:r>
+            <a:r>
+              <a:rPr lang="zh-CN" altLang="en-US" dirty="0"/>
+              <a:t> </a:t>
+            </a:r>
+            <a:r>
+              <a:rPr lang="en-US" altLang="zh-CN" dirty="0"/>
+              <a:t>becomes</a:t>
+            </a:r>
+            <a:r>
+              <a:rPr lang="zh-CN" altLang="en-US" dirty="0"/>
+              <a:t> </a:t>
+            </a:r>
+            <a:r>
+              <a:rPr lang="en-US" altLang="zh-CN" dirty="0"/>
+              <a:t>a</a:t>
+            </a:r>
+            <a:r>
+              <a:rPr lang="zh-CN" altLang="en-US" dirty="0"/>
+              <a:t> </a:t>
+            </a:r>
+            <a:r>
+              <a:rPr lang="en-US" altLang="zh-CN" dirty="0"/>
+              <a:t>process</a:t>
+            </a:r>
+            <a:r>
+              <a:rPr lang="zh-CN" altLang="en-US" dirty="0"/>
+              <a:t> </a:t>
+            </a:r>
+            <a:r>
+              <a:rPr lang="en-US" altLang="zh-CN" dirty="0"/>
+              <a:t>when</a:t>
+            </a:r>
+            <a:r>
+              <a:rPr lang="zh-CN" altLang="en-US" dirty="0"/>
+              <a:t> </a:t>
+            </a:r>
+            <a:r>
+              <a:rPr lang="en-US" altLang="zh-CN" dirty="0"/>
+              <a:t>it</a:t>
+            </a:r>
+            <a:r>
+              <a:rPr lang="zh-CN" altLang="en-US" dirty="0"/>
+              <a:t> </a:t>
+            </a:r>
+            <a:r>
+              <a:rPr lang="en-US" altLang="zh-CN" dirty="0"/>
+              <a:t>is</a:t>
+            </a:r>
+            <a:r>
+              <a:rPr lang="zh-CN" altLang="en-US" dirty="0"/>
+              <a:t> </a:t>
+            </a:r>
+            <a:r>
+              <a:rPr lang="en-US" altLang="zh-CN" dirty="0"/>
+              <a:t>selected</a:t>
+            </a:r>
+            <a:r>
+              <a:rPr lang="zh-CN" altLang="en-US" dirty="0"/>
+              <a:t> </a:t>
+            </a:r>
+            <a:r>
+              <a:rPr lang="en-US" altLang="zh-CN" dirty="0"/>
+              <a:t>to</a:t>
+            </a:r>
+            <a:r>
+              <a:rPr lang="zh-CN" altLang="en-US" dirty="0"/>
+              <a:t> </a:t>
+            </a:r>
+            <a:r>
+              <a:rPr lang="en-US" altLang="zh-CN" dirty="0"/>
+              <a:t>execute</a:t>
+            </a:r>
+            <a:r>
+              <a:rPr lang="zh-CN" altLang="en-US" dirty="0"/>
+              <a:t> </a:t>
+            </a:r>
+            <a:r>
+              <a:rPr lang="en-US" altLang="zh-CN" dirty="0"/>
+              <a:t>and</a:t>
+            </a:r>
+            <a:r>
+              <a:rPr lang="zh-CN" altLang="en-US" dirty="0"/>
+              <a:t> </a:t>
+            </a:r>
+            <a:r>
+              <a:rPr lang="en-US" altLang="zh-CN" dirty="0"/>
+              <a:t>loaded</a:t>
+            </a:r>
+            <a:r>
+              <a:rPr lang="zh-CN" altLang="en-US" dirty="0"/>
+              <a:t> </a:t>
+            </a:r>
+            <a:r>
+              <a:rPr lang="en-US" altLang="zh-CN" dirty="0"/>
+              <a:t>into</a:t>
+            </a:r>
+            <a:r>
+              <a:rPr lang="zh-CN" altLang="en-US" dirty="0"/>
+              <a:t> </a:t>
+            </a:r>
+            <a:r>
+              <a:rPr lang="en-US" altLang="zh-CN" dirty="0"/>
+              <a:t>memory.</a:t>
+            </a:r>
+          </a:p>
+          <a:p>
+            <a:r>
+              <a:rPr lang="en-US" dirty="0"/>
+              <a:t>A</a:t>
+            </a:r>
+            <a:r>
+              <a:rPr lang="zh-CN" altLang="en-US" dirty="0"/>
+              <a:t> </a:t>
+            </a:r>
+            <a:r>
+              <a:rPr lang="en-US" altLang="zh-CN" dirty="0"/>
+              <a:t>process</a:t>
+            </a:r>
+            <a:r>
+              <a:rPr lang="zh-CN" altLang="en-US" dirty="0"/>
+              <a:t> </a:t>
+            </a:r>
+            <a:r>
+              <a:rPr lang="en-US" altLang="zh-CN" dirty="0"/>
+              <a:t>has</a:t>
+            </a:r>
+            <a:r>
+              <a:rPr lang="zh-CN" altLang="en-US" dirty="0"/>
+              <a:t> </a:t>
+            </a:r>
+            <a:r>
+              <a:rPr lang="en-US" altLang="zh-CN" dirty="0"/>
+              <a:t>an</a:t>
+            </a:r>
+            <a:r>
+              <a:rPr lang="zh-CN" altLang="en-US" dirty="0"/>
+              <a:t> </a:t>
+            </a:r>
+            <a:r>
+              <a:rPr lang="en-US" altLang="zh-CN" b="1" dirty="0">
+                <a:solidFill>
+                  <a:srgbClr val="0070C0"/>
+                </a:solidFill>
+              </a:rPr>
+              <a:t>address</a:t>
+            </a:r>
+            <a:r>
+              <a:rPr lang="zh-CN" altLang="en-US" b="1" dirty="0">
+                <a:solidFill>
+                  <a:srgbClr val="0070C0"/>
+                </a:solidFill>
+              </a:rPr>
+              <a:t> </a:t>
+            </a:r>
+            <a:r>
+              <a:rPr lang="en-US" altLang="zh-CN" b="1" dirty="0">
+                <a:solidFill>
+                  <a:srgbClr val="0070C0"/>
+                </a:solidFill>
+              </a:rPr>
+              <a:t>space</a:t>
+            </a:r>
+            <a:endParaRPr lang="nb-NO" b="1" dirty="0">
+              <a:solidFill>
+                <a:srgbClr val="0070C0"/>
+              </a:solidFill>
+            </a:endParaRPr>
+          </a:p>
+        </p:txBody>
+      </p:sp>
+      <p:sp>
+        <p:nvSpPr>
+          <p:cNvPr id="4" name="직사각형 5">
+            <a:extLst>
+              <a:ext uri="{FF2B5EF4-FFF2-40B4-BE49-F238E27FC236}">
+                <a16:creationId xmlns:a16="http://schemas.microsoft.com/office/drawing/2014/main" id="{C152BA54-B1F1-FDAE-E0A1-3F5F2D317691}"/>
+              </a:ext>
+            </a:extLst>
+          </p:cNvPr>
+          <p:cNvSpPr/>
+          <p:nvPr/>
+        </p:nvSpPr>
+        <p:spPr>
+          <a:xfrm>
+            <a:off x="4411518" y="1229236"/>
+            <a:ext cx="2520280" cy="2426786"/>
+          </a:xfrm>
+          <a:prstGeom prst="rect">
+            <a:avLst/>
+          </a:prstGeom>
+          <a:solidFill>
+            <a:schemeClr val="bg1"/>
+          </a:solidFill>
+          <a:ln w="12700">
+            <a:solidFill>
+              <a:schemeClr val="tx1"/>
+            </a:solidFill>
+          </a:ln>
+          <a:effectLst/>
+        </p:spPr>
+        <p:style>
+          <a:lnRef idx="3">
+            <a:schemeClr val="lt1"/>
+          </a:lnRef>
+          <a:fillRef idx="1">
+            <a:schemeClr val="accent1"/>
+          </a:fillRef>
+          <a:effectRef idx="1">
+            <a:schemeClr val="accent1"/>
+          </a:effectRef>
+          <a:fontRef idx="minor">
+            <a:schemeClr val="lt1"/>
+          </a:fontRef>
+        </p:style>
+        <p:txBody>
+          <a:bodyPr lIns="252000" rtlCol="0" anchor="ctr"/>
+          <a:lstStyle/>
+          <a:p>
+            <a:pPr algn="ctr"/>
+            <a:endParaRPr lang="ko-KR" altLang="en-US" sz="1600" dirty="0">
+              <a:solidFill>
+                <a:srgbClr val="00B050"/>
+              </a:solidFill>
+              <a:latin typeface="Courier New" pitchFamily="49" charset="0"/>
+              <a:ea typeface="맑은 고딕" pitchFamily="50" charset="-127"/>
+              <a:cs typeface="Courier New" pitchFamily="49" charset="0"/>
+            </a:endParaRPr>
+          </a:p>
+        </p:txBody>
+      </p:sp>
+      <p:sp>
+        <p:nvSpPr>
+          <p:cNvPr id="5" name="직사각형 6">
+            <a:extLst>
+              <a:ext uri="{FF2B5EF4-FFF2-40B4-BE49-F238E27FC236}">
+                <a16:creationId xmlns:a16="http://schemas.microsoft.com/office/drawing/2014/main" id="{87E30807-8F43-21A9-2404-CB1E19D61A01}"/>
+              </a:ext>
+            </a:extLst>
+          </p:cNvPr>
+          <p:cNvSpPr/>
+          <p:nvPr/>
+        </p:nvSpPr>
+        <p:spPr>
+          <a:xfrm>
+            <a:off x="4635926" y="1381636"/>
+            <a:ext cx="1440160" cy="1935832"/>
+          </a:xfrm>
+          <a:prstGeom prst="rect">
+            <a:avLst/>
+          </a:prstGeom>
+          <a:solidFill>
+            <a:schemeClr val="bg1"/>
+          </a:solidFill>
+          <a:ln w="12700">
+            <a:solidFill>
+              <a:schemeClr val="tx1"/>
+            </a:solidFill>
+            <a:prstDash val="dash"/>
+          </a:ln>
+          <a:effectLst/>
+        </p:spPr>
+        <p:style>
+          <a:lnRef idx="3">
+            <a:schemeClr val="lt1"/>
+          </a:lnRef>
+          <a:fillRef idx="1">
+            <a:schemeClr val="accent1"/>
+          </a:fillRef>
+          <a:effectRef idx="1">
+            <a:schemeClr val="accent1"/>
+          </a:effectRef>
+          <a:fontRef idx="minor">
+            <a:schemeClr val="lt1"/>
+          </a:fontRef>
+        </p:style>
+        <p:txBody>
+          <a:bodyPr lIns="252000" rtlCol="0" anchor="ctr"/>
+          <a:lstStyle/>
+          <a:p>
+            <a:pPr algn="ctr"/>
+            <a:endParaRPr lang="ko-KR" altLang="en-US" sz="1600" dirty="0">
+              <a:solidFill>
+                <a:srgbClr val="00B050"/>
+              </a:solidFill>
+              <a:latin typeface="Courier New" pitchFamily="49" charset="0"/>
+              <a:ea typeface="맑은 고딕" pitchFamily="50" charset="-127"/>
+              <a:cs typeface="Courier New" pitchFamily="49" charset="0"/>
+            </a:endParaRPr>
+          </a:p>
+        </p:txBody>
+      </p:sp>
+      <p:sp>
+        <p:nvSpPr>
+          <p:cNvPr id="6" name="TextBox 2">
+            <a:extLst>
+              <a:ext uri="{FF2B5EF4-FFF2-40B4-BE49-F238E27FC236}">
+                <a16:creationId xmlns:a16="http://schemas.microsoft.com/office/drawing/2014/main" id="{839DC2EC-C981-F929-9D7D-2CBCFF2C9F32}"/>
+              </a:ext>
+            </a:extLst>
+          </p:cNvPr>
+          <p:cNvSpPr txBox="1"/>
+          <p:nvPr/>
+        </p:nvSpPr>
+        <p:spPr>
+          <a:xfrm>
+            <a:off x="4635926" y="1381636"/>
+            <a:ext cx="1440160" cy="861774"/>
+          </a:xfrm>
+          <a:prstGeom prst="rect">
+            <a:avLst/>
+          </a:prstGeom>
+          <a:noFill/>
+        </p:spPr>
+        <p:txBody>
+          <a:bodyPr wrap="square" rtlCol="0">
+            <a:spAutoFit/>
+          </a:bodyPr>
+          <a:lstStyle/>
+          <a:p>
+            <a:pPr algn="ctr"/>
+            <a:r>
+              <a:rPr lang="en-US" altLang="ko-KR" sz="1600" dirty="0">
+                <a:solidFill>
+                  <a:prstClr val="black"/>
+                </a:solidFill>
+                <a:latin typeface="맑은 고딕" pitchFamily="50" charset="-127"/>
+                <a:ea typeface="맑은 고딕" pitchFamily="50" charset="-127"/>
+              </a:rPr>
+              <a:t>code</a:t>
+            </a:r>
+          </a:p>
+          <a:p>
+            <a:pPr algn="ctr"/>
+            <a:r>
+              <a:rPr lang="en-US" altLang="ko-KR" sz="1600" dirty="0">
+                <a:solidFill>
+                  <a:prstClr val="black"/>
+                </a:solidFill>
+                <a:latin typeface="맑은 고딕" pitchFamily="50" charset="-127"/>
+                <a:ea typeface="맑은 고딕" pitchFamily="50" charset="-127"/>
+              </a:rPr>
+              <a:t>static data</a:t>
+            </a:r>
+          </a:p>
+          <a:p>
+            <a:pPr algn="ctr"/>
+            <a:r>
+              <a:rPr lang="en-US" altLang="ko-KR" sz="1600" dirty="0">
+                <a:solidFill>
+                  <a:prstClr val="black"/>
+                </a:solidFill>
+                <a:latin typeface="맑은 고딕" pitchFamily="50" charset="-127"/>
+                <a:ea typeface="맑은 고딕" pitchFamily="50" charset="-127"/>
+              </a:rPr>
+              <a:t>heap</a:t>
+            </a:r>
+            <a:endParaRPr lang="ko-KR" altLang="en-US" sz="1600" dirty="0">
+              <a:solidFill>
+                <a:prstClr val="black"/>
+              </a:solidFill>
+              <a:latin typeface="맑은 고딕" pitchFamily="50" charset="-127"/>
+              <a:ea typeface="맑은 고딕" pitchFamily="50" charset="-127"/>
+            </a:endParaRPr>
+          </a:p>
+        </p:txBody>
+      </p:sp>
+      <p:sp>
+        <p:nvSpPr>
+          <p:cNvPr id="7" name="TextBox 7">
+            <a:extLst>
+              <a:ext uri="{FF2B5EF4-FFF2-40B4-BE49-F238E27FC236}">
+                <a16:creationId xmlns:a16="http://schemas.microsoft.com/office/drawing/2014/main" id="{5323C302-F1A0-0F19-A9C9-25C15ED403BB}"/>
+              </a:ext>
+            </a:extLst>
+          </p:cNvPr>
+          <p:cNvSpPr txBox="1"/>
+          <p:nvPr/>
+        </p:nvSpPr>
+        <p:spPr>
+          <a:xfrm>
+            <a:off x="4635926" y="2978914"/>
+            <a:ext cx="1440160" cy="338554"/>
+          </a:xfrm>
+          <a:prstGeom prst="rect">
+            <a:avLst/>
+          </a:prstGeom>
+          <a:noFill/>
+        </p:spPr>
+        <p:txBody>
+          <a:bodyPr wrap="square" rtlCol="0">
+            <a:spAutoFit/>
+          </a:bodyPr>
+          <a:lstStyle/>
+          <a:p>
+            <a:pPr algn="ctr"/>
+            <a:r>
+              <a:rPr lang="en-US" altLang="ko-KR" sz="1600" dirty="0">
+                <a:solidFill>
+                  <a:prstClr val="black"/>
+                </a:solidFill>
+                <a:latin typeface="맑은 고딕" pitchFamily="50" charset="-127"/>
+                <a:ea typeface="맑은 고딕" pitchFamily="50" charset="-127"/>
+              </a:rPr>
+              <a:t>stack</a:t>
+            </a:r>
+            <a:endParaRPr lang="ko-KR" altLang="en-US" sz="1600" dirty="0">
+              <a:solidFill>
+                <a:prstClr val="black"/>
+              </a:solidFill>
+              <a:latin typeface="맑은 고딕" pitchFamily="50" charset="-127"/>
+              <a:ea typeface="맑은 고딕" pitchFamily="50" charset="-127"/>
+            </a:endParaRPr>
+          </a:p>
+        </p:txBody>
+      </p:sp>
+      <p:sp>
+        <p:nvSpPr>
+          <p:cNvPr id="8" name="TextBox 8">
+            <a:extLst>
+              <a:ext uri="{FF2B5EF4-FFF2-40B4-BE49-F238E27FC236}">
+                <a16:creationId xmlns:a16="http://schemas.microsoft.com/office/drawing/2014/main" id="{30985657-B17C-F96F-7852-883F9BB4E2CD}"/>
+              </a:ext>
+            </a:extLst>
+          </p:cNvPr>
+          <p:cNvSpPr txBox="1"/>
+          <p:nvPr/>
+        </p:nvSpPr>
+        <p:spPr>
+          <a:xfrm>
+            <a:off x="4635926" y="3317468"/>
+            <a:ext cx="1440160" cy="338554"/>
+          </a:xfrm>
+          <a:prstGeom prst="rect">
+            <a:avLst/>
+          </a:prstGeom>
+          <a:noFill/>
+        </p:spPr>
+        <p:txBody>
+          <a:bodyPr wrap="square" rtlCol="0">
+            <a:spAutoFit/>
+          </a:bodyPr>
+          <a:lstStyle/>
+          <a:p>
+            <a:pPr algn="ctr"/>
+            <a:r>
+              <a:rPr lang="en-US" altLang="ko-KR" sz="1600" i="1" dirty="0">
+                <a:solidFill>
+                  <a:prstClr val="black"/>
+                </a:solidFill>
+                <a:latin typeface="맑은 고딕" pitchFamily="50" charset="-127"/>
+                <a:ea typeface="맑은 고딕" pitchFamily="50" charset="-127"/>
+              </a:rPr>
+              <a:t>Process</a:t>
+            </a:r>
+            <a:endParaRPr lang="ko-KR" altLang="en-US" sz="1600" i="1" dirty="0">
+              <a:solidFill>
+                <a:prstClr val="black"/>
+              </a:solidFill>
+              <a:latin typeface="맑은 고딕" pitchFamily="50" charset="-127"/>
+              <a:ea typeface="맑은 고딕" pitchFamily="50" charset="-127"/>
+            </a:endParaRPr>
+          </a:p>
+        </p:txBody>
+      </p:sp>
+      <p:sp>
+        <p:nvSpPr>
+          <p:cNvPr id="9" name="TextBox 9">
+            <a:extLst>
+              <a:ext uri="{FF2B5EF4-FFF2-40B4-BE49-F238E27FC236}">
+                <a16:creationId xmlns:a16="http://schemas.microsoft.com/office/drawing/2014/main" id="{A7EF9662-EB7E-6F3C-3DFF-21B2E3FFF3D2}"/>
+              </a:ext>
+            </a:extLst>
+          </p:cNvPr>
+          <p:cNvSpPr txBox="1"/>
+          <p:nvPr/>
+        </p:nvSpPr>
+        <p:spPr>
+          <a:xfrm>
+            <a:off x="4951578" y="890682"/>
+            <a:ext cx="1440160" cy="338554"/>
+          </a:xfrm>
+          <a:prstGeom prst="rect">
+            <a:avLst/>
+          </a:prstGeom>
+          <a:noFill/>
+        </p:spPr>
+        <p:txBody>
+          <a:bodyPr wrap="square" rtlCol="0">
+            <a:spAutoFit/>
+          </a:bodyPr>
+          <a:lstStyle/>
+          <a:p>
+            <a:pPr algn="ctr"/>
+            <a:r>
+              <a:rPr lang="en-US" altLang="ko-KR" sz="1600" dirty="0">
+                <a:solidFill>
+                  <a:prstClr val="black"/>
+                </a:solidFill>
+                <a:latin typeface="맑은 고딕" pitchFamily="50" charset="-127"/>
+                <a:ea typeface="맑은 고딕" pitchFamily="50" charset="-127"/>
+              </a:rPr>
+              <a:t>Memory</a:t>
+            </a:r>
+            <a:endParaRPr lang="ko-KR" altLang="en-US" sz="1600" dirty="0">
+              <a:solidFill>
+                <a:prstClr val="black"/>
+              </a:solidFill>
+              <a:latin typeface="맑은 고딕" pitchFamily="50" charset="-127"/>
+              <a:ea typeface="맑은 고딕" pitchFamily="50" charset="-127"/>
+            </a:endParaRPr>
+          </a:p>
+        </p:txBody>
+      </p:sp>
+      <p:cxnSp>
+        <p:nvCxnSpPr>
+          <p:cNvPr id="10" name="직선 연결선 11">
+            <a:extLst>
+              <a:ext uri="{FF2B5EF4-FFF2-40B4-BE49-F238E27FC236}">
+                <a16:creationId xmlns:a16="http://schemas.microsoft.com/office/drawing/2014/main" id="{196A8D14-3458-509D-FF20-C7BC33AF9FEA}"/>
+              </a:ext>
+            </a:extLst>
+          </p:cNvPr>
+          <p:cNvCxnSpPr>
+            <a:stCxn id="4" idx="2"/>
+          </p:cNvCxnSpPr>
+          <p:nvPr/>
+        </p:nvCxnSpPr>
+        <p:spPr>
+          <a:xfrm>
+            <a:off x="5671658" y="3656022"/>
+            <a:ext cx="0" cy="201506"/>
+          </a:xfrm>
+          <a:prstGeom prst="line">
+            <a:avLst/>
+          </a:prstGeom>
+          <a:ln w="25400">
+            <a:solidFill>
+              <a:schemeClr val="tx1"/>
+            </a:solidFill>
+            <a:tailEnd type="none"/>
+          </a:ln>
+        </p:spPr>
+        <p:style>
+          <a:lnRef idx="1">
+            <a:schemeClr val="accent1"/>
+          </a:lnRef>
+          <a:fillRef idx="0">
+            <a:schemeClr val="accent1"/>
+          </a:fillRef>
+          <a:effectRef idx="0">
+            <a:schemeClr val="accent1"/>
+          </a:effectRef>
+          <a:fontRef idx="minor">
+            <a:schemeClr val="tx1"/>
+          </a:fontRef>
+        </p:style>
+      </p:cxnSp>
+      <p:cxnSp>
+        <p:nvCxnSpPr>
+          <p:cNvPr id="11" name="직선 연결선 12">
+            <a:extLst>
+              <a:ext uri="{FF2B5EF4-FFF2-40B4-BE49-F238E27FC236}">
+                <a16:creationId xmlns:a16="http://schemas.microsoft.com/office/drawing/2014/main" id="{57A856FD-1D2B-79DA-CB5E-0FEF4D6D722D}"/>
+              </a:ext>
+            </a:extLst>
+          </p:cNvPr>
+          <p:cNvCxnSpPr>
+            <a:cxnSpLocks/>
+          </p:cNvCxnSpPr>
+          <p:nvPr/>
+        </p:nvCxnSpPr>
+        <p:spPr>
+          <a:xfrm>
+            <a:off x="1838588" y="3857528"/>
+            <a:ext cx="5093211" cy="0"/>
+          </a:xfrm>
+          <a:prstGeom prst="line">
+            <a:avLst/>
+          </a:prstGeom>
+          <a:ln w="25400">
+            <a:solidFill>
+              <a:schemeClr val="tx1"/>
+            </a:solidFill>
+            <a:tailEnd type="none"/>
+          </a:ln>
+        </p:spPr>
+        <p:style>
+          <a:lnRef idx="1">
+            <a:schemeClr val="accent1"/>
+          </a:lnRef>
+          <a:fillRef idx="0">
+            <a:schemeClr val="accent1"/>
+          </a:fillRef>
+          <a:effectRef idx="0">
+            <a:schemeClr val="accent1"/>
+          </a:effectRef>
+          <a:fontRef idx="minor">
+            <a:schemeClr val="tx1"/>
+          </a:fontRef>
+        </p:style>
+      </p:cxnSp>
+      <p:cxnSp>
+        <p:nvCxnSpPr>
+          <p:cNvPr id="12" name="직선 연결선 14">
+            <a:extLst>
+              <a:ext uri="{FF2B5EF4-FFF2-40B4-BE49-F238E27FC236}">
+                <a16:creationId xmlns:a16="http://schemas.microsoft.com/office/drawing/2014/main" id="{AD039B82-C566-5E34-3C01-AB348034194B}"/>
+              </a:ext>
+            </a:extLst>
+          </p:cNvPr>
+          <p:cNvCxnSpPr>
+            <a:cxnSpLocks/>
+          </p:cNvCxnSpPr>
+          <p:nvPr/>
+        </p:nvCxnSpPr>
+        <p:spPr>
+          <a:xfrm>
+            <a:off x="4411518" y="3857528"/>
+            <a:ext cx="0" cy="201506"/>
+          </a:xfrm>
+          <a:prstGeom prst="line">
+            <a:avLst/>
+          </a:prstGeom>
+          <a:ln w="25400">
+            <a:solidFill>
+              <a:schemeClr val="tx1"/>
+            </a:solidFill>
+            <a:tailEnd type="none"/>
+          </a:ln>
+        </p:spPr>
+        <p:style>
+          <a:lnRef idx="1">
+            <a:schemeClr val="accent1"/>
+          </a:lnRef>
+          <a:fillRef idx="0">
+            <a:schemeClr val="accent1"/>
+          </a:fillRef>
+          <a:effectRef idx="0">
+            <a:schemeClr val="accent1"/>
+          </a:effectRef>
+          <a:fontRef idx="minor">
+            <a:schemeClr val="tx1"/>
+          </a:fontRef>
+        </p:style>
+      </p:cxnSp>
+      <p:sp>
+        <p:nvSpPr>
+          <p:cNvPr id="13" name="순서도: 자기 디스크 15">
+            <a:extLst>
+              <a:ext uri="{FF2B5EF4-FFF2-40B4-BE49-F238E27FC236}">
+                <a16:creationId xmlns:a16="http://schemas.microsoft.com/office/drawing/2014/main" id="{78AC4621-8404-A82A-C10F-2FCF7ADE66D1}"/>
+              </a:ext>
+            </a:extLst>
+          </p:cNvPr>
+          <p:cNvSpPr/>
+          <p:nvPr/>
+        </p:nvSpPr>
+        <p:spPr>
+          <a:xfrm>
+            <a:off x="3331398" y="4059034"/>
+            <a:ext cx="2168624" cy="1872208"/>
+          </a:xfrm>
+          <a:prstGeom prst="flowChartMagneticDisk">
+            <a:avLst/>
+          </a:prstGeom>
+          <a:solidFill>
+            <a:schemeClr val="bg1"/>
+          </a:solidFill>
+          <a:ln w="9525">
+            <a:solidFill>
+              <a:schemeClr val="tx1"/>
+            </a:solidFill>
+          </a:ln>
+          <a:effectLst/>
+        </p:spPr>
+        <p:style>
+          <a:lnRef idx="3">
+            <a:schemeClr val="lt1"/>
+          </a:lnRef>
+          <a:fillRef idx="1">
+            <a:schemeClr val="accent1"/>
+          </a:fillRef>
+          <a:effectRef idx="1">
+            <a:schemeClr val="accent1"/>
+          </a:effectRef>
+          <a:fontRef idx="minor">
+            <a:schemeClr val="lt1"/>
+          </a:fontRef>
+        </p:style>
+        <p:txBody>
+          <a:bodyPr lIns="252000" rtlCol="0" anchor="ctr"/>
+          <a:lstStyle/>
+          <a:p>
+            <a:pPr algn="ctr"/>
+            <a:endParaRPr lang="ko-KR" altLang="en-US" sz="1600" dirty="0">
+              <a:solidFill>
+                <a:srgbClr val="00B050"/>
+              </a:solidFill>
+              <a:latin typeface="Courier New" pitchFamily="49" charset="0"/>
+              <a:ea typeface="맑은 고딕" pitchFamily="50" charset="-127"/>
+              <a:cs typeface="Courier New" pitchFamily="49" charset="0"/>
+            </a:endParaRPr>
+          </a:p>
+        </p:txBody>
+      </p:sp>
+      <p:sp>
+        <p:nvSpPr>
+          <p:cNvPr id="14" name="직사각형 16">
+            <a:extLst>
+              <a:ext uri="{FF2B5EF4-FFF2-40B4-BE49-F238E27FC236}">
+                <a16:creationId xmlns:a16="http://schemas.microsoft.com/office/drawing/2014/main" id="{55B2F29B-7B60-9DC8-0547-15F8BC437D87}"/>
+              </a:ext>
+            </a:extLst>
+          </p:cNvPr>
+          <p:cNvSpPr/>
+          <p:nvPr/>
+        </p:nvSpPr>
+        <p:spPr>
+          <a:xfrm>
+            <a:off x="3649096" y="4763435"/>
+            <a:ext cx="1440160" cy="738664"/>
+          </a:xfrm>
+          <a:prstGeom prst="rect">
+            <a:avLst/>
+          </a:prstGeom>
+          <a:solidFill>
+            <a:schemeClr val="bg1"/>
+          </a:solidFill>
+          <a:ln w="12700">
+            <a:solidFill>
+              <a:schemeClr val="tx1"/>
+            </a:solidFill>
+            <a:prstDash val="dash"/>
+          </a:ln>
+          <a:effectLst/>
+        </p:spPr>
+        <p:style>
+          <a:lnRef idx="3">
+            <a:schemeClr val="lt1"/>
+          </a:lnRef>
+          <a:fillRef idx="1">
+            <a:schemeClr val="accent1"/>
+          </a:fillRef>
+          <a:effectRef idx="1">
+            <a:schemeClr val="accent1"/>
+          </a:effectRef>
+          <a:fontRef idx="minor">
+            <a:schemeClr val="lt1"/>
+          </a:fontRef>
+        </p:style>
+        <p:txBody>
+          <a:bodyPr lIns="252000" rtlCol="0" anchor="ctr"/>
+          <a:lstStyle/>
+          <a:p>
+            <a:pPr algn="ctr"/>
+            <a:endParaRPr lang="ko-KR" altLang="en-US" sz="1600" dirty="0">
+              <a:solidFill>
+                <a:srgbClr val="00B050"/>
+              </a:solidFill>
+              <a:latin typeface="Courier New" pitchFamily="49" charset="0"/>
+              <a:ea typeface="맑은 고딕" pitchFamily="50" charset="-127"/>
+              <a:cs typeface="Courier New" pitchFamily="49" charset="0"/>
+            </a:endParaRPr>
+          </a:p>
+        </p:txBody>
+      </p:sp>
+      <p:sp>
+        <p:nvSpPr>
+          <p:cNvPr id="15" name="TextBox 17">
+            <a:extLst>
+              <a:ext uri="{FF2B5EF4-FFF2-40B4-BE49-F238E27FC236}">
+                <a16:creationId xmlns:a16="http://schemas.microsoft.com/office/drawing/2014/main" id="{D1E9F2A8-707F-A65C-863B-6217756A2B88}"/>
+              </a:ext>
+            </a:extLst>
+          </p:cNvPr>
+          <p:cNvSpPr txBox="1"/>
+          <p:nvPr/>
+        </p:nvSpPr>
+        <p:spPr>
+          <a:xfrm>
+            <a:off x="3649096" y="4763435"/>
+            <a:ext cx="1440160" cy="523220"/>
+          </a:xfrm>
+          <a:prstGeom prst="rect">
+            <a:avLst/>
+          </a:prstGeom>
+          <a:noFill/>
+        </p:spPr>
+        <p:txBody>
+          <a:bodyPr wrap="square" rtlCol="0">
+            <a:spAutoFit/>
+          </a:bodyPr>
+          <a:lstStyle/>
+          <a:p>
+            <a:pPr algn="ctr"/>
+            <a:r>
+              <a:rPr lang="en-US" altLang="ko-KR" sz="1400" dirty="0">
+                <a:solidFill>
+                  <a:prstClr val="black"/>
+                </a:solidFill>
+                <a:latin typeface="맑은 고딕" pitchFamily="50" charset="-127"/>
+                <a:ea typeface="맑은 고딕" pitchFamily="50" charset="-127"/>
+              </a:rPr>
+              <a:t>code</a:t>
+            </a:r>
+          </a:p>
+          <a:p>
+            <a:pPr algn="ctr"/>
+            <a:r>
+              <a:rPr lang="en-US" altLang="ko-KR" sz="1400" dirty="0">
+                <a:solidFill>
+                  <a:prstClr val="black"/>
+                </a:solidFill>
+                <a:latin typeface="맑은 고딕" pitchFamily="50" charset="-127"/>
+                <a:ea typeface="맑은 고딕" pitchFamily="50" charset="-127"/>
+              </a:rPr>
+              <a:t>static data</a:t>
+            </a:r>
+          </a:p>
+        </p:txBody>
+      </p:sp>
+      <p:sp>
+        <p:nvSpPr>
+          <p:cNvPr id="16" name="TextBox 18">
+            <a:extLst>
+              <a:ext uri="{FF2B5EF4-FFF2-40B4-BE49-F238E27FC236}">
+                <a16:creationId xmlns:a16="http://schemas.microsoft.com/office/drawing/2014/main" id="{5745FA72-03F5-AFA1-0F95-C6B29CD5AB66}"/>
+              </a:ext>
+            </a:extLst>
+          </p:cNvPr>
+          <p:cNvSpPr txBox="1"/>
+          <p:nvPr/>
+        </p:nvSpPr>
+        <p:spPr>
+          <a:xfrm>
+            <a:off x="3649096" y="5499195"/>
+            <a:ext cx="1440160" cy="307777"/>
+          </a:xfrm>
+          <a:prstGeom prst="rect">
+            <a:avLst/>
+          </a:prstGeom>
+          <a:noFill/>
+        </p:spPr>
+        <p:txBody>
+          <a:bodyPr wrap="square" rtlCol="0">
+            <a:spAutoFit/>
+          </a:bodyPr>
+          <a:lstStyle/>
+          <a:p>
+            <a:pPr algn="ctr"/>
+            <a:r>
+              <a:rPr lang="en-US" altLang="ko-KR" sz="1400" i="1" dirty="0">
+                <a:solidFill>
+                  <a:prstClr val="black"/>
+                </a:solidFill>
+                <a:latin typeface="맑은 고딕" pitchFamily="50" charset="-127"/>
+                <a:ea typeface="맑은 고딕" pitchFamily="50" charset="-127"/>
+              </a:rPr>
+              <a:t>Program</a:t>
+            </a:r>
+            <a:endParaRPr lang="ko-KR" altLang="en-US" sz="1400" i="1" dirty="0">
+              <a:solidFill>
+                <a:prstClr val="black"/>
+              </a:solidFill>
+              <a:latin typeface="맑은 고딕" pitchFamily="50" charset="-127"/>
+              <a:ea typeface="맑은 고딕" pitchFamily="50" charset="-127"/>
+            </a:endParaRPr>
+          </a:p>
+        </p:txBody>
+      </p:sp>
+      <p:sp>
+        <p:nvSpPr>
+          <p:cNvPr id="17" name="TextBox 21">
+            <a:extLst>
+              <a:ext uri="{FF2B5EF4-FFF2-40B4-BE49-F238E27FC236}">
+                <a16:creationId xmlns:a16="http://schemas.microsoft.com/office/drawing/2014/main" id="{F94613E0-1768-7021-6DD3-99119588C193}"/>
+              </a:ext>
+            </a:extLst>
+          </p:cNvPr>
+          <p:cNvSpPr txBox="1"/>
+          <p:nvPr/>
+        </p:nvSpPr>
+        <p:spPr>
+          <a:xfrm>
+            <a:off x="3695630" y="5931242"/>
+            <a:ext cx="1440160" cy="338554"/>
+          </a:xfrm>
+          <a:prstGeom prst="rect">
+            <a:avLst/>
+          </a:prstGeom>
+          <a:noFill/>
+        </p:spPr>
+        <p:txBody>
+          <a:bodyPr wrap="square" rtlCol="0">
+            <a:spAutoFit/>
+          </a:bodyPr>
+          <a:lstStyle/>
+          <a:p>
+            <a:pPr algn="ctr"/>
+            <a:r>
+              <a:rPr lang="en-US" altLang="ko-KR" sz="1600" dirty="0">
+                <a:solidFill>
+                  <a:prstClr val="black"/>
+                </a:solidFill>
+                <a:latin typeface="맑은 고딕" pitchFamily="50" charset="-127"/>
+                <a:ea typeface="맑은 고딕" pitchFamily="50" charset="-127"/>
+              </a:rPr>
+              <a:t>Disk</a:t>
+            </a:r>
+            <a:endParaRPr lang="ko-KR" altLang="en-US" sz="1600" dirty="0">
+              <a:solidFill>
+                <a:prstClr val="black"/>
+              </a:solidFill>
+              <a:latin typeface="맑은 고딕" pitchFamily="50" charset="-127"/>
+              <a:ea typeface="맑은 고딕" pitchFamily="50" charset="-127"/>
+            </a:endParaRPr>
+          </a:p>
+        </p:txBody>
+      </p:sp>
+      <p:cxnSp>
+        <p:nvCxnSpPr>
+          <p:cNvPr id="18" name="꺾인 연결선 23">
+            <a:extLst>
+              <a:ext uri="{FF2B5EF4-FFF2-40B4-BE49-F238E27FC236}">
+                <a16:creationId xmlns:a16="http://schemas.microsoft.com/office/drawing/2014/main" id="{DCC7733F-CBD9-D24E-F467-C2C1B8227B9F}"/>
+              </a:ext>
+            </a:extLst>
+          </p:cNvPr>
+          <p:cNvCxnSpPr>
+            <a:stCxn id="15" idx="3"/>
+            <a:endCxn id="5" idx="3"/>
+          </p:cNvCxnSpPr>
+          <p:nvPr/>
+        </p:nvCxnSpPr>
+        <p:spPr>
+          <a:xfrm flipV="1">
+            <a:off x="5089256" y="2349553"/>
+            <a:ext cx="986830" cy="2675493"/>
+          </a:xfrm>
+          <a:prstGeom prst="bentConnector3">
+            <a:avLst>
+              <a:gd name="adj1" fmla="val 123165"/>
+            </a:avLst>
+          </a:prstGeom>
+          <a:ln w="12700">
+            <a:solidFill>
+              <a:srgbClr val="FF0000"/>
+            </a:solidFill>
+            <a:prstDash val="dash"/>
+            <a:tailEnd type="stealth" w="lg" len="lg"/>
+          </a:ln>
+        </p:spPr>
+        <p:style>
+          <a:lnRef idx="1">
+            <a:schemeClr val="accent1"/>
+          </a:lnRef>
+          <a:fillRef idx="0">
+            <a:schemeClr val="accent1"/>
+          </a:fillRef>
+          <a:effectRef idx="0">
+            <a:schemeClr val="accent1"/>
+          </a:effectRef>
+          <a:fontRef idx="minor">
+            <a:schemeClr val="tx1"/>
+          </a:fontRef>
+        </p:style>
+      </p:cxnSp>
+      <p:sp>
+        <p:nvSpPr>
+          <p:cNvPr id="19" name="직사각형 25">
+            <a:extLst>
+              <a:ext uri="{FF2B5EF4-FFF2-40B4-BE49-F238E27FC236}">
+                <a16:creationId xmlns:a16="http://schemas.microsoft.com/office/drawing/2014/main" id="{D8DEB416-C9FD-70EE-B08E-55F0FBB7006B}"/>
+              </a:ext>
+            </a:extLst>
+          </p:cNvPr>
+          <p:cNvSpPr/>
+          <p:nvPr/>
+        </p:nvSpPr>
+        <p:spPr>
+          <a:xfrm>
+            <a:off x="1838588" y="1229236"/>
+            <a:ext cx="1761487" cy="2397750"/>
+          </a:xfrm>
+          <a:prstGeom prst="rect">
+            <a:avLst/>
+          </a:prstGeom>
+          <a:solidFill>
+            <a:schemeClr val="bg1"/>
+          </a:solidFill>
+          <a:ln w="12700">
+            <a:solidFill>
+              <a:schemeClr val="tx1"/>
+            </a:solidFill>
+          </a:ln>
+          <a:effectLst/>
+        </p:spPr>
+        <p:style>
+          <a:lnRef idx="3">
+            <a:schemeClr val="lt1"/>
+          </a:lnRef>
+          <a:fillRef idx="1">
+            <a:schemeClr val="accent1"/>
+          </a:fillRef>
+          <a:effectRef idx="1">
+            <a:schemeClr val="accent1"/>
+          </a:effectRef>
+          <a:fontRef idx="minor">
+            <a:schemeClr val="lt1"/>
+          </a:fontRef>
+        </p:style>
+        <p:txBody>
+          <a:bodyPr lIns="90000" rtlCol="0" anchor="ctr"/>
+          <a:lstStyle/>
+          <a:p>
+            <a:pPr algn="ctr"/>
+            <a:endParaRPr lang="ko-KR" altLang="en-US" sz="1600" dirty="0">
+              <a:solidFill>
+                <a:prstClr val="black"/>
+              </a:solidFill>
+              <a:latin typeface="맑은 고딕" pitchFamily="50" charset="-127"/>
+              <a:ea typeface="맑은 고딕" pitchFamily="50" charset="-127"/>
+              <a:cs typeface="Courier New" pitchFamily="49" charset="0"/>
+            </a:endParaRPr>
+          </a:p>
+        </p:txBody>
+      </p:sp>
+      <p:cxnSp>
+        <p:nvCxnSpPr>
+          <p:cNvPr id="20" name="직선 연결선 32">
+            <a:extLst>
+              <a:ext uri="{FF2B5EF4-FFF2-40B4-BE49-F238E27FC236}">
+                <a16:creationId xmlns:a16="http://schemas.microsoft.com/office/drawing/2014/main" id="{62097FA3-FDA2-CE64-2548-D04C79B1D954}"/>
+              </a:ext>
+            </a:extLst>
+          </p:cNvPr>
+          <p:cNvCxnSpPr>
+            <a:cxnSpLocks/>
+          </p:cNvCxnSpPr>
+          <p:nvPr/>
+        </p:nvCxnSpPr>
+        <p:spPr>
+          <a:xfrm>
+            <a:off x="2719330" y="3640406"/>
+            <a:ext cx="0" cy="201506"/>
+          </a:xfrm>
+          <a:prstGeom prst="line">
+            <a:avLst/>
+          </a:prstGeom>
+          <a:ln w="25400">
+            <a:solidFill>
+              <a:schemeClr val="tx1"/>
+            </a:solidFill>
+            <a:tailEnd type="none"/>
+          </a:ln>
+        </p:spPr>
+        <p:style>
+          <a:lnRef idx="1">
+            <a:schemeClr val="accent1"/>
+          </a:lnRef>
+          <a:fillRef idx="0">
+            <a:schemeClr val="accent1"/>
+          </a:fillRef>
+          <a:effectRef idx="0">
+            <a:schemeClr val="accent1"/>
+          </a:effectRef>
+          <a:fontRef idx="minor">
+            <a:schemeClr val="tx1"/>
+          </a:fontRef>
+        </p:style>
+      </p:cxnSp>
+      <p:sp>
+        <p:nvSpPr>
+          <p:cNvPr id="21" name="TextBox 35">
+            <a:extLst>
+              <a:ext uri="{FF2B5EF4-FFF2-40B4-BE49-F238E27FC236}">
+                <a16:creationId xmlns:a16="http://schemas.microsoft.com/office/drawing/2014/main" id="{070769ED-86ED-3BE1-2DCA-5D460FF8EE2E}"/>
+              </a:ext>
+            </a:extLst>
+          </p:cNvPr>
+          <p:cNvSpPr txBox="1"/>
+          <p:nvPr/>
+        </p:nvSpPr>
+        <p:spPr>
+          <a:xfrm>
+            <a:off x="6499750" y="4463787"/>
+            <a:ext cx="2376264" cy="1569660"/>
+          </a:xfrm>
+          <a:prstGeom prst="rect">
+            <a:avLst/>
+          </a:prstGeom>
+          <a:noFill/>
+        </p:spPr>
+        <p:txBody>
+          <a:bodyPr wrap="square" rtlCol="0">
+            <a:spAutoFit/>
+          </a:bodyPr>
+          <a:lstStyle/>
+          <a:p>
+            <a:pPr algn="ctr"/>
+            <a:r>
+              <a:rPr lang="en-US" altLang="ko-KR" sz="1600" dirty="0">
+                <a:solidFill>
+                  <a:srgbClr val="FF0000"/>
+                </a:solidFill>
+                <a:latin typeface="맑은 고딕" pitchFamily="50" charset="-127"/>
+                <a:ea typeface="맑은 고딕" pitchFamily="50" charset="-127"/>
+              </a:rPr>
+              <a:t>Loading:</a:t>
+            </a:r>
+          </a:p>
+          <a:p>
+            <a:pPr algn="ctr"/>
+            <a:r>
+              <a:rPr lang="en-US" altLang="ko-KR" sz="1600" dirty="0">
+                <a:solidFill>
+                  <a:srgbClr val="FF0000"/>
+                </a:solidFill>
+                <a:latin typeface="맑은 고딕" pitchFamily="50" charset="-127"/>
+                <a:ea typeface="맑은 고딕" pitchFamily="50" charset="-127"/>
+              </a:rPr>
+              <a:t>Takes on-disk program</a:t>
+            </a:r>
+          </a:p>
+          <a:p>
+            <a:pPr algn="ctr"/>
+            <a:r>
+              <a:rPr lang="en-US" altLang="ko-KR" sz="1600" dirty="0">
+                <a:solidFill>
+                  <a:srgbClr val="FF0000"/>
+                </a:solidFill>
+                <a:latin typeface="맑은 고딕" pitchFamily="50" charset="-127"/>
+                <a:ea typeface="맑은 고딕" pitchFamily="50" charset="-127"/>
+              </a:rPr>
+              <a:t>and </a:t>
+            </a:r>
+            <a:r>
+              <a:rPr lang="en-US" altLang="zh-CN" sz="1600" dirty="0">
+                <a:solidFill>
+                  <a:srgbClr val="FF0000"/>
+                </a:solidFill>
+                <a:latin typeface="맑은 고딕" pitchFamily="50" charset="-127"/>
+                <a:ea typeface="맑은 고딕" pitchFamily="50" charset="-127"/>
+              </a:rPr>
+              <a:t>reads</a:t>
+            </a:r>
+            <a:r>
+              <a:rPr lang="en-US" altLang="ko-KR" sz="1600" dirty="0">
+                <a:solidFill>
+                  <a:srgbClr val="FF0000"/>
+                </a:solidFill>
+                <a:latin typeface="맑은 고딕" pitchFamily="50" charset="-127"/>
+                <a:ea typeface="맑은 고딕" pitchFamily="50" charset="-127"/>
+              </a:rPr>
+              <a:t> it into the address space of process</a:t>
+            </a:r>
+            <a:endParaRPr lang="ko-KR" altLang="en-US" sz="1600" dirty="0">
+              <a:solidFill>
+                <a:srgbClr val="FF0000"/>
+              </a:solidFill>
+              <a:latin typeface="맑은 고딕" pitchFamily="50" charset="-127"/>
+              <a:ea typeface="맑은 고딕" pitchFamily="50" charset="-127"/>
+            </a:endParaRPr>
+          </a:p>
+        </p:txBody>
+      </p:sp>
+      <p:sp>
+        <p:nvSpPr>
+          <p:cNvPr id="22" name="TextBox 22">
+            <a:extLst>
+              <a:ext uri="{FF2B5EF4-FFF2-40B4-BE49-F238E27FC236}">
+                <a16:creationId xmlns:a16="http://schemas.microsoft.com/office/drawing/2014/main" id="{8196B550-B5F7-17B0-E549-4880E3158967}"/>
+              </a:ext>
+            </a:extLst>
+          </p:cNvPr>
+          <p:cNvSpPr txBox="1"/>
+          <p:nvPr/>
+        </p:nvSpPr>
+        <p:spPr>
+          <a:xfrm>
+            <a:off x="2035254" y="890682"/>
+            <a:ext cx="1440160" cy="338554"/>
+          </a:xfrm>
+          <a:prstGeom prst="rect">
+            <a:avLst/>
+          </a:prstGeom>
+          <a:noFill/>
+        </p:spPr>
+        <p:txBody>
+          <a:bodyPr wrap="square" rtlCol="0">
+            <a:spAutoFit/>
+          </a:bodyPr>
+          <a:lstStyle/>
+          <a:p>
+            <a:pPr algn="ctr"/>
+            <a:r>
+              <a:rPr lang="en-US" altLang="ko-KR" sz="1600" dirty="0">
+                <a:solidFill>
+                  <a:prstClr val="black"/>
+                </a:solidFill>
+                <a:latin typeface="맑은 고딕" pitchFamily="50" charset="-127"/>
+                <a:ea typeface="맑은 고딕" pitchFamily="50" charset="-127"/>
+              </a:rPr>
+              <a:t>CPU</a:t>
+            </a:r>
+            <a:endParaRPr lang="ko-KR" altLang="en-US" sz="1600" dirty="0">
+              <a:solidFill>
+                <a:prstClr val="black"/>
+              </a:solidFill>
+              <a:latin typeface="맑은 고딕" pitchFamily="50" charset="-127"/>
+              <a:ea typeface="맑은 고딕" pitchFamily="50" charset="-127"/>
+            </a:endParaRPr>
+          </a:p>
+        </p:txBody>
+      </p:sp>
+      <p:sp>
+        <p:nvSpPr>
+          <p:cNvPr id="23" name="页脚占位符 22">
+            <a:extLst>
+              <a:ext uri="{FF2B5EF4-FFF2-40B4-BE49-F238E27FC236}">
+                <a16:creationId xmlns:a16="http://schemas.microsoft.com/office/drawing/2014/main" id="{74D63CF1-2DEE-49D9-D415-7D6FDFD2EC3D}"/>
+              </a:ext>
+            </a:extLst>
+          </p:cNvPr>
+          <p:cNvSpPr>
+            <a:spLocks noGrp="1"/>
+          </p:cNvSpPr>
+          <p:nvPr>
+            <p:ph type="ftr" sz="quarter" idx="4294967295"/>
+          </p:nvPr>
+        </p:nvSpPr>
+        <p:spPr>
+          <a:xfrm>
+            <a:off x="4038600" y="6356351"/>
+            <a:ext cx="4114800" cy="365125"/>
+          </a:xfrm>
+          <a:prstGeom prst="rect">
+            <a:avLst/>
+          </a:prstGeom>
+        </p:spPr>
+        <p:txBody>
+          <a:bodyPr/>
+          <a:lstStyle/>
+          <a:p>
+            <a:endParaRPr lang="en-US" altLang="zh-CN" dirty="0"/>
+          </a:p>
+        </p:txBody>
+      </p:sp>
+      <p:sp>
+        <p:nvSpPr>
+          <p:cNvPr id="24" name="文本框 23">
+            <a:extLst>
+              <a:ext uri="{FF2B5EF4-FFF2-40B4-BE49-F238E27FC236}">
+                <a16:creationId xmlns:a16="http://schemas.microsoft.com/office/drawing/2014/main" id="{7ECB2B48-B0F8-2935-D995-E9498AB58ACB}"/>
+              </a:ext>
+            </a:extLst>
+          </p:cNvPr>
+          <p:cNvSpPr txBox="1"/>
+          <p:nvPr/>
+        </p:nvSpPr>
+        <p:spPr>
+          <a:xfrm>
+            <a:off x="2038263" y="1363065"/>
+            <a:ext cx="1571566" cy="646331"/>
+          </a:xfrm>
+          <a:prstGeom prst="rect">
+            <a:avLst/>
+          </a:prstGeom>
+          <a:noFill/>
+        </p:spPr>
+        <p:txBody>
+          <a:bodyPr wrap="square" rtlCol="0">
+            <a:spAutoFit/>
+          </a:bodyPr>
+          <a:lstStyle/>
+          <a:p>
+            <a:r>
+              <a:rPr lang="en-US" altLang="zh-CN" dirty="0"/>
+              <a:t>Program Counter (PC)</a:t>
+            </a:r>
+            <a:endParaRPr lang="en-US" dirty="0"/>
+          </a:p>
+        </p:txBody>
+      </p:sp>
+      <p:cxnSp>
+        <p:nvCxnSpPr>
+          <p:cNvPr id="26" name="直线箭头连接符 25">
+            <a:extLst>
+              <a:ext uri="{FF2B5EF4-FFF2-40B4-BE49-F238E27FC236}">
+                <a16:creationId xmlns:a16="http://schemas.microsoft.com/office/drawing/2014/main" id="{D1BEA4C2-88D8-3887-5254-D709D5010A25}"/>
+              </a:ext>
+            </a:extLst>
+          </p:cNvPr>
+          <p:cNvCxnSpPr/>
+          <p:nvPr/>
+        </p:nvCxnSpPr>
+        <p:spPr>
+          <a:xfrm>
+            <a:off x="3595398" y="1628328"/>
+            <a:ext cx="1040529" cy="0"/>
+          </a:xfrm>
+          <a:prstGeom prst="straightConnector1">
+            <a:avLst/>
+          </a:prstGeom>
+          <a:ln>
+            <a:solidFill>
+              <a:srgbClr val="FF0000"/>
+            </a:solidFill>
+            <a:tailEnd type="triangle"/>
+          </a:ln>
+        </p:spPr>
+        <p:style>
+          <a:lnRef idx="2">
+            <a:schemeClr val="accent1"/>
+          </a:lnRef>
+          <a:fillRef idx="0">
+            <a:schemeClr val="accent1"/>
+          </a:fillRef>
+          <a:effectRef idx="1">
+            <a:schemeClr val="accent1"/>
+          </a:effectRef>
+          <a:fontRef idx="minor">
+            <a:schemeClr val="tx1"/>
+          </a:fontRef>
+        </p:style>
+      </p:cxnSp>
+    </p:spTree>
+    <p:extLst>
+      <p:ext uri="{BB962C8B-B14F-4D97-AF65-F5344CB8AC3E}">
+        <p14:creationId xmlns:p14="http://schemas.microsoft.com/office/powerpoint/2010/main" val="261191326"/>
+      </p:ext>
+    </p:extLst>
+  </p:cSld>
+  <p:clrMapOvr>
+    <a:masterClrMapping/>
+  </p:clrMapOvr>
+</p:sld>
+</file>
+
+<file path=ppt/slides/slide40.xml><?xml version="1.0" encoding="utf-8"?>
 <p:sld xmlns:a="http://schemas.openxmlformats.org/drawingml/2006/main" xmlns:r="http://schemas.openxmlformats.org/officeDocument/2006/relationships" xmlns:p="http://schemas.openxmlformats.org/presentationml/2006/main">
   <p:cSld>
     <p:spTree>
@@ -48808,7 +48436,7 @@
           </a:ln>
           <a:extLst>
             <a:ext uri="{AF507438-7753-43e0-B8FC-AC1667EBCBE1}">
-              <a14:hiddenEffects xmlns:a14="http://schemas.microsoft.com/office/drawing/2010/main" xmlns="">
+              <a14:hiddenEffects xmlns="" xmlns:a14="http://schemas.microsoft.com/office/drawing/2010/main">
                 <a:effectLst>
                   <a:outerShdw dist="35921" dir="2700000" algn="ctr" rotWithShape="0">
                     <a:schemeClr val="bg2"/>
@@ -48897,7 +48525,7 @@
 </p:sld>
 </file>
 
-<file path=ppt/slides/slide42.xml><?xml version="1.0" encoding="utf-8"?>
+<file path=ppt/slides/slide41.xml><?xml version="1.0" encoding="utf-8"?>
 <p:sld xmlns:a="http://schemas.openxmlformats.org/drawingml/2006/main" xmlns:r="http://schemas.openxmlformats.org/officeDocument/2006/relationships" xmlns:p="http://schemas.openxmlformats.org/presentationml/2006/main">
   <p:cSld>
     <p:spTree>
@@ -49170,7 +48798,7 @@
 </p:sld>
 </file>
 
-<file path=ppt/slides/slide43.xml><?xml version="1.0" encoding="utf-8"?>
+<file path=ppt/slides/slide42.xml><?xml version="1.0" encoding="utf-8"?>
 <p:sld xmlns:a="http://schemas.openxmlformats.org/drawingml/2006/main" xmlns:r="http://schemas.openxmlformats.org/officeDocument/2006/relationships" xmlns:p="http://schemas.openxmlformats.org/presentationml/2006/main">
   <p:cSld>
     <p:spTree>
@@ -49402,7 +49030,7 @@
 </p:sld>
 </file>
 
-<file path=ppt/slides/slide44.xml><?xml version="1.0" encoding="utf-8"?>
+<file path=ppt/slides/slide43.xml><?xml version="1.0" encoding="utf-8"?>
 <p:sld xmlns:a="http://schemas.openxmlformats.org/drawingml/2006/main" xmlns:r="http://schemas.openxmlformats.org/officeDocument/2006/relationships" xmlns:p="http://schemas.openxmlformats.org/presentationml/2006/main">
   <p:cSld>
     <p:spTree>
@@ -49553,7 +49181,7 @@
 </p:sld>
 </file>
 
-<file path=ppt/slides/slide45.xml><?xml version="1.0" encoding="utf-8"?>
+<file path=ppt/slides/slide44.xml><?xml version="1.0" encoding="utf-8"?>
 <p:sld xmlns:a="http://schemas.openxmlformats.org/drawingml/2006/main" xmlns:r="http://schemas.openxmlformats.org/officeDocument/2006/relationships" xmlns:p="http://schemas.openxmlformats.org/presentationml/2006/main">
   <p:cSld>
     <p:spTree>
@@ -49661,7 +49289,7 @@
 </p:sld>
 </file>
 
-<file path=ppt/slides/slide46.xml><?xml version="1.0" encoding="utf-8"?>
+<file path=ppt/slides/slide45.xml><?xml version="1.0" encoding="utf-8"?>
 <p:sld xmlns:a="http://schemas.openxmlformats.org/drawingml/2006/main" xmlns:r="http://schemas.openxmlformats.org/officeDocument/2006/relationships" xmlns:p="http://schemas.openxmlformats.org/presentationml/2006/main">
   <p:cSld>
     <p:spTree>
@@ -49873,26 +49501,14 @@
         </p:nvSpPr>
         <p:spPr>
           <a:xfrm>
-            <a:off x="590310" y="1007325"/>
-            <a:ext cx="5581876" cy="5138531"/>
+            <a:off x="38216" y="1988050"/>
+            <a:ext cx="4312782" cy="5138531"/>
           </a:xfrm>
         </p:spPr>
         <p:txBody>
           <a:bodyPr/>
           <a:lstStyle/>
           <a:p>
-            <a:endParaRPr lang="en-US" b="1" dirty="0"/>
-          </a:p>
-          <a:p>
-            <a:endParaRPr lang="en-US" b="1" dirty="0"/>
-          </a:p>
-          <a:p>
-            <a:pPr marL="0" indent="0">
-              <a:buNone/>
-            </a:pPr>
-            <a:endParaRPr lang="en-US" b="1" dirty="0"/>
-          </a:p>
-          <a:p>
             <a:r>
               <a:rPr lang="en-US" b="1" dirty="0"/>
               <a:t>Con</a:t>
@@ -49918,7 +49534,7 @@
                   <a:srgbClr val="00B0F0"/>
                 </a:solidFill>
               </a:rPr>
-              <a:t>Code</a:t>
+              <a:t>Stack</a:t>
             </a:r>
             <a:r>
               <a:rPr lang="en-US" altLang="zh-CN" dirty="0"/>
@@ -49930,7 +49546,71 @@
             </a:r>
             <a:r>
               <a:rPr lang="en-US" altLang="zh-CN" dirty="0"/>
-              <a:t>Instructions</a:t>
+              <a:t>Temporary</a:t>
+            </a:r>
+            <a:r>
+              <a:rPr lang="zh-CN" altLang="en-US" dirty="0"/>
+              <a:t> </a:t>
+            </a:r>
+            <a:r>
+              <a:rPr lang="en-US" altLang="zh-CN" dirty="0"/>
+              <a:t>data,</a:t>
+            </a:r>
+            <a:r>
+              <a:rPr lang="zh-CN" altLang="en-US" dirty="0"/>
+              <a:t> </a:t>
+            </a:r>
+            <a:r>
+              <a:rPr lang="en-US" altLang="zh-CN" dirty="0"/>
+              <a:t>e.g.,</a:t>
+            </a:r>
+            <a:r>
+              <a:rPr lang="zh-CN" altLang="en-US" dirty="0"/>
+              <a:t> </a:t>
+            </a:r>
+            <a:r>
+              <a:rPr lang="en-US" altLang="zh-CN" dirty="0"/>
+              <a:t>function</a:t>
+            </a:r>
+            <a:r>
+              <a:rPr lang="zh-CN" altLang="en-US" dirty="0"/>
+              <a:t> </a:t>
+            </a:r>
+            <a:r>
+              <a:rPr lang="en-US" altLang="zh-CN" dirty="0"/>
+              <a:t>parameters,</a:t>
+            </a:r>
+            <a:r>
+              <a:rPr lang="zh-CN" altLang="en-US" dirty="0"/>
+              <a:t> </a:t>
+            </a:r>
+            <a:r>
+              <a:rPr lang="en-US" altLang="zh-CN" dirty="0"/>
+              <a:t>return</a:t>
+            </a:r>
+            <a:r>
+              <a:rPr lang="zh-CN" altLang="en-US" dirty="0"/>
+              <a:t> </a:t>
+            </a:r>
+            <a:r>
+              <a:rPr lang="en-US" altLang="zh-CN" dirty="0"/>
+              <a:t>addresses,</a:t>
+            </a:r>
+            <a:r>
+              <a:rPr lang="zh-CN" altLang="en-US" dirty="0"/>
+              <a:t> </a:t>
+            </a:r>
+            <a:r>
+              <a:rPr lang="en-US" altLang="zh-CN" dirty="0"/>
+              <a:t>local</a:t>
+            </a:r>
+            <a:r>
+              <a:rPr lang="zh-CN" altLang="en-US" dirty="0"/>
+              <a:t> </a:t>
+            </a:r>
+            <a:r>
+              <a:rPr lang="en-US" altLang="zh-CN" dirty="0"/>
+              <a:t>variables</a:t>
             </a:r>
           </a:p>
           <a:p>
@@ -49941,7 +49621,7 @@
                   <a:srgbClr val="00B0F0"/>
                 </a:solidFill>
               </a:rPr>
-              <a:t>Stack</a:t>
+              <a:t>Heap</a:t>
             </a:r>
             <a:r>
               <a:rPr lang="en-US" altLang="zh-CN" dirty="0"/>
@@ -49953,7 +49633,7 @@
             </a:r>
             <a:r>
               <a:rPr lang="en-US" altLang="zh-CN" dirty="0"/>
-              <a:t>Temporary</a:t>
+              <a:t>Dynamically</a:t>
             </a:r>
             <a:r>
               <a:rPr lang="zh-CN" altLang="en-US" dirty="0"/>
@@ -49961,15 +49641,34 @@
             </a:r>
             <a:r>
               <a:rPr lang="en-US" altLang="zh-CN" dirty="0"/>
-              <a:t>data,</a:t>
+              <a:t>allocated memory</a:t>
+            </a:r>
+          </a:p>
+          <a:p>
+            <a:pPr lvl="1"/>
+            <a:r>
+              <a:rPr lang="en-US" altLang="zh-CN" dirty="0">
+                <a:solidFill>
+                  <a:srgbClr val="00B0F0"/>
+                </a:solidFill>
+              </a:rPr>
+              <a:t>Registers</a:t>
+            </a:r>
+            <a:r>
+              <a:rPr lang="en-US" altLang="zh-CN" dirty="0"/>
+              <a:t>:</a:t>
             </a:r>
             <a:r>
               <a:rPr lang="zh-CN" altLang="en-US" dirty="0"/>
               <a:t> </a:t>
             </a:r>
             <a:r>
+              <a:rPr lang="en-GB" altLang="zh-CN" dirty="0"/>
+              <a:t>SP (Stack Pointer), PC (</a:t>
+            </a:r>
+            <a:r>
               <a:rPr lang="en-US" altLang="zh-CN" dirty="0"/>
-              <a:t>e.g.,</a:t>
+              <a:t>Program</a:t>
             </a:r>
             <a:r>
               <a:rPr lang="zh-CN" altLang="en-US" dirty="0"/>
@@ -49977,39 +49676,35 @@
             </a:r>
             <a:r>
               <a:rPr lang="en-US" altLang="zh-CN" dirty="0"/>
-              <a:t>function</a:t>
-            </a:r>
-            <a:r>
-              <a:rPr lang="zh-CN" altLang="en-US" dirty="0"/>
-              <a:t> </a:t>
+              <a:t>counter)</a:t>
+            </a:r>
+            <a:endParaRPr lang="en-GB" altLang="zh-CN" dirty="0"/>
+          </a:p>
+          <a:p>
+            <a:pPr lvl="1"/>
+            <a:r>
+              <a:rPr lang="en-US" altLang="zh-CN" dirty="0">
+                <a:solidFill>
+                  <a:srgbClr val="00B0F0"/>
+                </a:solidFill>
+              </a:rPr>
+              <a:t>Static data</a:t>
             </a:r>
             <a:r>
               <a:rPr lang="en-US" altLang="zh-CN" dirty="0"/>
-              <a:t>parameters,</a:t>
-            </a:r>
-            <a:r>
-              <a:rPr lang="zh-CN" altLang="en-US" dirty="0"/>
+              <a:t>:</a:t>
+            </a:r>
+            <a:r>
+              <a:rPr lang="zh-CN" altLang="en-US" dirty="0">
+                <a:solidFill>
+                  <a:srgbClr val="00B0F0"/>
+                </a:solidFill>
+              </a:rPr>
               <a:t> </a:t>
             </a:r>
             <a:r>
               <a:rPr lang="en-US" altLang="zh-CN" dirty="0"/>
-              <a:t>returned</a:t>
-            </a:r>
-            <a:r>
-              <a:rPr lang="zh-CN" altLang="en-US" dirty="0"/>
-              <a:t> </a:t>
-            </a:r>
-            <a:r>
-              <a:rPr lang="en-US" altLang="zh-CN" dirty="0"/>
-              <a:t>addresses,</a:t>
-            </a:r>
-            <a:r>
-              <a:rPr lang="zh-CN" altLang="en-US" dirty="0"/>
-              <a:t> </a:t>
-            </a:r>
-            <a:r>
-              <a:rPr lang="en-US" altLang="zh-CN" dirty="0"/>
-              <a:t>local</a:t>
+              <a:t>Global</a:t>
             </a:r>
             <a:r>
               <a:rPr lang="zh-CN" altLang="en-US" dirty="0"/>
@@ -50028,7 +49723,7 @@
                   <a:srgbClr val="00B0F0"/>
                 </a:solidFill>
               </a:rPr>
-              <a:t>Registers</a:t>
+              <a:t>Code</a:t>
             </a:r>
             <a:r>
               <a:rPr lang="en-US" altLang="zh-CN" dirty="0"/>
@@ -50040,127 +49735,8 @@
             </a:r>
             <a:r>
               <a:rPr lang="en-US" altLang="zh-CN" dirty="0"/>
-              <a:t>Program</a:t>
-            </a:r>
-            <a:r>
-              <a:rPr lang="zh-CN" altLang="en-US" dirty="0"/>
-              <a:t> </a:t>
-            </a:r>
-            <a:r>
-              <a:rPr lang="en-US" altLang="zh-CN" dirty="0"/>
-              <a:t>counter</a:t>
-            </a:r>
-            <a:r>
-              <a:rPr lang="zh-CN" altLang="en-US" dirty="0"/>
-              <a:t> </a:t>
-            </a:r>
-            <a:r>
-              <a:rPr lang="en-US" altLang="zh-CN" dirty="0"/>
-              <a:t>(PC),</a:t>
-            </a:r>
-            <a:r>
-              <a:rPr lang="zh-CN" altLang="en-US" dirty="0"/>
-              <a:t> </a:t>
-            </a:r>
-            <a:r>
-              <a:rPr lang="en-US" altLang="zh-CN" dirty="0"/>
-              <a:t>general</a:t>
-            </a:r>
-            <a:r>
-              <a:rPr lang="zh-CN" altLang="en-US" dirty="0"/>
-              <a:t> </a:t>
-            </a:r>
-            <a:r>
-              <a:rPr lang="en-US" altLang="zh-CN" dirty="0"/>
-              <a:t>purpose,</a:t>
-            </a:r>
-            <a:r>
-              <a:rPr lang="zh-CN" altLang="en-US" dirty="0"/>
-              <a:t> </a:t>
-            </a:r>
-            <a:r>
-              <a:rPr lang="en-US" altLang="zh-CN" dirty="0"/>
-              <a:t>stack</a:t>
-            </a:r>
-            <a:r>
-              <a:rPr lang="zh-CN" altLang="en-US" dirty="0"/>
-              <a:t> </a:t>
-            </a:r>
-            <a:r>
-              <a:rPr lang="en-US" altLang="zh-CN" dirty="0"/>
-              <a:t>pointer</a:t>
-            </a:r>
-          </a:p>
-          <a:p>
-            <a:pPr lvl="1"/>
-            <a:r>
-              <a:rPr lang="en-US" altLang="zh-CN" dirty="0">
-                <a:solidFill>
-                  <a:srgbClr val="00B0F0"/>
-                </a:solidFill>
-              </a:rPr>
-              <a:t>Data</a:t>
-            </a:r>
-            <a:r>
-              <a:rPr lang="en-US" altLang="zh-CN" dirty="0"/>
-              <a:t>:</a:t>
-            </a:r>
-            <a:r>
-              <a:rPr lang="zh-CN" altLang="en-US" dirty="0">
-                <a:solidFill>
-                  <a:srgbClr val="00B0F0"/>
-                </a:solidFill>
-              </a:rPr>
-              <a:t> </a:t>
-            </a:r>
-            <a:r>
-              <a:rPr lang="en-US" altLang="zh-CN" dirty="0"/>
-              <a:t>Global</a:t>
-            </a:r>
-            <a:r>
-              <a:rPr lang="zh-CN" altLang="en-US" dirty="0"/>
-              <a:t> </a:t>
-            </a:r>
-            <a:r>
-              <a:rPr lang="en-US" altLang="zh-CN" dirty="0"/>
-              <a:t>variables</a:t>
-            </a:r>
-          </a:p>
-          <a:p>
-            <a:pPr lvl="1"/>
-            <a:r>
-              <a:rPr lang="en-US" altLang="zh-CN" dirty="0">
-                <a:solidFill>
-                  <a:srgbClr val="00B0F0"/>
-                </a:solidFill>
-              </a:rPr>
-              <a:t>Heap</a:t>
-            </a:r>
-            <a:r>
-              <a:rPr lang="en-US" altLang="zh-CN" dirty="0"/>
-              <a:t>:</a:t>
-            </a:r>
-            <a:r>
-              <a:rPr lang="zh-CN" altLang="en-US" dirty="0"/>
-              <a:t> </a:t>
-            </a:r>
-            <a:r>
-              <a:rPr lang="en-US" altLang="zh-CN" dirty="0"/>
-              <a:t>Dynamically</a:t>
-            </a:r>
-            <a:r>
-              <a:rPr lang="zh-CN" altLang="en-US" dirty="0"/>
-              <a:t> </a:t>
-            </a:r>
-            <a:r>
-              <a:rPr lang="en-US" altLang="zh-CN" dirty="0"/>
-              <a:t>allocated</a:t>
-            </a:r>
-            <a:r>
-              <a:rPr lang="zh-CN" altLang="en-US" dirty="0"/>
-              <a:t> </a:t>
-            </a:r>
-            <a:endParaRPr lang="nb-NO" dirty="0"/>
+              <a:t>Instructions</a:t>
+            </a:r>
           </a:p>
         </p:txBody>
       </p:sp>
@@ -50178,7 +49754,7 @@
         </p:nvSpPr>
         <p:spPr>
           <a:xfrm>
-            <a:off x="3522804" y="1299991"/>
+            <a:off x="3522804" y="1082272"/>
             <a:ext cx="5133860" cy="848299"/>
           </a:xfrm>
           <a:prstGeom prst="roundRect">
@@ -50259,436 +49835,6 @@
       </p:sp>
       <p:sp>
         <p:nvSpPr>
-          <p:cNvPr id="6" name="矩形 5">
-            <a:extLst>
-              <a:ext uri="{FF2B5EF4-FFF2-40B4-BE49-F238E27FC236}">
-                <a16:creationId xmlns:a16="http://schemas.microsoft.com/office/drawing/2014/main" id="{6B93FC47-6C64-FDE9-6E2B-B51319E396AF}"/>
-              </a:ext>
-            </a:extLst>
-          </p:cNvPr>
-          <p:cNvSpPr/>
-          <p:nvPr/>
-        </p:nvSpPr>
-        <p:spPr>
-          <a:xfrm>
-            <a:off x="7329889" y="3757772"/>
-            <a:ext cx="1619480" cy="716096"/>
-          </a:xfrm>
-          <a:prstGeom prst="rect">
-            <a:avLst/>
-          </a:prstGeom>
-          <a:ln/>
-        </p:spPr>
-        <p:style>
-          <a:lnRef idx="2">
-            <a:schemeClr val="dk1"/>
-          </a:lnRef>
-          <a:fillRef idx="1">
-            <a:schemeClr val="lt1"/>
-          </a:fillRef>
-          <a:effectRef idx="0">
-            <a:schemeClr val="dk1"/>
-          </a:effectRef>
-          <a:fontRef idx="minor">
-            <a:schemeClr val="dk1"/>
-          </a:fontRef>
-        </p:style>
-        <p:txBody>
-          <a:bodyPr rot="0" spcFirstLastPara="0" vertOverflow="overflow" horzOverflow="overflow" vert="horz" wrap="square" lIns="91440" tIns="45720" rIns="91440" bIns="45720" numCol="1" spcCol="0" rtlCol="0" fromWordArt="0" anchor="ctr" anchorCtr="0" forceAA="0" compatLnSpc="1">
-            <a:prstTxWarp prst="textNoShape">
-              <a:avLst/>
-            </a:prstTxWarp>
-            <a:noAutofit/>
-          </a:bodyPr>
-          <a:lstStyle/>
-          <a:p>
-            <a:pPr algn="ctr"/>
-            <a:r>
-              <a:rPr lang="en-US" altLang="zh-CN" dirty="0"/>
-              <a:t>Heap</a:t>
-            </a:r>
-            <a:endParaRPr lang="en-US" dirty="0"/>
-          </a:p>
-        </p:txBody>
-      </p:sp>
-      <p:sp>
-        <p:nvSpPr>
-          <p:cNvPr id="8" name="矩形 7">
-            <a:extLst>
-              <a:ext uri="{FF2B5EF4-FFF2-40B4-BE49-F238E27FC236}">
-                <a16:creationId xmlns:a16="http://schemas.microsoft.com/office/drawing/2014/main" id="{D59EE0E3-1FB0-14BC-9059-C6D7295F6A37}"/>
-              </a:ext>
-            </a:extLst>
-          </p:cNvPr>
-          <p:cNvSpPr/>
-          <p:nvPr/>
-        </p:nvSpPr>
-        <p:spPr>
-          <a:xfrm>
-            <a:off x="7329889" y="4473902"/>
-            <a:ext cx="1619480" cy="716096"/>
-          </a:xfrm>
-          <a:prstGeom prst="rect">
-            <a:avLst/>
-          </a:prstGeom>
-          <a:ln/>
-        </p:spPr>
-        <p:style>
-          <a:lnRef idx="2">
-            <a:schemeClr val="dk1"/>
-          </a:lnRef>
-          <a:fillRef idx="1">
-            <a:schemeClr val="lt1"/>
-          </a:fillRef>
-          <a:effectRef idx="0">
-            <a:schemeClr val="dk1"/>
-          </a:effectRef>
-          <a:fontRef idx="minor">
-            <a:schemeClr val="dk1"/>
-          </a:fontRef>
-        </p:style>
-        <p:txBody>
-          <a:bodyPr rot="0" spcFirstLastPara="0" vertOverflow="overflow" horzOverflow="overflow" vert="horz" wrap="square" lIns="91440" tIns="45720" rIns="91440" bIns="45720" numCol="1" spcCol="0" rtlCol="0" fromWordArt="0" anchor="ctr" anchorCtr="0" forceAA="0" compatLnSpc="1">
-            <a:prstTxWarp prst="textNoShape">
-              <a:avLst/>
-            </a:prstTxWarp>
-            <a:noAutofit/>
-          </a:bodyPr>
-          <a:lstStyle/>
-          <a:p>
-            <a:pPr algn="ctr"/>
-            <a:r>
-              <a:rPr lang="en-US" altLang="zh-CN" dirty="0"/>
-              <a:t>Stack</a:t>
-            </a:r>
-            <a:endParaRPr lang="en-US" dirty="0"/>
-          </a:p>
-        </p:txBody>
-      </p:sp>
-      <p:sp>
-        <p:nvSpPr>
-          <p:cNvPr id="9" name="矩形 8">
-            <a:extLst>
-              <a:ext uri="{FF2B5EF4-FFF2-40B4-BE49-F238E27FC236}">
-                <a16:creationId xmlns:a16="http://schemas.microsoft.com/office/drawing/2014/main" id="{DE5C9534-DA8E-5FFC-5E66-F83E03589450}"/>
-              </a:ext>
-            </a:extLst>
-          </p:cNvPr>
-          <p:cNvSpPr/>
-          <p:nvPr/>
-        </p:nvSpPr>
-        <p:spPr>
-          <a:xfrm>
-            <a:off x="7329889" y="5189998"/>
-            <a:ext cx="1619480" cy="716096"/>
-          </a:xfrm>
-          <a:prstGeom prst="rect">
-            <a:avLst/>
-          </a:prstGeom>
-          <a:ln/>
-        </p:spPr>
-        <p:style>
-          <a:lnRef idx="2">
-            <a:schemeClr val="dk1"/>
-          </a:lnRef>
-          <a:fillRef idx="1">
-            <a:schemeClr val="lt1"/>
-          </a:fillRef>
-          <a:effectRef idx="0">
-            <a:schemeClr val="dk1"/>
-          </a:effectRef>
-          <a:fontRef idx="minor">
-            <a:schemeClr val="dk1"/>
-          </a:fontRef>
-        </p:style>
-        <p:txBody>
-          <a:bodyPr rot="0" spcFirstLastPara="0" vertOverflow="overflow" horzOverflow="overflow" vert="horz" wrap="square" lIns="91440" tIns="45720" rIns="91440" bIns="45720" numCol="1" spcCol="0" rtlCol="0" fromWordArt="0" anchor="ctr" anchorCtr="0" forceAA="0" compatLnSpc="1">
-            <a:prstTxWarp prst="textNoShape">
-              <a:avLst/>
-            </a:prstTxWarp>
-            <a:noAutofit/>
-          </a:bodyPr>
-          <a:lstStyle/>
-          <a:p>
-            <a:pPr algn="ctr"/>
-            <a:r>
-              <a:rPr lang="en-US" altLang="zh-CN" dirty="0"/>
-              <a:t>Code</a:t>
-            </a:r>
-          </a:p>
-          <a:p>
-            <a:pPr algn="ctr"/>
-            <a:r>
-              <a:rPr lang="en-US" altLang="zh-CN" dirty="0"/>
-              <a:t>Data</a:t>
-            </a:r>
-            <a:endParaRPr lang="en-US" dirty="0"/>
-          </a:p>
-        </p:txBody>
-      </p:sp>
-      <p:sp>
-        <p:nvSpPr>
-          <p:cNvPr id="11" name="矩形 10">
-            <a:extLst>
-              <a:ext uri="{FF2B5EF4-FFF2-40B4-BE49-F238E27FC236}">
-                <a16:creationId xmlns:a16="http://schemas.microsoft.com/office/drawing/2014/main" id="{CE6C1D6A-D46E-C9C5-0CA8-BFD9D4059533}"/>
-              </a:ext>
-            </a:extLst>
-          </p:cNvPr>
-          <p:cNvSpPr/>
-          <p:nvPr/>
-        </p:nvSpPr>
-        <p:spPr>
-          <a:xfrm>
-            <a:off x="7329889" y="3047594"/>
-            <a:ext cx="1619480" cy="716096"/>
-          </a:xfrm>
-          <a:prstGeom prst="rect">
-            <a:avLst/>
-          </a:prstGeom>
-          <a:ln/>
-        </p:spPr>
-        <p:style>
-          <a:lnRef idx="2">
-            <a:schemeClr val="dk1"/>
-          </a:lnRef>
-          <a:fillRef idx="1">
-            <a:schemeClr val="lt1"/>
-          </a:fillRef>
-          <a:effectRef idx="0">
-            <a:schemeClr val="dk1"/>
-          </a:effectRef>
-          <a:fontRef idx="minor">
-            <a:schemeClr val="dk1"/>
-          </a:fontRef>
-        </p:style>
-        <p:txBody>
-          <a:bodyPr rot="0" spcFirstLastPara="0" vertOverflow="overflow" horzOverflow="overflow" vert="horz" wrap="square" lIns="91440" tIns="45720" rIns="91440" bIns="45720" numCol="1" spcCol="0" rtlCol="0" fromWordArt="0" anchor="ctr" anchorCtr="0" forceAA="0" compatLnSpc="1">
-            <a:prstTxWarp prst="textNoShape">
-              <a:avLst/>
-            </a:prstTxWarp>
-            <a:noAutofit/>
-          </a:bodyPr>
-          <a:lstStyle/>
-          <a:p>
-            <a:pPr algn="ctr"/>
-            <a:r>
-              <a:rPr lang="en-US" altLang="zh-CN" dirty="0" err="1"/>
-              <a:t>Trapframe</a:t>
-            </a:r>
-            <a:endParaRPr lang="en-US" dirty="0"/>
-          </a:p>
-        </p:txBody>
-      </p:sp>
-      <p:sp>
-        <p:nvSpPr>
-          <p:cNvPr id="12" name="文本框 11">
-            <a:extLst>
-              <a:ext uri="{FF2B5EF4-FFF2-40B4-BE49-F238E27FC236}">
-                <a16:creationId xmlns:a16="http://schemas.microsoft.com/office/drawing/2014/main" id="{0F6CC06B-5F3E-C6F6-1C30-3E057D27E2A5}"/>
-              </a:ext>
-            </a:extLst>
-          </p:cNvPr>
-          <p:cNvSpPr txBox="1"/>
-          <p:nvPr/>
-        </p:nvSpPr>
-        <p:spPr>
-          <a:xfrm>
-            <a:off x="6445601" y="5770053"/>
-            <a:ext cx="325730" cy="369332"/>
-          </a:xfrm>
-          <a:prstGeom prst="rect">
-            <a:avLst/>
-          </a:prstGeom>
-          <a:noFill/>
-        </p:spPr>
-        <p:txBody>
-          <a:bodyPr wrap="none" rtlCol="0">
-            <a:spAutoFit/>
-          </a:bodyPr>
-          <a:lstStyle/>
-          <a:p>
-            <a:r>
-              <a:rPr lang="en-US" altLang="zh-CN" dirty="0"/>
-              <a:t>0</a:t>
-            </a:r>
-            <a:endParaRPr lang="en-US" dirty="0"/>
-          </a:p>
-        </p:txBody>
-      </p:sp>
-      <p:cxnSp>
-        <p:nvCxnSpPr>
-          <p:cNvPr id="14" name="直线箭头连接符 13">
-            <a:extLst>
-              <a:ext uri="{FF2B5EF4-FFF2-40B4-BE49-F238E27FC236}">
-                <a16:creationId xmlns:a16="http://schemas.microsoft.com/office/drawing/2014/main" id="{877AB688-CB9B-DF90-8685-853879B4D72D}"/>
-              </a:ext>
-            </a:extLst>
-          </p:cNvPr>
-          <p:cNvCxnSpPr>
-            <a:cxnSpLocks/>
-          </p:cNvCxnSpPr>
-          <p:nvPr/>
-        </p:nvCxnSpPr>
-        <p:spPr>
-          <a:xfrm flipV="1">
-            <a:off x="6719947" y="5900852"/>
-            <a:ext cx="473726" cy="5242"/>
-          </a:xfrm>
-          <a:prstGeom prst="straightConnector1">
-            <a:avLst/>
-          </a:prstGeom>
-          <a:ln>
-            <a:tailEnd type="triangle"/>
-          </a:ln>
-        </p:spPr>
-        <p:style>
-          <a:lnRef idx="2">
-            <a:schemeClr val="accent1"/>
-          </a:lnRef>
-          <a:fillRef idx="0">
-            <a:schemeClr val="accent1"/>
-          </a:fillRef>
-          <a:effectRef idx="1">
-            <a:schemeClr val="accent1"/>
-          </a:effectRef>
-          <a:fontRef idx="minor">
-            <a:schemeClr val="tx1"/>
-          </a:fontRef>
-        </p:style>
-      </p:cxnSp>
-      <p:sp>
-        <p:nvSpPr>
-          <p:cNvPr id="15" name="文本框 14">
-            <a:extLst>
-              <a:ext uri="{FF2B5EF4-FFF2-40B4-BE49-F238E27FC236}">
-                <a16:creationId xmlns:a16="http://schemas.microsoft.com/office/drawing/2014/main" id="{8397A549-610B-C861-C0E9-AAADC55F7D16}"/>
-              </a:ext>
-            </a:extLst>
-          </p:cNvPr>
-          <p:cNvSpPr txBox="1"/>
-          <p:nvPr/>
-        </p:nvSpPr>
-        <p:spPr>
-          <a:xfrm>
-            <a:off x="6035145" y="2300746"/>
-            <a:ext cx="723275" cy="369332"/>
-          </a:xfrm>
-          <a:prstGeom prst="rect">
-            <a:avLst/>
-          </a:prstGeom>
-          <a:noFill/>
-        </p:spPr>
-        <p:txBody>
-          <a:bodyPr wrap="none" rtlCol="0">
-            <a:spAutoFit/>
-          </a:bodyPr>
-          <a:lstStyle/>
-          <a:p>
-            <a:r>
-              <a:rPr lang="en-US" altLang="zh-CN" dirty="0"/>
-              <a:t>MAX</a:t>
-            </a:r>
-            <a:endParaRPr lang="en-US" dirty="0"/>
-          </a:p>
-        </p:txBody>
-      </p:sp>
-      <p:cxnSp>
-        <p:nvCxnSpPr>
-          <p:cNvPr id="16" name="直线箭头连接符 15">
-            <a:extLst>
-              <a:ext uri="{FF2B5EF4-FFF2-40B4-BE49-F238E27FC236}">
-                <a16:creationId xmlns:a16="http://schemas.microsoft.com/office/drawing/2014/main" id="{7260E6B0-7A74-5660-590D-7659EE4265A2}"/>
-              </a:ext>
-            </a:extLst>
-          </p:cNvPr>
-          <p:cNvCxnSpPr>
-            <a:cxnSpLocks/>
-          </p:cNvCxnSpPr>
-          <p:nvPr/>
-        </p:nvCxnSpPr>
-        <p:spPr>
-          <a:xfrm flipV="1">
-            <a:off x="6751501" y="2473443"/>
-            <a:ext cx="473726" cy="5242"/>
-          </a:xfrm>
-          <a:prstGeom prst="straightConnector1">
-            <a:avLst/>
-          </a:prstGeom>
-          <a:ln>
-            <a:tailEnd type="triangle"/>
-          </a:ln>
-        </p:spPr>
-        <p:style>
-          <a:lnRef idx="2">
-            <a:schemeClr val="accent1"/>
-          </a:lnRef>
-          <a:fillRef idx="0">
-            <a:schemeClr val="accent1"/>
-          </a:fillRef>
-          <a:effectRef idx="1">
-            <a:schemeClr val="accent1"/>
-          </a:effectRef>
-          <a:fontRef idx="minor">
-            <a:schemeClr val="tx1"/>
-          </a:fontRef>
-        </p:style>
-      </p:cxnSp>
-      <p:sp>
-        <p:nvSpPr>
-          <p:cNvPr id="17" name="矩形 16">
-            <a:extLst>
-              <a:ext uri="{FF2B5EF4-FFF2-40B4-BE49-F238E27FC236}">
-                <a16:creationId xmlns:a16="http://schemas.microsoft.com/office/drawing/2014/main" id="{094B9BB0-92FE-471C-9DFC-66EA72A7B98C}"/>
-              </a:ext>
-            </a:extLst>
-          </p:cNvPr>
-          <p:cNvSpPr/>
-          <p:nvPr/>
-        </p:nvSpPr>
-        <p:spPr>
-          <a:xfrm>
-            <a:off x="7329889" y="2339387"/>
-            <a:ext cx="1619480" cy="716096"/>
-          </a:xfrm>
-          <a:prstGeom prst="rect">
-            <a:avLst/>
-          </a:prstGeom>
-          <a:ln/>
-        </p:spPr>
-        <p:style>
-          <a:lnRef idx="2">
-            <a:schemeClr val="dk1"/>
-          </a:lnRef>
-          <a:fillRef idx="1">
-            <a:schemeClr val="lt1"/>
-          </a:fillRef>
-          <a:effectRef idx="0">
-            <a:schemeClr val="dk1"/>
-          </a:effectRef>
-          <a:fontRef idx="minor">
-            <a:schemeClr val="dk1"/>
-          </a:fontRef>
-        </p:style>
-        <p:txBody>
-          <a:bodyPr rot="0" spcFirstLastPara="0" vertOverflow="overflow" horzOverflow="overflow" vert="horz" wrap="square" lIns="91440" tIns="45720" rIns="91440" bIns="45720" numCol="1" spcCol="0" rtlCol="0" fromWordArt="0" anchor="ctr" anchorCtr="0" forceAA="0" compatLnSpc="1">
-            <a:prstTxWarp prst="textNoShape">
-              <a:avLst/>
-            </a:prstTxWarp>
-            <a:noAutofit/>
-          </a:bodyPr>
-          <a:lstStyle/>
-          <a:p>
-            <a:pPr algn="ctr"/>
-            <a:r>
-              <a:rPr lang="en-US" altLang="zh-CN" dirty="0"/>
-              <a:t>Trampoline</a:t>
-            </a:r>
-          </a:p>
-        </p:txBody>
-      </p:sp>
-      <p:sp>
-        <p:nvSpPr>
           <p:cNvPr id="5" name="页脚占位符 4">
             <a:extLst>
               <a:ext uri="{FF2B5EF4-FFF2-40B4-BE49-F238E27FC236}">
@@ -50722,43 +49868,1021 @@
       </p:sp>
       <p:sp>
         <p:nvSpPr>
-          <p:cNvPr id="10" name="文本框 9">
+          <p:cNvPr id="7" name="Rectangle 4">
             <a:extLst>
               <a:ext uri="{FF2B5EF4-FFF2-40B4-BE49-F238E27FC236}">
-                <a16:creationId xmlns:a16="http://schemas.microsoft.com/office/drawing/2014/main" id="{56C6D493-5CBF-8BD6-F9F3-36148FB3BCB0}"/>
+                <a16:creationId xmlns:a16="http://schemas.microsoft.com/office/drawing/2014/main" id="{7D00D0CA-7160-0F32-48EC-756A7DE7677A}"/>
               </a:ext>
             </a:extLst>
           </p:cNvPr>
-          <p:cNvSpPr txBox="1"/>
+          <p:cNvSpPr>
+            <a:spLocks noChangeArrowheads="1"/>
+          </p:cNvSpPr>
           <p:nvPr/>
         </p:nvSpPr>
-        <p:spPr>
+        <p:spPr bwMode="auto">
           <a:xfrm>
-            <a:off x="9312926" y="3580483"/>
-            <a:ext cx="1653017" cy="646331"/>
+            <a:off x="4435929" y="5676908"/>
+            <a:ext cx="1590500" cy="369332"/>
           </a:xfrm>
           <a:prstGeom prst="rect">
             <a:avLst/>
           </a:prstGeom>
           <a:noFill/>
+          <a:ln>
+            <a:noFill/>
+          </a:ln>
+          <a:effectLst/>
+          <a:extLst>
+            <a:ext uri="{909E8E84-426E-40DD-AFC4-6F175D3DCCD1}">
+              <a14:hiddenFill xmlns:a14="http://schemas.microsoft.com/office/drawing/2010/main">
+                <a:solidFill>
+                  <a:schemeClr val="accent1"/>
+                </a:solidFill>
+              </a14:hiddenFill>
+            </a:ext>
+            <a:ext uri="{91240B29-F687-4F45-9708-019B960494DF}">
+              <a14:hiddenLine xmlns:a14="http://schemas.microsoft.com/office/drawing/2010/main" w="12700">
+                <a:solidFill>
+                  <a:schemeClr val="tx1"/>
+                </a:solidFill>
+                <a:miter lim="800000"/>
+                <a:headEnd/>
+                <a:tailEnd/>
+              </a14:hiddenLine>
+            </a:ext>
+            <a:ext uri="{AF507438-7753-43E0-B8FC-AC1667EBCBE1}">
+              <a14:hiddenEffects xmlns:a14="http://schemas.microsoft.com/office/drawing/2010/main">
+                <a:effectLst>
+                  <a:outerShdw dist="35921" dir="2700000" algn="ctr" rotWithShape="0">
+                    <a:schemeClr val="bg2"/>
+                  </a:outerShdw>
+                </a:effectLst>
+              </a14:hiddenEffects>
+            </a:ext>
+          </a:extLst>
         </p:spPr>
         <p:txBody>
-          <a:bodyPr wrap="none" rtlCol="0">
+          <a:bodyPr wrap="none">
             <a:spAutoFit/>
           </a:bodyPr>
           <a:lstStyle/>
           <a:p>
-            <a:r>
-              <a:rPr lang="en-US" altLang="zh-CN" dirty="0"/>
-              <a:t>XV6 Address</a:t>
-            </a:r>
-          </a:p>
-          <a:p>
-            <a:r>
-              <a:rPr lang="en-US" altLang="zh-CN" dirty="0"/>
-              <a:t>Space</a:t>
-            </a:r>
-            <a:endParaRPr lang="en-US" dirty="0"/>
+            <a:pPr>
+              <a:spcBef>
+                <a:spcPct val="50000"/>
+              </a:spcBef>
+            </a:pPr>
+            <a:r>
+              <a:rPr lang="en-US" altLang="en-SE">
+                <a:solidFill>
+                  <a:srgbClr val="FF0000"/>
+                </a:solidFill>
+              </a:rPr>
+              <a:t>0x00000000</a:t>
+            </a:r>
+          </a:p>
+        </p:txBody>
+      </p:sp>
+      <p:sp>
+        <p:nvSpPr>
+          <p:cNvPr id="13" name="Rectangle 5">
+            <a:extLst>
+              <a:ext uri="{FF2B5EF4-FFF2-40B4-BE49-F238E27FC236}">
+                <a16:creationId xmlns:a16="http://schemas.microsoft.com/office/drawing/2014/main" id="{10A6F753-038C-049C-ED94-B88BD48FC8A7}"/>
+              </a:ext>
+            </a:extLst>
+          </p:cNvPr>
+          <p:cNvSpPr>
+            <a:spLocks noChangeArrowheads="1"/>
+          </p:cNvSpPr>
+          <p:nvPr/>
+        </p:nvSpPr>
+        <p:spPr bwMode="auto">
+          <a:xfrm>
+            <a:off x="4385129" y="2095508"/>
+            <a:ext cx="1577676" cy="369332"/>
+          </a:xfrm>
+          <a:prstGeom prst="rect">
+            <a:avLst/>
+          </a:prstGeom>
+          <a:noFill/>
+          <a:ln>
+            <a:noFill/>
+          </a:ln>
+          <a:effectLst/>
+          <a:extLst>
+            <a:ext uri="{909E8E84-426E-40DD-AFC4-6F175D3DCCD1}">
+              <a14:hiddenFill xmlns:a14="http://schemas.microsoft.com/office/drawing/2010/main">
+                <a:solidFill>
+                  <a:schemeClr val="accent1"/>
+                </a:solidFill>
+              </a14:hiddenFill>
+            </a:ext>
+            <a:ext uri="{91240B29-F687-4F45-9708-019B960494DF}">
+              <a14:hiddenLine xmlns:a14="http://schemas.microsoft.com/office/drawing/2010/main" w="12700">
+                <a:solidFill>
+                  <a:schemeClr val="tx1"/>
+                </a:solidFill>
+                <a:miter lim="800000"/>
+                <a:headEnd/>
+                <a:tailEnd/>
+              </a14:hiddenLine>
+            </a:ext>
+            <a:ext uri="{AF507438-7753-43E0-B8FC-AC1667EBCBE1}">
+              <a14:hiddenEffects xmlns:a14="http://schemas.microsoft.com/office/drawing/2010/main">
+                <a:effectLst>
+                  <a:outerShdw dist="35921" dir="2700000" algn="ctr" rotWithShape="0">
+                    <a:schemeClr val="bg2"/>
+                  </a:outerShdw>
+                </a:effectLst>
+              </a14:hiddenEffects>
+            </a:ext>
+          </a:extLst>
+        </p:spPr>
+        <p:txBody>
+          <a:bodyPr wrap="none">
+            <a:spAutoFit/>
+          </a:bodyPr>
+          <a:lstStyle/>
+          <a:p>
+            <a:pPr>
+              <a:spcBef>
+                <a:spcPct val="50000"/>
+              </a:spcBef>
+            </a:pPr>
+            <a:r>
+              <a:rPr lang="en-US" altLang="en-SE">
+                <a:solidFill>
+                  <a:srgbClr val="FF0000"/>
+                </a:solidFill>
+              </a:rPr>
+              <a:t>0xFFFFFFFF</a:t>
+            </a:r>
+          </a:p>
+        </p:txBody>
+      </p:sp>
+      <p:sp>
+        <p:nvSpPr>
+          <p:cNvPr id="18" name="Rectangle 6">
+            <a:extLst>
+              <a:ext uri="{FF2B5EF4-FFF2-40B4-BE49-F238E27FC236}">
+                <a16:creationId xmlns:a16="http://schemas.microsoft.com/office/drawing/2014/main" id="{A5B45412-763D-C925-1129-12AE2CD0CB73}"/>
+              </a:ext>
+            </a:extLst>
+          </p:cNvPr>
+          <p:cNvSpPr>
+            <a:spLocks noChangeArrowheads="1"/>
+          </p:cNvSpPr>
+          <p:nvPr/>
+        </p:nvSpPr>
+        <p:spPr bwMode="auto">
+          <a:xfrm>
+            <a:off x="4321629" y="3771908"/>
+            <a:ext cx="1762021" cy="369332"/>
+          </a:xfrm>
+          <a:prstGeom prst="rect">
+            <a:avLst/>
+          </a:prstGeom>
+          <a:noFill/>
+          <a:ln>
+            <a:noFill/>
+          </a:ln>
+          <a:effectLst/>
+          <a:extLst>
+            <a:ext uri="{909E8E84-426E-40DD-AFC4-6F175D3DCCD1}">
+              <a14:hiddenFill xmlns:a14="http://schemas.microsoft.com/office/drawing/2010/main">
+                <a:solidFill>
+                  <a:schemeClr val="accent1"/>
+                </a:solidFill>
+              </a14:hiddenFill>
+            </a:ext>
+            <a:ext uri="{91240B29-F687-4F45-9708-019B960494DF}">
+              <a14:hiddenLine xmlns:a14="http://schemas.microsoft.com/office/drawing/2010/main" w="12700">
+                <a:solidFill>
+                  <a:schemeClr val="tx1"/>
+                </a:solidFill>
+                <a:miter lim="800000"/>
+                <a:headEnd/>
+                <a:tailEnd/>
+              </a14:hiddenLine>
+            </a:ext>
+            <a:ext uri="{AF507438-7753-43E0-B8FC-AC1667EBCBE1}">
+              <a14:hiddenEffects xmlns:a14="http://schemas.microsoft.com/office/drawing/2010/main">
+                <a:effectLst>
+                  <a:outerShdw dist="35921" dir="2700000" algn="ctr" rotWithShape="0">
+                    <a:schemeClr val="bg2"/>
+                  </a:outerShdw>
+                </a:effectLst>
+              </a14:hiddenEffects>
+            </a:ext>
+          </a:extLst>
+        </p:spPr>
+        <p:txBody>
+          <a:bodyPr wrap="none">
+            <a:spAutoFit/>
+          </a:bodyPr>
+          <a:lstStyle/>
+          <a:p>
+            <a:pPr>
+              <a:spcBef>
+                <a:spcPct val="50000"/>
+              </a:spcBef>
+            </a:pPr>
+            <a:r>
+              <a:rPr lang="en-US" altLang="en-SE">
+                <a:solidFill>
+                  <a:srgbClr val="FF0000"/>
+                </a:solidFill>
+              </a:rPr>
+              <a:t>address space</a:t>
+            </a:r>
+          </a:p>
+        </p:txBody>
+      </p:sp>
+      <p:sp>
+        <p:nvSpPr>
+          <p:cNvPr id="19" name="Line 7">
+            <a:extLst>
+              <a:ext uri="{FF2B5EF4-FFF2-40B4-BE49-F238E27FC236}">
+                <a16:creationId xmlns:a16="http://schemas.microsoft.com/office/drawing/2014/main" id="{D7A2CEC6-F275-F160-1823-C5A86243C440}"/>
+              </a:ext>
+            </a:extLst>
+          </p:cNvPr>
+          <p:cNvSpPr>
+            <a:spLocks noChangeShapeType="1"/>
+          </p:cNvSpPr>
+          <p:nvPr/>
+        </p:nvSpPr>
+        <p:spPr bwMode="auto">
+          <a:xfrm flipV="1">
+            <a:off x="5121729" y="2552707"/>
+            <a:ext cx="0" cy="1219200"/>
+          </a:xfrm>
+          <a:prstGeom prst="line">
+            <a:avLst/>
+          </a:prstGeom>
+          <a:noFill/>
+          <a:ln w="12700">
+            <a:solidFill>
+              <a:srgbClr val="FF0000"/>
+            </a:solidFill>
+            <a:round/>
+            <a:headEnd/>
+            <a:tailEnd type="triangle" w="med" len="med"/>
+          </a:ln>
+          <a:effectLst/>
+          <a:extLst>
+            <a:ext uri="{909E8E84-426E-40DD-AFC4-6F175D3DCCD1}">
+              <a14:hiddenFill xmlns:a14="http://schemas.microsoft.com/office/drawing/2010/main">
+                <a:noFill/>
+              </a14:hiddenFill>
+            </a:ext>
+            <a:ext uri="{AF507438-7753-43E0-B8FC-AC1667EBCBE1}">
+              <a14:hiddenEffects xmlns:a14="http://schemas.microsoft.com/office/drawing/2010/main">
+                <a:effectLst>
+                  <a:outerShdw dist="35921" dir="2700000" algn="ctr" rotWithShape="0">
+                    <a:schemeClr val="bg2"/>
+                  </a:outerShdw>
+                </a:effectLst>
+              </a14:hiddenEffects>
+            </a:ext>
+          </a:extLst>
+        </p:spPr>
+        <p:txBody>
+          <a:bodyPr anchor="ctr"/>
+          <a:lstStyle/>
+          <a:p>
+            <a:endParaRPr lang="en-SE"/>
+          </a:p>
+        </p:txBody>
+      </p:sp>
+      <p:sp>
+        <p:nvSpPr>
+          <p:cNvPr id="20" name="Line 8">
+            <a:extLst>
+              <a:ext uri="{FF2B5EF4-FFF2-40B4-BE49-F238E27FC236}">
+                <a16:creationId xmlns:a16="http://schemas.microsoft.com/office/drawing/2014/main" id="{F22069DA-2B64-151D-7A5C-4F7135EC9FCD}"/>
+              </a:ext>
+            </a:extLst>
+          </p:cNvPr>
+          <p:cNvSpPr>
+            <a:spLocks noChangeShapeType="1"/>
+          </p:cNvSpPr>
+          <p:nvPr/>
+        </p:nvSpPr>
+        <p:spPr bwMode="auto">
+          <a:xfrm flipV="1">
+            <a:off x="5121729" y="4305307"/>
+            <a:ext cx="0" cy="1295400"/>
+          </a:xfrm>
+          <a:prstGeom prst="line">
+            <a:avLst/>
+          </a:prstGeom>
+          <a:noFill/>
+          <a:ln w="12700">
+            <a:solidFill>
+              <a:srgbClr val="FF0000"/>
+            </a:solidFill>
+            <a:round/>
+            <a:headEnd type="triangle" w="med" len="med"/>
+            <a:tailEnd/>
+          </a:ln>
+          <a:effectLst/>
+          <a:extLst>
+            <a:ext uri="{909E8E84-426E-40DD-AFC4-6F175D3DCCD1}">
+              <a14:hiddenFill xmlns:a14="http://schemas.microsoft.com/office/drawing/2010/main">
+                <a:noFill/>
+              </a14:hiddenFill>
+            </a:ext>
+            <a:ext uri="{AF507438-7753-43E0-B8FC-AC1667EBCBE1}">
+              <a14:hiddenEffects xmlns:a14="http://schemas.microsoft.com/office/drawing/2010/main">
+                <a:effectLst>
+                  <a:outerShdw dist="35921" dir="2700000" algn="ctr" rotWithShape="0">
+                    <a:schemeClr val="bg2"/>
+                  </a:outerShdw>
+                </a:effectLst>
+              </a14:hiddenEffects>
+            </a:ext>
+          </a:extLst>
+        </p:spPr>
+        <p:txBody>
+          <a:bodyPr anchor="ctr"/>
+          <a:lstStyle/>
+          <a:p>
+            <a:endParaRPr lang="en-SE"/>
+          </a:p>
+        </p:txBody>
+      </p:sp>
+      <p:sp>
+        <p:nvSpPr>
+          <p:cNvPr id="21" name="Rectangle 9">
+            <a:extLst>
+              <a:ext uri="{FF2B5EF4-FFF2-40B4-BE49-F238E27FC236}">
+                <a16:creationId xmlns:a16="http://schemas.microsoft.com/office/drawing/2014/main" id="{7846CB91-5A1D-D32E-4B5A-81785BA733A3}"/>
+              </a:ext>
+            </a:extLst>
+          </p:cNvPr>
+          <p:cNvSpPr>
+            <a:spLocks noChangeArrowheads="1"/>
+          </p:cNvSpPr>
+          <p:nvPr/>
+        </p:nvSpPr>
+        <p:spPr bwMode="auto">
+          <a:xfrm>
+            <a:off x="6486979" y="5219707"/>
+            <a:ext cx="2743200" cy="762000"/>
+          </a:xfrm>
+          <a:prstGeom prst="rect">
+            <a:avLst/>
+          </a:prstGeom>
+          <a:solidFill>
+            <a:srgbClr val="EBEBFF"/>
+          </a:solidFill>
+          <a:ln w="12700">
+            <a:solidFill>
+              <a:schemeClr val="tx1"/>
+            </a:solidFill>
+            <a:miter lim="800000"/>
+            <a:headEnd/>
+            <a:tailEnd/>
+          </a:ln>
+          <a:effectLst/>
+          <a:extLst>
+            <a:ext uri="{AF507438-7753-43E0-B8FC-AC1667EBCBE1}">
+              <a14:hiddenEffects xmlns:a14="http://schemas.microsoft.com/office/drawing/2010/main">
+                <a:effectLst>
+                  <a:outerShdw dist="35921" dir="2700000" algn="ctr" rotWithShape="0">
+                    <a:schemeClr val="bg2"/>
+                  </a:outerShdw>
+                </a:effectLst>
+              </a14:hiddenEffects>
+            </a:ext>
+          </a:extLst>
+        </p:spPr>
+        <p:txBody>
+          <a:bodyPr wrap="none" anchor="ctr"/>
+          <a:lstStyle/>
+          <a:p>
+            <a:r>
+              <a:rPr lang="en-US" altLang="en-SE"/>
+              <a:t>code</a:t>
+            </a:r>
+          </a:p>
+          <a:p>
+            <a:r>
+              <a:rPr lang="en-US" altLang="en-SE"/>
+              <a:t>(text segment)</a:t>
+            </a:r>
+          </a:p>
+        </p:txBody>
+      </p:sp>
+      <p:sp>
+        <p:nvSpPr>
+          <p:cNvPr id="22" name="Rectangle 10">
+            <a:extLst>
+              <a:ext uri="{FF2B5EF4-FFF2-40B4-BE49-F238E27FC236}">
+                <a16:creationId xmlns:a16="http://schemas.microsoft.com/office/drawing/2014/main" id="{4899C138-2186-DCFE-5290-7B3B3DF7065F}"/>
+              </a:ext>
+            </a:extLst>
+          </p:cNvPr>
+          <p:cNvSpPr>
+            <a:spLocks noChangeArrowheads="1"/>
+          </p:cNvSpPr>
+          <p:nvPr/>
+        </p:nvSpPr>
+        <p:spPr bwMode="auto">
+          <a:xfrm>
+            <a:off x="6486979" y="4457707"/>
+            <a:ext cx="2743200" cy="762000"/>
+          </a:xfrm>
+          <a:prstGeom prst="rect">
+            <a:avLst/>
+          </a:prstGeom>
+          <a:solidFill>
+            <a:srgbClr val="FFE0D9"/>
+          </a:solidFill>
+          <a:ln w="12700">
+            <a:solidFill>
+              <a:schemeClr val="tx1"/>
+            </a:solidFill>
+            <a:miter lim="800000"/>
+            <a:headEnd/>
+            <a:tailEnd/>
+          </a:ln>
+          <a:effectLst/>
+          <a:extLst>
+            <a:ext uri="{AF507438-7753-43E0-B8FC-AC1667EBCBE1}">
+              <a14:hiddenEffects xmlns:a14="http://schemas.microsoft.com/office/drawing/2010/main">
+                <a:effectLst>
+                  <a:outerShdw dist="35921" dir="2700000" algn="ctr" rotWithShape="0">
+                    <a:schemeClr val="bg2"/>
+                  </a:outerShdw>
+                </a:effectLst>
+              </a14:hiddenEffects>
+            </a:ext>
+          </a:extLst>
+        </p:spPr>
+        <p:txBody>
+          <a:bodyPr wrap="none" anchor="ctr"/>
+          <a:lstStyle/>
+          <a:p>
+            <a:r>
+              <a:rPr lang="en-US" altLang="en-SE"/>
+              <a:t>static data</a:t>
+            </a:r>
+          </a:p>
+          <a:p>
+            <a:r>
+              <a:rPr lang="en-US" altLang="en-SE"/>
+              <a:t>(data segment)</a:t>
+            </a:r>
+          </a:p>
+        </p:txBody>
+      </p:sp>
+      <p:sp>
+        <p:nvSpPr>
+          <p:cNvPr id="23" name="Rectangle 11">
+            <a:extLst>
+              <a:ext uri="{FF2B5EF4-FFF2-40B4-BE49-F238E27FC236}">
+                <a16:creationId xmlns:a16="http://schemas.microsoft.com/office/drawing/2014/main" id="{36E6C582-69DE-4018-92E7-8AD882029ECB}"/>
+              </a:ext>
+            </a:extLst>
+          </p:cNvPr>
+          <p:cNvSpPr>
+            <a:spLocks noChangeArrowheads="1"/>
+          </p:cNvSpPr>
+          <p:nvPr/>
+        </p:nvSpPr>
+        <p:spPr bwMode="auto">
+          <a:xfrm>
+            <a:off x="6486979" y="3695707"/>
+            <a:ext cx="2743200" cy="762000"/>
+          </a:xfrm>
+          <a:prstGeom prst="rect">
+            <a:avLst/>
+          </a:prstGeom>
+          <a:solidFill>
+            <a:srgbClr val="EAEAEA"/>
+          </a:solidFill>
+          <a:ln w="12700">
+            <a:solidFill>
+              <a:schemeClr val="tx1"/>
+            </a:solidFill>
+            <a:miter lim="800000"/>
+            <a:headEnd/>
+            <a:tailEnd/>
+          </a:ln>
+          <a:effectLst/>
+          <a:extLst>
+            <a:ext uri="{AF507438-7753-43E0-B8FC-AC1667EBCBE1}">
+              <a14:hiddenEffects xmlns:a14="http://schemas.microsoft.com/office/drawing/2010/main">
+                <a:effectLst>
+                  <a:outerShdw dist="35921" dir="2700000" algn="ctr" rotWithShape="0">
+                    <a:schemeClr val="bg2"/>
+                  </a:outerShdw>
+                </a:effectLst>
+              </a14:hiddenEffects>
+            </a:ext>
+          </a:extLst>
+        </p:spPr>
+        <p:txBody>
+          <a:bodyPr wrap="none" anchor="ctr"/>
+          <a:lstStyle/>
+          <a:p>
+            <a:r>
+              <a:rPr lang="en-US" altLang="en-SE"/>
+              <a:t>heap</a:t>
+            </a:r>
+          </a:p>
+          <a:p>
+            <a:r>
+              <a:rPr lang="en-US" altLang="en-SE"/>
+              <a:t>(dynamic allocated mem)</a:t>
+            </a:r>
+          </a:p>
+        </p:txBody>
+      </p:sp>
+      <p:sp>
+        <p:nvSpPr>
+          <p:cNvPr id="24" name="Rectangle 12">
+            <a:extLst>
+              <a:ext uri="{FF2B5EF4-FFF2-40B4-BE49-F238E27FC236}">
+                <a16:creationId xmlns:a16="http://schemas.microsoft.com/office/drawing/2014/main" id="{0AE5E6EC-C557-BA0A-AFF9-2A1DF39EC5C2}"/>
+              </a:ext>
+            </a:extLst>
+          </p:cNvPr>
+          <p:cNvSpPr>
+            <a:spLocks noChangeArrowheads="1"/>
+          </p:cNvSpPr>
+          <p:nvPr/>
+        </p:nvSpPr>
+        <p:spPr bwMode="auto">
+          <a:xfrm>
+            <a:off x="6486979" y="2933707"/>
+            <a:ext cx="2743200" cy="762000"/>
+          </a:xfrm>
+          <a:prstGeom prst="rect">
+            <a:avLst/>
+          </a:prstGeom>
+          <a:solidFill>
+            <a:schemeClr val="bg1"/>
+          </a:solidFill>
+          <a:ln w="12700">
+            <a:solidFill>
+              <a:schemeClr val="tx1"/>
+            </a:solidFill>
+            <a:miter lim="800000"/>
+            <a:headEnd/>
+            <a:tailEnd/>
+          </a:ln>
+          <a:effectLst/>
+          <a:extLst>
+            <a:ext uri="{AF507438-7753-43E0-B8FC-AC1667EBCBE1}">
+              <a14:hiddenEffects xmlns:a14="http://schemas.microsoft.com/office/drawing/2010/main">
+                <a:effectLst>
+                  <a:outerShdw dist="35921" dir="2700000" algn="ctr" rotWithShape="0">
+                    <a:schemeClr val="bg2"/>
+                  </a:outerShdw>
+                </a:effectLst>
+              </a14:hiddenEffects>
+            </a:ext>
+          </a:extLst>
+        </p:spPr>
+        <p:txBody>
+          <a:bodyPr wrap="none" anchor="ctr"/>
+          <a:lstStyle/>
+          <a:p>
+            <a:endParaRPr lang="en-SE" altLang="en-SE"/>
+          </a:p>
+        </p:txBody>
+      </p:sp>
+      <p:sp>
+        <p:nvSpPr>
+          <p:cNvPr id="25" name="Rectangle 13">
+            <a:extLst>
+              <a:ext uri="{FF2B5EF4-FFF2-40B4-BE49-F238E27FC236}">
+                <a16:creationId xmlns:a16="http://schemas.microsoft.com/office/drawing/2014/main" id="{4CF3D32A-AD11-950A-554F-C984DBD603E0}"/>
+              </a:ext>
+            </a:extLst>
+          </p:cNvPr>
+          <p:cNvSpPr>
+            <a:spLocks noChangeArrowheads="1"/>
+          </p:cNvSpPr>
+          <p:nvPr/>
+        </p:nvSpPr>
+        <p:spPr bwMode="auto">
+          <a:xfrm>
+            <a:off x="6486979" y="2171707"/>
+            <a:ext cx="2743200" cy="762000"/>
+          </a:xfrm>
+          <a:prstGeom prst="rect">
+            <a:avLst/>
+          </a:prstGeom>
+          <a:solidFill>
+            <a:srgbClr val="CCFFFF"/>
+          </a:solidFill>
+          <a:ln w="12700">
+            <a:solidFill>
+              <a:schemeClr val="tx1"/>
+            </a:solidFill>
+            <a:miter lim="800000"/>
+            <a:headEnd/>
+            <a:tailEnd/>
+          </a:ln>
+          <a:effectLst/>
+          <a:extLst>
+            <a:ext uri="{AF507438-7753-43E0-B8FC-AC1667EBCBE1}">
+              <a14:hiddenEffects xmlns:a14="http://schemas.microsoft.com/office/drawing/2010/main">
+                <a:effectLst>
+                  <a:outerShdw dist="35921" dir="2700000" algn="ctr" rotWithShape="0">
+                    <a:schemeClr val="bg2"/>
+                  </a:outerShdw>
+                </a:effectLst>
+              </a14:hiddenEffects>
+            </a:ext>
+          </a:extLst>
+        </p:spPr>
+        <p:txBody>
+          <a:bodyPr wrap="none" anchor="ctr"/>
+          <a:lstStyle/>
+          <a:p>
+            <a:r>
+              <a:rPr lang="en-US" altLang="en-SE" dirty="0"/>
+              <a:t>stack</a:t>
+            </a:r>
+          </a:p>
+          <a:p>
+            <a:r>
+              <a:rPr lang="en-US" altLang="en-SE" dirty="0"/>
+              <a:t>(temporary data)</a:t>
+            </a:r>
+          </a:p>
+        </p:txBody>
+      </p:sp>
+      <p:sp>
+        <p:nvSpPr>
+          <p:cNvPr id="26" name="Line 14">
+            <a:extLst>
+              <a:ext uri="{FF2B5EF4-FFF2-40B4-BE49-F238E27FC236}">
+                <a16:creationId xmlns:a16="http://schemas.microsoft.com/office/drawing/2014/main" id="{C76783D9-3716-22B2-39F1-949B47873F8F}"/>
+              </a:ext>
+            </a:extLst>
+          </p:cNvPr>
+          <p:cNvSpPr>
+            <a:spLocks noChangeShapeType="1"/>
+          </p:cNvSpPr>
+          <p:nvPr/>
+        </p:nvSpPr>
+        <p:spPr bwMode="auto">
+          <a:xfrm>
+            <a:off x="7858579" y="2933707"/>
+            <a:ext cx="0" cy="228600"/>
+          </a:xfrm>
+          <a:prstGeom prst="line">
+            <a:avLst/>
+          </a:prstGeom>
+          <a:noFill/>
+          <a:ln w="12700">
+            <a:solidFill>
+              <a:schemeClr val="tx1"/>
+            </a:solidFill>
+            <a:round/>
+            <a:headEnd/>
+            <a:tailEnd type="triangle" w="med" len="med"/>
+          </a:ln>
+          <a:effectLst/>
+          <a:extLst>
+            <a:ext uri="{909E8E84-426E-40DD-AFC4-6F175D3DCCD1}">
+              <a14:hiddenFill xmlns:a14="http://schemas.microsoft.com/office/drawing/2010/main">
+                <a:noFill/>
+              </a14:hiddenFill>
+            </a:ext>
+            <a:ext uri="{AF507438-7753-43E0-B8FC-AC1667EBCBE1}">
+              <a14:hiddenEffects xmlns:a14="http://schemas.microsoft.com/office/drawing/2010/main">
+                <a:effectLst>
+                  <a:outerShdw dist="35921" dir="2700000" algn="ctr" rotWithShape="0">
+                    <a:schemeClr val="bg2"/>
+                  </a:outerShdw>
+                </a:effectLst>
+              </a14:hiddenEffects>
+            </a:ext>
+          </a:extLst>
+        </p:spPr>
+        <p:txBody>
+          <a:bodyPr wrap="none" anchor="ctr"/>
+          <a:lstStyle/>
+          <a:p>
+            <a:endParaRPr lang="en-SE"/>
+          </a:p>
+        </p:txBody>
+      </p:sp>
+      <p:sp>
+        <p:nvSpPr>
+          <p:cNvPr id="27" name="Line 15">
+            <a:extLst>
+              <a:ext uri="{FF2B5EF4-FFF2-40B4-BE49-F238E27FC236}">
+                <a16:creationId xmlns:a16="http://schemas.microsoft.com/office/drawing/2014/main" id="{F485195B-9534-714D-706F-26E33E732957}"/>
+              </a:ext>
+            </a:extLst>
+          </p:cNvPr>
+          <p:cNvSpPr>
+            <a:spLocks noChangeShapeType="1"/>
+          </p:cNvSpPr>
+          <p:nvPr/>
+        </p:nvSpPr>
+        <p:spPr bwMode="auto">
+          <a:xfrm>
+            <a:off x="7858579" y="3467107"/>
+            <a:ext cx="0" cy="228600"/>
+          </a:xfrm>
+          <a:prstGeom prst="line">
+            <a:avLst/>
+          </a:prstGeom>
+          <a:noFill/>
+          <a:ln w="12700">
+            <a:solidFill>
+              <a:schemeClr val="tx1"/>
+            </a:solidFill>
+            <a:round/>
+            <a:headEnd type="triangle" w="med" len="med"/>
+            <a:tailEnd/>
+          </a:ln>
+          <a:effectLst/>
+          <a:extLst>
+            <a:ext uri="{909E8E84-426E-40DD-AFC4-6F175D3DCCD1}">
+              <a14:hiddenFill xmlns:a14="http://schemas.microsoft.com/office/drawing/2010/main">
+                <a:noFill/>
+              </a14:hiddenFill>
+            </a:ext>
+            <a:ext uri="{AF507438-7753-43E0-B8FC-AC1667EBCBE1}">
+              <a14:hiddenEffects xmlns:a14="http://schemas.microsoft.com/office/drawing/2010/main">
+                <a:effectLst>
+                  <a:outerShdw dist="35921" dir="2700000" algn="ctr" rotWithShape="0">
+                    <a:schemeClr val="bg2"/>
+                  </a:outerShdw>
+                </a:effectLst>
+              </a14:hiddenEffects>
+            </a:ext>
+          </a:extLst>
+        </p:spPr>
+        <p:txBody>
+          <a:bodyPr wrap="none" anchor="ctr"/>
+          <a:lstStyle/>
+          <a:p>
+            <a:endParaRPr lang="en-SE"/>
+          </a:p>
+        </p:txBody>
+      </p:sp>
+      <p:sp>
+        <p:nvSpPr>
+          <p:cNvPr id="28" name="Line 16">
+            <a:extLst>
+              <a:ext uri="{FF2B5EF4-FFF2-40B4-BE49-F238E27FC236}">
+                <a16:creationId xmlns:a16="http://schemas.microsoft.com/office/drawing/2014/main" id="{9D79F38D-F7F9-E439-6C52-847D2E8CABF8}"/>
+              </a:ext>
+            </a:extLst>
+          </p:cNvPr>
+          <p:cNvSpPr>
+            <a:spLocks noChangeShapeType="1"/>
+          </p:cNvSpPr>
+          <p:nvPr/>
+        </p:nvSpPr>
+        <p:spPr bwMode="auto">
+          <a:xfrm flipH="1">
+            <a:off x="9251947" y="2933707"/>
+            <a:ext cx="381000" cy="0"/>
+          </a:xfrm>
+          <a:prstGeom prst="line">
+            <a:avLst/>
+          </a:prstGeom>
+          <a:noFill/>
+          <a:ln w="12700">
+            <a:solidFill>
+              <a:schemeClr val="tx1"/>
+            </a:solidFill>
+            <a:round/>
+            <a:headEnd/>
+            <a:tailEnd type="triangle" w="med" len="med"/>
+          </a:ln>
+          <a:effectLst/>
+          <a:extLst>
+            <a:ext uri="{909E8E84-426E-40DD-AFC4-6F175D3DCCD1}">
+              <a14:hiddenFill xmlns:a14="http://schemas.microsoft.com/office/drawing/2010/main">
+                <a:noFill/>
+              </a14:hiddenFill>
+            </a:ext>
+            <a:ext uri="{AF507438-7753-43E0-B8FC-AC1667EBCBE1}">
+              <a14:hiddenEffects xmlns:a14="http://schemas.microsoft.com/office/drawing/2010/main">
+                <a:effectLst>
+                  <a:outerShdw dist="35921" dir="2700000" algn="ctr" rotWithShape="0">
+                    <a:schemeClr val="bg2"/>
+                  </a:outerShdw>
+                </a:effectLst>
+              </a14:hiddenEffects>
+            </a:ext>
+          </a:extLst>
+        </p:spPr>
+        <p:txBody>
+          <a:bodyPr wrap="none" anchor="ctr"/>
+          <a:lstStyle/>
+          <a:p>
+            <a:endParaRPr lang="en-SE"/>
+          </a:p>
+        </p:txBody>
+      </p:sp>
+      <p:sp>
+        <p:nvSpPr>
+          <p:cNvPr id="29" name="Line 17">
+            <a:extLst>
+              <a:ext uri="{FF2B5EF4-FFF2-40B4-BE49-F238E27FC236}">
+                <a16:creationId xmlns:a16="http://schemas.microsoft.com/office/drawing/2014/main" id="{0EE937A9-D272-B930-711A-9B74B21856E4}"/>
+              </a:ext>
+            </a:extLst>
+          </p:cNvPr>
+          <p:cNvSpPr>
+            <a:spLocks noChangeShapeType="1"/>
+          </p:cNvSpPr>
+          <p:nvPr/>
+        </p:nvSpPr>
+        <p:spPr bwMode="auto">
+          <a:xfrm flipH="1">
+            <a:off x="9251947" y="5524507"/>
+            <a:ext cx="381000" cy="0"/>
+          </a:xfrm>
+          <a:prstGeom prst="line">
+            <a:avLst/>
+          </a:prstGeom>
+          <a:noFill/>
+          <a:ln w="12700">
+            <a:solidFill>
+              <a:schemeClr val="tx1"/>
+            </a:solidFill>
+            <a:round/>
+            <a:headEnd/>
+            <a:tailEnd type="triangle" w="med" len="med"/>
+          </a:ln>
+          <a:effectLst/>
+          <a:extLst>
+            <a:ext uri="{909E8E84-426E-40DD-AFC4-6F175D3DCCD1}">
+              <a14:hiddenFill xmlns:a14="http://schemas.microsoft.com/office/drawing/2010/main">
+                <a:noFill/>
+              </a14:hiddenFill>
+            </a:ext>
+            <a:ext uri="{AF507438-7753-43E0-B8FC-AC1667EBCBE1}">
+              <a14:hiddenEffects xmlns:a14="http://schemas.microsoft.com/office/drawing/2010/main">
+                <a:effectLst>
+                  <a:outerShdw dist="35921" dir="2700000" algn="ctr" rotWithShape="0">
+                    <a:schemeClr val="bg2"/>
+                  </a:outerShdw>
+                </a:effectLst>
+              </a14:hiddenEffects>
+            </a:ext>
+          </a:extLst>
+        </p:spPr>
+        <p:txBody>
+          <a:bodyPr wrap="none" anchor="ctr"/>
+          <a:lstStyle/>
+          <a:p>
+            <a:endParaRPr lang="en-SE"/>
+          </a:p>
+        </p:txBody>
+      </p:sp>
+      <p:sp>
+        <p:nvSpPr>
+          <p:cNvPr id="30" name="Rectangle 18">
+            <a:extLst>
+              <a:ext uri="{FF2B5EF4-FFF2-40B4-BE49-F238E27FC236}">
+                <a16:creationId xmlns:a16="http://schemas.microsoft.com/office/drawing/2014/main" id="{4A6E3324-5B41-BBA3-E29E-0755B5E5DBAE}"/>
+              </a:ext>
+            </a:extLst>
+          </p:cNvPr>
+          <p:cNvSpPr>
+            <a:spLocks noChangeArrowheads="1"/>
+          </p:cNvSpPr>
+          <p:nvPr/>
+        </p:nvSpPr>
+        <p:spPr bwMode="auto">
+          <a:xfrm>
+            <a:off x="9632947" y="5386395"/>
+            <a:ext cx="2569934" cy="369332"/>
+          </a:xfrm>
+          <a:prstGeom prst="rect">
+            <a:avLst/>
+          </a:prstGeom>
+          <a:noFill/>
+          <a:ln>
+            <a:noFill/>
+          </a:ln>
+          <a:effectLst/>
+          <a:extLst>
+            <a:ext uri="{909E8E84-426E-40DD-AFC4-6F175D3DCCD1}">
+              <a14:hiddenFill xmlns:a14="http://schemas.microsoft.com/office/drawing/2010/main">
+                <a:solidFill>
+                  <a:srgbClr val="EBEBFF"/>
+                </a:solidFill>
+              </a14:hiddenFill>
+            </a:ext>
+            <a:ext uri="{91240B29-F687-4F45-9708-019B960494DF}">
+              <a14:hiddenLine xmlns:a14="http://schemas.microsoft.com/office/drawing/2010/main" w="12700">
+                <a:solidFill>
+                  <a:schemeClr val="tx1"/>
+                </a:solidFill>
+                <a:miter lim="800000"/>
+                <a:headEnd/>
+                <a:tailEnd/>
+              </a14:hiddenLine>
+            </a:ext>
+            <a:ext uri="{AF507438-7753-43E0-B8FC-AC1667EBCBE1}">
+              <a14:hiddenEffects xmlns:a14="http://schemas.microsoft.com/office/drawing/2010/main">
+                <a:effectLst>
+                  <a:outerShdw dist="35921" dir="2700000" algn="ctr" rotWithShape="0">
+                    <a:schemeClr val="bg2"/>
+                  </a:outerShdw>
+                </a:effectLst>
+              </a14:hiddenEffects>
+            </a:ext>
+          </a:extLst>
+        </p:spPr>
+        <p:txBody>
+          <a:bodyPr wrap="none">
+            <a:spAutoFit/>
+          </a:bodyPr>
+          <a:lstStyle/>
+          <a:p>
+            <a:r>
+              <a:rPr lang="en-US" altLang="en-SE" dirty="0"/>
+              <a:t>PC (Program Counter)</a:t>
+            </a:r>
+          </a:p>
+        </p:txBody>
+      </p:sp>
+      <p:sp>
+        <p:nvSpPr>
+          <p:cNvPr id="31" name="Rectangle 19">
+            <a:extLst>
+              <a:ext uri="{FF2B5EF4-FFF2-40B4-BE49-F238E27FC236}">
+                <a16:creationId xmlns:a16="http://schemas.microsoft.com/office/drawing/2014/main" id="{42E91687-02C3-E621-3633-6C8E2051DCC1}"/>
+              </a:ext>
+            </a:extLst>
+          </p:cNvPr>
+          <p:cNvSpPr>
+            <a:spLocks noChangeArrowheads="1"/>
+          </p:cNvSpPr>
+          <p:nvPr/>
+        </p:nvSpPr>
+        <p:spPr bwMode="auto">
+          <a:xfrm>
+            <a:off x="9632947" y="2781308"/>
+            <a:ext cx="2257349" cy="369332"/>
+          </a:xfrm>
+          <a:prstGeom prst="rect">
+            <a:avLst/>
+          </a:prstGeom>
+          <a:noFill/>
+          <a:ln>
+            <a:noFill/>
+          </a:ln>
+          <a:effectLst/>
+          <a:extLst>
+            <a:ext uri="{909E8E84-426E-40DD-AFC4-6F175D3DCCD1}">
+              <a14:hiddenFill xmlns:a14="http://schemas.microsoft.com/office/drawing/2010/main">
+                <a:solidFill>
+                  <a:srgbClr val="EBEBFF"/>
+                </a:solidFill>
+              </a14:hiddenFill>
+            </a:ext>
+            <a:ext uri="{91240B29-F687-4F45-9708-019B960494DF}">
+              <a14:hiddenLine xmlns:a14="http://schemas.microsoft.com/office/drawing/2010/main" w="12700">
+                <a:solidFill>
+                  <a:schemeClr val="tx1"/>
+                </a:solidFill>
+                <a:miter lim="800000"/>
+                <a:headEnd/>
+                <a:tailEnd/>
+              </a14:hiddenLine>
+            </a:ext>
+            <a:ext uri="{AF507438-7753-43E0-B8FC-AC1667EBCBE1}">
+              <a14:hiddenEffects xmlns:a14="http://schemas.microsoft.com/office/drawing/2010/main">
+                <a:effectLst>
+                  <a:outerShdw dist="35921" dir="2700000" algn="ctr" rotWithShape="0">
+                    <a:schemeClr val="bg2"/>
+                  </a:outerShdw>
+                </a:effectLst>
+              </a14:hiddenEffects>
+            </a:ext>
+          </a:extLst>
+        </p:spPr>
+        <p:txBody>
+          <a:bodyPr wrap="none">
+            <a:spAutoFit/>
+          </a:bodyPr>
+          <a:lstStyle/>
+          <a:p>
+            <a:r>
+              <a:rPr lang="en-US" altLang="en-SE" dirty="0"/>
+              <a:t>SP (Stack Pointer)</a:t>
+            </a:r>
           </a:p>
         </p:txBody>
       </p:sp>
@@ -50839,8 +50963,8 @@
         </p:nvSpPr>
         <p:spPr>
           <a:xfrm>
-            <a:off x="7836060" y="1109525"/>
-            <a:ext cx="4223860" cy="5138531"/>
+            <a:off x="7761514" y="1109525"/>
+            <a:ext cx="4298406" cy="5138531"/>
           </a:xfrm>
         </p:spPr>
         <p:txBody>
@@ -52153,7 +52277,7 @@
             </a:r>
             <a:r>
               <a:rPr lang="en-US" altLang="zh-CN" dirty="0"/>
-              <a:t>State</a:t>
+              <a:t>States</a:t>
             </a:r>
             <a:endParaRPr lang="nb-NO" dirty="0"/>
           </a:p>
@@ -52175,7 +52299,12 @@
             <p:ph idx="1"/>
           </p:nvPr>
         </p:nvSpPr>
-        <p:spPr/>
+        <p:spPr>
+          <a:xfrm>
+            <a:off x="-21560" y="893790"/>
+            <a:ext cx="4658923" cy="3374097"/>
+          </a:xfrm>
+        </p:spPr>
         <p:txBody>
           <a:bodyPr/>
           <a:lstStyle/>
@@ -52399,7 +52528,7 @@
         </p:nvGrpSpPr>
         <p:grpSpPr>
           <a:xfrm>
-            <a:off x="7032892" y="1803401"/>
+            <a:off x="240206" y="4252686"/>
             <a:ext cx="3423513" cy="2039667"/>
             <a:chOff x="5508891" y="1803400"/>
             <a:chExt cx="3423513" cy="2039667"/>
@@ -52602,104 +52731,12 @@
           </p:txBody>
         </p:sp>
       </p:grpSp>
-    </p:spTree>
-    <p:extLst>
-      <p:ext uri="{BB962C8B-B14F-4D97-AF65-F5344CB8AC3E}">
-        <p14:creationId xmlns:p14="http://schemas.microsoft.com/office/powerpoint/2010/main" val="2416700803"/>
-      </p:ext>
-    </p:extLst>
-  </p:cSld>
-  <p:clrMapOvr>
-    <a:masterClrMapping/>
-  </p:clrMapOvr>
-</p:sld>
-</file>
-
-<file path=ppt/slides/slide8.xml><?xml version="1.0" encoding="utf-8"?>
-<p:sld xmlns:a="http://schemas.openxmlformats.org/drawingml/2006/main" xmlns:r="http://schemas.openxmlformats.org/officeDocument/2006/relationships" xmlns:p="http://schemas.openxmlformats.org/presentationml/2006/main">
-  <p:cSld>
-    <p:spTree>
-      <p:nvGrpSpPr>
-        <p:cNvPr id="1" name=""/>
-        <p:cNvGrpSpPr/>
-        <p:nvPr/>
-      </p:nvGrpSpPr>
-      <p:grpSpPr>
-        <a:xfrm>
-          <a:off x="0" y="0"/>
-          <a:ext cx="0" cy="0"/>
-          <a:chOff x="0" y="0"/>
-          <a:chExt cx="0" cy="0"/>
-        </a:xfrm>
-      </p:grpSpPr>
       <p:sp>
         <p:nvSpPr>
-          <p:cNvPr id="2" name="Tittel 1">
+          <p:cNvPr id="36" name="圆角矩形 3">
             <a:extLst>
               <a:ext uri="{FF2B5EF4-FFF2-40B4-BE49-F238E27FC236}">
-                <a16:creationId xmlns:a16="http://schemas.microsoft.com/office/drawing/2014/main" id="{444E9320-82CB-6B47-9656-1B5499518015}"/>
-              </a:ext>
-            </a:extLst>
-          </p:cNvPr>
-          <p:cNvSpPr>
-            <a:spLocks noGrp="1"/>
-          </p:cNvSpPr>
-          <p:nvPr>
-            <p:ph type="title"/>
-          </p:nvPr>
-        </p:nvSpPr>
-        <p:spPr/>
-        <p:txBody>
-          <a:bodyPr/>
-          <a:lstStyle/>
-          <a:p>
-            <a:r>
-              <a:rPr lang="en-US" altLang="zh-CN" dirty="0"/>
-              <a:t>Process</a:t>
-            </a:r>
-            <a:r>
-              <a:rPr lang="zh-CN" altLang="en-US" dirty="0"/>
-              <a:t> </a:t>
-            </a:r>
-            <a:r>
-              <a:rPr lang="en-US" altLang="zh-CN" dirty="0"/>
-              <a:t>State</a:t>
-            </a:r>
-            <a:endParaRPr lang="nb-NO" dirty="0"/>
-          </a:p>
-        </p:txBody>
-      </p:sp>
-      <p:sp>
-        <p:nvSpPr>
-          <p:cNvPr id="3" name="Plassholder for innhold 2">
-            <a:extLst>
-              <a:ext uri="{FF2B5EF4-FFF2-40B4-BE49-F238E27FC236}">
-                <a16:creationId xmlns:a16="http://schemas.microsoft.com/office/drawing/2014/main" id="{FC7524D1-ADBD-8C45-9DC3-F343D7DEE3B6}"/>
-              </a:ext>
-            </a:extLst>
-          </p:cNvPr>
-          <p:cNvSpPr>
-            <a:spLocks noGrp="1"/>
-          </p:cNvSpPr>
-          <p:nvPr>
-            <p:ph idx="1"/>
-          </p:nvPr>
-        </p:nvSpPr>
-        <p:spPr/>
-        <p:txBody>
-          <a:bodyPr/>
-          <a:lstStyle/>
-          <a:p>
-            <a:endParaRPr lang="nb-NO" dirty="0"/>
-          </a:p>
-        </p:txBody>
-      </p:sp>
-      <p:sp>
-        <p:nvSpPr>
-          <p:cNvPr id="4" name="圆角矩形 3">
-            <a:extLst>
-              <a:ext uri="{FF2B5EF4-FFF2-40B4-BE49-F238E27FC236}">
-                <a16:creationId xmlns:a16="http://schemas.microsoft.com/office/drawing/2014/main" id="{A5B4584F-D03C-C465-C905-5323DE5CA2B5}"/>
+                <a16:creationId xmlns:a16="http://schemas.microsoft.com/office/drawing/2014/main" id="{09EA6710-FF25-23E8-5E27-1C60E6B4E166}"/>
               </a:ext>
             </a:extLst>
           </p:cNvPr>
@@ -52708,7 +52745,7 @@
         </p:nvSpPr>
         <p:spPr>
           <a:xfrm>
-            <a:off x="2328231" y="1189822"/>
+            <a:off x="4504586" y="1090016"/>
             <a:ext cx="2357610" cy="616944"/>
           </a:xfrm>
           <a:prstGeom prst="roundRect">
@@ -52770,10 +52807,10 @@
       </p:sp>
       <p:sp>
         <p:nvSpPr>
-          <p:cNvPr id="5" name="圆角矩形 4">
+          <p:cNvPr id="37" name="圆角矩形 4">
             <a:extLst>
               <a:ext uri="{FF2B5EF4-FFF2-40B4-BE49-F238E27FC236}">
-                <a16:creationId xmlns:a16="http://schemas.microsoft.com/office/drawing/2014/main" id="{AB4903E9-F987-BA19-DBD0-37C6A39841D0}"/>
+                <a16:creationId xmlns:a16="http://schemas.microsoft.com/office/drawing/2014/main" id="{7E49A07F-588A-57F0-8544-A7660B6BF128}"/>
               </a:ext>
             </a:extLst>
           </p:cNvPr>
@@ -52782,7 +52819,7 @@
         </p:nvSpPr>
         <p:spPr>
           <a:xfrm>
-            <a:off x="7614492" y="1189822"/>
+            <a:off x="9790847" y="1090016"/>
             <a:ext cx="2357610" cy="616944"/>
           </a:xfrm>
           <a:prstGeom prst="roundRect">
@@ -52844,10 +52881,10 @@
       </p:sp>
       <p:sp>
         <p:nvSpPr>
-          <p:cNvPr id="6" name="右箭头 5">
+          <p:cNvPr id="38" name="右箭头 5">
             <a:extLst>
               <a:ext uri="{FF2B5EF4-FFF2-40B4-BE49-F238E27FC236}">
-                <a16:creationId xmlns:a16="http://schemas.microsoft.com/office/drawing/2014/main" id="{4A9AB324-F4D1-D321-DBE8-2F5379DEB9A9}"/>
+                <a16:creationId xmlns:a16="http://schemas.microsoft.com/office/drawing/2014/main" id="{C038BD7B-5E84-3DB1-C4BA-B177B4148FEE}"/>
               </a:ext>
             </a:extLst>
           </p:cNvPr>
@@ -52856,7 +52893,7 @@
         </p:nvSpPr>
         <p:spPr>
           <a:xfrm rot="5400000">
-            <a:off x="2906617" y="2302528"/>
+            <a:off x="5082972" y="2202722"/>
             <a:ext cx="1200839" cy="231354"/>
           </a:xfrm>
           <a:prstGeom prst="rightArrow">
@@ -52896,10 +52933,10 @@
       </p:sp>
       <p:sp>
         <p:nvSpPr>
-          <p:cNvPr id="7" name="右箭头 6">
+          <p:cNvPr id="39" name="右箭头 6">
             <a:extLst>
               <a:ext uri="{FF2B5EF4-FFF2-40B4-BE49-F238E27FC236}">
-                <a16:creationId xmlns:a16="http://schemas.microsoft.com/office/drawing/2014/main" id="{CF89A51A-3FD5-7186-7FF6-E12A171BF2F4}"/>
+                <a16:creationId xmlns:a16="http://schemas.microsoft.com/office/drawing/2014/main" id="{661A745E-13E0-2B55-2088-3A0BE0B6614C}"/>
               </a:ext>
             </a:extLst>
           </p:cNvPr>
@@ -52908,7 +52945,7 @@
         </p:nvSpPr>
         <p:spPr>
           <a:xfrm rot="5400000">
-            <a:off x="8192879" y="2291508"/>
+            <a:off x="10369234" y="2191702"/>
             <a:ext cx="1200839" cy="231354"/>
           </a:xfrm>
           <a:prstGeom prst="rightArrow">
@@ -52946,10 +52983,10 @@
       </p:sp>
       <p:sp>
         <p:nvSpPr>
-          <p:cNvPr id="8" name="文本框 7">
+          <p:cNvPr id="40" name="文本框 7">
             <a:extLst>
               <a:ext uri="{FF2B5EF4-FFF2-40B4-BE49-F238E27FC236}">
-                <a16:creationId xmlns:a16="http://schemas.microsoft.com/office/drawing/2014/main" id="{1879D7C9-5F84-BF15-D236-76C41000A30F}"/>
+                <a16:creationId xmlns:a16="http://schemas.microsoft.com/office/drawing/2014/main" id="{3A6A374D-B621-2D74-94C6-2F527FFDAECB}"/>
               </a:ext>
             </a:extLst>
           </p:cNvPr>
@@ -52958,7 +52995,7 @@
         </p:nvSpPr>
         <p:spPr>
           <a:xfrm>
-            <a:off x="2360525" y="2103956"/>
+            <a:off x="4536880" y="2004150"/>
             <a:ext cx="998991" cy="369332"/>
           </a:xfrm>
           <a:prstGeom prst="rect">
@@ -52982,10 +53019,10 @@
       </p:sp>
       <p:sp>
         <p:nvSpPr>
-          <p:cNvPr id="9" name="文本框 8">
+          <p:cNvPr id="41" name="文本框 8">
             <a:extLst>
               <a:ext uri="{FF2B5EF4-FFF2-40B4-BE49-F238E27FC236}">
-                <a16:creationId xmlns:a16="http://schemas.microsoft.com/office/drawing/2014/main" id="{6E6C5326-DDB2-BEF6-8DE7-085747653586}"/>
+                <a16:creationId xmlns:a16="http://schemas.microsoft.com/office/drawing/2014/main" id="{E7F60954-4CEB-05F4-6E7D-15A74EA41A01}"/>
               </a:ext>
             </a:extLst>
           </p:cNvPr>
@@ -52994,7 +53031,7 @@
         </p:nvSpPr>
         <p:spPr>
           <a:xfrm>
-            <a:off x="8908976" y="2153813"/>
+            <a:off x="11085331" y="2054007"/>
             <a:ext cx="851515" cy="369332"/>
           </a:xfrm>
           <a:prstGeom prst="rect">
@@ -53018,10 +53055,10 @@
       </p:sp>
       <p:sp>
         <p:nvSpPr>
-          <p:cNvPr id="10" name="圆角矩形 9">
+          <p:cNvPr id="42" name="圆角矩形 9">
             <a:extLst>
               <a:ext uri="{FF2B5EF4-FFF2-40B4-BE49-F238E27FC236}">
-                <a16:creationId xmlns:a16="http://schemas.microsoft.com/office/drawing/2014/main" id="{DCE97591-D09B-D01E-2F6D-D752643C9273}"/>
+                <a16:creationId xmlns:a16="http://schemas.microsoft.com/office/drawing/2014/main" id="{9E97887E-7B75-E78F-41EF-32C332A78CC2}"/>
               </a:ext>
             </a:extLst>
           </p:cNvPr>
@@ -53030,7 +53067,7 @@
         </p:nvSpPr>
         <p:spPr>
           <a:xfrm>
-            <a:off x="5358158" y="1200841"/>
+            <a:off x="7534513" y="1101035"/>
             <a:ext cx="1323573" cy="616944"/>
           </a:xfrm>
           <a:prstGeom prst="roundRect">
@@ -53074,10 +53111,10 @@
       </p:sp>
       <p:cxnSp>
         <p:nvCxnSpPr>
-          <p:cNvPr id="12" name="直线箭头连接符 11">
+          <p:cNvPr id="43" name="直线箭头连接符 11">
             <a:extLst>
               <a:ext uri="{FF2B5EF4-FFF2-40B4-BE49-F238E27FC236}">
-                <a16:creationId xmlns:a16="http://schemas.microsoft.com/office/drawing/2014/main" id="{593A9ADF-F3F6-A6B0-2A39-FCACD8C0EE4F}"/>
+                <a16:creationId xmlns:a16="http://schemas.microsoft.com/office/drawing/2014/main" id="{FBCD134C-2676-2E0F-B6C8-6DF31BF1ED09}"/>
               </a:ext>
             </a:extLst>
           </p:cNvPr>
@@ -53086,7 +53123,7 @@
         </p:nvCxnSpPr>
         <p:spPr>
           <a:xfrm>
-            <a:off x="3589237" y="3007605"/>
+            <a:off x="5765592" y="2907799"/>
             <a:ext cx="2220571" cy="0"/>
           </a:xfrm>
           <a:prstGeom prst="straightConnector1">
@@ -53113,10 +53150,10 @@
       </p:cxnSp>
       <p:sp>
         <p:nvSpPr>
-          <p:cNvPr id="13" name="文本框 12">
+          <p:cNvPr id="44" name="文本框 12">
             <a:extLst>
               <a:ext uri="{FF2B5EF4-FFF2-40B4-BE49-F238E27FC236}">
-                <a16:creationId xmlns:a16="http://schemas.microsoft.com/office/drawing/2014/main" id="{51D08FD7-3658-6864-AF42-EC36C9E585A6}"/>
+                <a16:creationId xmlns:a16="http://schemas.microsoft.com/office/drawing/2014/main" id="{E7A6E56E-E87A-FA53-77F6-9EEE4920F54B}"/>
               </a:ext>
             </a:extLst>
           </p:cNvPr>
@@ -53125,7 +53162,7 @@
         </p:nvSpPr>
         <p:spPr>
           <a:xfrm>
-            <a:off x="4131608" y="2627254"/>
+            <a:off x="6307963" y="2527448"/>
             <a:ext cx="1043876" cy="369332"/>
           </a:xfrm>
           <a:prstGeom prst="rect">
@@ -53149,10 +53186,10 @@
       </p:sp>
       <p:sp>
         <p:nvSpPr>
-          <p:cNvPr id="14" name="右箭头 13">
+          <p:cNvPr id="45" name="右箭头 13">
             <a:extLst>
               <a:ext uri="{FF2B5EF4-FFF2-40B4-BE49-F238E27FC236}">
-                <a16:creationId xmlns:a16="http://schemas.microsoft.com/office/drawing/2014/main" id="{97F9EF0E-7589-454A-35CA-D018B1A968C1}"/>
+                <a16:creationId xmlns:a16="http://schemas.microsoft.com/office/drawing/2014/main" id="{F88CCE7F-8507-EF34-1D2B-049A344480B9}"/>
               </a:ext>
             </a:extLst>
           </p:cNvPr>
@@ -53161,7 +53198,7 @@
         </p:nvSpPr>
         <p:spPr>
           <a:xfrm rot="5400000">
-            <a:off x="2906616" y="3580486"/>
+            <a:off x="5082971" y="3480680"/>
             <a:ext cx="1200839" cy="231354"/>
           </a:xfrm>
           <a:prstGeom prst="rightArrow">
@@ -53201,10 +53238,10 @@
       </p:sp>
       <p:sp>
         <p:nvSpPr>
-          <p:cNvPr id="15" name="文本框 14">
+          <p:cNvPr id="46" name="文本框 14">
             <a:extLst>
               <a:ext uri="{FF2B5EF4-FFF2-40B4-BE49-F238E27FC236}">
-                <a16:creationId xmlns:a16="http://schemas.microsoft.com/office/drawing/2014/main" id="{3BE409C4-B3AC-BA50-5B2B-7032EE727F32}"/>
+                <a16:creationId xmlns:a16="http://schemas.microsoft.com/office/drawing/2014/main" id="{65FD1A87-17D6-0EDD-D96D-8C7BD4750A51}"/>
               </a:ext>
             </a:extLst>
           </p:cNvPr>
@@ -53213,7 +53250,7 @@
         </p:nvSpPr>
         <p:spPr>
           <a:xfrm>
-            <a:off x="2605742" y="3535851"/>
+            <a:off x="4782097" y="3436045"/>
             <a:ext cx="758541" cy="369332"/>
           </a:xfrm>
           <a:prstGeom prst="rect">
@@ -53237,10 +53274,10 @@
       </p:sp>
       <p:sp>
         <p:nvSpPr>
-          <p:cNvPr id="16" name="右箭头 15">
+          <p:cNvPr id="47" name="右箭头 15">
             <a:extLst>
               <a:ext uri="{FF2B5EF4-FFF2-40B4-BE49-F238E27FC236}">
-                <a16:creationId xmlns:a16="http://schemas.microsoft.com/office/drawing/2014/main" id="{CD67F104-F90E-187B-173A-58705290CB9F}"/>
+                <a16:creationId xmlns:a16="http://schemas.microsoft.com/office/drawing/2014/main" id="{522A2AB8-95D1-F83C-035C-87BD7AE30E5B}"/>
               </a:ext>
             </a:extLst>
           </p:cNvPr>
@@ -53249,7 +53286,7 @@
         </p:nvSpPr>
         <p:spPr>
           <a:xfrm rot="5400000">
-            <a:off x="5434069" y="3580487"/>
+            <a:off x="7610424" y="3480681"/>
             <a:ext cx="1200839" cy="231354"/>
           </a:xfrm>
           <a:prstGeom prst="rightArrow">
@@ -53289,10 +53326,10 @@
       </p:sp>
       <p:sp>
         <p:nvSpPr>
-          <p:cNvPr id="17" name="文本框 16">
+          <p:cNvPr id="48" name="文本框 16">
             <a:extLst>
               <a:ext uri="{FF2B5EF4-FFF2-40B4-BE49-F238E27FC236}">
-                <a16:creationId xmlns:a16="http://schemas.microsoft.com/office/drawing/2014/main" id="{23EE9496-E688-A89D-0DB4-7CFB3731BFF1}"/>
+                <a16:creationId xmlns:a16="http://schemas.microsoft.com/office/drawing/2014/main" id="{2B87C91F-19B8-3155-01EF-1D6A9C069DE8}"/>
               </a:ext>
             </a:extLst>
           </p:cNvPr>
@@ -53301,7 +53338,7 @@
         </p:nvSpPr>
         <p:spPr>
           <a:xfrm>
-            <a:off x="4653546" y="3371614"/>
+            <a:off x="6829901" y="3271808"/>
             <a:ext cx="1476506" cy="646331"/>
           </a:xfrm>
           <a:prstGeom prst="rect">
@@ -53333,10 +53370,10 @@
       </p:sp>
       <p:sp>
         <p:nvSpPr>
-          <p:cNvPr id="18" name="右箭头 17">
+          <p:cNvPr id="49" name="右箭头 17">
             <a:extLst>
               <a:ext uri="{FF2B5EF4-FFF2-40B4-BE49-F238E27FC236}">
-                <a16:creationId xmlns:a16="http://schemas.microsoft.com/office/drawing/2014/main" id="{CC96380E-D40C-7578-5302-B5828E7D77AE}"/>
+                <a16:creationId xmlns:a16="http://schemas.microsoft.com/office/drawing/2014/main" id="{B5CE5971-128B-B1BC-6BBE-125FCE307441}"/>
               </a:ext>
             </a:extLst>
           </p:cNvPr>
@@ -53345,7 +53382,7 @@
         </p:nvSpPr>
         <p:spPr>
           <a:xfrm rot="5400000">
-            <a:off x="7843116" y="3885259"/>
+            <a:off x="10019471" y="3785453"/>
             <a:ext cx="1895823" cy="226813"/>
           </a:xfrm>
           <a:prstGeom prst="rightArrow">
@@ -53385,10 +53422,10 @@
       </p:sp>
       <p:cxnSp>
         <p:nvCxnSpPr>
-          <p:cNvPr id="19" name="直线箭头连接符 18">
+          <p:cNvPr id="50" name="直线箭头连接符 18">
             <a:extLst>
               <a:ext uri="{FF2B5EF4-FFF2-40B4-BE49-F238E27FC236}">
-                <a16:creationId xmlns:a16="http://schemas.microsoft.com/office/drawing/2014/main" id="{B7842607-A8A2-B5DD-8650-F543DF435B09}"/>
+                <a16:creationId xmlns:a16="http://schemas.microsoft.com/office/drawing/2014/main" id="{93EE13FC-2EB7-DF75-7B30-6998461AB30C}"/>
               </a:ext>
             </a:extLst>
           </p:cNvPr>
@@ -53397,7 +53434,7 @@
         </p:nvCxnSpPr>
         <p:spPr>
           <a:xfrm>
-            <a:off x="6286533" y="3005769"/>
+            <a:off x="8462888" y="2905963"/>
             <a:ext cx="2220571" cy="0"/>
           </a:xfrm>
           <a:prstGeom prst="straightConnector1">
@@ -53424,10 +53461,10 @@
       </p:cxnSp>
       <p:sp>
         <p:nvSpPr>
-          <p:cNvPr id="20" name="文本框 19">
+          <p:cNvPr id="51" name="文本框 19">
             <a:extLst>
               <a:ext uri="{FF2B5EF4-FFF2-40B4-BE49-F238E27FC236}">
-                <a16:creationId xmlns:a16="http://schemas.microsoft.com/office/drawing/2014/main" id="{89B95C17-1852-0CEC-C523-0EABA3462F2A}"/>
+                <a16:creationId xmlns:a16="http://schemas.microsoft.com/office/drawing/2014/main" id="{77261326-E3B6-8507-3C3B-A1112F83EEDF}"/>
               </a:ext>
             </a:extLst>
           </p:cNvPr>
@@ -53436,7 +53473,7 @@
         </p:nvSpPr>
         <p:spPr>
           <a:xfrm>
-            <a:off x="6756890" y="2569566"/>
+            <a:off x="8933245" y="2469760"/>
             <a:ext cx="1476506" cy="369332"/>
           </a:xfrm>
           <a:prstGeom prst="rect">
@@ -53468,10 +53505,10 @@
       </p:sp>
       <p:sp>
         <p:nvSpPr>
-          <p:cNvPr id="21" name="文本框 20">
+          <p:cNvPr id="52" name="文本框 20">
             <a:extLst>
               <a:ext uri="{FF2B5EF4-FFF2-40B4-BE49-F238E27FC236}">
-                <a16:creationId xmlns:a16="http://schemas.microsoft.com/office/drawing/2014/main" id="{7B358179-437B-CB5F-0670-A853401146CF}"/>
+                <a16:creationId xmlns:a16="http://schemas.microsoft.com/office/drawing/2014/main" id="{D3CBE64B-FC50-A08C-17C8-D35FACC5F049}"/>
               </a:ext>
             </a:extLst>
           </p:cNvPr>
@@ -53480,7 +53517,7 @@
         </p:nvSpPr>
         <p:spPr>
           <a:xfrm>
-            <a:off x="8904433" y="3481064"/>
+            <a:off x="11080788" y="3381258"/>
             <a:ext cx="998991" cy="369332"/>
           </a:xfrm>
           <a:prstGeom prst="rect">
@@ -53504,10 +53541,10 @@
       </p:sp>
       <p:cxnSp>
         <p:nvCxnSpPr>
-          <p:cNvPr id="22" name="直线箭头连接符 21">
+          <p:cNvPr id="53" name="直线箭头连接符 21">
             <a:extLst>
               <a:ext uri="{FF2B5EF4-FFF2-40B4-BE49-F238E27FC236}">
-                <a16:creationId xmlns:a16="http://schemas.microsoft.com/office/drawing/2014/main" id="{940EF37C-1E4D-6A02-595A-B69226205C1E}"/>
+                <a16:creationId xmlns:a16="http://schemas.microsoft.com/office/drawing/2014/main" id="{41A51C9D-AF09-3BF9-5C1A-EEB310ADA442}"/>
               </a:ext>
             </a:extLst>
           </p:cNvPr>
@@ -53518,7 +53555,7 @@
         </p:nvCxnSpPr>
         <p:spPr>
           <a:xfrm flipH="1">
-            <a:off x="3658559" y="4296583"/>
+            <a:off x="5834914" y="4196777"/>
             <a:ext cx="2151248" cy="0"/>
           </a:xfrm>
           <a:prstGeom prst="straightConnector1">
@@ -53545,10 +53582,10 @@
       </p:cxnSp>
       <p:sp>
         <p:nvSpPr>
-          <p:cNvPr id="24" name="文本框 23">
+          <p:cNvPr id="54" name="文本框 23">
             <a:extLst>
               <a:ext uri="{FF2B5EF4-FFF2-40B4-BE49-F238E27FC236}">
-                <a16:creationId xmlns:a16="http://schemas.microsoft.com/office/drawing/2014/main" id="{7815299F-A88F-D4A6-598A-39BAC07103E1}"/>
+                <a16:creationId xmlns:a16="http://schemas.microsoft.com/office/drawing/2014/main" id="{060DF13B-D9B4-EAF1-B33F-704F6B89C286}"/>
               </a:ext>
             </a:extLst>
           </p:cNvPr>
@@ -53557,7 +53594,7 @@
         </p:nvSpPr>
         <p:spPr>
           <a:xfrm>
-            <a:off x="4177583" y="4319906"/>
+            <a:off x="6353938" y="4220100"/>
             <a:ext cx="1252266" cy="369332"/>
           </a:xfrm>
           <a:prstGeom prst="rect">
@@ -53589,10 +53626,10 @@
       </p:sp>
       <p:sp>
         <p:nvSpPr>
-          <p:cNvPr id="25" name="右箭头 24">
+          <p:cNvPr id="55" name="右箭头 24">
             <a:extLst>
               <a:ext uri="{FF2B5EF4-FFF2-40B4-BE49-F238E27FC236}">
-                <a16:creationId xmlns:a16="http://schemas.microsoft.com/office/drawing/2014/main" id="{2C3C64FD-3B2C-70D8-1EBD-8CFDD0073FE7}"/>
+                <a16:creationId xmlns:a16="http://schemas.microsoft.com/office/drawing/2014/main" id="{156CF75A-464A-50C0-7B8E-3610E8CAEA2E}"/>
               </a:ext>
             </a:extLst>
           </p:cNvPr>
@@ -53601,7 +53638,7 @@
         </p:nvSpPr>
         <p:spPr>
           <a:xfrm rot="5400000">
-            <a:off x="3209706" y="4533323"/>
+            <a:off x="5386061" y="4433517"/>
             <a:ext cx="590117" cy="226813"/>
           </a:xfrm>
           <a:prstGeom prst="rightArrow">
@@ -53639,10 +53676,10 @@
       </p:sp>
       <p:sp>
         <p:nvSpPr>
-          <p:cNvPr id="26" name="文本框 25">
+          <p:cNvPr id="56" name="文本框 25">
             <a:extLst>
               <a:ext uri="{FF2B5EF4-FFF2-40B4-BE49-F238E27FC236}">
-                <a16:creationId xmlns:a16="http://schemas.microsoft.com/office/drawing/2014/main" id="{230F9848-C4D3-4FEF-2F72-DEC94A6A30F0}"/>
+                <a16:creationId xmlns:a16="http://schemas.microsoft.com/office/drawing/2014/main" id="{43F204BA-581C-027B-DEE8-3300C79658E2}"/>
               </a:ext>
             </a:extLst>
           </p:cNvPr>
@@ -53651,7 +53688,7 @@
         </p:nvSpPr>
         <p:spPr>
           <a:xfrm>
-            <a:off x="2478326" y="4462062"/>
+            <a:off x="4654681" y="4362256"/>
             <a:ext cx="851515" cy="369332"/>
           </a:xfrm>
           <a:prstGeom prst="rect">
@@ -53675,10 +53712,10 @@
       </p:sp>
       <p:cxnSp>
         <p:nvCxnSpPr>
-          <p:cNvPr id="27" name="直线箭头连接符 26">
+          <p:cNvPr id="57" name="直线箭头连接符 26">
             <a:extLst>
               <a:ext uri="{FF2B5EF4-FFF2-40B4-BE49-F238E27FC236}">
-                <a16:creationId xmlns:a16="http://schemas.microsoft.com/office/drawing/2014/main" id="{3ED0D203-8B41-813A-0894-C2CAD4F04DE9}"/>
+                <a16:creationId xmlns:a16="http://schemas.microsoft.com/office/drawing/2014/main" id="{89DEBFF2-49B0-3946-445D-0FCE19EF2ACA}"/>
               </a:ext>
             </a:extLst>
           </p:cNvPr>
@@ -53689,7 +53726,7 @@
         </p:nvCxnSpPr>
         <p:spPr>
           <a:xfrm flipH="1">
-            <a:off x="3658559" y="4941787"/>
+            <a:off x="5834914" y="4841981"/>
             <a:ext cx="5102056" cy="0"/>
           </a:xfrm>
           <a:prstGeom prst="straightConnector1">
@@ -53716,10 +53753,10 @@
       </p:cxnSp>
       <p:sp>
         <p:nvSpPr>
-          <p:cNvPr id="29" name="文本框 28">
+          <p:cNvPr id="58" name="文本框 28">
             <a:extLst>
               <a:ext uri="{FF2B5EF4-FFF2-40B4-BE49-F238E27FC236}">
-                <a16:creationId xmlns:a16="http://schemas.microsoft.com/office/drawing/2014/main" id="{B3D7B8F6-8675-0D53-19CA-7FC7A377C405}"/>
+                <a16:creationId xmlns:a16="http://schemas.microsoft.com/office/drawing/2014/main" id="{C5CBA33A-A2DD-5BA0-A50B-2545FC9883FA}"/>
               </a:ext>
             </a:extLst>
           </p:cNvPr>
@@ -53728,7 +53765,7 @@
         </p:nvSpPr>
         <p:spPr>
           <a:xfrm>
-            <a:off x="8422977" y="5098697"/>
+            <a:off x="10599332" y="4998891"/>
             <a:ext cx="736099" cy="369332"/>
           </a:xfrm>
           <a:prstGeom prst="rect">
@@ -53752,10 +53789,10 @@
       </p:sp>
       <p:sp>
         <p:nvSpPr>
-          <p:cNvPr id="30" name="右箭头 29">
+          <p:cNvPr id="59" name="右箭头 29">
             <a:extLst>
               <a:ext uri="{FF2B5EF4-FFF2-40B4-BE49-F238E27FC236}">
-                <a16:creationId xmlns:a16="http://schemas.microsoft.com/office/drawing/2014/main" id="{9498CE11-9FE0-457E-180E-A534ADBC314C}"/>
+                <a16:creationId xmlns:a16="http://schemas.microsoft.com/office/drawing/2014/main" id="{38376900-345B-AAB9-78A4-BA2FE6040B5A}"/>
               </a:ext>
             </a:extLst>
           </p:cNvPr>
@@ -53764,7 +53801,7 @@
         </p:nvSpPr>
         <p:spPr>
           <a:xfrm rot="5400000">
-            <a:off x="3267989" y="5113309"/>
+            <a:off x="5444344" y="5013503"/>
             <a:ext cx="473550" cy="235896"/>
           </a:xfrm>
           <a:prstGeom prst="rightArrow">
@@ -53804,10 +53841,10 @@
       </p:sp>
       <p:sp>
         <p:nvSpPr>
-          <p:cNvPr id="31" name="文本框 30">
+          <p:cNvPr id="60" name="文本框 30">
             <a:extLst>
               <a:ext uri="{FF2B5EF4-FFF2-40B4-BE49-F238E27FC236}">
-                <a16:creationId xmlns:a16="http://schemas.microsoft.com/office/drawing/2014/main" id="{39572989-27CC-B1FE-5241-4E139BEFC979}"/>
+                <a16:creationId xmlns:a16="http://schemas.microsoft.com/office/drawing/2014/main" id="{45EC714F-F7D5-2348-09EE-20601D1A4C05}"/>
               </a:ext>
             </a:extLst>
           </p:cNvPr>
@@ -53816,7 +53853,7 @@
         </p:nvSpPr>
         <p:spPr>
           <a:xfrm>
-            <a:off x="2373174" y="4987525"/>
+            <a:off x="4549529" y="4887719"/>
             <a:ext cx="998991" cy="369332"/>
           </a:xfrm>
           <a:prstGeom prst="rect">
@@ -53840,10 +53877,10 @@
       </p:sp>
       <p:sp>
         <p:nvSpPr>
-          <p:cNvPr id="32" name="文本框 31">
+          <p:cNvPr id="61" name="文本框 31">
             <a:extLst>
               <a:ext uri="{FF2B5EF4-FFF2-40B4-BE49-F238E27FC236}">
-                <a16:creationId xmlns:a16="http://schemas.microsoft.com/office/drawing/2014/main" id="{1A5B8FA6-88E9-CDA4-075A-BE743C12B3DE}"/>
+                <a16:creationId xmlns:a16="http://schemas.microsoft.com/office/drawing/2014/main" id="{CD366374-F10D-4C16-FDE1-659EA8BC5C22}"/>
               </a:ext>
             </a:extLst>
           </p:cNvPr>
@@ -53852,7 +53889,7 @@
         </p:nvSpPr>
         <p:spPr>
           <a:xfrm>
-            <a:off x="3136714" y="5515047"/>
+            <a:off x="5313069" y="5415241"/>
             <a:ext cx="736099" cy="369332"/>
           </a:xfrm>
           <a:prstGeom prst="rect">
@@ -53876,41 +53913,87 @@
       </p:sp>
       <p:sp>
         <p:nvSpPr>
-          <p:cNvPr id="11" name="页脚占位符 10">
+          <p:cNvPr id="62" name="TextBox 61">
             <a:extLst>
               <a:ext uri="{FF2B5EF4-FFF2-40B4-BE49-F238E27FC236}">
-                <a16:creationId xmlns:a16="http://schemas.microsoft.com/office/drawing/2014/main" id="{5856B5B7-D0D0-1CF1-7798-26A58CAF7648}"/>
+                <a16:creationId xmlns:a16="http://schemas.microsoft.com/office/drawing/2014/main" id="{65729C14-7EB8-244B-BFB8-141DF34A9510}"/>
               </a:ext>
             </a:extLst>
           </p:cNvPr>
-          <p:cNvSpPr>
-            <a:spLocks noGrp="1"/>
-          </p:cNvSpPr>
-          <p:nvPr>
-            <p:ph type="ftr" sz="quarter" idx="4294967295"/>
-          </p:nvPr>
+          <p:cNvSpPr txBox="1"/>
+          <p:nvPr/>
         </p:nvSpPr>
         <p:spPr>
           <a:xfrm>
-            <a:off x="4038600" y="6356351"/>
-            <a:ext cx="4114800" cy="365125"/>
+            <a:off x="4091388" y="6272728"/>
+            <a:ext cx="3886200" cy="461665"/>
           </a:xfrm>
           <a:prstGeom prst="rect">
             <a:avLst/>
           </a:prstGeom>
         </p:spPr>
+        <p:style>
+          <a:lnRef idx="2">
+            <a:schemeClr val="accent1"/>
+          </a:lnRef>
+          <a:fillRef idx="1">
+            <a:schemeClr val="lt1"/>
+          </a:fillRef>
+          <a:effectRef idx="0">
+            <a:schemeClr val="accent1"/>
+          </a:effectRef>
+          <a:fontRef idx="minor">
+            <a:schemeClr val="dk1"/>
+          </a:fontRef>
+        </p:style>
         <p:txBody>
-          <a:bodyPr/>
+          <a:bodyPr wrap="square">
+            <a:spAutoFit/>
+          </a:bodyPr>
           <a:lstStyle/>
           <a:p>
-            <a:endParaRPr lang="en-US" altLang="zh-CN" dirty="0"/>
+            <a:pPr algn="l"/>
+            <a:r>
+              <a:rPr lang="en-GB" sz="1200" b="0" i="0" dirty="0">
+                <a:solidFill>
+                  <a:srgbClr val="0F0F0F"/>
+                </a:solidFill>
+                <a:effectLst/>
+                <a:latin typeface="Roboto" panose="02000000000000000000" pitchFamily="2" charset="0"/>
+              </a:rPr>
+              <a:t>What is a Process in an Operating System?</a:t>
+            </a:r>
+          </a:p>
+          <a:p>
+            <a:pPr algn="l"/>
+            <a:r>
+              <a:rPr lang="en-GB" sz="1200" b="0" i="0" dirty="0">
+                <a:solidFill>
+                  <a:srgbClr val="0F0F0F"/>
+                </a:solidFill>
+                <a:effectLst/>
+                <a:latin typeface="Roboto" panose="02000000000000000000" pitchFamily="2" charset="0"/>
+                <a:hlinkClick r:id="rId4"/>
+              </a:rPr>
+              <a:t>https://www.youtube.com/watch?v=vLwMl9qK4T8</a:t>
+            </a:r>
+            <a:r>
+              <a:rPr lang="en-GB" sz="1200" b="0" i="0" dirty="0">
+                <a:solidFill>
+                  <a:srgbClr val="0F0F0F"/>
+                </a:solidFill>
+                <a:effectLst/>
+                <a:latin typeface="Roboto" panose="02000000000000000000" pitchFamily="2" charset="0"/>
+              </a:rPr>
+              <a:t> </a:t>
+            </a:r>
           </a:p>
         </p:txBody>
       </p:sp>
     </p:spTree>
     <p:extLst>
       <p:ext uri="{BB962C8B-B14F-4D97-AF65-F5344CB8AC3E}">
-        <p14:creationId xmlns:p14="http://schemas.microsoft.com/office/powerpoint/2010/main" val="3164696619"/>
+        <p14:creationId xmlns:p14="http://schemas.microsoft.com/office/powerpoint/2010/main" val="2416700803"/>
       </p:ext>
     </p:extLst>
   </p:cSld>
@@ -53929,6 +54012,9 @@
                     <p:cTn id="3" fill="hold">
                       <p:stCondLst>
                         <p:cond delay="indefinite"/>
+                        <p:cond evt="onBegin" delay="0">
+                          <p:tn val="2"/>
+                        </p:cond>
                       </p:stCondLst>
                       <p:childTnLst>
                         <p:par>
@@ -53938,15 +54024,10 @@
                             </p:stCondLst>
                             <p:childTnLst>
                               <p:par>
-                                <p:cTn id="5" presetID="1" presetClass="entr" presetSubtype="0" fill="hold" grpId="0" nodeType="clickEffect" nodePh="1">
+                                <p:cTn id="5" presetID="1" presetClass="entr" presetSubtype="0" fill="hold" nodeType="withEffect">
                                   <p:stCondLst>
                                     <p:cond delay="0"/>
                                   </p:stCondLst>
-                                  <p:endCondLst>
-                                    <p:cond evt="begin" delay="0">
-                                      <p:tn val="5"/>
-                                    </p:cond>
-                                  </p:endCondLst>
                                   <p:childTnLst>
                                     <p:set>
                                       <p:cBhvr>
@@ -53956,11 +54037,7 @@
                                           </p:stCondLst>
                                         </p:cTn>
                                         <p:tgtEl>
-                                          <p:spTgt spid="3">
-                                            <p:txEl>
-                                              <p:pRg st="0" end="0"/>
-                                            </p:txEl>
-                                          </p:spTgt>
+                                          <p:spTgt spid="43"/>
                                         </p:tgtEl>
                                         <p:attrNameLst>
                                           <p:attrName>style.visibility</p:attrName>
@@ -53974,7 +54051,7 @@
                                 </p:cTn>
                               </p:par>
                               <p:par>
-                                <p:cTn id="7" presetID="1" presetClass="entr" presetSubtype="0" fill="hold" nodeType="withEffect">
+                                <p:cTn id="7" presetID="1" presetClass="entr" presetSubtype="0" fill="hold" grpId="0" nodeType="withEffect">
                                   <p:stCondLst>
                                     <p:cond delay="0"/>
                                   </p:stCondLst>
@@ -53987,34 +54064,7 @@
                                           </p:stCondLst>
                                         </p:cTn>
                                         <p:tgtEl>
-                                          <p:spTgt spid="12"/>
-                                        </p:tgtEl>
-                                        <p:attrNameLst>
-                                          <p:attrName>style.visibility</p:attrName>
-                                        </p:attrNameLst>
-                                      </p:cBhvr>
-                                      <p:to>
-                                        <p:strVal val="visible"/>
-                                      </p:to>
-                                    </p:set>
-                                  </p:childTnLst>
-                                </p:cTn>
-                              </p:par>
-                              <p:par>
-                                <p:cTn id="9" presetID="1" presetClass="entr" presetSubtype="0" fill="hold" grpId="0" nodeType="withEffect">
-                                  <p:stCondLst>
-                                    <p:cond delay="0"/>
-                                  </p:stCondLst>
-                                  <p:childTnLst>
-                                    <p:set>
-                                      <p:cBhvr>
-                                        <p:cTn id="10" dur="1" fill="hold">
-                                          <p:stCondLst>
-                                            <p:cond delay="0"/>
-                                          </p:stCondLst>
-                                        </p:cTn>
-                                        <p:tgtEl>
-                                          <p:spTgt spid="13"/>
+                                          <p:spTgt spid="44"/>
                                         </p:tgtEl>
                                         <p:attrNameLst>
                                           <p:attrName>style.visibility</p:attrName>
@@ -54034,19 +54084,46 @@
                     </p:cTn>
                   </p:par>
                   <p:par>
-                    <p:cTn id="11" fill="hold">
+                    <p:cTn id="9" fill="hold">
                       <p:stCondLst>
                         <p:cond delay="indefinite"/>
                       </p:stCondLst>
                       <p:childTnLst>
                         <p:par>
-                          <p:cTn id="12" fill="hold">
+                          <p:cTn id="10" fill="hold">
                             <p:stCondLst>
                               <p:cond delay="0"/>
                             </p:stCondLst>
                             <p:childTnLst>
                               <p:par>
-                                <p:cTn id="13" presetID="1" presetClass="entr" presetSubtype="0" fill="hold" grpId="0" nodeType="clickEffect">
+                                <p:cTn id="11" presetID="1" presetClass="entr" presetSubtype="0" fill="hold" grpId="0" nodeType="clickEffect">
+                                  <p:stCondLst>
+                                    <p:cond delay="0"/>
+                                  </p:stCondLst>
+                                  <p:childTnLst>
+                                    <p:set>
+                                      <p:cBhvr>
+                                        <p:cTn id="12" dur="1" fill="hold">
+                                          <p:stCondLst>
+                                            <p:cond delay="0"/>
+                                          </p:stCondLst>
+                                        </p:cTn>
+                                        <p:tgtEl>
+                                          <p:spTgt spid="45"/>
+                                        </p:tgtEl>
+                                        <p:attrNameLst>
+                                          <p:attrName>style.visibility</p:attrName>
+                                        </p:attrNameLst>
+                                      </p:cBhvr>
+                                      <p:to>
+                                        <p:strVal val="visible"/>
+                                      </p:to>
+                                    </p:set>
+                                  </p:childTnLst>
+                                </p:cTn>
+                              </p:par>
+                              <p:par>
+                                <p:cTn id="13" presetID="1" presetClass="entr" presetSubtype="0" fill="hold" grpId="0" nodeType="withEffect">
                                   <p:stCondLst>
                                     <p:cond delay="0"/>
                                   </p:stCondLst>
@@ -54059,7 +54136,7 @@
                                           </p:stCondLst>
                                         </p:cTn>
                                         <p:tgtEl>
-                                          <p:spTgt spid="14"/>
+                                          <p:spTgt spid="46"/>
                                         </p:tgtEl>
                                         <p:attrNameLst>
                                           <p:attrName>style.visibility</p:attrName>
@@ -54086,7 +54163,7 @@
                                           </p:stCondLst>
                                         </p:cTn>
                                         <p:tgtEl>
-                                          <p:spTgt spid="15"/>
+                                          <p:spTgt spid="48"/>
                                         </p:tgtEl>
                                         <p:attrNameLst>
                                           <p:attrName>style.visibility</p:attrName>
@@ -54113,7 +54190,7 @@
                                           </p:stCondLst>
                                         </p:cTn>
                                         <p:tgtEl>
-                                          <p:spTgt spid="17"/>
+                                          <p:spTgt spid="47"/>
                                         </p:tgtEl>
                                         <p:attrNameLst>
                                           <p:attrName>style.visibility</p:attrName>
@@ -54127,7 +54204,7 @@
                                 </p:cTn>
                               </p:par>
                               <p:par>
-                                <p:cTn id="19" presetID="1" presetClass="entr" presetSubtype="0" fill="hold" grpId="0" nodeType="withEffect">
+                                <p:cTn id="19" presetID="1" presetClass="entr" presetSubtype="0" fill="hold" nodeType="withEffect">
                                   <p:stCondLst>
                                     <p:cond delay="0"/>
                                   </p:stCondLst>
@@ -54140,7 +54217,7 @@
                                           </p:stCondLst>
                                         </p:cTn>
                                         <p:tgtEl>
-                                          <p:spTgt spid="16"/>
+                                          <p:spTgt spid="50"/>
                                         </p:tgtEl>
                                         <p:attrNameLst>
                                           <p:attrName>style.visibility</p:attrName>
@@ -54154,7 +54231,7 @@
                                 </p:cTn>
                               </p:par>
                               <p:par>
-                                <p:cTn id="21" presetID="1" presetClass="entr" presetSubtype="0" fill="hold" nodeType="withEffect">
+                                <p:cTn id="21" presetID="1" presetClass="entr" presetSubtype="0" fill="hold" grpId="0" nodeType="withEffect">
                                   <p:stCondLst>
                                     <p:cond delay="0"/>
                                   </p:stCondLst>
@@ -54167,34 +54244,7 @@
                                           </p:stCondLst>
                                         </p:cTn>
                                         <p:tgtEl>
-                                          <p:spTgt spid="19"/>
-                                        </p:tgtEl>
-                                        <p:attrNameLst>
-                                          <p:attrName>style.visibility</p:attrName>
-                                        </p:attrNameLst>
-                                      </p:cBhvr>
-                                      <p:to>
-                                        <p:strVal val="visible"/>
-                                      </p:to>
-                                    </p:set>
-                                  </p:childTnLst>
-                                </p:cTn>
-                              </p:par>
-                              <p:par>
-                                <p:cTn id="23" presetID="1" presetClass="entr" presetSubtype="0" fill="hold" grpId="0" nodeType="withEffect">
-                                  <p:stCondLst>
-                                    <p:cond delay="0"/>
-                                  </p:stCondLst>
-                                  <p:childTnLst>
-                                    <p:set>
-                                      <p:cBhvr>
-                                        <p:cTn id="24" dur="1" fill="hold">
-                                          <p:stCondLst>
-                                            <p:cond delay="0"/>
-                                          </p:stCondLst>
-                                        </p:cTn>
-                                        <p:tgtEl>
-                                          <p:spTgt spid="20"/>
+                                          <p:spTgt spid="51"/>
                                         </p:tgtEl>
                                         <p:attrNameLst>
                                           <p:attrName>style.visibility</p:attrName>
@@ -54214,19 +54264,46 @@
                     </p:cTn>
                   </p:par>
                   <p:par>
-                    <p:cTn id="25" fill="hold">
+                    <p:cTn id="23" fill="hold">
                       <p:stCondLst>
                         <p:cond delay="indefinite"/>
                       </p:stCondLst>
                       <p:childTnLst>
                         <p:par>
-                          <p:cTn id="26" fill="hold">
+                          <p:cTn id="24" fill="hold">
                             <p:stCondLst>
                               <p:cond delay="0"/>
                             </p:stCondLst>
                             <p:childTnLst>
                               <p:par>
-                                <p:cTn id="27" presetID="1" presetClass="entr" presetSubtype="0" fill="hold" grpId="0" nodeType="clickEffect">
+                                <p:cTn id="25" presetID="1" presetClass="entr" presetSubtype="0" fill="hold" grpId="0" nodeType="clickEffect">
+                                  <p:stCondLst>
+                                    <p:cond delay="0"/>
+                                  </p:stCondLst>
+                                  <p:childTnLst>
+                                    <p:set>
+                                      <p:cBhvr>
+                                        <p:cTn id="26" dur="1" fill="hold">
+                                          <p:stCondLst>
+                                            <p:cond delay="0"/>
+                                          </p:stCondLst>
+                                        </p:cTn>
+                                        <p:tgtEl>
+                                          <p:spTgt spid="49"/>
+                                        </p:tgtEl>
+                                        <p:attrNameLst>
+                                          <p:attrName>style.visibility</p:attrName>
+                                        </p:attrNameLst>
+                                      </p:cBhvr>
+                                      <p:to>
+                                        <p:strVal val="visible"/>
+                                      </p:to>
+                                    </p:set>
+                                  </p:childTnLst>
+                                </p:cTn>
+                              </p:par>
+                              <p:par>
+                                <p:cTn id="27" presetID="1" presetClass="entr" presetSubtype="0" fill="hold" grpId="0" nodeType="withEffect">
                                   <p:stCondLst>
                                     <p:cond delay="0"/>
                                   </p:stCondLst>
@@ -54239,7 +54316,7 @@
                                           </p:stCondLst>
                                         </p:cTn>
                                         <p:tgtEl>
-                                          <p:spTgt spid="18"/>
+                                          <p:spTgt spid="52"/>
                                         </p:tgtEl>
                                         <p:attrNameLst>
                                           <p:attrName>style.visibility</p:attrName>
@@ -54266,7 +54343,7 @@
                                           </p:stCondLst>
                                         </p:cTn>
                                         <p:tgtEl>
-                                          <p:spTgt spid="21"/>
+                                          <p:spTgt spid="54"/>
                                         </p:tgtEl>
                                         <p:attrNameLst>
                                           <p:attrName>style.visibility</p:attrName>
@@ -54280,7 +54357,7 @@
                                 </p:cTn>
                               </p:par>
                               <p:par>
-                                <p:cTn id="31" presetID="1" presetClass="entr" presetSubtype="0" fill="hold" grpId="0" nodeType="withEffect">
+                                <p:cTn id="31" presetID="1" presetClass="entr" presetSubtype="0" fill="hold" nodeType="withEffect">
                                   <p:stCondLst>
                                     <p:cond delay="0"/>
                                   </p:stCondLst>
@@ -54293,7 +54370,7 @@
                                           </p:stCondLst>
                                         </p:cTn>
                                         <p:tgtEl>
-                                          <p:spTgt spid="24"/>
+                                          <p:spTgt spid="53"/>
                                         </p:tgtEl>
                                         <p:attrNameLst>
                                           <p:attrName>style.visibility</p:attrName>
@@ -54307,7 +54384,7 @@
                                 </p:cTn>
                               </p:par>
                               <p:par>
-                                <p:cTn id="33" presetID="1" presetClass="entr" presetSubtype="0" fill="hold" nodeType="withEffect">
+                                <p:cTn id="33" presetID="1" presetClass="entr" presetSubtype="0" fill="hold" grpId="0" nodeType="withEffect">
                                   <p:stCondLst>
                                     <p:cond delay="0"/>
                                   </p:stCondLst>
@@ -54320,7 +54397,7 @@
                                           </p:stCondLst>
                                         </p:cTn>
                                         <p:tgtEl>
-                                          <p:spTgt spid="22"/>
+                                          <p:spTgt spid="55"/>
                                         </p:tgtEl>
                                         <p:attrNameLst>
                                           <p:attrName>style.visibility</p:attrName>
@@ -54347,7 +54424,7 @@
                                           </p:stCondLst>
                                         </p:cTn>
                                         <p:tgtEl>
-                                          <p:spTgt spid="25"/>
+                                          <p:spTgt spid="56"/>
                                         </p:tgtEl>
                                         <p:attrNameLst>
                                           <p:attrName>style.visibility</p:attrName>
@@ -54361,7 +54438,7 @@
                                 </p:cTn>
                               </p:par>
                               <p:par>
-                                <p:cTn id="37" presetID="1" presetClass="entr" presetSubtype="0" fill="hold" grpId="0" nodeType="withEffect">
+                                <p:cTn id="37" presetID="1" presetClass="entr" presetSubtype="0" fill="hold" nodeType="withEffect">
                                   <p:stCondLst>
                                     <p:cond delay="0"/>
                                   </p:stCondLst>
@@ -54374,7 +54451,7 @@
                                           </p:stCondLst>
                                         </p:cTn>
                                         <p:tgtEl>
-                                          <p:spTgt spid="26"/>
+                                          <p:spTgt spid="57"/>
                                         </p:tgtEl>
                                         <p:attrNameLst>
                                           <p:attrName>style.visibility</p:attrName>
@@ -54388,7 +54465,7 @@
                                 </p:cTn>
                               </p:par>
                               <p:par>
-                                <p:cTn id="39" presetID="1" presetClass="entr" presetSubtype="0" fill="hold" nodeType="withEffect">
+                                <p:cTn id="39" presetID="1" presetClass="entr" presetSubtype="0" fill="hold" grpId="0" nodeType="withEffect">
                                   <p:stCondLst>
                                     <p:cond delay="0"/>
                                   </p:stCondLst>
@@ -54401,7 +54478,7 @@
                                           </p:stCondLst>
                                         </p:cTn>
                                         <p:tgtEl>
-                                          <p:spTgt spid="27"/>
+                                          <p:spTgt spid="58"/>
                                         </p:tgtEl>
                                         <p:attrNameLst>
                                           <p:attrName>style.visibility</p:attrName>
@@ -54428,7 +54505,7 @@
                                           </p:stCondLst>
                                         </p:cTn>
                                         <p:tgtEl>
-                                          <p:spTgt spid="29"/>
+                                          <p:spTgt spid="60"/>
                                         </p:tgtEl>
                                         <p:attrNameLst>
                                           <p:attrName>style.visibility</p:attrName>
@@ -54455,7 +54532,7 @@
                                           </p:stCondLst>
                                         </p:cTn>
                                         <p:tgtEl>
-                                          <p:spTgt spid="31"/>
+                                          <p:spTgt spid="61"/>
                                         </p:tgtEl>
                                         <p:attrNameLst>
                                           <p:attrName>style.visibility</p:attrName>
@@ -54482,34 +54559,7 @@
                                           </p:stCondLst>
                                         </p:cTn>
                                         <p:tgtEl>
-                                          <p:spTgt spid="32"/>
-                                        </p:tgtEl>
-                                        <p:attrNameLst>
-                                          <p:attrName>style.visibility</p:attrName>
-                                        </p:attrNameLst>
-                                      </p:cBhvr>
-                                      <p:to>
-                                        <p:strVal val="visible"/>
-                                      </p:to>
-                                    </p:set>
-                                  </p:childTnLst>
-                                </p:cTn>
-                              </p:par>
-                              <p:par>
-                                <p:cTn id="47" presetID="1" presetClass="entr" presetSubtype="0" fill="hold" grpId="0" nodeType="withEffect">
-                                  <p:stCondLst>
-                                    <p:cond delay="0"/>
-                                  </p:stCondLst>
-                                  <p:childTnLst>
-                                    <p:set>
-                                      <p:cBhvr>
-                                        <p:cTn id="48" dur="1" fill="hold">
-                                          <p:stCondLst>
-                                            <p:cond delay="0"/>
-                                          </p:stCondLst>
-                                        </p:cTn>
-                                        <p:tgtEl>
-                                          <p:spTgt spid="30"/>
+                                          <p:spTgt spid="59"/>
                                         </p:tgtEl>
                                         <p:attrNameLst>
                                           <p:attrName>style.visibility</p:attrName>
@@ -54550,24 +54600,504 @@
       </p:par>
     </p:tnLst>
     <p:bldLst>
-      <p:bldP spid="3" grpId="0" build="p"/>
-      <p:bldP spid="13" grpId="0"/>
-      <p:bldP spid="14" grpId="0" animBg="1"/>
-      <p:bldP spid="15" grpId="0"/>
-      <p:bldP spid="16" grpId="0" animBg="1"/>
-      <p:bldP spid="17" grpId="0"/>
-      <p:bldP spid="18" grpId="0" animBg="1"/>
-      <p:bldP spid="20" grpId="0"/>
-      <p:bldP spid="21" grpId="0"/>
-      <p:bldP spid="24" grpId="0"/>
-      <p:bldP spid="25" grpId="0" animBg="1"/>
-      <p:bldP spid="26" grpId="0"/>
-      <p:bldP spid="29" grpId="0"/>
-      <p:bldP spid="30" grpId="0" animBg="1"/>
-      <p:bldP spid="31" grpId="0"/>
-      <p:bldP spid="32" grpId="0"/>
+      <p:bldP spid="44" grpId="0"/>
+      <p:bldP spid="45" grpId="0" animBg="1"/>
+      <p:bldP spid="46" grpId="0"/>
+      <p:bldP spid="47" grpId="0" animBg="1"/>
+      <p:bldP spid="48" grpId="0"/>
+      <p:bldP spid="49" grpId="0" animBg="1"/>
+      <p:bldP spid="51" grpId="0"/>
+      <p:bldP spid="52" grpId="0"/>
+      <p:bldP spid="54" grpId="0"/>
+      <p:bldP spid="55" grpId="0" animBg="1"/>
+      <p:bldP spid="56" grpId="0"/>
+      <p:bldP spid="58" grpId="0"/>
+      <p:bldP spid="59" grpId="0" animBg="1"/>
+      <p:bldP spid="60" grpId="0"/>
+      <p:bldP spid="61" grpId="0"/>
     </p:bldLst>
   </p:timing>
+</p:sld>
+</file>
+
+<file path=ppt/slides/slide8.xml><?xml version="1.0" encoding="utf-8"?>
+<p:sld xmlns:a="http://schemas.openxmlformats.org/drawingml/2006/main" xmlns:r="http://schemas.openxmlformats.org/officeDocument/2006/relationships" xmlns:p="http://schemas.openxmlformats.org/presentationml/2006/main">
+  <p:cSld>
+    <p:spTree>
+      <p:nvGrpSpPr>
+        <p:cNvPr id="1" name=""/>
+        <p:cNvGrpSpPr/>
+        <p:nvPr/>
+      </p:nvGrpSpPr>
+      <p:grpSpPr>
+        <a:xfrm>
+          <a:off x="0" y="0"/>
+          <a:ext cx="0" cy="0"/>
+          <a:chOff x="0" y="0"/>
+          <a:chExt cx="0" cy="0"/>
+        </a:xfrm>
+      </p:grpSpPr>
+      <p:sp>
+        <p:nvSpPr>
+          <p:cNvPr id="2" name="Tittel 1">
+            <a:extLst>
+              <a:ext uri="{FF2B5EF4-FFF2-40B4-BE49-F238E27FC236}">
+                <a16:creationId xmlns:a16="http://schemas.microsoft.com/office/drawing/2014/main" id="{444E9320-82CB-6B47-9656-1B5499518015}"/>
+              </a:ext>
+            </a:extLst>
+          </p:cNvPr>
+          <p:cNvSpPr>
+            <a:spLocks noGrp="1"/>
+          </p:cNvSpPr>
+          <p:nvPr>
+            <p:ph type="title"/>
+          </p:nvPr>
+        </p:nvSpPr>
+        <p:spPr/>
+        <p:txBody>
+          <a:bodyPr/>
+          <a:lstStyle/>
+          <a:p>
+            <a:r>
+              <a:rPr lang="en-US" altLang="zh-CN" dirty="0"/>
+              <a:t>Process</a:t>
+            </a:r>
+            <a:r>
+              <a:rPr lang="zh-CN" altLang="en-US" dirty="0"/>
+              <a:t> </a:t>
+            </a:r>
+            <a:r>
+              <a:rPr lang="en-US" altLang="zh-CN" dirty="0"/>
+              <a:t>API</a:t>
+            </a:r>
+            <a:endParaRPr lang="nb-NO" dirty="0"/>
+          </a:p>
+        </p:txBody>
+      </p:sp>
+      <p:sp>
+        <p:nvSpPr>
+          <p:cNvPr id="3" name="Plassholder for innhold 2">
+            <a:extLst>
+              <a:ext uri="{FF2B5EF4-FFF2-40B4-BE49-F238E27FC236}">
+                <a16:creationId xmlns:a16="http://schemas.microsoft.com/office/drawing/2014/main" id="{FC7524D1-ADBD-8C45-9DC3-F343D7DEE3B6}"/>
+              </a:ext>
+            </a:extLst>
+          </p:cNvPr>
+          <p:cNvSpPr>
+            <a:spLocks noGrp="1"/>
+          </p:cNvSpPr>
+          <p:nvPr>
+            <p:ph idx="1"/>
+          </p:nvPr>
+        </p:nvSpPr>
+        <p:spPr/>
+        <p:txBody>
+          <a:bodyPr/>
+          <a:lstStyle/>
+          <a:p>
+            <a:r>
+              <a:rPr lang="en-US" altLang="zh-CN" dirty="0"/>
+              <a:t>Process</a:t>
+            </a:r>
+            <a:r>
+              <a:rPr lang="zh-CN" altLang="en-US" dirty="0"/>
+              <a:t> </a:t>
+            </a:r>
+            <a:r>
+              <a:rPr lang="en-US" altLang="zh-CN" dirty="0"/>
+              <a:t>API</a:t>
+            </a:r>
+            <a:r>
+              <a:rPr lang="zh-CN" altLang="en-US" dirty="0"/>
+              <a:t> </a:t>
+            </a:r>
+            <a:r>
+              <a:rPr lang="en-US" altLang="zh-CN" dirty="0"/>
+              <a:t>to</a:t>
+            </a:r>
+            <a:r>
+              <a:rPr lang="zh-CN" altLang="en-US" dirty="0"/>
+              <a:t> </a:t>
+            </a:r>
+            <a:r>
+              <a:rPr lang="en-US" altLang="zh-CN" dirty="0"/>
+              <a:t>manipulate</a:t>
+            </a:r>
+            <a:r>
+              <a:rPr lang="zh-CN" altLang="en-US" dirty="0"/>
+              <a:t> </a:t>
+            </a:r>
+            <a:r>
+              <a:rPr lang="en-US" altLang="zh-CN" dirty="0"/>
+              <a:t>processes</a:t>
+            </a:r>
+          </a:p>
+          <a:p>
+            <a:pPr lvl="1"/>
+            <a:r>
+              <a:rPr lang="en-US" altLang="zh-CN" b="1" dirty="0">
+                <a:solidFill>
+                  <a:srgbClr val="0070C0"/>
+                </a:solidFill>
+              </a:rPr>
+              <a:t>CREATE</a:t>
+            </a:r>
+          </a:p>
+          <a:p>
+            <a:pPr lvl="2"/>
+            <a:r>
+              <a:rPr lang="en-US" altLang="zh-CN" dirty="0"/>
+              <a:t>Create</a:t>
+            </a:r>
+            <a:r>
+              <a:rPr lang="zh-CN" altLang="en-US" dirty="0"/>
+              <a:t> </a:t>
+            </a:r>
+            <a:r>
+              <a:rPr lang="en-US" altLang="zh-CN" dirty="0"/>
+              <a:t>a</a:t>
+            </a:r>
+            <a:r>
+              <a:rPr lang="zh-CN" altLang="en-US" dirty="0"/>
+              <a:t> </a:t>
+            </a:r>
+            <a:r>
+              <a:rPr lang="en-US" altLang="zh-CN" dirty="0"/>
+              <a:t>new</a:t>
+            </a:r>
+            <a:r>
+              <a:rPr lang="zh-CN" altLang="en-US" dirty="0"/>
+              <a:t> </a:t>
+            </a:r>
+            <a:r>
+              <a:rPr lang="en-US" altLang="zh-CN" dirty="0"/>
+              <a:t>process,</a:t>
+            </a:r>
+            <a:r>
+              <a:rPr lang="zh-CN" altLang="en-US" dirty="0"/>
+              <a:t> </a:t>
+            </a:r>
+            <a:r>
+              <a:rPr lang="en-US" altLang="zh-CN" dirty="0"/>
+              <a:t>e.g.,</a:t>
+            </a:r>
+            <a:r>
+              <a:rPr lang="zh-CN" altLang="en-US" dirty="0"/>
+              <a:t> </a:t>
+            </a:r>
+            <a:r>
+              <a:rPr lang="en-US" altLang="zh-CN" dirty="0"/>
+              <a:t>double</a:t>
+            </a:r>
+            <a:r>
+              <a:rPr lang="zh-CN" altLang="en-US" dirty="0"/>
+              <a:t> </a:t>
+            </a:r>
+            <a:r>
+              <a:rPr lang="en-US" altLang="zh-CN" dirty="0"/>
+              <a:t>click,</a:t>
+            </a:r>
+            <a:r>
+              <a:rPr lang="zh-CN" altLang="en-US" dirty="0"/>
+              <a:t> </a:t>
+            </a:r>
+            <a:r>
+              <a:rPr lang="en-US" altLang="zh-CN" dirty="0"/>
+              <a:t>a</a:t>
+            </a:r>
+            <a:r>
+              <a:rPr lang="zh-CN" altLang="en-US" dirty="0"/>
+              <a:t> </a:t>
+            </a:r>
+            <a:r>
+              <a:rPr lang="en-US" altLang="zh-CN" dirty="0"/>
+              <a:t>command</a:t>
+            </a:r>
+            <a:r>
+              <a:rPr lang="zh-CN" altLang="en-US" dirty="0"/>
+              <a:t> </a:t>
+            </a:r>
+            <a:r>
+              <a:rPr lang="en-US" altLang="zh-CN" dirty="0"/>
+              <a:t>in</a:t>
+            </a:r>
+            <a:r>
+              <a:rPr lang="zh-CN" altLang="en-US" dirty="0"/>
+              <a:t> </a:t>
+            </a:r>
+            <a:r>
+              <a:rPr lang="en-US" altLang="zh-CN" dirty="0"/>
+              <a:t>terminal</a:t>
+            </a:r>
+          </a:p>
+          <a:p>
+            <a:pPr lvl="1"/>
+            <a:r>
+              <a:rPr lang="en-US" altLang="zh-CN" b="1" dirty="0">
+                <a:solidFill>
+                  <a:srgbClr val="0070C0"/>
+                </a:solidFill>
+              </a:rPr>
+              <a:t>WAIT</a:t>
+            </a:r>
+          </a:p>
+          <a:p>
+            <a:pPr lvl="2"/>
+            <a:r>
+              <a:rPr lang="en-US" altLang="zh-CN" dirty="0"/>
+              <a:t>Wait</a:t>
+            </a:r>
+            <a:r>
+              <a:rPr lang="zh-CN" altLang="en-US" dirty="0"/>
+              <a:t> </a:t>
+            </a:r>
+            <a:r>
+              <a:rPr lang="en-US" altLang="zh-CN" dirty="0"/>
+              <a:t>for</a:t>
+            </a:r>
+            <a:r>
+              <a:rPr lang="zh-CN" altLang="en-US" dirty="0"/>
+              <a:t> </a:t>
+            </a:r>
+            <a:r>
+              <a:rPr lang="en-US" altLang="zh-CN" dirty="0"/>
+              <a:t>a</a:t>
+            </a:r>
+            <a:r>
+              <a:rPr lang="zh-CN" altLang="en-US" dirty="0"/>
+              <a:t> </a:t>
+            </a:r>
+            <a:r>
+              <a:rPr lang="en-US" altLang="zh-CN" dirty="0"/>
+              <a:t>process</a:t>
+            </a:r>
+            <a:r>
+              <a:rPr lang="zh-CN" altLang="en-US" dirty="0"/>
+              <a:t> </a:t>
+            </a:r>
+            <a:r>
+              <a:rPr lang="en-US" altLang="zh-CN" dirty="0"/>
+              <a:t>to</a:t>
+            </a:r>
+            <a:r>
+              <a:rPr lang="zh-CN" altLang="en-US" dirty="0"/>
+              <a:t> </a:t>
+            </a:r>
+            <a:r>
+              <a:rPr lang="en-US" altLang="zh-CN" dirty="0"/>
+              <a:t>stop</a:t>
+            </a:r>
+          </a:p>
+          <a:p>
+            <a:pPr lvl="2"/>
+            <a:r>
+              <a:rPr lang="en-US" altLang="zh-CN" dirty="0"/>
+              <a:t>Like</a:t>
+            </a:r>
+            <a:r>
+              <a:rPr lang="zh-CN" altLang="en-US" dirty="0"/>
+              <a:t> </a:t>
+            </a:r>
+            <a:r>
+              <a:rPr lang="en-US" altLang="zh-CN" dirty="0"/>
+              <a:t>I/O</a:t>
+            </a:r>
+            <a:r>
+              <a:rPr lang="zh-CN" altLang="en-US" dirty="0"/>
+              <a:t> </a:t>
+            </a:r>
+            <a:r>
+              <a:rPr lang="en-US" altLang="zh-CN" dirty="0"/>
+              <a:t>request</a:t>
+            </a:r>
+          </a:p>
+          <a:p>
+            <a:pPr lvl="1"/>
+            <a:r>
+              <a:rPr lang="en-US" altLang="zh-CN" b="1" dirty="0">
+                <a:solidFill>
+                  <a:srgbClr val="0070C0"/>
+                </a:solidFill>
+              </a:rPr>
+              <a:t>DESTROY</a:t>
+            </a:r>
+          </a:p>
+          <a:p>
+            <a:pPr lvl="2"/>
+            <a:r>
+              <a:rPr lang="en-US" altLang="zh-CN" dirty="0"/>
+              <a:t>Kill</a:t>
+            </a:r>
+            <a:r>
+              <a:rPr lang="zh-CN" altLang="en-US" dirty="0"/>
+              <a:t> </a:t>
+            </a:r>
+            <a:r>
+              <a:rPr lang="en-US" altLang="zh-CN" dirty="0"/>
+              <a:t>the</a:t>
+            </a:r>
+            <a:r>
+              <a:rPr lang="zh-CN" altLang="en-US" dirty="0"/>
+              <a:t> </a:t>
+            </a:r>
+            <a:r>
+              <a:rPr lang="en-US" altLang="zh-CN" dirty="0"/>
+              <a:t>processes</a:t>
+            </a:r>
+          </a:p>
+          <a:p>
+            <a:pPr lvl="1"/>
+            <a:r>
+              <a:rPr lang="en-US" altLang="zh-CN" b="1" dirty="0">
+                <a:solidFill>
+                  <a:srgbClr val="0070C0"/>
+                </a:solidFill>
+              </a:rPr>
+              <a:t>STATUS</a:t>
+            </a:r>
+          </a:p>
+          <a:p>
+            <a:pPr lvl="2"/>
+            <a:r>
+              <a:rPr lang="en-US" altLang="zh-CN" dirty="0"/>
+              <a:t>Obtain</a:t>
+            </a:r>
+            <a:r>
+              <a:rPr lang="zh-CN" altLang="en-US" dirty="0"/>
+              <a:t> </a:t>
+            </a:r>
+            <a:r>
+              <a:rPr lang="en-US" altLang="zh-CN" dirty="0"/>
+              <a:t>the</a:t>
+            </a:r>
+            <a:r>
+              <a:rPr lang="zh-CN" altLang="en-US" dirty="0"/>
+              <a:t> </a:t>
+            </a:r>
+            <a:r>
+              <a:rPr lang="en-US" altLang="zh-CN" dirty="0"/>
+              <a:t>information</a:t>
+            </a:r>
+            <a:r>
+              <a:rPr lang="zh-CN" altLang="en-US" dirty="0"/>
+              <a:t> </a:t>
+            </a:r>
+            <a:r>
+              <a:rPr lang="en-US" altLang="zh-CN" dirty="0"/>
+              <a:t>of</a:t>
+            </a:r>
+            <a:r>
+              <a:rPr lang="zh-CN" altLang="en-US" dirty="0"/>
+              <a:t> </a:t>
+            </a:r>
+            <a:r>
+              <a:rPr lang="en-US" altLang="zh-CN" dirty="0"/>
+              <a:t>a</a:t>
+            </a:r>
+            <a:r>
+              <a:rPr lang="zh-CN" altLang="en-US" dirty="0"/>
+              <a:t> </a:t>
+            </a:r>
+            <a:r>
+              <a:rPr lang="en-US" altLang="zh-CN" dirty="0"/>
+              <a:t>process</a:t>
+            </a:r>
+          </a:p>
+          <a:p>
+            <a:pPr lvl="1"/>
+            <a:r>
+              <a:rPr lang="en-US" altLang="zh-CN" b="1" dirty="0">
+                <a:solidFill>
+                  <a:srgbClr val="0070C0"/>
+                </a:solidFill>
+              </a:rPr>
+              <a:t>OTHERS</a:t>
+            </a:r>
+          </a:p>
+          <a:p>
+            <a:pPr lvl="2"/>
+            <a:r>
+              <a:rPr lang="en-US" altLang="zh-CN" dirty="0"/>
+              <a:t>Suspend</a:t>
+            </a:r>
+            <a:r>
+              <a:rPr lang="zh-CN" altLang="en-US" dirty="0"/>
+              <a:t> </a:t>
+            </a:r>
+            <a:r>
+              <a:rPr lang="en-US" altLang="zh-CN" dirty="0"/>
+              <a:t>or</a:t>
+            </a:r>
+            <a:r>
+              <a:rPr lang="zh-CN" altLang="en-US" dirty="0"/>
+              <a:t> </a:t>
+            </a:r>
+            <a:r>
+              <a:rPr lang="en-US" altLang="zh-CN" dirty="0"/>
+              <a:t>resume</a:t>
+            </a:r>
+            <a:r>
+              <a:rPr lang="zh-CN" altLang="en-US" dirty="0"/>
+              <a:t> </a:t>
+            </a:r>
+            <a:r>
+              <a:rPr lang="en-US" altLang="zh-CN" dirty="0"/>
+              <a:t>a</a:t>
+            </a:r>
+            <a:r>
+              <a:rPr lang="zh-CN" altLang="en-US" dirty="0"/>
+              <a:t> </a:t>
+            </a:r>
+            <a:r>
+              <a:rPr lang="en-US" altLang="zh-CN" dirty="0"/>
+              <a:t>process</a:t>
+            </a:r>
+          </a:p>
+        </p:txBody>
+      </p:sp>
+      <p:sp>
+        <p:nvSpPr>
+          <p:cNvPr id="4" name="页脚占位符 3">
+            <a:extLst>
+              <a:ext uri="{FF2B5EF4-FFF2-40B4-BE49-F238E27FC236}">
+                <a16:creationId xmlns:a16="http://schemas.microsoft.com/office/drawing/2014/main" id="{6701F35C-325E-C0BB-1DC0-F9C992C0031E}"/>
+              </a:ext>
+            </a:extLst>
+          </p:cNvPr>
+          <p:cNvSpPr>
+            <a:spLocks noGrp="1"/>
+          </p:cNvSpPr>
+          <p:nvPr>
+            <p:ph type="ftr" sz="quarter" idx="4294967295"/>
+          </p:nvPr>
+        </p:nvSpPr>
+        <p:spPr>
+          <a:xfrm>
+            <a:off x="4038600" y="6356351"/>
+            <a:ext cx="4114800" cy="365125"/>
+          </a:xfrm>
+          <a:prstGeom prst="rect">
+            <a:avLst/>
+          </a:prstGeom>
+        </p:spPr>
+        <p:txBody>
+          <a:bodyPr/>
+          <a:lstStyle/>
+          <a:p>
+            <a:endParaRPr lang="en-US" altLang="zh-CN" dirty="0"/>
+          </a:p>
+        </p:txBody>
+      </p:sp>
+    </p:spTree>
+    <p:extLst>
+      <p:ext uri="{BB962C8B-B14F-4D97-AF65-F5344CB8AC3E}">
+        <p14:creationId xmlns:p14="http://schemas.microsoft.com/office/powerpoint/2010/main" val="2522470081"/>
+      </p:ext>
+    </p:extLst>
+  </p:cSld>
+  <p:clrMapOvr>
+    <a:masterClrMapping/>
+  </p:clrMapOvr>
 </p:sld>
 </file>
 
@@ -54619,7 +55149,7 @@
             </a:r>
             <a:r>
               <a:rPr lang="en-US" altLang="zh-CN" dirty="0"/>
-              <a:t>API</a:t>
+              <a:t>Creation</a:t>
             </a:r>
             <a:endParaRPr lang="nb-NO" dirty="0"/>
           </a:p>
@@ -54648,6 +55178,131 @@
           <a:p>
             <a:r>
               <a:rPr lang="en-US" altLang="zh-CN" dirty="0"/>
+              <a:t>A</a:t>
+            </a:r>
+            <a:r>
+              <a:rPr lang="zh-CN" altLang="en-US" dirty="0"/>
+              <a:t> </a:t>
+            </a:r>
+            <a:r>
+              <a:rPr lang="en-US" altLang="zh-CN" dirty="0"/>
+              <a:t>process</a:t>
+            </a:r>
+            <a:r>
+              <a:rPr lang="zh-CN" altLang="en-US" dirty="0"/>
+              <a:t> </a:t>
+            </a:r>
+            <a:r>
+              <a:rPr lang="en-US" altLang="zh-CN" dirty="0"/>
+              <a:t>is</a:t>
+            </a:r>
+            <a:r>
+              <a:rPr lang="zh-CN" altLang="en-US" dirty="0"/>
+              <a:t> </a:t>
+            </a:r>
+            <a:r>
+              <a:rPr lang="en-US" altLang="zh-CN" dirty="0"/>
+              <a:t>created</a:t>
+            </a:r>
+            <a:r>
+              <a:rPr lang="zh-CN" altLang="en-US" dirty="0"/>
+              <a:t> </a:t>
+            </a:r>
+            <a:r>
+              <a:rPr lang="en-US" altLang="zh-CN" dirty="0"/>
+              <a:t>by</a:t>
+            </a:r>
+            <a:r>
+              <a:rPr lang="zh-CN" altLang="en-US" dirty="0"/>
+              <a:t> </a:t>
+            </a:r>
+            <a:r>
+              <a:rPr lang="en-US" altLang="zh-CN" dirty="0"/>
+              <a:t>another</a:t>
+            </a:r>
+            <a:r>
+              <a:rPr lang="zh-CN" altLang="en-US" dirty="0"/>
+              <a:t> </a:t>
+            </a:r>
+            <a:r>
+              <a:rPr lang="en-US" altLang="zh-CN" dirty="0"/>
+              <a:t>process,</a:t>
+            </a:r>
+            <a:r>
+              <a:rPr lang="zh-CN" altLang="en-US" dirty="0"/>
+              <a:t> </a:t>
+            </a:r>
+            <a:r>
+              <a:rPr lang="en-US" altLang="zh-CN" b="1" dirty="0">
+                <a:solidFill>
+                  <a:srgbClr val="0070C0"/>
+                </a:solidFill>
+              </a:rPr>
+              <a:t>parent</a:t>
+            </a:r>
+            <a:r>
+              <a:rPr lang="zh-CN" altLang="en-US" b="1" dirty="0">
+                <a:solidFill>
+                  <a:srgbClr val="0070C0"/>
+                </a:solidFill>
+              </a:rPr>
+              <a:t> </a:t>
+            </a:r>
+            <a:r>
+              <a:rPr lang="en-US" altLang="zh-CN" b="1" dirty="0">
+                <a:solidFill>
+                  <a:srgbClr val="0070C0"/>
+                </a:solidFill>
+              </a:rPr>
+              <a:t>process</a:t>
+            </a:r>
+            <a:r>
+              <a:rPr lang="zh-CN" altLang="en-US" b="1" dirty="0">
+                <a:solidFill>
+                  <a:srgbClr val="0070C0"/>
+                </a:solidFill>
+              </a:rPr>
+              <a:t> </a:t>
+            </a:r>
+            <a:r>
+              <a:rPr lang="en-US" altLang="zh-CN" dirty="0"/>
+              <a:t>or</a:t>
+            </a:r>
+            <a:r>
+              <a:rPr lang="zh-CN" altLang="en-US" dirty="0"/>
+              <a:t> </a:t>
+            </a:r>
+            <a:r>
+              <a:rPr lang="en-US" altLang="zh-CN" b="1" dirty="0">
+                <a:solidFill>
+                  <a:srgbClr val="0070C0"/>
+                </a:solidFill>
+              </a:rPr>
+              <a:t>calling</a:t>
+            </a:r>
+            <a:r>
+              <a:rPr lang="zh-CN" altLang="en-US" b="1" dirty="0">
+                <a:solidFill>
+                  <a:srgbClr val="0070C0"/>
+                </a:solidFill>
+              </a:rPr>
+              <a:t> </a:t>
+            </a:r>
+            <a:r>
+              <a:rPr lang="en-US" altLang="zh-CN" b="1" dirty="0">
+                <a:solidFill>
+                  <a:srgbClr val="0070C0"/>
+                </a:solidFill>
+              </a:rPr>
+              <a:t>process</a:t>
+            </a:r>
+          </a:p>
+          <a:p>
+            <a:endParaRPr lang="en-US" altLang="zh-CN" dirty="0"/>
+          </a:p>
+          <a:p>
+            <a:r>
+              <a:rPr lang="en-US" altLang="zh-CN" dirty="0"/>
               <a:t>Process</a:t>
             </a:r>
             <a:r>
@@ -54656,7 +55311,7 @@
             </a:r>
             <a:r>
               <a:rPr lang="en-US" altLang="zh-CN" dirty="0"/>
-              <a:t>API</a:t>
+              <a:t>creation</a:t>
             </a:r>
             <a:r>
               <a:rPr lang="zh-CN" altLang="en-US" dirty="0"/>
@@ -54664,7 +55319,7 @@
             </a:r>
             <a:r>
               <a:rPr lang="en-US" altLang="zh-CN" dirty="0"/>
-              <a:t>to</a:t>
+              <a:t>relies</a:t>
             </a:r>
             <a:r>
               <a:rPr lang="zh-CN" altLang="en-US" dirty="0"/>
@@ -54672,7 +55327,7 @@
             </a:r>
             <a:r>
               <a:rPr lang="en-US" altLang="zh-CN" dirty="0"/>
-              <a:t>manipulate</a:t>
+              <a:t>on</a:t>
             </a:r>
             <a:r>
               <a:rPr lang="zh-CN" altLang="en-US" dirty="0"/>
@@ -54680,7 +55335,23 @@
             </a:r>
             <a:r>
               <a:rPr lang="en-US" altLang="zh-CN" dirty="0"/>
-              <a:t>processes</a:t>
+              <a:t>two</a:t>
+            </a:r>
+            <a:r>
+              <a:rPr lang="zh-CN" altLang="en-US" dirty="0"/>
+              <a:t> </a:t>
+            </a:r>
+            <a:r>
+              <a:rPr lang="en-US" altLang="zh-CN" dirty="0"/>
+              <a:t>system</a:t>
+            </a:r>
+            <a:r>
+              <a:rPr lang="zh-CN" altLang="en-US" dirty="0"/>
+              <a:t> </a:t>
+            </a:r>
+            <a:r>
+              <a:rPr lang="en-US" altLang="zh-CN" dirty="0"/>
+              <a:t>calls</a:t>
             </a:r>
           </a:p>
           <a:p>
@@ -54691,7 +55362,7 @@
                   <a:srgbClr val="0070C0"/>
                 </a:solidFill>
               </a:rPr>
-              <a:t>CREATE</a:t>
+              <a:t>fork()</a:t>
             </a:r>
           </a:p>
           <a:p>
@@ -54722,7 +55393,7 @@
             </a:r>
             <a:r>
               <a:rPr lang="en-US" altLang="zh-CN" dirty="0"/>
-              <a:t>process,</a:t>
+              <a:t>process</a:t>
             </a:r>
             <a:r>
               <a:rPr lang="zh-CN" altLang="en-US" dirty="0"/>
@@ -54730,15 +55401,27 @@
             </a:r>
             <a:r>
               <a:rPr lang="en-US" altLang="zh-CN" dirty="0"/>
-              <a:t>e.g.,</a:t>
+              <a:t>and</a:t>
             </a:r>
             <a:r>
               <a:rPr lang="zh-CN" altLang="en-US" dirty="0"/>
               <a:t> </a:t>
             </a:r>
             <a:r>
+              <a:rPr lang="en-US" altLang="zh-CN" dirty="0">
+                <a:solidFill>
+                  <a:srgbClr val="FF0000"/>
+                </a:solidFill>
+              </a:rPr>
+              <a:t>clone</a:t>
+            </a:r>
+            <a:r>
+              <a:rPr lang="zh-CN" altLang="en-US" dirty="0"/>
+              <a:t> </a:t>
+            </a:r>
+            <a:r>
               <a:rPr lang="en-US" altLang="zh-CN" dirty="0"/>
-              <a:t>double</a:t>
+              <a:t>its</a:t>
             </a:r>
             <a:r>
               <a:rPr lang="zh-CN" altLang="en-US" dirty="0"/>
@@ -54746,7 +55429,70 @@
             </a:r>
             <a:r>
               <a:rPr lang="en-US" altLang="zh-CN" dirty="0"/>
-              <a:t>click,</a:t>
+              <a:t>parent</a:t>
+            </a:r>
+            <a:r>
+              <a:rPr lang="zh-CN" altLang="en-US" dirty="0"/>
+              <a:t> </a:t>
+            </a:r>
+            <a:r>
+              <a:rPr lang="en-US" altLang="zh-CN" dirty="0"/>
+              <a:t>process</a:t>
+            </a:r>
+            <a:r>
+              <a:rPr lang="zh-CN" altLang="en-US" dirty="0"/>
+              <a:t> </a:t>
+            </a:r>
+            <a:endParaRPr lang="en-US" altLang="zh-CN" dirty="0"/>
+          </a:p>
+          <a:p>
+            <a:pPr lvl="1"/>
+            <a:r>
+              <a:rPr lang="en-US" altLang="zh-CN" b="1" dirty="0">
+                <a:solidFill>
+                  <a:srgbClr val="0070C0"/>
+                </a:solidFill>
+              </a:rPr>
+              <a:t>exec()</a:t>
+            </a:r>
+          </a:p>
+          <a:p>
+            <a:pPr lvl="2"/>
+            <a:r>
+              <a:rPr lang="en-US" altLang="zh-CN" dirty="0"/>
+              <a:t>Overwrite</a:t>
+            </a:r>
+            <a:r>
+              <a:rPr lang="zh-CN" altLang="en-US" dirty="0"/>
+              <a:t> </a:t>
+            </a:r>
+            <a:r>
+              <a:rPr lang="en-US" altLang="zh-CN" dirty="0"/>
+              <a:t>the</a:t>
+            </a:r>
+            <a:r>
+              <a:rPr lang="zh-CN" altLang="en-US" dirty="0"/>
+              <a:t> </a:t>
+            </a:r>
+            <a:r>
+              <a:rPr lang="en-US" altLang="zh-CN" dirty="0"/>
+              <a:t>created</a:t>
+            </a:r>
+            <a:r>
+              <a:rPr lang="zh-CN" altLang="en-US" dirty="0"/>
+              <a:t> </a:t>
+            </a:r>
+            <a:r>
+              <a:rPr lang="en-US" altLang="zh-CN" dirty="0"/>
+              <a:t>process</a:t>
+            </a:r>
+            <a:r>
+              <a:rPr lang="zh-CN" altLang="en-US" dirty="0"/>
+              <a:t> </a:t>
+            </a:r>
+            <a:r>
+              <a:rPr lang="en-US" altLang="zh-CN" dirty="0"/>
+              <a:t>with</a:t>
             </a:r>
             <a:r>
               <a:rPr lang="zh-CN" altLang="en-US" dirty="0"/>
@@ -54762,7 +55508,7 @@
             </a:r>
             <a:r>
               <a:rPr lang="en-US" altLang="zh-CN" dirty="0"/>
-              <a:t>command</a:t>
+              <a:t>new</a:t>
             </a:r>
             <a:r>
               <a:rPr lang="zh-CN" altLang="en-US" dirty="0"/>
@@ -54770,238 +55516,7 @@
             </a:r>
             <a:r>
               <a:rPr lang="en-US" altLang="zh-CN" dirty="0"/>
-              <a:t>in</a:t>
-            </a:r>
-            <a:r>
-              <a:rPr lang="zh-CN" altLang="en-US" dirty="0"/>
-              <a:t> </a:t>
-            </a:r>
-            <a:r>
-              <a:rPr lang="en-US" altLang="zh-CN" dirty="0"/>
-              <a:t>terminal</a:t>
-            </a:r>
-          </a:p>
-          <a:p>
-            <a:pPr lvl="1"/>
-            <a:r>
-              <a:rPr lang="en-US" altLang="zh-CN" b="1" dirty="0">
-                <a:solidFill>
-                  <a:srgbClr val="0070C0"/>
-                </a:solidFill>
-              </a:rPr>
-              <a:t>WAIT</a:t>
-            </a:r>
-          </a:p>
-          <a:p>
-            <a:pPr lvl="2"/>
-            <a:r>
-              <a:rPr lang="en-US" altLang="zh-CN" dirty="0"/>
-              <a:t>Wait</a:t>
-            </a:r>
-            <a:r>
-              <a:rPr lang="zh-CN" altLang="en-US" dirty="0"/>
-              <a:t> </a:t>
-            </a:r>
-            <a:r>
-              <a:rPr lang="en-US" altLang="zh-CN" dirty="0"/>
-              <a:t>for</a:t>
-            </a:r>
-            <a:r>
-              <a:rPr lang="zh-CN" altLang="en-US" dirty="0"/>
-              <a:t> </a:t>
-            </a:r>
-            <a:r>
-              <a:rPr lang="en-US" altLang="zh-CN" dirty="0"/>
-              <a:t>a</a:t>
-            </a:r>
-            <a:r>
-              <a:rPr lang="zh-CN" altLang="en-US" dirty="0"/>
-              <a:t> </a:t>
-            </a:r>
-            <a:r>
-              <a:rPr lang="en-US" altLang="zh-CN" dirty="0"/>
-              <a:t>process</a:t>
-            </a:r>
-            <a:r>
-              <a:rPr lang="zh-CN" altLang="en-US" dirty="0"/>
-              <a:t> </a:t>
-            </a:r>
-            <a:r>
-              <a:rPr lang="en-US" altLang="zh-CN" dirty="0"/>
-              <a:t>to</a:t>
-            </a:r>
-            <a:r>
-              <a:rPr lang="zh-CN" altLang="en-US" dirty="0"/>
-              <a:t> </a:t>
-            </a:r>
-            <a:r>
-              <a:rPr lang="en-US" altLang="zh-CN" dirty="0"/>
-              <a:t>stop</a:t>
-            </a:r>
-          </a:p>
-          <a:p>
-            <a:pPr lvl="2"/>
-            <a:r>
-              <a:rPr lang="en-US" altLang="zh-CN" dirty="0"/>
-              <a:t>Like</a:t>
-            </a:r>
-            <a:r>
-              <a:rPr lang="zh-CN" altLang="en-US" dirty="0"/>
-              <a:t> </a:t>
-            </a:r>
-            <a:r>
-              <a:rPr lang="en-US" altLang="zh-CN" dirty="0"/>
-              <a:t>I/O</a:t>
-            </a:r>
-            <a:r>
-              <a:rPr lang="zh-CN" altLang="en-US" dirty="0"/>
-              <a:t> </a:t>
-            </a:r>
-            <a:r>
-              <a:rPr lang="en-US" altLang="zh-CN" dirty="0"/>
-              <a:t>request</a:t>
-            </a:r>
-          </a:p>
-          <a:p>
-            <a:pPr lvl="1"/>
-            <a:r>
-              <a:rPr lang="en-US" altLang="zh-CN" b="1" dirty="0">
-                <a:solidFill>
-                  <a:srgbClr val="0070C0"/>
-                </a:solidFill>
-              </a:rPr>
-              <a:t>DESTROY</a:t>
-            </a:r>
-          </a:p>
-          <a:p>
-            <a:pPr lvl="2"/>
-            <a:r>
-              <a:rPr lang="en-US" altLang="zh-CN" dirty="0"/>
-              <a:t>Kill</a:t>
-            </a:r>
-            <a:r>
-              <a:rPr lang="zh-CN" altLang="en-US" dirty="0"/>
-              <a:t> </a:t>
-            </a:r>
-            <a:r>
-              <a:rPr lang="en-US" altLang="zh-CN" dirty="0"/>
-              <a:t>the</a:t>
-            </a:r>
-            <a:r>
-              <a:rPr lang="zh-CN" altLang="en-US" dirty="0"/>
-              <a:t> </a:t>
-            </a:r>
-            <a:r>
-              <a:rPr lang="en-US" altLang="zh-CN" dirty="0"/>
-              <a:t>processes</a:t>
-            </a:r>
-          </a:p>
-          <a:p>
-            <a:pPr lvl="1"/>
-            <a:r>
-              <a:rPr lang="en-US" altLang="zh-CN" b="1" dirty="0">
-                <a:solidFill>
-                  <a:srgbClr val="0070C0"/>
-                </a:solidFill>
-              </a:rPr>
-              <a:t>STATUS</a:t>
-            </a:r>
-          </a:p>
-          <a:p>
-            <a:pPr lvl="2"/>
-            <a:r>
-              <a:rPr lang="en-US" altLang="zh-CN" dirty="0"/>
-              <a:t>Obtain</a:t>
-            </a:r>
-            <a:r>
-              <a:rPr lang="zh-CN" altLang="en-US" dirty="0"/>
-              <a:t> </a:t>
-            </a:r>
-            <a:r>
-              <a:rPr lang="en-US" altLang="zh-CN" dirty="0"/>
-              <a:t>the</a:t>
-            </a:r>
-            <a:r>
-              <a:rPr lang="zh-CN" altLang="en-US" dirty="0"/>
-              <a:t> </a:t>
-            </a:r>
-            <a:r>
-              <a:rPr lang="en-US" altLang="zh-CN" dirty="0"/>
-              <a:t>information</a:t>
-            </a:r>
-            <a:r>
-              <a:rPr lang="zh-CN" altLang="en-US" dirty="0"/>
-              <a:t> </a:t>
-            </a:r>
-            <a:r>
-              <a:rPr lang="en-US" altLang="zh-CN" dirty="0"/>
-              <a:t>of</a:t>
-            </a:r>
-            <a:r>
-              <a:rPr lang="zh-CN" altLang="en-US" dirty="0"/>
-              <a:t> </a:t>
-            </a:r>
-            <a:r>
-              <a:rPr lang="en-US" altLang="zh-CN" dirty="0"/>
-              <a:t>a</a:t>
-            </a:r>
-            <a:r>
-              <a:rPr lang="zh-CN" altLang="en-US" dirty="0"/>
-              <a:t> </a:t>
-            </a:r>
-            <a:r>
-              <a:rPr lang="en-US" altLang="zh-CN" dirty="0"/>
-              <a:t>process</a:t>
-            </a:r>
-          </a:p>
-          <a:p>
-            <a:pPr lvl="1"/>
-            <a:r>
-              <a:rPr lang="en-US" altLang="zh-CN" b="1" dirty="0">
-                <a:solidFill>
-                  <a:srgbClr val="0070C0"/>
-                </a:solidFill>
-              </a:rPr>
-              <a:t>OTHERS</a:t>
-            </a:r>
-          </a:p>
-          <a:p>
-            <a:pPr lvl="2"/>
-            <a:r>
-              <a:rPr lang="en-US" altLang="zh-CN" dirty="0"/>
-              <a:t>Suspend</a:t>
-            </a:r>
-            <a:r>
-              <a:rPr lang="zh-CN" altLang="en-US" dirty="0"/>
-              <a:t> </a:t>
-            </a:r>
-            <a:r>
-              <a:rPr lang="en-US" altLang="zh-CN" dirty="0"/>
-              <a:t>or</a:t>
-            </a:r>
-            <a:r>
-              <a:rPr lang="zh-CN" altLang="en-US" dirty="0"/>
-              <a:t> </a:t>
-            </a:r>
-            <a:r>
-              <a:rPr lang="en-US" altLang="zh-CN" dirty="0"/>
-              <a:t>resume</a:t>
-            </a:r>
-            <a:r>
-              <a:rPr lang="zh-CN" altLang="en-US" dirty="0"/>
-              <a:t> </a:t>
-            </a:r>
-            <a:r>
-              <a:rPr lang="en-US" altLang="zh-CN" dirty="0"/>
-              <a:t>a</a:t>
-            </a:r>
-            <a:r>
-              <a:rPr lang="zh-CN" altLang="en-US" dirty="0"/>
-              <a:t> </a:t>
-            </a:r>
-            <a:r>
-              <a:rPr lang="en-US" altLang="zh-CN" dirty="0"/>
-              <a:t>process</a:t>
+              <a:t>program</a:t>
             </a:r>
           </a:p>
         </p:txBody>
@@ -55011,7 +55526,7 @@
           <p:cNvPr id="4" name="页脚占位符 3">
             <a:extLst>
               <a:ext uri="{FF2B5EF4-FFF2-40B4-BE49-F238E27FC236}">
-                <a16:creationId xmlns:a16="http://schemas.microsoft.com/office/drawing/2014/main" id="{6701F35C-325E-C0BB-1DC0-F9C992C0031E}"/>
+                <a16:creationId xmlns:a16="http://schemas.microsoft.com/office/drawing/2014/main" id="{CA92268A-2DCE-0BDC-31AD-54BC4E61A1D2}"/>
               </a:ext>
             </a:extLst>
           </p:cNvPr>
@@ -55042,7 +55557,7 @@
     </p:spTree>
     <p:extLst>
       <p:ext uri="{BB962C8B-B14F-4D97-AF65-F5344CB8AC3E}">
-        <p14:creationId xmlns:p14="http://schemas.microsoft.com/office/powerpoint/2010/main" val="2522470081"/>
+        <p14:creationId xmlns:p14="http://schemas.microsoft.com/office/powerpoint/2010/main" val="3380590396"/>
       </p:ext>
     </p:extLst>
   </p:cSld>
@@ -55362,7 +55877,7 @@
         <a:effectLst/>
         <a:extLst>
           <a:ext uri="{AF507438-7753-43e0-B8FC-AC1667EBCBE1}">
-            <a14:hiddenEffects xmlns="" xmlns:a14="http://schemas.microsoft.com/office/drawing/2010/main">
+            <a14:hiddenEffects xmlns:a14="http://schemas.microsoft.com/office/drawing/2010/main" xmlns="">
               <a:effectLst>
                 <a:outerShdw dist="35921" dir="2700000" algn="ctr" rotWithShape="0">
                   <a:schemeClr val="bg2"/>
@@ -55435,7 +55950,7 @@
         <a:effectLst/>
         <a:extLst>
           <a:ext uri="{AF507438-7753-43e0-B8FC-AC1667EBCBE1}">
-            <a14:hiddenEffects xmlns="" xmlns:a14="http://schemas.microsoft.com/office/drawing/2010/main">
+            <a14:hiddenEffects xmlns:a14="http://schemas.microsoft.com/office/drawing/2010/main" xmlns="">
               <a:effectLst>
                 <a:outerShdw dist="35921" dir="2700000" algn="ctr" rotWithShape="0">
                   <a:schemeClr val="bg2"/>

--- a/PPTs/L2-Processes Threads.pptx
+++ b/PPTs/L2-Processes Threads.pptx
@@ -305,14 +305,14 @@
           <a:effectLst/>
           <a:extLst>
             <a:ext uri="{909E8E84-426E-40dd-AFC4-6F175D3DCCD1}">
-              <a14:hiddenFill xmlns="" xmlns:a14="http://schemas.microsoft.com/office/drawing/2010/main">
+              <a14:hiddenFill xmlns:a14="http://schemas.microsoft.com/office/drawing/2010/main" xmlns="">
                 <a:solidFill>
                   <a:schemeClr val="bg1"/>
                 </a:solidFill>
               </a14:hiddenFill>
             </a:ext>
             <a:ext uri="{91240B29-F687-4f45-9708-019B960494DF}">
-              <a14:hiddenLine xmlns="" xmlns:a14="http://schemas.microsoft.com/office/drawing/2010/main" w="12700">
+              <a14:hiddenLine xmlns:a14="http://schemas.microsoft.com/office/drawing/2010/main" xmlns="" w="12700">
                 <a:pattFill prst="narHorz">
                   <a:fgClr>
                     <a:schemeClr val="tx1"/>
@@ -327,7 +327,7 @@
               </a14:hiddenLine>
             </a:ext>
             <a:ext uri="{AF507438-7753-43e0-B8FC-AC1667EBCBE1}">
-              <a14:hiddenEffects xmlns="" xmlns:a14="http://schemas.microsoft.com/office/drawing/2010/main">
+              <a14:hiddenEffects xmlns:a14="http://schemas.microsoft.com/office/drawing/2010/main" xmlns="">
                 <a:effectLst>
                   <a:outerShdw dist="35921" dir="2700000" algn="ctr" rotWithShape="0">
                     <a:schemeClr val="bg2"/>
@@ -433,14 +433,14 @@
           <a:effectLst/>
           <a:extLst>
             <a:ext uri="{909E8E84-426E-40dd-AFC4-6F175D3DCCD1}">
-              <a14:hiddenFill xmlns="" xmlns:a14="http://schemas.microsoft.com/office/drawing/2010/main">
+              <a14:hiddenFill xmlns:a14="http://schemas.microsoft.com/office/drawing/2010/main" xmlns="">
                 <a:solidFill>
                   <a:schemeClr val="bg1"/>
                 </a:solidFill>
               </a14:hiddenFill>
             </a:ext>
             <a:ext uri="{91240B29-F687-4f45-9708-019B960494DF}">
-              <a14:hiddenLine xmlns="" xmlns:a14="http://schemas.microsoft.com/office/drawing/2010/main" w="12700">
+              <a14:hiddenLine xmlns:a14="http://schemas.microsoft.com/office/drawing/2010/main" xmlns="" w="12700">
                 <a:pattFill prst="narHorz">
                   <a:fgClr>
                     <a:schemeClr val="tx1"/>
@@ -455,7 +455,7 @@
               </a14:hiddenLine>
             </a:ext>
             <a:ext uri="{AF507438-7753-43e0-B8FC-AC1667EBCBE1}">
-              <a14:hiddenEffects xmlns="" xmlns:a14="http://schemas.microsoft.com/office/drawing/2010/main">
+              <a14:hiddenEffects xmlns:a14="http://schemas.microsoft.com/office/drawing/2010/main" xmlns="">
                 <a:effectLst>
                   <a:outerShdw dist="35921" dir="2700000" algn="ctr" rotWithShape="0">
                     <a:schemeClr val="bg2"/>
@@ -523,17 +523,17 @@
           <a:effectLst/>
           <a:extLst>
             <a:ext uri="{FAA26D3D-D897-4be2-8F04-BA451C77F1D7}">
-              <ma14:placeholderFlag xmlns="" xmlns:ma14="http://schemas.microsoft.com/office/mac/drawingml/2011/main" val="1"/>
+              <ma14:placeholderFlag xmlns:ma14="http://schemas.microsoft.com/office/mac/drawingml/2011/main" xmlns="" val="1"/>
             </a:ext>
             <a:ext uri="{909E8E84-426E-40dd-AFC4-6F175D3DCCD1}">
-              <a14:hiddenFill xmlns="" xmlns:a14="http://schemas.microsoft.com/office/drawing/2010/main">
+              <a14:hiddenFill xmlns:a14="http://schemas.microsoft.com/office/drawing/2010/main" xmlns="">
                 <a:solidFill>
                   <a:srgbClr val="FFFFFF"/>
                 </a:solidFill>
               </a14:hiddenFill>
             </a:ext>
             <a:ext uri="{AF507438-7753-43e0-B8FC-AC1667EBCBE1}">
-              <a14:hiddenEffects xmlns="" xmlns:a14="http://schemas.microsoft.com/office/drawing/2010/main">
+              <a14:hiddenEffects xmlns:a14="http://schemas.microsoft.com/office/drawing/2010/main" xmlns="">
                 <a:effectLst>
                   <a:outerShdw blurRad="63500" dist="38099" dir="2700000" algn="ctr" rotWithShape="0">
                     <a:srgbClr val="000000">
@@ -544,7 +544,7 @@
               </a14:hiddenEffects>
             </a:ext>
             <a:ext uri="{53640926-AAD7-44d8-BBD7-CCE9431645EC}">
-              <a14:shadowObscured xmlns="" xmlns:a14="http://schemas.microsoft.com/office/drawing/2010/main" val="1"/>
+              <a14:shadowObscured xmlns:a14="http://schemas.microsoft.com/office/drawing/2010/main" xmlns="" val="1"/>
             </a:ext>
           </a:extLst>
         </p:spPr>
@@ -574,14 +574,14 @@
           <a:effectLst/>
           <a:extLst>
             <a:ext uri="{909E8E84-426E-40dd-AFC4-6F175D3DCCD1}">
-              <a14:hiddenFill xmlns="" xmlns:a14="http://schemas.microsoft.com/office/drawing/2010/main">
+              <a14:hiddenFill xmlns:a14="http://schemas.microsoft.com/office/drawing/2010/main" xmlns="">
                 <a:solidFill>
                   <a:schemeClr val="bg1"/>
                 </a:solidFill>
               </a14:hiddenFill>
             </a:ext>
             <a:ext uri="{91240B29-F687-4f45-9708-019B960494DF}">
-              <a14:hiddenLine xmlns="" xmlns:a14="http://schemas.microsoft.com/office/drawing/2010/main" w="12700">
+              <a14:hiddenLine xmlns:a14="http://schemas.microsoft.com/office/drawing/2010/main" xmlns="" w="12700">
                 <a:pattFill prst="narHorz">
                   <a:fgClr>
                     <a:schemeClr val="tx1"/>
@@ -596,7 +596,7 @@
               </a14:hiddenLine>
             </a:ext>
             <a:ext uri="{AF507438-7753-43e0-B8FC-AC1667EBCBE1}">
-              <a14:hiddenEffects xmlns="" xmlns:a14="http://schemas.microsoft.com/office/drawing/2010/main">
+              <a14:hiddenEffects xmlns:a14="http://schemas.microsoft.com/office/drawing/2010/main" xmlns="">
                 <a:effectLst>
                   <a:outerShdw dist="35921" dir="2700000" algn="ctr" rotWithShape="0">
                     <a:schemeClr val="bg2"/>
@@ -846,10 +846,10 @@
         <p:spPr>
           <a:extLst>
             <a:ext uri="{FAA26D3D-D897-4be2-8F04-BA451C77F1D7}">
-              <ma14:placeholderFlag xmlns:ma14="http://schemas.microsoft.com/office/mac/drawingml/2011/main" xmlns="" val="1"/>
+              <ma14:placeholderFlag xmlns="" xmlns:ma14="http://schemas.microsoft.com/office/mac/drawingml/2011/main" val="1"/>
             </a:ext>
             <a:ext uri="{AF507438-7753-43e0-B8FC-AC1667EBCBE1}">
-              <a14:hiddenEffects xmlns:a14="http://schemas.microsoft.com/office/drawing/2010/main" xmlns="">
+              <a14:hiddenEffects xmlns="" xmlns:a14="http://schemas.microsoft.com/office/drawing/2010/main">
                 <a:effectLst>
                   <a:outerShdw blurRad="63500" dist="38099" dir="2700000" algn="ctr" rotWithShape="0">
                     <a:schemeClr val="bg2">
@@ -926,6 +926,29 @@
         <p:txBody>
           <a:bodyPr/>
           <a:lstStyle/>
+          <a:p>
+            <a:pPr marL="0" marR="0" lvl="0" indent="0" algn="l" defTabSz="914400" rtl="0" eaLnBrk="0" fontAlgn="base" latinLnBrk="0" hangingPunct="0">
+              <a:lnSpc>
+                <a:spcPct val="90000"/>
+              </a:lnSpc>
+              <a:spcBef>
+                <a:spcPct val="40000"/>
+              </a:spcBef>
+              <a:spcAft>
+                <a:spcPct val="0"/>
+              </a:spcAft>
+              <a:buClrTx/>
+              <a:buSzTx/>
+              <a:buFontTx/>
+              <a:buNone/>
+              <a:tabLst/>
+              <a:defRPr/>
+            </a:pPr>
+            <a:r>
+              <a:rPr lang="en-GB" dirty="0"/>
+              <a:t>It will reap any terminated child arbitrarily.</a:t>
+            </a:r>
+          </a:p>
           <a:p>
             <a:endParaRPr lang="en-US" dirty="0"/>
           </a:p>
@@ -8019,17 +8042,17 @@
           <a:effectLst/>
           <a:extLst>
             <a:ext uri="{FAA26D3D-D897-4be2-8F04-BA451C77F1D7}">
-              <ma14:placeholderFlag xmlns="" xmlns:ma14="http://schemas.microsoft.com/office/mac/drawingml/2011/main" val="1"/>
+              <ma14:placeholderFlag xmlns:ma14="http://schemas.microsoft.com/office/mac/drawingml/2011/main" xmlns="" val="1"/>
             </a:ext>
             <a:ext uri="{909E8E84-426E-40dd-AFC4-6F175D3DCCD1}">
-              <a14:hiddenFill xmlns="" xmlns:a14="http://schemas.microsoft.com/office/drawing/2010/main">
+              <a14:hiddenFill xmlns:a14="http://schemas.microsoft.com/office/drawing/2010/main" xmlns="">
                 <a:solidFill>
                   <a:schemeClr val="bg1"/>
                 </a:solidFill>
               </a14:hiddenFill>
             </a:ext>
             <a:ext uri="{91240B29-F687-4f45-9708-019B960494DF}">
-              <a14:hiddenLine xmlns="" xmlns:a14="http://schemas.microsoft.com/office/drawing/2010/main" w="12700">
+              <a14:hiddenLine xmlns:a14="http://schemas.microsoft.com/office/drawing/2010/main" xmlns="" w="12700">
                 <a:pattFill prst="narHorz">
                   <a:fgClr>
                     <a:schemeClr val="tx1"/>
@@ -8044,7 +8067,7 @@
               </a14:hiddenLine>
             </a:ext>
             <a:ext uri="{AF507438-7753-43e0-B8FC-AC1667EBCBE1}">
-              <a14:hiddenEffects xmlns="" xmlns:a14="http://schemas.microsoft.com/office/drawing/2010/main">
+              <a14:hiddenEffects xmlns:a14="http://schemas.microsoft.com/office/drawing/2010/main" xmlns="">
                 <a:effectLst>
                   <a:outerShdw blurRad="63500" dist="38099" dir="2700000" algn="ctr" rotWithShape="0">
                     <a:schemeClr val="bg2">
@@ -8097,17 +8120,17 @@
           <a:effectLst/>
           <a:extLst>
             <a:ext uri="{FAA26D3D-D897-4be2-8F04-BA451C77F1D7}">
-              <ma14:placeholderFlag xmlns="" xmlns:ma14="http://schemas.microsoft.com/office/mac/drawingml/2011/main" val="1"/>
+              <ma14:placeholderFlag xmlns:ma14="http://schemas.microsoft.com/office/mac/drawingml/2011/main" xmlns="" val="1"/>
             </a:ext>
             <a:ext uri="{909E8E84-426E-40dd-AFC4-6F175D3DCCD1}">
-              <a14:hiddenFill xmlns="" xmlns:a14="http://schemas.microsoft.com/office/drawing/2010/main">
+              <a14:hiddenFill xmlns:a14="http://schemas.microsoft.com/office/drawing/2010/main" xmlns="">
                 <a:solidFill>
                   <a:schemeClr val="bg1"/>
                 </a:solidFill>
               </a14:hiddenFill>
             </a:ext>
             <a:ext uri="{91240B29-F687-4f45-9708-019B960494DF}">
-              <a14:hiddenLine xmlns="" xmlns:a14="http://schemas.microsoft.com/office/drawing/2010/main" w="12700">
+              <a14:hiddenLine xmlns:a14="http://schemas.microsoft.com/office/drawing/2010/main" xmlns="" w="12700">
                 <a:pattFill prst="narHorz">
                   <a:fgClr>
                     <a:schemeClr val="tx1"/>
@@ -8122,7 +8145,7 @@
               </a14:hiddenLine>
             </a:ext>
             <a:ext uri="{AF507438-7753-43e0-B8FC-AC1667EBCBE1}">
-              <a14:hiddenEffects xmlns="" xmlns:a14="http://schemas.microsoft.com/office/drawing/2010/main">
+              <a14:hiddenEffects xmlns:a14="http://schemas.microsoft.com/office/drawing/2010/main" xmlns="">
                 <a:effectLst>
                   <a:outerShdw blurRad="63500" dist="38099" dir="2700000" algn="ctr" rotWithShape="0">
                     <a:schemeClr val="bg2">
@@ -8201,14 +8224,14 @@
           <a:effectLst/>
           <a:extLst>
             <a:ext uri="{909E8E84-426E-40dd-AFC4-6F175D3DCCD1}">
-              <a14:hiddenFill xmlns="" xmlns:a14="http://schemas.microsoft.com/office/drawing/2010/main">
+              <a14:hiddenFill xmlns:a14="http://schemas.microsoft.com/office/drawing/2010/main" xmlns="">
                 <a:solidFill>
                   <a:schemeClr val="bg1"/>
                 </a:solidFill>
               </a14:hiddenFill>
             </a:ext>
             <a:ext uri="{91240B29-F687-4f45-9708-019B960494DF}">
-              <a14:hiddenLine xmlns="" xmlns:a14="http://schemas.microsoft.com/office/drawing/2010/main" w="12700">
+              <a14:hiddenLine xmlns:a14="http://schemas.microsoft.com/office/drawing/2010/main" xmlns="" w="12700">
                 <a:pattFill prst="narHorz">
                   <a:fgClr>
                     <a:schemeClr val="tx1"/>
@@ -8223,7 +8246,7 @@
               </a14:hiddenLine>
             </a:ext>
             <a:ext uri="{AF507438-7753-43e0-B8FC-AC1667EBCBE1}">
-              <a14:hiddenEffects xmlns="" xmlns:a14="http://schemas.microsoft.com/office/drawing/2010/main">
+              <a14:hiddenEffects xmlns:a14="http://schemas.microsoft.com/office/drawing/2010/main" xmlns="">
                 <a:effectLst>
                   <a:outerShdw dist="35921" dir="2700000" algn="ctr" rotWithShape="0">
                     <a:schemeClr val="bg2"/>
@@ -8299,12 +8322,12 @@
           <a:effectLst/>
           <a:extLst>
             <a:ext uri="{909E8E84-426E-40dd-AFC4-6F175D3DCCD1}">
-              <a14:hiddenFill xmlns="" xmlns:a14="http://schemas.microsoft.com/office/drawing/2010/main">
+              <a14:hiddenFill xmlns:a14="http://schemas.microsoft.com/office/drawing/2010/main" xmlns="">
                 <a:noFill/>
               </a14:hiddenFill>
             </a:ext>
             <a:ext uri="{AF507438-7753-43e0-B8FC-AC1667EBCBE1}">
-              <a14:hiddenEffects xmlns="" xmlns:a14="http://schemas.microsoft.com/office/drawing/2010/main">
+              <a14:hiddenEffects xmlns:a14="http://schemas.microsoft.com/office/drawing/2010/main" xmlns="">
                 <a:effectLst>
                   <a:outerShdw blurRad="63500" dist="38099" dir="2700000" algn="ctr" rotWithShape="0">
                     <a:schemeClr val="bg2">
@@ -11717,13 +11740,13 @@
         </p:nvSpPr>
         <p:spPr>
           <a:xfrm>
-            <a:off x="427804" y="807595"/>
-            <a:ext cx="11336392" cy="5138531"/>
+            <a:off x="286291" y="807595"/>
+            <a:ext cx="6815818" cy="5919776"/>
           </a:xfrm>
         </p:spPr>
         <p:txBody>
           <a:bodyPr>
-            <a:normAutofit/>
+            <a:normAutofit lnSpcReduction="10000"/>
           </a:bodyPr>
           <a:lstStyle/>
           <a:p>
@@ -11874,10 +11897,58 @@
             </a:r>
             <a:r>
               <a:rPr lang="en-GB" dirty="0"/>
-              <a:t>suspends the execution of the calling process until one of its child processes terminates. It does not allow the parent to specify which child process to wait for. It will reap any terminated child arbitrarily.</a:t>
-            </a:r>
-          </a:p>
-          <a:p>
+              <a:t>suspends the execution of the calling process until one of its child processes terminates. </a:t>
+            </a:r>
+          </a:p>
+          <a:p>
+            <a:pPr lvl="1"/>
+            <a:r>
+              <a:rPr lang="en-GB" dirty="0"/>
+              <a:t>When a child process terminates, </a:t>
+            </a:r>
+            <a:r>
+              <a:rPr lang="en-US" altLang="zh-CN" b="1" dirty="0">
+                <a:solidFill>
+                  <a:srgbClr val="0070C0"/>
+                </a:solidFill>
+              </a:rPr>
+              <a:t>wait() </a:t>
+            </a:r>
+            <a:r>
+              <a:rPr lang="en-GB" dirty="0"/>
+              <a:t>retrieves its termination status and allows the system to clean up the resources associated with that child process (preventing it from becoming a zombie process). If the parent does not call </a:t>
+            </a:r>
+            <a:r>
+              <a:rPr lang="en-US" altLang="zh-CN" b="1" dirty="0">
+                <a:solidFill>
+                  <a:srgbClr val="0070C0"/>
+                </a:solidFill>
+              </a:rPr>
+              <a:t>wait()</a:t>
+            </a:r>
+            <a:r>
+              <a:rPr lang="en-GB" dirty="0"/>
+              <a:t> to collect the child's exit status, the child remains in the zombie state, which means its PCB persists in the process table, even though it is no longer running.</a:t>
+            </a:r>
+          </a:p>
+          <a:p>
+            <a:pPr lvl="1"/>
+            <a:r>
+              <a:rPr lang="en-GB" dirty="0"/>
+              <a:t>If there are multiple child processes, </a:t>
+            </a:r>
+            <a:r>
+              <a:rPr lang="en-US" altLang="zh-CN" b="1" dirty="0">
+                <a:solidFill>
+                  <a:srgbClr val="0070C0"/>
+                </a:solidFill>
+              </a:rPr>
+              <a:t>wait() </a:t>
+            </a:r>
+            <a:r>
+              <a:rPr lang="en-GB" dirty="0"/>
+              <a:t>does not allow the parent to specify which child process to wait for. </a:t>
+            </a:r>
             <a:r>
               <a:rPr lang="en-US" altLang="zh-CN" b="1" dirty="0" err="1">
                 <a:solidFill>
@@ -11932,7 +12003,7 @@
         </p:nvGrpSpPr>
         <p:grpSpPr>
           <a:xfrm>
-            <a:off x="3400965" y="3577833"/>
+            <a:off x="7243622" y="1683719"/>
             <a:ext cx="4823555" cy="2901249"/>
             <a:chOff x="1915098" y="2776248"/>
             <a:chExt cx="4823555" cy="2901249"/>
@@ -17893,7 +17964,7 @@
           </a:ln>
           <a:extLst>
             <a:ext uri="{AF507438-7753-43e0-B8FC-AC1667EBCBE1}">
-              <a14:hiddenEffects xmlns="" xmlns:a14="http://schemas.microsoft.com/office/drawing/2010/main">
+              <a14:hiddenEffects xmlns:a14="http://schemas.microsoft.com/office/drawing/2010/main" xmlns="">
                 <a:effectLst>
                   <a:outerShdw dist="35921" dir="2700000" algn="ctr" rotWithShape="0">
                     <a:schemeClr val="bg2"/>
@@ -17980,7 +18051,7 @@
           </a:ln>
           <a:extLst>
             <a:ext uri="{AF507438-7753-43e0-B8FC-AC1667EBCBE1}">
-              <a14:hiddenEffects xmlns="" xmlns:a14="http://schemas.microsoft.com/office/drawing/2010/main">
+              <a14:hiddenEffects xmlns:a14="http://schemas.microsoft.com/office/drawing/2010/main" xmlns="">
                 <a:effectLst>
                   <a:outerShdw dist="35921" dir="2700000" algn="ctr" rotWithShape="0">
                     <a:schemeClr val="bg2"/>
@@ -18153,7 +18224,7 @@
           </a:ln>
           <a:extLst>
             <a:ext uri="{AF507438-7753-43e0-B8FC-AC1667EBCBE1}">
-              <a14:hiddenEffects xmlns="" xmlns:a14="http://schemas.microsoft.com/office/drawing/2010/main">
+              <a14:hiddenEffects xmlns:a14="http://schemas.microsoft.com/office/drawing/2010/main" xmlns="">
                 <a:effectLst>
                   <a:outerShdw dist="35921" dir="2700000" algn="ctr" rotWithShape="0">
                     <a:schemeClr val="bg2"/>
@@ -48436,7 +48507,7 @@
           </a:ln>
           <a:extLst>
             <a:ext uri="{AF507438-7753-43e0-B8FC-AC1667EBCBE1}">
-              <a14:hiddenEffects xmlns="" xmlns:a14="http://schemas.microsoft.com/office/drawing/2010/main">
+              <a14:hiddenEffects xmlns:a14="http://schemas.microsoft.com/office/drawing/2010/main" xmlns="">
                 <a:effectLst>
                   <a:outerShdw dist="35921" dir="2700000" algn="ctr" rotWithShape="0">
                     <a:schemeClr val="bg2"/>
@@ -55877,7 +55948,7 @@
         <a:effectLst/>
         <a:extLst>
           <a:ext uri="{AF507438-7753-43e0-B8FC-AC1667EBCBE1}">
-            <a14:hiddenEffects xmlns:a14="http://schemas.microsoft.com/office/drawing/2010/main" xmlns="">
+            <a14:hiddenEffects xmlns="" xmlns:a14="http://schemas.microsoft.com/office/drawing/2010/main">
               <a:effectLst>
                 <a:outerShdw dist="35921" dir="2700000" algn="ctr" rotWithShape="0">
                   <a:schemeClr val="bg2"/>
@@ -55950,7 +56021,7 @@
         <a:effectLst/>
         <a:extLst>
           <a:ext uri="{AF507438-7753-43e0-B8FC-AC1667EBCBE1}">
-            <a14:hiddenEffects xmlns:a14="http://schemas.microsoft.com/office/drawing/2010/main" xmlns="">
+            <a14:hiddenEffects xmlns="" xmlns:a14="http://schemas.microsoft.com/office/drawing/2010/main">
               <a:effectLst>
                 <a:outerShdw dist="35921" dir="2700000" algn="ctr" rotWithShape="0">
                   <a:schemeClr val="bg2"/>

--- a/PPTs/L2-Processes Threads.pptx
+++ b/PPTs/L2-Processes Threads.pptx
@@ -305,14 +305,14 @@
           <a:effectLst/>
           <a:extLst>
             <a:ext uri="{909E8E84-426E-40dd-AFC4-6F175D3DCCD1}">
-              <a14:hiddenFill xmlns:a14="http://schemas.microsoft.com/office/drawing/2010/main" xmlns="">
+              <a14:hiddenFill xmlns="" xmlns:a14="http://schemas.microsoft.com/office/drawing/2010/main">
                 <a:solidFill>
                   <a:schemeClr val="bg1"/>
                 </a:solidFill>
               </a14:hiddenFill>
             </a:ext>
             <a:ext uri="{91240B29-F687-4f45-9708-019B960494DF}">
-              <a14:hiddenLine xmlns:a14="http://schemas.microsoft.com/office/drawing/2010/main" xmlns="" w="12700">
+              <a14:hiddenLine xmlns="" xmlns:a14="http://schemas.microsoft.com/office/drawing/2010/main" w="12700">
                 <a:pattFill prst="narHorz">
                   <a:fgClr>
                     <a:schemeClr val="tx1"/>
@@ -327,7 +327,7 @@
               </a14:hiddenLine>
             </a:ext>
             <a:ext uri="{AF507438-7753-43e0-B8FC-AC1667EBCBE1}">
-              <a14:hiddenEffects xmlns:a14="http://schemas.microsoft.com/office/drawing/2010/main" xmlns="">
+              <a14:hiddenEffects xmlns="" xmlns:a14="http://schemas.microsoft.com/office/drawing/2010/main">
                 <a:effectLst>
                   <a:outerShdw dist="35921" dir="2700000" algn="ctr" rotWithShape="0">
                     <a:schemeClr val="bg2"/>
@@ -433,14 +433,14 @@
           <a:effectLst/>
           <a:extLst>
             <a:ext uri="{909E8E84-426E-40dd-AFC4-6F175D3DCCD1}">
-              <a14:hiddenFill xmlns:a14="http://schemas.microsoft.com/office/drawing/2010/main" xmlns="">
+              <a14:hiddenFill xmlns="" xmlns:a14="http://schemas.microsoft.com/office/drawing/2010/main">
                 <a:solidFill>
                   <a:schemeClr val="bg1"/>
                 </a:solidFill>
               </a14:hiddenFill>
             </a:ext>
             <a:ext uri="{91240B29-F687-4f45-9708-019B960494DF}">
-              <a14:hiddenLine xmlns:a14="http://schemas.microsoft.com/office/drawing/2010/main" xmlns="" w="12700">
+              <a14:hiddenLine xmlns="" xmlns:a14="http://schemas.microsoft.com/office/drawing/2010/main" w="12700">
                 <a:pattFill prst="narHorz">
                   <a:fgClr>
                     <a:schemeClr val="tx1"/>
@@ -455,7 +455,7 @@
               </a14:hiddenLine>
             </a:ext>
             <a:ext uri="{AF507438-7753-43e0-B8FC-AC1667EBCBE1}">
-              <a14:hiddenEffects xmlns:a14="http://schemas.microsoft.com/office/drawing/2010/main" xmlns="">
+              <a14:hiddenEffects xmlns="" xmlns:a14="http://schemas.microsoft.com/office/drawing/2010/main">
                 <a:effectLst>
                   <a:outerShdw dist="35921" dir="2700000" algn="ctr" rotWithShape="0">
                     <a:schemeClr val="bg2"/>
@@ -523,17 +523,17 @@
           <a:effectLst/>
           <a:extLst>
             <a:ext uri="{FAA26D3D-D897-4be2-8F04-BA451C77F1D7}">
-              <ma14:placeholderFlag xmlns:ma14="http://schemas.microsoft.com/office/mac/drawingml/2011/main" xmlns="" val="1"/>
+              <ma14:placeholderFlag xmlns="" xmlns:ma14="http://schemas.microsoft.com/office/mac/drawingml/2011/main" val="1"/>
             </a:ext>
             <a:ext uri="{909E8E84-426E-40dd-AFC4-6F175D3DCCD1}">
-              <a14:hiddenFill xmlns:a14="http://schemas.microsoft.com/office/drawing/2010/main" xmlns="">
+              <a14:hiddenFill xmlns="" xmlns:a14="http://schemas.microsoft.com/office/drawing/2010/main">
                 <a:solidFill>
                   <a:srgbClr val="FFFFFF"/>
                 </a:solidFill>
               </a14:hiddenFill>
             </a:ext>
             <a:ext uri="{AF507438-7753-43e0-B8FC-AC1667EBCBE1}">
-              <a14:hiddenEffects xmlns:a14="http://schemas.microsoft.com/office/drawing/2010/main" xmlns="">
+              <a14:hiddenEffects xmlns="" xmlns:a14="http://schemas.microsoft.com/office/drawing/2010/main">
                 <a:effectLst>
                   <a:outerShdw blurRad="63500" dist="38099" dir="2700000" algn="ctr" rotWithShape="0">
                     <a:srgbClr val="000000">
@@ -544,7 +544,7 @@
               </a14:hiddenEffects>
             </a:ext>
             <a:ext uri="{53640926-AAD7-44d8-BBD7-CCE9431645EC}">
-              <a14:shadowObscured xmlns:a14="http://schemas.microsoft.com/office/drawing/2010/main" xmlns="" val="1"/>
+              <a14:shadowObscured xmlns="" xmlns:a14="http://schemas.microsoft.com/office/drawing/2010/main" val="1"/>
             </a:ext>
           </a:extLst>
         </p:spPr>
@@ -574,14 +574,14 @@
           <a:effectLst/>
           <a:extLst>
             <a:ext uri="{909E8E84-426E-40dd-AFC4-6F175D3DCCD1}">
-              <a14:hiddenFill xmlns:a14="http://schemas.microsoft.com/office/drawing/2010/main" xmlns="">
+              <a14:hiddenFill xmlns="" xmlns:a14="http://schemas.microsoft.com/office/drawing/2010/main">
                 <a:solidFill>
                   <a:schemeClr val="bg1"/>
                 </a:solidFill>
               </a14:hiddenFill>
             </a:ext>
             <a:ext uri="{91240B29-F687-4f45-9708-019B960494DF}">
-              <a14:hiddenLine xmlns:a14="http://schemas.microsoft.com/office/drawing/2010/main" xmlns="" w="12700">
+              <a14:hiddenLine xmlns="" xmlns:a14="http://schemas.microsoft.com/office/drawing/2010/main" w="12700">
                 <a:pattFill prst="narHorz">
                   <a:fgClr>
                     <a:schemeClr val="tx1"/>
@@ -596,7 +596,7 @@
               </a14:hiddenLine>
             </a:ext>
             <a:ext uri="{AF507438-7753-43e0-B8FC-AC1667EBCBE1}">
-              <a14:hiddenEffects xmlns:a14="http://schemas.microsoft.com/office/drawing/2010/main" xmlns="">
+              <a14:hiddenEffects xmlns="" xmlns:a14="http://schemas.microsoft.com/office/drawing/2010/main">
                 <a:effectLst>
                   <a:outerShdw dist="35921" dir="2700000" algn="ctr" rotWithShape="0">
                     <a:schemeClr val="bg2"/>
@@ -846,10 +846,10 @@
         <p:spPr>
           <a:extLst>
             <a:ext uri="{FAA26D3D-D897-4be2-8F04-BA451C77F1D7}">
-              <ma14:placeholderFlag xmlns="" xmlns:ma14="http://schemas.microsoft.com/office/mac/drawingml/2011/main" val="1"/>
+              <ma14:placeholderFlag xmlns:ma14="http://schemas.microsoft.com/office/mac/drawingml/2011/main" xmlns="" val="1"/>
             </a:ext>
             <a:ext uri="{AF507438-7753-43e0-B8FC-AC1667EBCBE1}">
-              <a14:hiddenEffects xmlns="" xmlns:a14="http://schemas.microsoft.com/office/drawing/2010/main">
+              <a14:hiddenEffects xmlns:a14="http://schemas.microsoft.com/office/drawing/2010/main" xmlns="">
                 <a:effectLst>
                   <a:outerShdw blurRad="63500" dist="38099" dir="2700000" algn="ctr" rotWithShape="0">
                     <a:schemeClr val="bg2">
@@ -8042,17 +8042,17 @@
           <a:effectLst/>
           <a:extLst>
             <a:ext uri="{FAA26D3D-D897-4be2-8F04-BA451C77F1D7}">
-              <ma14:placeholderFlag xmlns:ma14="http://schemas.microsoft.com/office/mac/drawingml/2011/main" xmlns="" val="1"/>
+              <ma14:placeholderFlag xmlns="" xmlns:ma14="http://schemas.microsoft.com/office/mac/drawingml/2011/main" val="1"/>
             </a:ext>
             <a:ext uri="{909E8E84-426E-40dd-AFC4-6F175D3DCCD1}">
-              <a14:hiddenFill xmlns:a14="http://schemas.microsoft.com/office/drawing/2010/main" xmlns="">
+              <a14:hiddenFill xmlns="" xmlns:a14="http://schemas.microsoft.com/office/drawing/2010/main">
                 <a:solidFill>
                   <a:schemeClr val="bg1"/>
                 </a:solidFill>
               </a14:hiddenFill>
             </a:ext>
             <a:ext uri="{91240B29-F687-4f45-9708-019B960494DF}">
-              <a14:hiddenLine xmlns:a14="http://schemas.microsoft.com/office/drawing/2010/main" xmlns="" w="12700">
+              <a14:hiddenLine xmlns="" xmlns:a14="http://schemas.microsoft.com/office/drawing/2010/main" w="12700">
                 <a:pattFill prst="narHorz">
                   <a:fgClr>
                     <a:schemeClr val="tx1"/>
@@ -8067,7 +8067,7 @@
               </a14:hiddenLine>
             </a:ext>
             <a:ext uri="{AF507438-7753-43e0-B8FC-AC1667EBCBE1}">
-              <a14:hiddenEffects xmlns:a14="http://schemas.microsoft.com/office/drawing/2010/main" xmlns="">
+              <a14:hiddenEffects xmlns="" xmlns:a14="http://schemas.microsoft.com/office/drawing/2010/main">
                 <a:effectLst>
                   <a:outerShdw blurRad="63500" dist="38099" dir="2700000" algn="ctr" rotWithShape="0">
                     <a:schemeClr val="bg2">
@@ -8120,17 +8120,17 @@
           <a:effectLst/>
           <a:extLst>
             <a:ext uri="{FAA26D3D-D897-4be2-8F04-BA451C77F1D7}">
-              <ma14:placeholderFlag xmlns:ma14="http://schemas.microsoft.com/office/mac/drawingml/2011/main" xmlns="" val="1"/>
+              <ma14:placeholderFlag xmlns="" xmlns:ma14="http://schemas.microsoft.com/office/mac/drawingml/2011/main" val="1"/>
             </a:ext>
             <a:ext uri="{909E8E84-426E-40dd-AFC4-6F175D3DCCD1}">
-              <a14:hiddenFill xmlns:a14="http://schemas.microsoft.com/office/drawing/2010/main" xmlns="">
+              <a14:hiddenFill xmlns="" xmlns:a14="http://schemas.microsoft.com/office/drawing/2010/main">
                 <a:solidFill>
                   <a:schemeClr val="bg1"/>
                 </a:solidFill>
               </a14:hiddenFill>
             </a:ext>
             <a:ext uri="{91240B29-F687-4f45-9708-019B960494DF}">
-              <a14:hiddenLine xmlns:a14="http://schemas.microsoft.com/office/drawing/2010/main" xmlns="" w="12700">
+              <a14:hiddenLine xmlns="" xmlns:a14="http://schemas.microsoft.com/office/drawing/2010/main" w="12700">
                 <a:pattFill prst="narHorz">
                   <a:fgClr>
                     <a:schemeClr val="tx1"/>
@@ -8145,7 +8145,7 @@
               </a14:hiddenLine>
             </a:ext>
             <a:ext uri="{AF507438-7753-43e0-B8FC-AC1667EBCBE1}">
-              <a14:hiddenEffects xmlns:a14="http://schemas.microsoft.com/office/drawing/2010/main" xmlns="">
+              <a14:hiddenEffects xmlns="" xmlns:a14="http://schemas.microsoft.com/office/drawing/2010/main">
                 <a:effectLst>
                   <a:outerShdw blurRad="63500" dist="38099" dir="2700000" algn="ctr" rotWithShape="0">
                     <a:schemeClr val="bg2">
@@ -8224,14 +8224,14 @@
           <a:effectLst/>
           <a:extLst>
             <a:ext uri="{909E8E84-426E-40dd-AFC4-6F175D3DCCD1}">
-              <a14:hiddenFill xmlns:a14="http://schemas.microsoft.com/office/drawing/2010/main" xmlns="">
+              <a14:hiddenFill xmlns="" xmlns:a14="http://schemas.microsoft.com/office/drawing/2010/main">
                 <a:solidFill>
                   <a:schemeClr val="bg1"/>
                 </a:solidFill>
               </a14:hiddenFill>
             </a:ext>
             <a:ext uri="{91240B29-F687-4f45-9708-019B960494DF}">
-              <a14:hiddenLine xmlns:a14="http://schemas.microsoft.com/office/drawing/2010/main" xmlns="" w="12700">
+              <a14:hiddenLine xmlns="" xmlns:a14="http://schemas.microsoft.com/office/drawing/2010/main" w="12700">
                 <a:pattFill prst="narHorz">
                   <a:fgClr>
                     <a:schemeClr val="tx1"/>
@@ -8246,7 +8246,7 @@
               </a14:hiddenLine>
             </a:ext>
             <a:ext uri="{AF507438-7753-43e0-B8FC-AC1667EBCBE1}">
-              <a14:hiddenEffects xmlns:a14="http://schemas.microsoft.com/office/drawing/2010/main" xmlns="">
+              <a14:hiddenEffects xmlns="" xmlns:a14="http://schemas.microsoft.com/office/drawing/2010/main">
                 <a:effectLst>
                   <a:outerShdw dist="35921" dir="2700000" algn="ctr" rotWithShape="0">
                     <a:schemeClr val="bg2"/>
@@ -8322,12 +8322,12 @@
           <a:effectLst/>
           <a:extLst>
             <a:ext uri="{909E8E84-426E-40dd-AFC4-6F175D3DCCD1}">
-              <a14:hiddenFill xmlns:a14="http://schemas.microsoft.com/office/drawing/2010/main" xmlns="">
+              <a14:hiddenFill xmlns="" xmlns:a14="http://schemas.microsoft.com/office/drawing/2010/main">
                 <a:noFill/>
               </a14:hiddenFill>
             </a:ext>
             <a:ext uri="{AF507438-7753-43e0-B8FC-AC1667EBCBE1}">
-              <a14:hiddenEffects xmlns:a14="http://schemas.microsoft.com/office/drawing/2010/main" xmlns="">
+              <a14:hiddenEffects xmlns="" xmlns:a14="http://schemas.microsoft.com/office/drawing/2010/main">
                 <a:effectLst>
                   <a:outerShdw blurRad="63500" dist="38099" dir="2700000" algn="ctr" rotWithShape="0">
                     <a:schemeClr val="bg2">
@@ -15172,6 +15172,53 @@
           <a:chExt cx="0" cy="0"/>
         </a:xfrm>
       </p:grpSpPr>
+      <p:pic>
+        <p:nvPicPr>
+          <p:cNvPr id="7" name="Picture 2" descr="Process management :: Operating systems 2018">
+            <a:extLst>
+              <a:ext uri="{FF2B5EF4-FFF2-40B4-BE49-F238E27FC236}">
+                <a16:creationId xmlns:a16="http://schemas.microsoft.com/office/drawing/2014/main" id="{C6D9E28B-3858-47C3-1888-3FD2A595EBBF}"/>
+              </a:ext>
+            </a:extLst>
+          </p:cNvPr>
+          <p:cNvPicPr>
+            <a:picLocks noChangeAspect="1" noChangeArrowheads="1"/>
+          </p:cNvPicPr>
+          <p:nvPr/>
+        </p:nvPicPr>
+        <p:blipFill>
+          <a:blip r:embed="rId3" cstate="email">
+            <a:extLst>
+              <a:ext uri="{28A0092B-C50C-407E-A947-70E740481C1C}">
+                <a14:useLocalDpi xmlns:a14="http://schemas.microsoft.com/office/drawing/2010/main" val="0"/>
+              </a:ext>
+            </a:extLst>
+          </a:blip>
+          <a:srcRect/>
+          <a:stretch>
+            <a:fillRect/>
+          </a:stretch>
+        </p:blipFill>
+        <p:spPr bwMode="auto">
+          <a:xfrm>
+            <a:off x="8901832" y="2469842"/>
+            <a:ext cx="3084930" cy="4163354"/>
+          </a:xfrm>
+          <a:prstGeom prst="rect">
+            <a:avLst/>
+          </a:prstGeom>
+          <a:noFill/>
+          <a:extLst>
+            <a:ext uri="{909E8E84-426E-40DD-AFC4-6F175D3DCCD1}">
+              <a14:hiddenFill xmlns:a14="http://schemas.microsoft.com/office/drawing/2010/main">
+                <a:solidFill>
+                  <a:srgbClr val="FFFFFF"/>
+                </a:solidFill>
+              </a14:hiddenFill>
+            </a:ext>
+          </a:extLst>
+        </p:spPr>
+      </p:pic>
       <p:sp>
         <p:nvSpPr>
           <p:cNvPr id="2" name="Tittel 1">
@@ -16325,7 +16372,39 @@
                   <a:srgbClr val="BA2121"/>
                 </a:solidFill>
               </a:rPr>
-              <a:t>“this will be replaced,</a:t>
+              <a:t>“After call to </a:t>
+            </a:r>
+            <a:r>
+              <a:rPr lang="en-US" altLang="zh-CN" sz="1400" dirty="0" err="1">
+                <a:solidFill>
+                  <a:srgbClr val="BA2121"/>
+                </a:solidFill>
+              </a:rPr>
+              <a:t>execvp</a:t>
+            </a:r>
+            <a:r>
+              <a:rPr lang="en-US" altLang="zh-CN" sz="1400" dirty="0">
+                <a:solidFill>
+                  <a:srgbClr val="BA2121"/>
+                </a:solidFill>
+              </a:rPr>
+              <a:t>(), the whole child process address space is overwritten and replaced by the </a:t>
+            </a:r>
+            <a:r>
+              <a:rPr lang="en-US" altLang="zh-CN" sz="1400" dirty="0" err="1">
+                <a:solidFill>
+                  <a:srgbClr val="BA2121"/>
+                </a:solidFill>
+              </a:rPr>
+              <a:t>wc</a:t>
+            </a:r>
+            <a:r>
+              <a:rPr lang="en-US" altLang="zh-CN" sz="1400" dirty="0">
+                <a:solidFill>
+                  <a:srgbClr val="BA2121"/>
+                </a:solidFill>
+              </a:rPr>
+              <a:t> program, including this line’s instruction, so this line will never be called.</a:t>
             </a:r>
             <a:r>
               <a:rPr lang="zh-CN" altLang="en-US" sz="1400" dirty="0">
@@ -16341,55 +16420,7 @@
                   <a:srgbClr val="BA2121"/>
                 </a:solidFill>
               </a:rPr>
-              <a:t>so</a:t>
-            </a:r>
-            <a:r>
-              <a:rPr lang="zh-CN" altLang="en-US" sz="1400" dirty="0">
-                <a:solidFill>
-                  <a:srgbClr val="BA2121"/>
-                </a:solidFill>
-              </a:rPr>
-              <a:t> </a:t>
-            </a:r>
-            <a:r>
-              <a:rPr lang="en-US" altLang="zh-CN" sz="1400" dirty="0">
-                <a:solidFill>
-                  <a:srgbClr val="BA2121"/>
-                </a:solidFill>
-              </a:rPr>
-              <a:t>not</a:t>
-            </a:r>
-            <a:r>
-              <a:rPr lang="zh-CN" altLang="en-US" sz="1400" dirty="0">
-                <a:solidFill>
-                  <a:srgbClr val="BA2121"/>
-                </a:solidFill>
-              </a:rPr>
-              <a:t> </a:t>
-            </a:r>
-            <a:r>
-              <a:rPr lang="en-US" altLang="zh-CN" sz="1400" dirty="0">
-                <a:solidFill>
-                  <a:srgbClr val="BA2121"/>
-                </a:solidFill>
-              </a:rPr>
-              <a:t>printed</a:t>
-            </a:r>
-            <a:r>
-              <a:rPr lang="zh-CN" altLang="en-US" sz="1400" dirty="0">
-                <a:solidFill>
-                  <a:srgbClr val="BA2121"/>
-                </a:solidFill>
-              </a:rPr>
-              <a:t> </a:t>
-            </a:r>
-            <a:r>
-              <a:rPr lang="en-US" altLang="zh-CN" sz="1400" dirty="0">
-                <a:solidFill>
-                  <a:srgbClr val="BA2121"/>
-                </a:solidFill>
-              </a:rPr>
-              <a:t>out"</a:t>
+              <a:t>"</a:t>
             </a:r>
             <a:r>
               <a:rPr lang="en-US" altLang="zh-CN" sz="1400" dirty="0"/>
@@ -16690,7 +16721,7 @@
           <p:nvPr/>
         </p:nvPicPr>
         <p:blipFill>
-          <a:blip r:embed="rId3"/>
+          <a:blip r:embed="rId4"/>
           <a:stretch>
             <a:fillRect/>
           </a:stretch>
@@ -16718,53 +16749,6 @@
             <a:schemeClr val="dk1"/>
           </a:fontRef>
         </p:style>
-      </p:pic>
-      <p:pic>
-        <p:nvPicPr>
-          <p:cNvPr id="7" name="Picture 2" descr="Process management :: Operating systems 2018">
-            <a:extLst>
-              <a:ext uri="{FF2B5EF4-FFF2-40B4-BE49-F238E27FC236}">
-                <a16:creationId xmlns:a16="http://schemas.microsoft.com/office/drawing/2014/main" id="{C6D9E28B-3858-47C3-1888-3FD2A595EBBF}"/>
-              </a:ext>
-            </a:extLst>
-          </p:cNvPr>
-          <p:cNvPicPr>
-            <a:picLocks noChangeAspect="1" noChangeArrowheads="1"/>
-          </p:cNvPicPr>
-          <p:nvPr/>
-        </p:nvPicPr>
-        <p:blipFill>
-          <a:blip r:embed="rId4" cstate="email">
-            <a:extLst>
-              <a:ext uri="{28A0092B-C50C-407E-A947-70E740481C1C}">
-                <a14:useLocalDpi xmlns:a14="http://schemas.microsoft.com/office/drawing/2010/main" val="0"/>
-              </a:ext>
-            </a:extLst>
-          </a:blip>
-          <a:srcRect/>
-          <a:stretch>
-            <a:fillRect/>
-          </a:stretch>
-        </p:blipFill>
-        <p:spPr bwMode="auto">
-          <a:xfrm>
-            <a:off x="8978535" y="2399481"/>
-            <a:ext cx="3084930" cy="4163354"/>
-          </a:xfrm>
-          <a:prstGeom prst="rect">
-            <a:avLst/>
-          </a:prstGeom>
-          <a:noFill/>
-          <a:extLst>
-            <a:ext uri="{909E8E84-426E-40DD-AFC4-6F175D3DCCD1}">
-              <a14:hiddenFill xmlns:a14="http://schemas.microsoft.com/office/drawing/2010/main">
-                <a:solidFill>
-                  <a:srgbClr val="FFFFFF"/>
-                </a:solidFill>
-              </a14:hiddenFill>
-            </a:ext>
-          </a:extLst>
-        </p:spPr>
       </p:pic>
       <p:sp>
         <p:nvSpPr>
@@ -17964,7 +17948,7 @@
           </a:ln>
           <a:extLst>
             <a:ext uri="{AF507438-7753-43e0-B8FC-AC1667EBCBE1}">
-              <a14:hiddenEffects xmlns:a14="http://schemas.microsoft.com/office/drawing/2010/main" xmlns="">
+              <a14:hiddenEffects xmlns="" xmlns:a14="http://schemas.microsoft.com/office/drawing/2010/main">
                 <a:effectLst>
                   <a:outerShdw dist="35921" dir="2700000" algn="ctr" rotWithShape="0">
                     <a:schemeClr val="bg2"/>
@@ -18051,7 +18035,7 @@
           </a:ln>
           <a:extLst>
             <a:ext uri="{AF507438-7753-43e0-B8FC-AC1667EBCBE1}">
-              <a14:hiddenEffects xmlns:a14="http://schemas.microsoft.com/office/drawing/2010/main" xmlns="">
+              <a14:hiddenEffects xmlns="" xmlns:a14="http://schemas.microsoft.com/office/drawing/2010/main">
                 <a:effectLst>
                   <a:outerShdw dist="35921" dir="2700000" algn="ctr" rotWithShape="0">
                     <a:schemeClr val="bg2"/>
@@ -18224,7 +18208,7 @@
           </a:ln>
           <a:extLst>
             <a:ext uri="{AF507438-7753-43e0-B8FC-AC1667EBCBE1}">
-              <a14:hiddenEffects xmlns:a14="http://schemas.microsoft.com/office/drawing/2010/main" xmlns="">
+              <a14:hiddenEffects xmlns="" xmlns:a14="http://schemas.microsoft.com/office/drawing/2010/main">
                 <a:effectLst>
                   <a:outerShdw dist="35921" dir="2700000" algn="ctr" rotWithShape="0">
                     <a:schemeClr val="bg2"/>
@@ -48507,7 +48491,7 @@
           </a:ln>
           <a:extLst>
             <a:ext uri="{AF507438-7753-43e0-B8FC-AC1667EBCBE1}">
-              <a14:hiddenEffects xmlns:a14="http://schemas.microsoft.com/office/drawing/2010/main" xmlns="">
+              <a14:hiddenEffects xmlns="" xmlns:a14="http://schemas.microsoft.com/office/drawing/2010/main">
                 <a:effectLst>
                   <a:outerShdw dist="35921" dir="2700000" algn="ctr" rotWithShape="0">
                     <a:schemeClr val="bg2"/>
@@ -55948,7 +55932,7 @@
         <a:effectLst/>
         <a:extLst>
           <a:ext uri="{AF507438-7753-43e0-B8FC-AC1667EBCBE1}">
-            <a14:hiddenEffects xmlns="" xmlns:a14="http://schemas.microsoft.com/office/drawing/2010/main">
+            <a14:hiddenEffects xmlns:a14="http://schemas.microsoft.com/office/drawing/2010/main" xmlns="">
               <a:effectLst>
                 <a:outerShdw dist="35921" dir="2700000" algn="ctr" rotWithShape="0">
                   <a:schemeClr val="bg2"/>
@@ -56021,7 +56005,7 @@
         <a:effectLst/>
         <a:extLst>
           <a:ext uri="{AF507438-7753-43e0-B8FC-AC1667EBCBE1}">
-            <a14:hiddenEffects xmlns="" xmlns:a14="http://schemas.microsoft.com/office/drawing/2010/main">
+            <a14:hiddenEffects xmlns:a14="http://schemas.microsoft.com/office/drawing/2010/main" xmlns="">
               <a:effectLst>
                 <a:outerShdw dist="35921" dir="2700000" algn="ctr" rotWithShape="0">
                   <a:schemeClr val="bg2"/>

--- a/PPTs/L2-Processes Threads.pptx
+++ b/PPTs/L2-Processes Threads.pptx
@@ -293,14 +293,14 @@
           <a:effectLst/>
           <a:extLst>
             <a:ext uri="{909E8E84-426E-40dd-AFC4-6F175D3DCCD1}">
-              <a14:hiddenFill xmlns="" xmlns:a14="http://schemas.microsoft.com/office/drawing/2010/main">
+              <a14:hiddenFill xmlns:a14="http://schemas.microsoft.com/office/drawing/2010/main" xmlns="">
                 <a:solidFill>
                   <a:schemeClr val="bg1"/>
                 </a:solidFill>
               </a14:hiddenFill>
             </a:ext>
             <a:ext uri="{91240B29-F687-4f45-9708-019B960494DF}">
-              <a14:hiddenLine xmlns="" xmlns:a14="http://schemas.microsoft.com/office/drawing/2010/main" w="12700">
+              <a14:hiddenLine xmlns:a14="http://schemas.microsoft.com/office/drawing/2010/main" xmlns="" w="12700">
                 <a:pattFill prst="narHorz">
                   <a:fgClr>
                     <a:schemeClr val="tx1"/>
@@ -315,7 +315,7 @@
               </a14:hiddenLine>
             </a:ext>
             <a:ext uri="{AF507438-7753-43e0-B8FC-AC1667EBCBE1}">
-              <a14:hiddenEffects xmlns="" xmlns:a14="http://schemas.microsoft.com/office/drawing/2010/main">
+              <a14:hiddenEffects xmlns:a14="http://schemas.microsoft.com/office/drawing/2010/main" xmlns="">
                 <a:effectLst>
                   <a:outerShdw dist="35921" dir="2700000" algn="ctr" rotWithShape="0">
                     <a:schemeClr val="bg2"/>
@@ -421,14 +421,14 @@
           <a:effectLst/>
           <a:extLst>
             <a:ext uri="{909E8E84-426E-40dd-AFC4-6F175D3DCCD1}">
-              <a14:hiddenFill xmlns="" xmlns:a14="http://schemas.microsoft.com/office/drawing/2010/main">
+              <a14:hiddenFill xmlns:a14="http://schemas.microsoft.com/office/drawing/2010/main" xmlns="">
                 <a:solidFill>
                   <a:schemeClr val="bg1"/>
                 </a:solidFill>
               </a14:hiddenFill>
             </a:ext>
             <a:ext uri="{91240B29-F687-4f45-9708-019B960494DF}">
-              <a14:hiddenLine xmlns="" xmlns:a14="http://schemas.microsoft.com/office/drawing/2010/main" w="12700">
+              <a14:hiddenLine xmlns:a14="http://schemas.microsoft.com/office/drawing/2010/main" xmlns="" w="12700">
                 <a:pattFill prst="narHorz">
                   <a:fgClr>
                     <a:schemeClr val="tx1"/>
@@ -443,7 +443,7 @@
               </a14:hiddenLine>
             </a:ext>
             <a:ext uri="{AF507438-7753-43e0-B8FC-AC1667EBCBE1}">
-              <a14:hiddenEffects xmlns="" xmlns:a14="http://schemas.microsoft.com/office/drawing/2010/main">
+              <a14:hiddenEffects xmlns:a14="http://schemas.microsoft.com/office/drawing/2010/main" xmlns="">
                 <a:effectLst>
                   <a:outerShdw dist="35921" dir="2700000" algn="ctr" rotWithShape="0">
                     <a:schemeClr val="bg2"/>
@@ -511,17 +511,17 @@
           <a:effectLst/>
           <a:extLst>
             <a:ext uri="{FAA26D3D-D897-4be2-8F04-BA451C77F1D7}">
-              <ma14:placeholderFlag xmlns="" xmlns:ma14="http://schemas.microsoft.com/office/mac/drawingml/2011/main" val="1"/>
+              <ma14:placeholderFlag xmlns:ma14="http://schemas.microsoft.com/office/mac/drawingml/2011/main" xmlns="" val="1"/>
             </a:ext>
             <a:ext uri="{909E8E84-426E-40dd-AFC4-6F175D3DCCD1}">
-              <a14:hiddenFill xmlns="" xmlns:a14="http://schemas.microsoft.com/office/drawing/2010/main">
+              <a14:hiddenFill xmlns:a14="http://schemas.microsoft.com/office/drawing/2010/main" xmlns="">
                 <a:solidFill>
                   <a:srgbClr val="FFFFFF"/>
                 </a:solidFill>
               </a14:hiddenFill>
             </a:ext>
             <a:ext uri="{AF507438-7753-43e0-B8FC-AC1667EBCBE1}">
-              <a14:hiddenEffects xmlns="" xmlns:a14="http://schemas.microsoft.com/office/drawing/2010/main">
+              <a14:hiddenEffects xmlns:a14="http://schemas.microsoft.com/office/drawing/2010/main" xmlns="">
                 <a:effectLst>
                   <a:outerShdw blurRad="63500" dist="38099" dir="2700000" algn="ctr" rotWithShape="0">
                     <a:srgbClr val="000000">
@@ -532,7 +532,7 @@
               </a14:hiddenEffects>
             </a:ext>
             <a:ext uri="{53640926-AAD7-44d8-BBD7-CCE9431645EC}">
-              <a14:shadowObscured xmlns="" xmlns:a14="http://schemas.microsoft.com/office/drawing/2010/main" val="1"/>
+              <a14:shadowObscured xmlns:a14="http://schemas.microsoft.com/office/drawing/2010/main" xmlns="" val="1"/>
             </a:ext>
           </a:extLst>
         </p:spPr>
@@ -562,14 +562,14 @@
           <a:effectLst/>
           <a:extLst>
             <a:ext uri="{909E8E84-426E-40dd-AFC4-6F175D3DCCD1}">
-              <a14:hiddenFill xmlns="" xmlns:a14="http://schemas.microsoft.com/office/drawing/2010/main">
+              <a14:hiddenFill xmlns:a14="http://schemas.microsoft.com/office/drawing/2010/main" xmlns="">
                 <a:solidFill>
                   <a:schemeClr val="bg1"/>
                 </a:solidFill>
               </a14:hiddenFill>
             </a:ext>
             <a:ext uri="{91240B29-F687-4f45-9708-019B960494DF}">
-              <a14:hiddenLine xmlns="" xmlns:a14="http://schemas.microsoft.com/office/drawing/2010/main" w="12700">
+              <a14:hiddenLine xmlns:a14="http://schemas.microsoft.com/office/drawing/2010/main" xmlns="" w="12700">
                 <a:pattFill prst="narHorz">
                   <a:fgClr>
                     <a:schemeClr val="tx1"/>
@@ -584,7 +584,7 @@
               </a14:hiddenLine>
             </a:ext>
             <a:ext uri="{AF507438-7753-43e0-B8FC-AC1667EBCBE1}">
-              <a14:hiddenEffects xmlns="" xmlns:a14="http://schemas.microsoft.com/office/drawing/2010/main">
+              <a14:hiddenEffects xmlns:a14="http://schemas.microsoft.com/office/drawing/2010/main" xmlns="">
                 <a:effectLst>
                   <a:outerShdw dist="35921" dir="2700000" algn="ctr" rotWithShape="0">
                     <a:schemeClr val="bg2"/>
@@ -834,10 +834,10 @@
         <p:spPr>
           <a:extLst>
             <a:ext uri="{FAA26D3D-D897-4be2-8F04-BA451C77F1D7}">
-              <ma14:placeholderFlag xmlns:ma14="http://schemas.microsoft.com/office/mac/drawingml/2011/main" xmlns="" val="1"/>
+              <ma14:placeholderFlag xmlns="" xmlns:ma14="http://schemas.microsoft.com/office/mac/drawingml/2011/main" val="1"/>
             </a:ext>
             <a:ext uri="{AF507438-7753-43e0-B8FC-AC1667EBCBE1}">
-              <a14:hiddenEffects xmlns:a14="http://schemas.microsoft.com/office/drawing/2010/main" xmlns="">
+              <a14:hiddenEffects xmlns="" xmlns:a14="http://schemas.microsoft.com/office/drawing/2010/main">
                 <a:effectLst>
                   <a:outerShdw blurRad="63500" dist="38099" dir="2700000" algn="ctr" rotWithShape="0">
                     <a:schemeClr val="bg2">
@@ -1588,31 +1588,39 @@
           <a:bodyPr/>
           <a:lstStyle/>
           <a:p>
-            <a:pPr marL="0" marR="0" lvl="0" indent="0" algn="l" defTabSz="914400" rtl="0" eaLnBrk="0" fontAlgn="base" latinLnBrk="0" hangingPunct="0">
+            <a:r>
+              <a:rPr lang="en-GB" dirty="0"/>
+              <a:t>In Child process: exec() replaces the current process image with a new program called SOME_COMMAND. The child process will execute the command and terminate. The code following it (e.g., </a:t>
+            </a:r>
+            <a:r>
+              <a:rPr lang="en-GB" dirty="0" err="1"/>
+              <a:t>printf</a:t>
+            </a:r>
+            <a:r>
+              <a:rPr lang="en-GB" dirty="0"/>
+              <a:t>("Child\n")) will not be executed because it is now running</a:t>
+            </a:r>
+            <a:r>
+              <a:rPr lang="en-US" altLang="zh-CN" dirty="0"/>
+              <a:t> </a:t>
+            </a:r>
+            <a:r>
+              <a:rPr lang="en-GB" dirty="0"/>
+              <a:t>SOME_COMMAND, not the code shown in the text box.</a:t>
+            </a:r>
+          </a:p>
+          <a:p>
+            <a:pPr marL="287020" marR="2613025" indent="-274955">
               <a:lnSpc>
-                <a:spcPct val="90000"/>
+                <a:spcPts val="2310"/>
               </a:lnSpc>
               <a:spcBef>
-                <a:spcPct val="40000"/>
+                <a:spcPts val="195"/>
               </a:spcBef>
-              <a:spcAft>
-                <a:spcPct val="0"/>
-              </a:spcAft>
-              <a:buClrTx/>
-              <a:buSzTx/>
-              <a:buFontTx/>
-              <a:buNone/>
-              <a:tabLst/>
-              <a:defRPr/>
             </a:pPr>
-            <a:r>
-              <a:rPr lang="en-US" altLang="zh-CN" sz="1200" dirty="0">
-                <a:latin typeface="Gill Sans Light"/>
-              </a:rPr>
-              <a:t>Output</a:t>
-            </a:r>
-            <a:endParaRPr lang="en-SE" sz="1200" dirty="0">
-              <a:latin typeface="Gill Sans Light"/>
+            <a:endParaRPr lang="en-GB" sz="1200" dirty="0">
+              <a:latin typeface="Arial MT"/>
+              <a:cs typeface="Arial MT"/>
             </a:endParaRPr>
           </a:p>
           <a:p>
@@ -10323,17 +10331,17 @@
           <a:effectLst/>
           <a:extLst>
             <a:ext uri="{FAA26D3D-D897-4be2-8F04-BA451C77F1D7}">
-              <ma14:placeholderFlag xmlns="" xmlns:ma14="http://schemas.microsoft.com/office/mac/drawingml/2011/main" val="1"/>
+              <ma14:placeholderFlag xmlns:ma14="http://schemas.microsoft.com/office/mac/drawingml/2011/main" xmlns="" val="1"/>
             </a:ext>
             <a:ext uri="{909E8E84-426E-40dd-AFC4-6F175D3DCCD1}">
-              <a14:hiddenFill xmlns="" xmlns:a14="http://schemas.microsoft.com/office/drawing/2010/main">
+              <a14:hiddenFill xmlns:a14="http://schemas.microsoft.com/office/drawing/2010/main" xmlns="">
                 <a:solidFill>
                   <a:schemeClr val="bg1"/>
                 </a:solidFill>
               </a14:hiddenFill>
             </a:ext>
             <a:ext uri="{91240B29-F687-4f45-9708-019B960494DF}">
-              <a14:hiddenLine xmlns="" xmlns:a14="http://schemas.microsoft.com/office/drawing/2010/main" w="12700">
+              <a14:hiddenLine xmlns:a14="http://schemas.microsoft.com/office/drawing/2010/main" xmlns="" w="12700">
                 <a:pattFill prst="narHorz">
                   <a:fgClr>
                     <a:schemeClr val="tx1"/>
@@ -10348,7 +10356,7 @@
               </a14:hiddenLine>
             </a:ext>
             <a:ext uri="{AF507438-7753-43e0-B8FC-AC1667EBCBE1}">
-              <a14:hiddenEffects xmlns="" xmlns:a14="http://schemas.microsoft.com/office/drawing/2010/main">
+              <a14:hiddenEffects xmlns:a14="http://schemas.microsoft.com/office/drawing/2010/main" xmlns="">
                 <a:effectLst>
                   <a:outerShdw blurRad="63500" dist="38099" dir="2700000" algn="ctr" rotWithShape="0">
                     <a:schemeClr val="bg2">
@@ -10401,17 +10409,17 @@
           <a:effectLst/>
           <a:extLst>
             <a:ext uri="{FAA26D3D-D897-4be2-8F04-BA451C77F1D7}">
-              <ma14:placeholderFlag xmlns="" xmlns:ma14="http://schemas.microsoft.com/office/mac/drawingml/2011/main" val="1"/>
+              <ma14:placeholderFlag xmlns:ma14="http://schemas.microsoft.com/office/mac/drawingml/2011/main" xmlns="" val="1"/>
             </a:ext>
             <a:ext uri="{909E8E84-426E-40dd-AFC4-6F175D3DCCD1}">
-              <a14:hiddenFill xmlns="" xmlns:a14="http://schemas.microsoft.com/office/drawing/2010/main">
+              <a14:hiddenFill xmlns:a14="http://schemas.microsoft.com/office/drawing/2010/main" xmlns="">
                 <a:solidFill>
                   <a:schemeClr val="bg1"/>
                 </a:solidFill>
               </a14:hiddenFill>
             </a:ext>
             <a:ext uri="{91240B29-F687-4f45-9708-019B960494DF}">
-              <a14:hiddenLine xmlns="" xmlns:a14="http://schemas.microsoft.com/office/drawing/2010/main" w="12700">
+              <a14:hiddenLine xmlns:a14="http://schemas.microsoft.com/office/drawing/2010/main" xmlns="" w="12700">
                 <a:pattFill prst="narHorz">
                   <a:fgClr>
                     <a:schemeClr val="tx1"/>
@@ -10426,7 +10434,7 @@
               </a14:hiddenLine>
             </a:ext>
             <a:ext uri="{AF507438-7753-43e0-B8FC-AC1667EBCBE1}">
-              <a14:hiddenEffects xmlns="" xmlns:a14="http://schemas.microsoft.com/office/drawing/2010/main">
+              <a14:hiddenEffects xmlns:a14="http://schemas.microsoft.com/office/drawing/2010/main" xmlns="">
                 <a:effectLst>
                   <a:outerShdw blurRad="63500" dist="38099" dir="2700000" algn="ctr" rotWithShape="0">
                     <a:schemeClr val="bg2">
@@ -10479,99 +10487,6 @@
               <a:rPr lang="en-US" altLang="en-US"/>
               <a:t>Fifth Level</a:t>
             </a:r>
-          </a:p>
-        </p:txBody>
-      </p:sp>
-      <p:sp>
-        <p:nvSpPr>
-          <p:cNvPr id="1028" name="Rectangle 4"/>
-          <p:cNvSpPr>
-            <a:spLocks noChangeArrowheads="1"/>
-          </p:cNvSpPr>
-          <p:nvPr userDrawn="1"/>
-        </p:nvSpPr>
-        <p:spPr bwMode="auto">
-          <a:xfrm>
-            <a:off x="11506200" y="6551306"/>
-            <a:ext cx="530574" cy="305202"/>
-          </a:xfrm>
-          <a:prstGeom prst="rect">
-            <a:avLst/>
-          </a:prstGeom>
-          <a:noFill/>
-          <a:ln>
-            <a:noFill/>
-          </a:ln>
-          <a:effectLst/>
-          <a:extLst>
-            <a:ext uri="{909E8E84-426E-40dd-AFC4-6F175D3DCCD1}">
-              <a14:hiddenFill xmlns="" xmlns:a14="http://schemas.microsoft.com/office/drawing/2010/main">
-                <a:solidFill>
-                  <a:schemeClr val="bg1"/>
-                </a:solidFill>
-              </a14:hiddenFill>
-            </a:ext>
-            <a:ext uri="{91240B29-F687-4f45-9708-019B960494DF}">
-              <a14:hiddenLine xmlns="" xmlns:a14="http://schemas.microsoft.com/office/drawing/2010/main" w="12700">
-                <a:pattFill prst="narHorz">
-                  <a:fgClr>
-                    <a:schemeClr val="tx1"/>
-                  </a:fgClr>
-                  <a:bgClr>
-                    <a:schemeClr val="bg1"/>
-                  </a:bgClr>
-                </a:pattFill>
-                <a:miter lim="800000"/>
-                <a:headEnd/>
-                <a:tailEnd/>
-              </a14:hiddenLine>
-            </a:ext>
-            <a:ext uri="{AF507438-7753-43e0-B8FC-AC1667EBCBE1}">
-              <a14:hiddenEffects xmlns="" xmlns:a14="http://schemas.microsoft.com/office/drawing/2010/main">
-                <a:effectLst>
-                  <a:outerShdw dist="35921" dir="2700000" algn="ctr" rotWithShape="0">
-                    <a:schemeClr val="bg2"/>
-                  </a:outerShdw>
-                </a:effectLst>
-              </a14:hiddenEffects>
-            </a:ext>
-          </a:extLst>
-        </p:spPr>
-        <p:txBody>
-          <a:bodyPr wrap="none" lIns="90478" tIns="44445" rIns="90478" bIns="44445">
-            <a:spAutoFit/>
-          </a:bodyPr>
-          <a:lstStyle/>
-          <a:p>
-            <a:pPr algn="ctr"/>
-            <a:r>
-              <a:rPr lang="en-US" sz="1400" b="0">
-                <a:solidFill>
-                  <a:srgbClr val="2A40E2"/>
-                </a:solidFill>
-                <a:latin typeface="Gill Sans" charset="0"/>
-                <a:cs typeface="Gill Sans" charset="0"/>
-              </a:rPr>
-              <a:t>2.</a:t>
-            </a:r>
-            <a:fld id="{8B82DB86-37F9-954E-8F10-00623E1FD261}" type="slidenum">
-              <a:rPr lang="en-US" sz="1400" b="0" smtClean="0">
-                <a:solidFill>
-                  <a:srgbClr val="2A40E2"/>
-                </a:solidFill>
-                <a:latin typeface="Gill Sans" charset="0"/>
-                <a:cs typeface="Gill Sans" charset="0"/>
-              </a:rPr>
-              <a:pPr algn="ctr"/>
-              <a:t>‹#›</a:t>
-            </a:fld>
-            <a:endParaRPr lang="en-US" sz="1400" b="0">
-              <a:solidFill>
-                <a:srgbClr val="2A40E2"/>
-              </a:solidFill>
-              <a:latin typeface="Gill Sans" charset="0"/>
-              <a:cs typeface="Gill Sans" charset="0"/>
-            </a:endParaRPr>
           </a:p>
         </p:txBody>
       </p:sp>
@@ -10603,12 +10518,12 @@
           <a:effectLst/>
           <a:extLst>
             <a:ext uri="{909E8E84-426E-40dd-AFC4-6F175D3DCCD1}">
-              <a14:hiddenFill xmlns="" xmlns:a14="http://schemas.microsoft.com/office/drawing/2010/main">
+              <a14:hiddenFill xmlns:a14="http://schemas.microsoft.com/office/drawing/2010/main" xmlns="">
                 <a:noFill/>
               </a14:hiddenFill>
             </a:ext>
             <a:ext uri="{AF507438-7753-43e0-B8FC-AC1667EBCBE1}">
-              <a14:hiddenEffects xmlns="" xmlns:a14="http://schemas.microsoft.com/office/drawing/2010/main">
+              <a14:hiddenEffects xmlns:a14="http://schemas.microsoft.com/office/drawing/2010/main" xmlns="">
                 <a:effectLst>
                   <a:outerShdw blurRad="63500" dist="38099" dir="2700000" algn="ctr" rotWithShape="0">
                     <a:schemeClr val="bg2">
@@ -10630,6 +10545,95 @@
             <a:endParaRPr lang="en-US">
               <a:ea typeface="Arial" charset="0"/>
               <a:cs typeface="Arial" charset="0"/>
+            </a:endParaRPr>
+          </a:p>
+        </p:txBody>
+      </p:sp>
+      <p:sp>
+        <p:nvSpPr>
+          <p:cNvPr id="2" name="Rectangle 4">
+            <a:extLst>
+              <a:ext uri="{FF2B5EF4-FFF2-40B4-BE49-F238E27FC236}">
+                <a16:creationId xmlns:a16="http://schemas.microsoft.com/office/drawing/2014/main" id="{2B59379E-7C19-52B5-5841-17A373EEDE30}"/>
+              </a:ext>
+            </a:extLst>
+          </p:cNvPr>
+          <p:cNvSpPr>
+            <a:spLocks noChangeArrowheads="1"/>
+          </p:cNvSpPr>
+          <p:nvPr userDrawn="1"/>
+        </p:nvSpPr>
+        <p:spPr bwMode="auto">
+          <a:xfrm>
+            <a:off x="11797680" y="6552798"/>
+            <a:ext cx="394320" cy="305202"/>
+          </a:xfrm>
+          <a:prstGeom prst="rect">
+            <a:avLst/>
+          </a:prstGeom>
+          <a:noFill/>
+          <a:ln>
+            <a:noFill/>
+          </a:ln>
+          <a:effectLst/>
+          <a:extLst>
+            <a:ext uri="{909E8E84-426E-40dd-AFC4-6F175D3DCCD1}">
+              <a14:hiddenFill xmlns:a14="http://schemas.microsoft.com/office/drawing/2010/main" xmlns="">
+                <a:solidFill>
+                  <a:schemeClr val="bg1"/>
+                </a:solidFill>
+              </a14:hiddenFill>
+            </a:ext>
+            <a:ext uri="{91240B29-F687-4f45-9708-019B960494DF}">
+              <a14:hiddenLine xmlns:a14="http://schemas.microsoft.com/office/drawing/2010/main" xmlns="" w="12700">
+                <a:pattFill prst="narHorz">
+                  <a:fgClr>
+                    <a:schemeClr val="tx1"/>
+                  </a:fgClr>
+                  <a:bgClr>
+                    <a:schemeClr val="bg1"/>
+                  </a:bgClr>
+                </a:pattFill>
+                <a:miter lim="800000"/>
+                <a:headEnd/>
+                <a:tailEnd/>
+              </a14:hiddenLine>
+            </a:ext>
+            <a:ext uri="{AF507438-7753-43e0-B8FC-AC1667EBCBE1}">
+              <a14:hiddenEffects xmlns:a14="http://schemas.microsoft.com/office/drawing/2010/main" xmlns="">
+                <a:effectLst>
+                  <a:outerShdw dist="35921" dir="2700000" algn="ctr" rotWithShape="0">
+                    <a:schemeClr val="bg2"/>
+                  </a:outerShdw>
+                </a:effectLst>
+              </a14:hiddenEffects>
+            </a:ext>
+          </a:extLst>
+        </p:spPr>
+        <p:txBody>
+          <a:bodyPr wrap="none" lIns="90478" tIns="44445" rIns="90478" bIns="44445">
+            <a:spAutoFit/>
+          </a:bodyPr>
+          <a:lstStyle/>
+          <a:p>
+            <a:pPr algn="ctr"/>
+            <a:fld id="{8B82DB86-37F9-954E-8F10-00623E1FD261}" type="slidenum">
+              <a:rPr lang="en-US" sz="1400" b="0" smtClean="0">
+                <a:solidFill>
+                  <a:schemeClr val="tx1"/>
+                </a:solidFill>
+                <a:latin typeface="Gill Sans" charset="0"/>
+                <a:cs typeface="Gill Sans" charset="0"/>
+              </a:rPr>
+              <a:pPr algn="ctr"/>
+              <a:t>‹#›</a:t>
+            </a:fld>
+            <a:endParaRPr lang="en-US" sz="1400" b="0" dirty="0">
+              <a:solidFill>
+                <a:schemeClr val="tx1"/>
+              </a:solidFill>
+              <a:latin typeface="Gill Sans" charset="0"/>
+              <a:cs typeface="Gill Sans" charset="0"/>
             </a:endParaRPr>
           </a:p>
         </p:txBody>
@@ -11363,7 +11367,7 @@
         </p:spPr>
         <p:txBody>
           <a:bodyPr>
-            <a:normAutofit fontScale="92500" lnSpcReduction="10000"/>
+            <a:normAutofit fontScale="85000" lnSpcReduction="20000"/>
           </a:bodyPr>
           <a:lstStyle/>
           <a:p>
@@ -11412,613 +11416,511 @@
                   <a:srgbClr val="0070C0"/>
                 </a:solidFill>
               </a:rPr>
+              <a:t>ret</a:t>
+            </a:r>
+            <a:r>
+              <a:rPr lang="zh-CN" altLang="en-US" b="1" dirty="0">
+                <a:solidFill>
+                  <a:srgbClr val="0070C0"/>
+                </a:solidFill>
+              </a:rPr>
+              <a:t> </a:t>
+            </a:r>
+            <a:r>
+              <a:rPr lang="en-US" altLang="zh-CN" b="1" dirty="0">
+                <a:solidFill>
+                  <a:srgbClr val="0070C0"/>
+                </a:solidFill>
+              </a:rPr>
+              <a:t>=</a:t>
+            </a:r>
+            <a:r>
+              <a:rPr lang="zh-CN" altLang="en-US" b="1" dirty="0">
+                <a:solidFill>
+                  <a:srgbClr val="0070C0"/>
+                </a:solidFill>
+              </a:rPr>
+              <a:t> </a:t>
+            </a:r>
+            <a:r>
+              <a:rPr lang="en-US" altLang="zh-CN" b="1" dirty="0">
+                <a:solidFill>
+                  <a:srgbClr val="0070C0"/>
+                </a:solidFill>
+              </a:rPr>
+              <a:t>fork()</a:t>
+            </a:r>
+          </a:p>
+          <a:p>
+            <a:r>
+              <a:rPr lang="en-US" altLang="zh-CN" dirty="0"/>
+              <a:t>Both</a:t>
+            </a:r>
+            <a:r>
+              <a:rPr lang="zh-CN" altLang="en-US" dirty="0"/>
+              <a:t> </a:t>
+            </a:r>
+            <a:r>
+              <a:rPr lang="en-US" altLang="zh-CN" b="1" dirty="0">
+                <a:solidFill>
+                  <a:srgbClr val="0070C0"/>
+                </a:solidFill>
+              </a:rPr>
+              <a:t>parent</a:t>
+            </a:r>
+            <a:r>
+              <a:rPr lang="zh-CN" altLang="en-US" b="1" dirty="0">
+                <a:solidFill>
+                  <a:srgbClr val="0070C0"/>
+                </a:solidFill>
+              </a:rPr>
+              <a:t> </a:t>
+            </a:r>
+            <a:r>
+              <a:rPr lang="en-US" altLang="zh-CN" b="1" dirty="0">
+                <a:solidFill>
+                  <a:srgbClr val="0070C0"/>
+                </a:solidFill>
+              </a:rPr>
+              <a:t>process</a:t>
+            </a:r>
+            <a:r>
+              <a:rPr lang="zh-CN" altLang="en-US" b="1" dirty="0"/>
+              <a:t> </a:t>
+            </a:r>
+            <a:r>
+              <a:rPr lang="en-US" altLang="zh-CN" dirty="0"/>
+              <a:t>and</a:t>
+            </a:r>
+            <a:r>
+              <a:rPr lang="zh-CN" altLang="en-US" dirty="0"/>
+              <a:t> </a:t>
+            </a:r>
+            <a:r>
+              <a:rPr lang="en-US" altLang="zh-CN" b="1" dirty="0">
+                <a:solidFill>
+                  <a:srgbClr val="0070C0"/>
+                </a:solidFill>
+              </a:rPr>
+              <a:t>child</a:t>
+            </a:r>
+            <a:r>
+              <a:rPr lang="zh-CN" altLang="en-US" b="1" dirty="0">
+                <a:solidFill>
+                  <a:srgbClr val="0070C0"/>
+                </a:solidFill>
+              </a:rPr>
+              <a:t> </a:t>
+            </a:r>
+            <a:r>
+              <a:rPr lang="en-US" altLang="zh-CN" b="1" dirty="0">
+                <a:solidFill>
+                  <a:srgbClr val="0070C0"/>
+                </a:solidFill>
+              </a:rPr>
+              <a:t>process</a:t>
+            </a:r>
+            <a:r>
+              <a:rPr lang="zh-CN" altLang="en-US" b="1" dirty="0">
+                <a:solidFill>
+                  <a:srgbClr val="0070C0"/>
+                </a:solidFill>
+              </a:rPr>
+              <a:t> </a:t>
+            </a:r>
+            <a:r>
+              <a:rPr lang="en-US" altLang="zh-CN" dirty="0"/>
+              <a:t>continue</a:t>
+            </a:r>
+            <a:r>
+              <a:rPr lang="zh-CN" altLang="en-US" dirty="0"/>
+              <a:t> </a:t>
+            </a:r>
+            <a:r>
+              <a:rPr lang="en-US" altLang="zh-CN" dirty="0"/>
+              <a:t>to</a:t>
+            </a:r>
+            <a:r>
+              <a:rPr lang="zh-CN" altLang="en-US" dirty="0"/>
+              <a:t> </a:t>
+            </a:r>
+            <a:r>
+              <a:rPr lang="en-US" altLang="zh-CN" dirty="0"/>
+              <a:t>execute</a:t>
+            </a:r>
+            <a:r>
+              <a:rPr lang="zh-CN" altLang="en-US" dirty="0"/>
+              <a:t> </a:t>
+            </a:r>
+            <a:r>
+              <a:rPr lang="en-US" altLang="zh-CN" b="1" dirty="0">
+                <a:solidFill>
+                  <a:srgbClr val="FF0000"/>
+                </a:solidFill>
+              </a:rPr>
+              <a:t>the</a:t>
+            </a:r>
+            <a:r>
+              <a:rPr lang="zh-CN" altLang="en-US" b="1" dirty="0">
+                <a:solidFill>
+                  <a:srgbClr val="FF0000"/>
+                </a:solidFill>
+              </a:rPr>
+              <a:t> </a:t>
+            </a:r>
+            <a:r>
+              <a:rPr lang="en-US" altLang="zh-CN" b="1" dirty="0">
+                <a:solidFill>
+                  <a:srgbClr val="FF0000"/>
+                </a:solidFill>
+              </a:rPr>
+              <a:t>instruction</a:t>
+            </a:r>
+            <a:r>
+              <a:rPr lang="zh-CN" altLang="en-US" b="1" dirty="0">
+                <a:solidFill>
+                  <a:srgbClr val="FF0000"/>
+                </a:solidFill>
+              </a:rPr>
+              <a:t> </a:t>
+            </a:r>
+            <a:r>
+              <a:rPr lang="en-US" altLang="zh-CN" b="1" dirty="0">
+                <a:solidFill>
+                  <a:srgbClr val="FF0000"/>
+                </a:solidFill>
+              </a:rPr>
+              <a:t>following</a:t>
+            </a:r>
+            <a:r>
+              <a:rPr lang="zh-CN" altLang="en-US" b="1" dirty="0">
+                <a:solidFill>
+                  <a:srgbClr val="FF0000"/>
+                </a:solidFill>
+              </a:rPr>
+              <a:t> </a:t>
+            </a:r>
+            <a:r>
+              <a:rPr lang="en-US" altLang="zh-CN" b="1" dirty="0">
+                <a:solidFill>
+                  <a:srgbClr val="FF0000"/>
+                </a:solidFill>
+              </a:rPr>
+              <a:t>the</a:t>
+            </a:r>
+            <a:r>
+              <a:rPr lang="zh-CN" altLang="en-US" b="1" dirty="0">
+                <a:solidFill>
+                  <a:srgbClr val="FF0000"/>
+                </a:solidFill>
+              </a:rPr>
+              <a:t> </a:t>
+            </a:r>
+            <a:r>
+              <a:rPr lang="en-US" altLang="zh-CN" b="1" dirty="0">
+                <a:solidFill>
+                  <a:srgbClr val="FF0000"/>
+                </a:solidFill>
+              </a:rPr>
+              <a:t>fork()</a:t>
+            </a:r>
+          </a:p>
+          <a:p>
+            <a:r>
+              <a:rPr lang="en-US" altLang="zh-CN" dirty="0"/>
+              <a:t>The</a:t>
+            </a:r>
+            <a:r>
+              <a:rPr lang="zh-CN" altLang="en-US" dirty="0"/>
+              <a:t> </a:t>
+            </a:r>
+            <a:r>
+              <a:rPr lang="en-US" altLang="zh-CN" dirty="0"/>
+              <a:t>return</a:t>
+            </a:r>
+            <a:r>
+              <a:rPr lang="zh-CN" altLang="en-US" dirty="0"/>
+              <a:t> </a:t>
+            </a:r>
+            <a:r>
+              <a:rPr lang="en-US" altLang="zh-CN" dirty="0"/>
+              <a:t>value</a:t>
+            </a:r>
+            <a:r>
+              <a:rPr lang="zh-CN" altLang="en-US" dirty="0"/>
+              <a:t> </a:t>
+            </a:r>
+            <a:r>
+              <a:rPr lang="en-US" altLang="zh-CN" dirty="0"/>
+              <a:t>indicates</a:t>
+            </a:r>
+            <a:r>
+              <a:rPr lang="zh-CN" altLang="en-US" dirty="0"/>
+              <a:t> </a:t>
+            </a:r>
+            <a:r>
+              <a:rPr lang="en-US" altLang="zh-CN" dirty="0"/>
+              <a:t>which</a:t>
+            </a:r>
+            <a:r>
+              <a:rPr lang="zh-CN" altLang="en-US" dirty="0"/>
+              <a:t> </a:t>
+            </a:r>
+            <a:r>
+              <a:rPr lang="en-US" altLang="zh-CN" dirty="0"/>
+              <a:t>process</a:t>
+            </a:r>
+            <a:r>
+              <a:rPr lang="zh-CN" altLang="en-US" dirty="0"/>
+              <a:t> </a:t>
+            </a:r>
+            <a:r>
+              <a:rPr lang="en-US" altLang="zh-CN" dirty="0"/>
+              <a:t>it is</a:t>
+            </a:r>
+            <a:r>
+              <a:rPr lang="zh-CN" altLang="en-US" dirty="0"/>
+              <a:t> </a:t>
+            </a:r>
+            <a:r>
+              <a:rPr lang="en-US" altLang="zh-CN" dirty="0"/>
+              <a:t>(</a:t>
+            </a:r>
+            <a:r>
+              <a:rPr lang="en-US" altLang="zh-CN" b="1" dirty="0">
+                <a:solidFill>
+                  <a:srgbClr val="0070C0"/>
+                </a:solidFill>
+              </a:rPr>
+              <a:t>parent</a:t>
+            </a:r>
+            <a:r>
+              <a:rPr lang="zh-CN" altLang="en-US" dirty="0"/>
+              <a:t> </a:t>
+            </a:r>
+            <a:r>
+              <a:rPr lang="en-US" altLang="zh-CN" dirty="0"/>
+              <a:t>or</a:t>
+            </a:r>
+            <a:r>
+              <a:rPr lang="zh-CN" altLang="en-US" dirty="0"/>
+              <a:t> </a:t>
+            </a:r>
+            <a:r>
+              <a:rPr lang="en-US" altLang="zh-CN" b="1" dirty="0">
+                <a:solidFill>
+                  <a:srgbClr val="FF0000"/>
+                </a:solidFill>
+              </a:rPr>
+              <a:t>child</a:t>
+            </a:r>
+            <a:r>
+              <a:rPr lang="en-US" altLang="zh-CN" dirty="0"/>
+              <a:t>)</a:t>
+            </a:r>
+          </a:p>
+          <a:p>
+            <a:pPr lvl="1"/>
+            <a:r>
+              <a:rPr lang="en-US" altLang="zh-CN" b="1" dirty="0">
+                <a:solidFill>
+                  <a:srgbClr val="0070C0"/>
+                </a:solidFill>
+              </a:rPr>
+              <a:t>ret &gt; 0 </a:t>
+            </a:r>
+            <a:r>
+              <a:rPr lang="en-US" altLang="zh-CN" b="1" dirty="0"/>
+              <a:t>(</a:t>
+            </a:r>
+            <a:r>
+              <a:rPr lang="en-US" altLang="zh-CN" dirty="0"/>
               <a:t>pid</a:t>
             </a:r>
             <a:r>
-              <a:rPr lang="zh-CN" altLang="en-US" b="1" dirty="0">
+              <a:rPr lang="zh-CN" altLang="en-US" dirty="0"/>
+              <a:t> </a:t>
+            </a:r>
+            <a:r>
+              <a:rPr lang="en-US" altLang="zh-CN" dirty="0"/>
+              <a:t>of</a:t>
+            </a:r>
+            <a:r>
+              <a:rPr lang="zh-CN" altLang="en-US" dirty="0"/>
+              <a:t> </a:t>
+            </a:r>
+            <a:r>
+              <a:rPr lang="en-US" altLang="zh-CN" dirty="0"/>
+              <a:t>child</a:t>
+            </a:r>
+            <a:r>
+              <a:rPr lang="zh-CN" altLang="en-US" dirty="0"/>
+              <a:t> </a:t>
+            </a:r>
+            <a:r>
+              <a:rPr lang="en-US" altLang="zh-CN" dirty="0"/>
+              <a:t>process</a:t>
+            </a:r>
+            <a:r>
+              <a:rPr lang="en-US" altLang="zh-CN" b="1" dirty="0"/>
+              <a:t>)</a:t>
+            </a:r>
+            <a:r>
+              <a:rPr lang="en-US" altLang="zh-CN" dirty="0"/>
+              <a:t>: code running in the</a:t>
+            </a:r>
+            <a:r>
+              <a:rPr lang="zh-CN" altLang="en-US" dirty="0"/>
+              <a:t> </a:t>
+            </a:r>
+            <a:r>
+              <a:rPr lang="en-US" altLang="zh-CN" dirty="0">
                 <a:solidFill>
                   <a:srgbClr val="0070C0"/>
                 </a:solidFill>
               </a:rPr>
-              <a:t> </a:t>
-            </a:r>
+              <a:t>parent</a:t>
+            </a:r>
+            <a:r>
+              <a:rPr lang="zh-CN" altLang="en-US" dirty="0"/>
+              <a:t> </a:t>
+            </a:r>
+            <a:r>
+              <a:rPr lang="en-US" altLang="zh-CN" dirty="0"/>
+              <a:t>process,</a:t>
+            </a:r>
+            <a:r>
+              <a:rPr lang="zh-CN" altLang="en-US" dirty="0"/>
+              <a:t> </a:t>
+            </a:r>
+            <a:endParaRPr lang="en-US" altLang="zh-CN" dirty="0"/>
+          </a:p>
+          <a:p>
+            <a:pPr lvl="1"/>
             <a:r>
               <a:rPr lang="en-US" altLang="zh-CN" b="1" dirty="0">
                 <a:solidFill>
                   <a:srgbClr val="0070C0"/>
                 </a:solidFill>
               </a:rPr>
-              <a:t>=</a:t>
-            </a:r>
-            <a:r>
-              <a:rPr lang="zh-CN" altLang="en-US" b="1" dirty="0">
+              <a:t>ret == 0</a:t>
+            </a:r>
+            <a:r>
+              <a:rPr lang="en-US" altLang="zh-CN" dirty="0"/>
+              <a:t>: code running in the newly-created</a:t>
+            </a:r>
+            <a:r>
+              <a:rPr lang="zh-CN" altLang="en-US" dirty="0"/>
+              <a:t> </a:t>
+            </a:r>
+            <a:r>
+              <a:rPr lang="en-US" altLang="zh-CN" dirty="0">
+                <a:solidFill>
+                  <a:srgbClr val="FF0000"/>
+                </a:solidFill>
+              </a:rPr>
+              <a:t>child</a:t>
+            </a:r>
+            <a:r>
+              <a:rPr lang="zh-CN" altLang="en-US" dirty="0"/>
+              <a:t> </a:t>
+            </a:r>
+            <a:r>
+              <a:rPr lang="en-US" altLang="zh-CN" dirty="0"/>
+              <a:t>process</a:t>
+            </a:r>
+          </a:p>
+          <a:p>
+            <a:pPr lvl="1"/>
+            <a:r>
+              <a:rPr lang="en-US" altLang="zh-CN" b="1" dirty="0">
                 <a:solidFill>
                   <a:srgbClr val="0070C0"/>
                 </a:solidFill>
               </a:rPr>
-              <a:t> </a:t>
-            </a:r>
-            <a:r>
-              <a:rPr lang="en-US" altLang="zh-CN" b="1" dirty="0">
-                <a:solidFill>
-                  <a:srgbClr val="0070C0"/>
-                </a:solidFill>
-              </a:rPr>
-              <a:t>fork()</a:t>
-            </a:r>
-          </a:p>
-          <a:p>
-            <a:r>
-              <a:rPr lang="en-US" altLang="zh-CN" dirty="0"/>
-              <a:t>Both</a:t>
-            </a:r>
-            <a:r>
-              <a:rPr lang="zh-CN" altLang="en-US" dirty="0"/>
-              <a:t> </a:t>
-            </a:r>
-            <a:r>
-              <a:rPr lang="en-US" altLang="zh-CN" b="1" dirty="0">
-                <a:solidFill>
-                  <a:srgbClr val="0070C0"/>
-                </a:solidFill>
-              </a:rPr>
-              <a:t>parent</a:t>
-            </a:r>
-            <a:r>
-              <a:rPr lang="zh-CN" altLang="en-US" b="1" dirty="0">
-                <a:solidFill>
-                  <a:srgbClr val="0070C0"/>
-                </a:solidFill>
-              </a:rPr>
-              <a:t> </a:t>
-            </a:r>
-            <a:r>
-              <a:rPr lang="en-US" altLang="zh-CN" b="1" dirty="0">
-                <a:solidFill>
-                  <a:srgbClr val="0070C0"/>
-                </a:solidFill>
-              </a:rPr>
+              <a:t>ret == -1</a:t>
+            </a:r>
+            <a:r>
+              <a:rPr lang="en-US" altLang="zh-CN" dirty="0"/>
+              <a:t>:</a:t>
+            </a:r>
+            <a:r>
+              <a:rPr lang="zh-CN" altLang="en-US" dirty="0"/>
+              <a:t> </a:t>
+            </a:r>
+            <a:r>
+              <a:rPr lang="en-US" altLang="zh-CN" dirty="0"/>
+              <a:t>an</a:t>
+            </a:r>
+            <a:r>
+              <a:rPr lang="zh-CN" altLang="en-US" dirty="0"/>
+              <a:t> </a:t>
+            </a:r>
+            <a:r>
+              <a:rPr lang="en-US" altLang="zh-CN" dirty="0"/>
+              <a:t>error</a:t>
+            </a:r>
+            <a:r>
+              <a:rPr lang="zh-CN" altLang="en-US" dirty="0"/>
+              <a:t> </a:t>
+            </a:r>
+            <a:r>
+              <a:rPr lang="en-US" altLang="zh-CN" dirty="0"/>
+              <a:t>or</a:t>
+            </a:r>
+            <a:r>
+              <a:rPr lang="zh-CN" altLang="en-US" dirty="0"/>
+              <a:t> </a:t>
+            </a:r>
+            <a:r>
+              <a:rPr lang="en-US" altLang="zh-CN" dirty="0"/>
+              <a:t>failure</a:t>
+            </a:r>
+            <a:r>
+              <a:rPr lang="zh-CN" altLang="en-US" dirty="0"/>
+              <a:t> </a:t>
+            </a:r>
+            <a:r>
+              <a:rPr lang="en-US" altLang="zh-CN" dirty="0"/>
+              <a:t>occurred</a:t>
+            </a:r>
+            <a:r>
+              <a:rPr lang="zh-CN" altLang="en-US" dirty="0"/>
+              <a:t> </a:t>
+            </a:r>
+            <a:r>
+              <a:rPr lang="en-US" altLang="zh-CN" dirty="0"/>
+              <a:t>when</a:t>
+            </a:r>
+            <a:r>
+              <a:rPr lang="zh-CN" altLang="en-US" dirty="0"/>
+              <a:t> </a:t>
+            </a:r>
+            <a:r>
+              <a:rPr lang="en-US" altLang="zh-CN" dirty="0"/>
+              <a:t>creating</a:t>
+            </a:r>
+            <a:r>
+              <a:rPr lang="zh-CN" altLang="en-US" dirty="0"/>
+              <a:t> </a:t>
+            </a:r>
+            <a:r>
+              <a:rPr lang="en-US" altLang="zh-CN" dirty="0"/>
+              <a:t>new</a:t>
+            </a:r>
+            <a:r>
+              <a:rPr lang="zh-CN" altLang="en-US" dirty="0"/>
+              <a:t> </a:t>
+            </a:r>
+            <a:r>
+              <a:rPr lang="en-US" altLang="zh-CN" dirty="0"/>
               <a:t>process</a:t>
             </a:r>
-            <a:r>
-              <a:rPr lang="zh-CN" altLang="en-US" b="1" dirty="0"/>
-              <a:t> </a:t>
-            </a:r>
-            <a:r>
-              <a:rPr lang="en-US" altLang="zh-CN" dirty="0"/>
-              <a:t>and</a:t>
-            </a:r>
-            <a:r>
-              <a:rPr lang="zh-CN" altLang="en-US" dirty="0"/>
-              <a:t> </a:t>
-            </a:r>
-            <a:r>
-              <a:rPr lang="en-US" altLang="zh-CN" b="1" dirty="0">
-                <a:solidFill>
-                  <a:srgbClr val="0070C0"/>
-                </a:solidFill>
-              </a:rPr>
-              <a:t>child</a:t>
-            </a:r>
-            <a:r>
-              <a:rPr lang="zh-CN" altLang="en-US" b="1" dirty="0">
-                <a:solidFill>
-                  <a:srgbClr val="0070C0"/>
-                </a:solidFill>
-              </a:rPr>
-              <a:t> </a:t>
-            </a:r>
-            <a:r>
-              <a:rPr lang="en-US" altLang="zh-CN" b="1" dirty="0">
-                <a:solidFill>
-                  <a:srgbClr val="0070C0"/>
-                </a:solidFill>
-              </a:rPr>
-              <a:t>process</a:t>
-            </a:r>
-            <a:r>
-              <a:rPr lang="zh-CN" altLang="en-US" b="1" dirty="0">
-                <a:solidFill>
-                  <a:srgbClr val="0070C0"/>
-                </a:solidFill>
-              </a:rPr>
-              <a:t> </a:t>
-            </a:r>
-            <a:r>
-              <a:rPr lang="en-US" altLang="zh-CN" dirty="0"/>
-              <a:t>continue</a:t>
-            </a:r>
-            <a:r>
-              <a:rPr lang="zh-CN" altLang="en-US" dirty="0"/>
-              <a:t> </a:t>
-            </a:r>
-            <a:r>
-              <a:rPr lang="en-US" altLang="zh-CN" dirty="0"/>
-              <a:t>to</a:t>
-            </a:r>
-            <a:r>
-              <a:rPr lang="zh-CN" altLang="en-US" dirty="0"/>
-              <a:t> </a:t>
-            </a:r>
-            <a:r>
-              <a:rPr lang="en-US" altLang="zh-CN" dirty="0"/>
-              <a:t>execute</a:t>
-            </a:r>
-            <a:r>
-              <a:rPr lang="zh-CN" altLang="en-US" dirty="0"/>
-              <a:t> </a:t>
-            </a:r>
-            <a:r>
-              <a:rPr lang="en-US" altLang="zh-CN" b="1" dirty="0">
-                <a:solidFill>
-                  <a:srgbClr val="FF0000"/>
-                </a:solidFill>
-              </a:rPr>
-              <a:t>the</a:t>
-            </a:r>
-            <a:r>
-              <a:rPr lang="zh-CN" altLang="en-US" b="1" dirty="0">
-                <a:solidFill>
-                  <a:srgbClr val="FF0000"/>
-                </a:solidFill>
-              </a:rPr>
-              <a:t> </a:t>
-            </a:r>
-            <a:r>
-              <a:rPr lang="en-US" altLang="zh-CN" b="1" dirty="0">
-                <a:solidFill>
-                  <a:srgbClr val="FF0000"/>
-                </a:solidFill>
-              </a:rPr>
-              <a:t>instruction</a:t>
-            </a:r>
-            <a:r>
-              <a:rPr lang="zh-CN" altLang="en-US" b="1" dirty="0">
-                <a:solidFill>
-                  <a:srgbClr val="FF0000"/>
-                </a:solidFill>
-              </a:rPr>
-              <a:t> </a:t>
-            </a:r>
-            <a:r>
-              <a:rPr lang="en-US" altLang="zh-CN" b="1" dirty="0">
-                <a:solidFill>
-                  <a:srgbClr val="FF0000"/>
-                </a:solidFill>
-              </a:rPr>
-              <a:t>following</a:t>
-            </a:r>
-            <a:r>
-              <a:rPr lang="zh-CN" altLang="en-US" b="1" dirty="0">
-                <a:solidFill>
-                  <a:srgbClr val="FF0000"/>
-                </a:solidFill>
-              </a:rPr>
-              <a:t> </a:t>
-            </a:r>
-            <a:r>
-              <a:rPr lang="en-US" altLang="zh-CN" b="1" dirty="0">
-                <a:solidFill>
-                  <a:srgbClr val="FF0000"/>
-                </a:solidFill>
-              </a:rPr>
-              <a:t>the</a:t>
-            </a:r>
-            <a:r>
-              <a:rPr lang="zh-CN" altLang="en-US" b="1" dirty="0">
-                <a:solidFill>
-                  <a:srgbClr val="FF0000"/>
-                </a:solidFill>
-              </a:rPr>
-              <a:t> </a:t>
-            </a:r>
-            <a:r>
-              <a:rPr lang="en-US" altLang="zh-CN" b="1" dirty="0">
-                <a:solidFill>
-                  <a:srgbClr val="FF0000"/>
-                </a:solidFill>
-              </a:rPr>
-              <a:t>fork()</a:t>
-            </a:r>
-          </a:p>
-          <a:p>
-            <a:r>
-              <a:rPr lang="en-US" altLang="zh-CN" dirty="0"/>
-              <a:t>The</a:t>
-            </a:r>
-            <a:r>
-              <a:rPr lang="zh-CN" altLang="en-US" dirty="0"/>
-              <a:t> </a:t>
-            </a:r>
-            <a:r>
-              <a:rPr lang="en-US" altLang="zh-CN" dirty="0"/>
-              <a:t>return</a:t>
-            </a:r>
-            <a:r>
-              <a:rPr lang="zh-CN" altLang="en-US" dirty="0"/>
-              <a:t> </a:t>
-            </a:r>
-            <a:r>
-              <a:rPr lang="en-US" altLang="zh-CN" dirty="0"/>
-              <a:t>value</a:t>
-            </a:r>
-            <a:r>
-              <a:rPr lang="zh-CN" altLang="en-US" dirty="0"/>
-              <a:t> </a:t>
-            </a:r>
-            <a:r>
-              <a:rPr lang="en-US" altLang="zh-CN" dirty="0"/>
-              <a:t>indicates</a:t>
-            </a:r>
-            <a:r>
-              <a:rPr lang="zh-CN" altLang="en-US" dirty="0"/>
-              <a:t> </a:t>
-            </a:r>
-            <a:r>
-              <a:rPr lang="en-US" altLang="zh-CN" dirty="0"/>
-              <a:t>which</a:t>
-            </a:r>
-            <a:r>
-              <a:rPr lang="zh-CN" altLang="en-US" dirty="0"/>
-              <a:t> </a:t>
-            </a:r>
-            <a:r>
-              <a:rPr lang="en-US" altLang="zh-CN" dirty="0"/>
-              <a:t>process</a:t>
-            </a:r>
-            <a:r>
-              <a:rPr lang="zh-CN" altLang="en-US" dirty="0"/>
-              <a:t> </a:t>
-            </a:r>
-            <a:r>
-              <a:rPr lang="en-US" altLang="zh-CN" dirty="0"/>
-              <a:t>it is</a:t>
-            </a:r>
-            <a:r>
-              <a:rPr lang="zh-CN" altLang="en-US" dirty="0"/>
-              <a:t> </a:t>
-            </a:r>
-            <a:r>
-              <a:rPr lang="en-US" altLang="zh-CN" dirty="0"/>
-              <a:t>(</a:t>
-            </a:r>
-            <a:r>
-              <a:rPr lang="en-US" altLang="zh-CN" b="1" dirty="0">
-                <a:solidFill>
-                  <a:srgbClr val="0070C0"/>
-                </a:solidFill>
-              </a:rPr>
-              <a:t>parent</a:t>
-            </a:r>
-            <a:r>
-              <a:rPr lang="zh-CN" altLang="en-US" dirty="0"/>
-              <a:t> </a:t>
-            </a:r>
-            <a:r>
-              <a:rPr lang="en-US" altLang="zh-CN" dirty="0"/>
-              <a:t>or</a:t>
-            </a:r>
-            <a:r>
-              <a:rPr lang="zh-CN" altLang="en-US" dirty="0"/>
-              <a:t> </a:t>
-            </a:r>
-            <a:r>
-              <a:rPr lang="en-US" altLang="zh-CN" b="1" dirty="0">
-                <a:solidFill>
-                  <a:srgbClr val="FF0000"/>
-                </a:solidFill>
-              </a:rPr>
-              <a:t>child</a:t>
-            </a:r>
-            <a:r>
-              <a:rPr lang="en-US" altLang="zh-CN" dirty="0"/>
-              <a:t>)</a:t>
-            </a:r>
-          </a:p>
-          <a:p>
-            <a:pPr lvl="1"/>
-            <a:r>
-              <a:rPr lang="en-US" altLang="zh-CN" b="1" dirty="0">
-                <a:solidFill>
-                  <a:srgbClr val="0070C0"/>
-                </a:solidFill>
-              </a:rPr>
-              <a:t>Non-0</a:t>
-            </a:r>
-            <a:r>
-              <a:rPr lang="zh-CN" altLang="en-US" dirty="0"/>
-              <a:t> </a:t>
-            </a:r>
-            <a:r>
-              <a:rPr lang="en-US" altLang="zh-CN" b="1" dirty="0">
-                <a:solidFill>
-                  <a:srgbClr val="0070C0"/>
-                </a:solidFill>
-              </a:rPr>
-              <a:t>pid</a:t>
-            </a:r>
-            <a:r>
-              <a:rPr lang="zh-CN" altLang="en-US" b="1" dirty="0">
-                <a:solidFill>
-                  <a:srgbClr val="0070C0"/>
-                </a:solidFill>
-              </a:rPr>
-              <a:t> </a:t>
-            </a:r>
-            <a:r>
-              <a:rPr lang="en-US" altLang="zh-CN" b="1" dirty="0">
-                <a:solidFill>
-                  <a:srgbClr val="0070C0"/>
-                </a:solidFill>
-              </a:rPr>
-              <a:t>(</a:t>
-            </a:r>
-            <a:r>
-              <a:rPr lang="en-US" altLang="zh-CN" dirty="0"/>
-              <a:t>pid</a:t>
-            </a:r>
-            <a:r>
-              <a:rPr lang="zh-CN" altLang="en-US" dirty="0"/>
-              <a:t> </a:t>
-            </a:r>
-            <a:r>
-              <a:rPr lang="en-US" altLang="zh-CN" dirty="0"/>
-              <a:t>of</a:t>
-            </a:r>
-            <a:r>
-              <a:rPr lang="zh-CN" altLang="en-US" dirty="0"/>
-              <a:t> </a:t>
-            </a:r>
-            <a:r>
-              <a:rPr lang="en-US" altLang="zh-CN" dirty="0"/>
-              <a:t>child</a:t>
-            </a:r>
-            <a:r>
-              <a:rPr lang="zh-CN" altLang="en-US" dirty="0"/>
-              <a:t> </a:t>
-            </a:r>
-            <a:r>
-              <a:rPr lang="en-US" altLang="zh-CN" dirty="0"/>
-              <a:t>process</a:t>
-            </a:r>
-            <a:r>
-              <a:rPr lang="en-US" altLang="zh-CN" b="1" dirty="0">
-                <a:solidFill>
-                  <a:srgbClr val="0070C0"/>
-                </a:solidFill>
-              </a:rPr>
-              <a:t>)</a:t>
-            </a:r>
-            <a:r>
-              <a:rPr lang="zh-CN" altLang="en-US" dirty="0"/>
-              <a:t> </a:t>
-            </a:r>
-            <a:r>
-              <a:rPr lang="en-US" altLang="zh-CN" dirty="0"/>
-              <a:t>:</a:t>
-            </a:r>
-            <a:r>
-              <a:rPr lang="zh-CN" altLang="en-US" dirty="0"/>
-              <a:t> </a:t>
-            </a:r>
-            <a:r>
-              <a:rPr lang="en-US" altLang="zh-CN" dirty="0"/>
-              <a:t>return</a:t>
-            </a:r>
-            <a:r>
-              <a:rPr lang="zh-CN" altLang="en-US" dirty="0"/>
-              <a:t> </a:t>
-            </a:r>
-            <a:r>
-              <a:rPr lang="en-US" altLang="zh-CN" dirty="0"/>
-              <a:t>value</a:t>
-            </a:r>
-            <a:r>
-              <a:rPr lang="zh-CN" altLang="en-US" dirty="0"/>
-              <a:t> </a:t>
-            </a:r>
-            <a:r>
-              <a:rPr lang="en-US" altLang="zh-CN" dirty="0"/>
-              <a:t>of</a:t>
-            </a:r>
-            <a:r>
-              <a:rPr lang="zh-CN" altLang="en-US" dirty="0"/>
-              <a:t> </a:t>
-            </a:r>
-            <a:r>
-              <a:rPr lang="en-US" altLang="zh-CN" dirty="0"/>
-              <a:t>the</a:t>
-            </a:r>
-            <a:r>
-              <a:rPr lang="zh-CN" altLang="en-US" dirty="0"/>
-              <a:t> </a:t>
-            </a:r>
-            <a:r>
-              <a:rPr lang="en-US" altLang="zh-CN" dirty="0">
-                <a:solidFill>
-                  <a:srgbClr val="0070C0"/>
-                </a:solidFill>
-              </a:rPr>
-              <a:t>parent</a:t>
-            </a:r>
-            <a:r>
-              <a:rPr lang="zh-CN" altLang="en-US" dirty="0"/>
-              <a:t> </a:t>
-            </a:r>
-            <a:r>
-              <a:rPr lang="en-US" altLang="zh-CN" dirty="0"/>
-              <a:t>process,</a:t>
-            </a:r>
-            <a:r>
-              <a:rPr lang="zh-CN" altLang="en-US" dirty="0"/>
-              <a:t> </a:t>
-            </a:r>
-            <a:endParaRPr lang="en-US" altLang="zh-CN" dirty="0"/>
-          </a:p>
-          <a:p>
-            <a:pPr lvl="1"/>
-            <a:r>
-              <a:rPr lang="en-US" altLang="zh-CN" b="1" dirty="0">
-                <a:solidFill>
-                  <a:srgbClr val="FF0000"/>
-                </a:solidFill>
-              </a:rPr>
-              <a:t>0</a:t>
-            </a:r>
-            <a:r>
-              <a:rPr lang="zh-CN" altLang="en-US" dirty="0"/>
-              <a:t> </a:t>
-            </a:r>
-            <a:r>
-              <a:rPr lang="en-US" altLang="zh-CN" dirty="0"/>
-              <a:t>:</a:t>
-            </a:r>
-            <a:r>
-              <a:rPr lang="zh-CN" altLang="en-US" dirty="0"/>
-              <a:t> </a:t>
-            </a:r>
-            <a:r>
-              <a:rPr lang="en-US" altLang="zh-CN" dirty="0"/>
-              <a:t>return</a:t>
-            </a:r>
-            <a:r>
-              <a:rPr lang="zh-CN" altLang="en-US" dirty="0"/>
-              <a:t> </a:t>
-            </a:r>
-            <a:r>
-              <a:rPr lang="en-US" altLang="zh-CN" dirty="0"/>
-              <a:t>value</a:t>
-            </a:r>
-            <a:r>
-              <a:rPr lang="zh-CN" altLang="en-US" dirty="0"/>
-              <a:t> </a:t>
-            </a:r>
-            <a:r>
-              <a:rPr lang="en-US" altLang="zh-CN" dirty="0"/>
-              <a:t>of</a:t>
-            </a:r>
-            <a:r>
-              <a:rPr lang="zh-CN" altLang="en-US" dirty="0"/>
-              <a:t> </a:t>
-            </a:r>
-            <a:r>
-              <a:rPr lang="en-US" altLang="zh-CN" dirty="0"/>
-              <a:t>the</a:t>
-            </a:r>
-            <a:r>
-              <a:rPr lang="zh-CN" altLang="en-US" dirty="0"/>
-              <a:t> </a:t>
-            </a:r>
-            <a:r>
-              <a:rPr lang="en-US" altLang="zh-CN" dirty="0"/>
-              <a:t>newly-created</a:t>
-            </a:r>
-            <a:r>
-              <a:rPr lang="zh-CN" altLang="en-US" dirty="0"/>
-              <a:t> </a:t>
-            </a:r>
-            <a:r>
-              <a:rPr lang="en-US" altLang="zh-CN" dirty="0">
-                <a:solidFill>
-                  <a:srgbClr val="FF0000"/>
-                </a:solidFill>
-              </a:rPr>
-              <a:t>child</a:t>
-            </a:r>
-            <a:r>
-              <a:rPr lang="zh-CN" altLang="en-US" dirty="0"/>
-              <a:t> </a:t>
-            </a:r>
-            <a:r>
-              <a:rPr lang="en-US" altLang="zh-CN" dirty="0"/>
-              <a:t>process</a:t>
-            </a:r>
-          </a:p>
-          <a:p>
-            <a:pPr lvl="1"/>
-            <a:r>
-              <a:rPr lang="en-US" altLang="zh-CN" b="1" dirty="0"/>
-              <a:t>-1</a:t>
-            </a:r>
-            <a:r>
-              <a:rPr lang="zh-CN" altLang="en-US" dirty="0"/>
-              <a:t> </a:t>
-            </a:r>
-            <a:r>
-              <a:rPr lang="en-US" altLang="zh-CN" dirty="0"/>
-              <a:t>:</a:t>
-            </a:r>
-            <a:r>
-              <a:rPr lang="zh-CN" altLang="en-US" dirty="0"/>
-              <a:t> </a:t>
-            </a:r>
-            <a:r>
-              <a:rPr lang="en-US" altLang="zh-CN" dirty="0"/>
-              <a:t>an</a:t>
-            </a:r>
-            <a:r>
-              <a:rPr lang="zh-CN" altLang="en-US" dirty="0"/>
-              <a:t> </a:t>
-            </a:r>
-            <a:r>
-              <a:rPr lang="en-US" altLang="zh-CN" dirty="0"/>
-              <a:t>error</a:t>
-            </a:r>
-            <a:r>
-              <a:rPr lang="zh-CN" altLang="en-US" dirty="0"/>
-              <a:t> </a:t>
-            </a:r>
-            <a:r>
-              <a:rPr lang="en-US" altLang="zh-CN" dirty="0"/>
-              <a:t>or</a:t>
-            </a:r>
-            <a:r>
-              <a:rPr lang="zh-CN" altLang="en-US" dirty="0"/>
-              <a:t> </a:t>
-            </a:r>
-            <a:r>
-              <a:rPr lang="en-US" altLang="zh-CN" dirty="0"/>
-              <a:t>failure</a:t>
-            </a:r>
-            <a:r>
-              <a:rPr lang="zh-CN" altLang="en-US" dirty="0"/>
-              <a:t> </a:t>
-            </a:r>
-            <a:r>
-              <a:rPr lang="en-US" altLang="zh-CN" dirty="0"/>
-              <a:t>occurs</a:t>
-            </a:r>
-            <a:r>
-              <a:rPr lang="zh-CN" altLang="en-US" dirty="0"/>
-              <a:t> </a:t>
-            </a:r>
-            <a:r>
-              <a:rPr lang="en-US" altLang="zh-CN" dirty="0"/>
-              <a:t>when</a:t>
-            </a:r>
-            <a:r>
-              <a:rPr lang="zh-CN" altLang="en-US" dirty="0"/>
-              <a:t> </a:t>
-            </a:r>
-            <a:r>
-              <a:rPr lang="en-US" altLang="zh-CN" dirty="0"/>
-              <a:t>creating</a:t>
-            </a:r>
-            <a:r>
-              <a:rPr lang="zh-CN" altLang="en-US" dirty="0"/>
-              <a:t> </a:t>
-            </a:r>
-            <a:r>
-              <a:rPr lang="en-US" altLang="zh-CN" dirty="0"/>
-              <a:t>new</a:t>
-            </a:r>
-            <a:r>
-              <a:rPr lang="zh-CN" altLang="en-US" dirty="0"/>
-              <a:t> </a:t>
-            </a:r>
-            <a:r>
-              <a:rPr lang="en-US" altLang="zh-CN" dirty="0"/>
-              <a:t>process</a:t>
+          </a:p>
+          <a:p>
+            <a:r>
+              <a:rPr lang="en-US" altLang="zh-CN" dirty="0"/>
+              <a:t>Fun analogy: imaging you are a process after fork, but you don’t know if you are the child or parent process, as if you are running inside of a Matrix. But you can identify which process you are running, by looking up to the sky and see the ret value from fork() </a:t>
             </a:r>
           </a:p>
           <a:p>
@@ -12221,39 +12123,6 @@
             <a:pPr marL="0" indent="0">
               <a:buNone/>
             </a:pPr>
-            <a:endParaRPr lang="en-US" altLang="zh-CN" dirty="0"/>
-          </a:p>
-        </p:txBody>
-      </p:sp>
-      <p:sp>
-        <p:nvSpPr>
-          <p:cNvPr id="8" name="页脚占位符 7">
-            <a:extLst>
-              <a:ext uri="{FF2B5EF4-FFF2-40B4-BE49-F238E27FC236}">
-                <a16:creationId xmlns:a16="http://schemas.microsoft.com/office/drawing/2014/main" id="{E7229A74-70C4-430B-2D8F-179C8E801894}"/>
-              </a:ext>
-            </a:extLst>
-          </p:cNvPr>
-          <p:cNvSpPr>
-            <a:spLocks noGrp="1"/>
-          </p:cNvSpPr>
-          <p:nvPr>
-            <p:ph type="ftr" sz="quarter" idx="4294967295"/>
-          </p:nvPr>
-        </p:nvSpPr>
-        <p:spPr>
-          <a:xfrm>
-            <a:off x="4038600" y="6356351"/>
-            <a:ext cx="4114800" cy="365125"/>
-          </a:xfrm>
-          <a:prstGeom prst="rect">
-            <a:avLst/>
-          </a:prstGeom>
-        </p:spPr>
-        <p:txBody>
-          <a:bodyPr/>
-          <a:lstStyle/>
-          <a:p>
             <a:endParaRPr lang="en-US" altLang="zh-CN" dirty="0"/>
           </a:p>
         </p:txBody>
@@ -12594,8 +12463,8 @@
               <a:t> </a:t>
             </a:r>
             <a:r>
-              <a:rPr lang="en-US" altLang="zh-CN" sz="1800" dirty="0" err="1"/>
-              <a:t>pid</a:t>
+              <a:rPr lang="en-US" altLang="zh-CN" sz="1800" dirty="0"/>
+              <a:t>ret</a:t>
             </a:r>
             <a:r>
               <a:rPr lang="en-US" altLang="zh-CN" sz="1800" dirty="0">
@@ -12652,11 +12521,7 @@
             </a:r>
             <a:r>
               <a:rPr lang="en-US" altLang="zh-CN" sz="1800" dirty="0"/>
-              <a:t>(</a:t>
-            </a:r>
-            <a:r>
-              <a:rPr lang="en-US" altLang="zh-CN" sz="1800" dirty="0" err="1"/>
-              <a:t>pid</a:t>
+              <a:t>(ret</a:t>
             </a:r>
             <a:r>
               <a:rPr lang="en-US" altLang="zh-CN" sz="1800" dirty="0">
@@ -13092,15 +12957,7 @@
             </a:r>
             <a:r>
               <a:rPr lang="en-US" altLang="zh-CN" sz="1800" dirty="0"/>
-              <a:t>, </a:t>
-            </a:r>
-            <a:r>
-              <a:rPr lang="en-US" altLang="zh-CN" sz="1800" dirty="0" err="1"/>
-              <a:t>pid</a:t>
-            </a:r>
-            <a:r>
-              <a:rPr lang="en-US" altLang="zh-CN" sz="1800" dirty="0"/>
-              <a:t>,</a:t>
+              <a:t>, ret,</a:t>
             </a:r>
             <a:r>
               <a:rPr lang="en-US" altLang="zh-CN" sz="1800" dirty="0">
@@ -13545,39 +13402,6 @@
                 </a:outerShdw>
               </a:effectLst>
             </a:endParaRPr>
-          </a:p>
-        </p:txBody>
-      </p:sp>
-      <p:sp>
-        <p:nvSpPr>
-          <p:cNvPr id="4" name="页脚占位符 3">
-            <a:extLst>
-              <a:ext uri="{FF2B5EF4-FFF2-40B4-BE49-F238E27FC236}">
-                <a16:creationId xmlns:a16="http://schemas.microsoft.com/office/drawing/2014/main" id="{2EDB25C5-07BB-BB7A-8D0F-E98A4AEB389E}"/>
-              </a:ext>
-            </a:extLst>
-          </p:cNvPr>
-          <p:cNvSpPr>
-            <a:spLocks noGrp="1"/>
-          </p:cNvSpPr>
-          <p:nvPr>
-            <p:ph type="ftr" sz="quarter" idx="4294967295"/>
-          </p:nvPr>
-        </p:nvSpPr>
-        <p:spPr>
-          <a:xfrm>
-            <a:off x="4038600" y="6356351"/>
-            <a:ext cx="4114800" cy="365125"/>
-          </a:xfrm>
-          <a:prstGeom prst="rect">
-            <a:avLst/>
-          </a:prstGeom>
-        </p:spPr>
-        <p:txBody>
-          <a:bodyPr/>
-          <a:lstStyle/>
-          <a:p>
-            <a:endParaRPr lang="en-US" altLang="zh-CN" dirty="0"/>
           </a:p>
         </p:txBody>
       </p:sp>
@@ -13685,6 +13509,299 @@
           </p:txBody>
         </p:sp>
       </p:grpSp>
+      <p:sp>
+        <p:nvSpPr>
+          <p:cNvPr id="9" name="Content Placeholder 2">
+            <a:extLst>
+              <a:ext uri="{FF2B5EF4-FFF2-40B4-BE49-F238E27FC236}">
+                <a16:creationId xmlns:a16="http://schemas.microsoft.com/office/drawing/2014/main" id="{6C40D40F-78D7-6798-649B-9DCCC4EB6CD3}"/>
+              </a:ext>
+            </a:extLst>
+          </p:cNvPr>
+          <p:cNvSpPr txBox="1">
+            <a:spLocks/>
+          </p:cNvSpPr>
+          <p:nvPr/>
+        </p:nvSpPr>
+        <p:spPr bwMode="auto">
+          <a:xfrm>
+            <a:off x="8735584" y="2193716"/>
+            <a:ext cx="3290420" cy="3206313"/>
+          </a:xfrm>
+          <a:prstGeom prst="rect">
+            <a:avLst/>
+          </a:prstGeom>
+          <a:ln/>
+          <a:extLst>
+            <a:ext uri="{FAA26D3D-D897-4be2-8F04-BA451C77F1D7}">
+              <ma14:placeholderFlag xmlns:ma14="http://schemas.microsoft.com/office/mac/drawingml/2011/main" xmlns="" val="1"/>
+            </a:ext>
+            <a:ext uri="{909E8E84-426E-40dd-AFC4-6F175D3DCCD1}">
+              <a14:hiddenFill xmlns:a14="http://schemas.microsoft.com/office/drawing/2010/main" xmlns="">
+                <a:solidFill>
+                  <a:schemeClr val="bg1"/>
+                </a:solidFill>
+              </a14:hiddenFill>
+            </a:ext>
+            <a:ext uri="{91240B29-F687-4f45-9708-019B960494DF}">
+              <a14:hiddenLine xmlns:a14="http://schemas.microsoft.com/office/drawing/2010/main" xmlns="" w="12700">
+                <a:pattFill prst="narHorz">
+                  <a:fgClr>
+                    <a:schemeClr val="tx1"/>
+                  </a:fgClr>
+                  <a:bgClr>
+                    <a:schemeClr val="bg1"/>
+                  </a:bgClr>
+                </a:pattFill>
+                <a:miter lim="800000"/>
+                <a:headEnd/>
+                <a:tailEnd/>
+              </a14:hiddenLine>
+            </a:ext>
+            <a:ext uri="{AF507438-7753-43e0-B8FC-AC1667EBCBE1}">
+              <a14:hiddenEffects xmlns:a14="http://schemas.microsoft.com/office/drawing/2010/main" xmlns="">
+                <a:effectLst>
+                  <a:outerShdw blurRad="63500" dist="38099" dir="2700000" algn="ctr" rotWithShape="0">
+                    <a:schemeClr val="bg2">
+                      <a:alpha val="74998"/>
+                    </a:schemeClr>
+                  </a:outerShdw>
+                </a:effectLst>
+              </a14:hiddenEffects>
+            </a:ext>
+          </a:extLst>
+        </p:spPr>
+        <p:style>
+          <a:lnRef idx="1">
+            <a:schemeClr val="dk1"/>
+          </a:lnRef>
+          <a:fillRef idx="2">
+            <a:schemeClr val="dk1"/>
+          </a:fillRef>
+          <a:effectRef idx="1">
+            <a:schemeClr val="dk1"/>
+          </a:effectRef>
+          <a:fontRef idx="minor">
+            <a:schemeClr val="dk1"/>
+          </a:fontRef>
+        </p:style>
+        <p:txBody>
+          <a:bodyPr vert="horz" wrap="square" lIns="90478" tIns="44445" rIns="90478" bIns="44445" numCol="1" anchor="t" anchorCtr="0" compatLnSpc="1">
+            <a:prstTxWarp prst="textNoShape">
+              <a:avLst/>
+            </a:prstTxWarp>
+            <a:normAutofit fontScale="92500" lnSpcReduction="20000"/>
+          </a:bodyPr>
+          <a:lstStyle>
+            <a:lvl1pPr marL="285750" indent="-285750" algn="l" rtl="0" eaLnBrk="0" fontAlgn="base" hangingPunct="0">
+              <a:lnSpc>
+                <a:spcPct val="90000"/>
+              </a:lnSpc>
+              <a:spcBef>
+                <a:spcPct val="30000"/>
+              </a:spcBef>
+              <a:spcAft>
+                <a:spcPct val="0"/>
+              </a:spcAft>
+              <a:buSzPct val="100000"/>
+              <a:buChar char="•"/>
+              <a:defRPr sz="2400">
+                <a:solidFill>
+                  <a:schemeClr val="tx1"/>
+                </a:solidFill>
+                <a:latin typeface="Gill Sans" charset="0"/>
+                <a:ea typeface="ＭＳ Ｐゴシック" charset="0"/>
+                <a:cs typeface="Gill Sans" charset="0"/>
+              </a:defRPr>
+            </a:lvl1pPr>
+            <a:lvl2pPr marL="685800" indent="-228600" algn="l" rtl="0" eaLnBrk="0" fontAlgn="base" hangingPunct="0">
+              <a:lnSpc>
+                <a:spcPct val="90000"/>
+              </a:lnSpc>
+              <a:spcBef>
+                <a:spcPct val="30000"/>
+              </a:spcBef>
+              <a:spcAft>
+                <a:spcPct val="0"/>
+              </a:spcAft>
+              <a:buSzPct val="100000"/>
+              <a:buChar char="–"/>
+              <a:defRPr sz="2200">
+                <a:solidFill>
+                  <a:schemeClr val="tx1"/>
+                </a:solidFill>
+                <a:latin typeface="Gill Sans" charset="0"/>
+                <a:ea typeface="Gill Sans" charset="0"/>
+                <a:cs typeface="Gill Sans" charset="0"/>
+              </a:defRPr>
+            </a:lvl2pPr>
+            <a:lvl3pPr marL="1143000" indent="-228600" algn="l" rtl="0" eaLnBrk="0" fontAlgn="base" hangingPunct="0">
+              <a:lnSpc>
+                <a:spcPct val="90000"/>
+              </a:lnSpc>
+              <a:spcBef>
+                <a:spcPct val="30000"/>
+              </a:spcBef>
+              <a:spcAft>
+                <a:spcPct val="0"/>
+              </a:spcAft>
+              <a:buSzPct val="100000"/>
+              <a:buChar char="»"/>
+              <a:defRPr sz="2000">
+                <a:solidFill>
+                  <a:schemeClr val="tx1"/>
+                </a:solidFill>
+                <a:latin typeface="Gill Sans" charset="0"/>
+                <a:ea typeface="Gill Sans" charset="0"/>
+                <a:cs typeface="Gill Sans" charset="0"/>
+              </a:defRPr>
+            </a:lvl3pPr>
+            <a:lvl4pPr marL="1543050" indent="-171450" algn="l" rtl="0" eaLnBrk="0" fontAlgn="base" hangingPunct="0">
+              <a:lnSpc>
+                <a:spcPct val="90000"/>
+              </a:lnSpc>
+              <a:spcBef>
+                <a:spcPct val="30000"/>
+              </a:spcBef>
+              <a:spcAft>
+                <a:spcPct val="0"/>
+              </a:spcAft>
+              <a:buSzPct val="100000"/>
+              <a:buChar char="•"/>
+              <a:defRPr sz="2000">
+                <a:solidFill>
+                  <a:schemeClr val="tx1"/>
+                </a:solidFill>
+                <a:latin typeface="Gill Sans" charset="0"/>
+                <a:ea typeface="Gill Sans" charset="0"/>
+                <a:cs typeface="Gill Sans" charset="0"/>
+              </a:defRPr>
+            </a:lvl4pPr>
+            <a:lvl5pPr marL="2000250" indent="-171450" algn="l" rtl="0" eaLnBrk="0" fontAlgn="base" hangingPunct="0">
+              <a:lnSpc>
+                <a:spcPct val="90000"/>
+              </a:lnSpc>
+              <a:spcBef>
+                <a:spcPct val="30000"/>
+              </a:spcBef>
+              <a:spcAft>
+                <a:spcPct val="0"/>
+              </a:spcAft>
+              <a:buSzPct val="100000"/>
+              <a:buChar char="–"/>
+              <a:defRPr sz="2000">
+                <a:solidFill>
+                  <a:schemeClr val="tx1"/>
+                </a:solidFill>
+                <a:latin typeface="Gill Sans" charset="0"/>
+                <a:ea typeface="Gill Sans" charset="0"/>
+                <a:cs typeface="Gill Sans" charset="0"/>
+              </a:defRPr>
+            </a:lvl5pPr>
+            <a:lvl6pPr marL="2457450" indent="-171450" algn="l" rtl="0" eaLnBrk="0" fontAlgn="base" hangingPunct="0">
+              <a:lnSpc>
+                <a:spcPct val="90000"/>
+              </a:lnSpc>
+              <a:spcBef>
+                <a:spcPct val="30000"/>
+              </a:spcBef>
+              <a:spcAft>
+                <a:spcPct val="0"/>
+              </a:spcAft>
+              <a:buSzPct val="100000"/>
+              <a:buChar char="–"/>
+              <a:defRPr sz="2000" b="1">
+                <a:solidFill>
+                  <a:schemeClr val="tx1"/>
+                </a:solidFill>
+                <a:latin typeface="+mn-lt"/>
+              </a:defRPr>
+            </a:lvl6pPr>
+            <a:lvl7pPr marL="2914650" indent="-171450" algn="l" rtl="0" eaLnBrk="0" fontAlgn="base" hangingPunct="0">
+              <a:lnSpc>
+                <a:spcPct val="90000"/>
+              </a:lnSpc>
+              <a:spcBef>
+                <a:spcPct val="30000"/>
+              </a:spcBef>
+              <a:spcAft>
+                <a:spcPct val="0"/>
+              </a:spcAft>
+              <a:buSzPct val="100000"/>
+              <a:buChar char="–"/>
+              <a:defRPr sz="2000" b="1">
+                <a:solidFill>
+                  <a:schemeClr val="tx1"/>
+                </a:solidFill>
+                <a:latin typeface="+mn-lt"/>
+              </a:defRPr>
+            </a:lvl7pPr>
+            <a:lvl8pPr marL="3371850" indent="-171450" algn="l" rtl="0" eaLnBrk="0" fontAlgn="base" hangingPunct="0">
+              <a:lnSpc>
+                <a:spcPct val="90000"/>
+              </a:lnSpc>
+              <a:spcBef>
+                <a:spcPct val="30000"/>
+              </a:spcBef>
+              <a:spcAft>
+                <a:spcPct val="0"/>
+              </a:spcAft>
+              <a:buSzPct val="100000"/>
+              <a:buChar char="–"/>
+              <a:defRPr sz="2000" b="1">
+                <a:solidFill>
+                  <a:schemeClr val="tx1"/>
+                </a:solidFill>
+                <a:latin typeface="+mn-lt"/>
+              </a:defRPr>
+            </a:lvl8pPr>
+            <a:lvl9pPr marL="3829050" indent="-171450" algn="l" rtl="0" eaLnBrk="0" fontAlgn="base" hangingPunct="0">
+              <a:lnSpc>
+                <a:spcPct val="90000"/>
+              </a:lnSpc>
+              <a:spcBef>
+                <a:spcPct val="30000"/>
+              </a:spcBef>
+              <a:spcAft>
+                <a:spcPct val="0"/>
+              </a:spcAft>
+              <a:buSzPct val="100000"/>
+              <a:buChar char="–"/>
+              <a:defRPr sz="2000" b="1">
+                <a:solidFill>
+                  <a:schemeClr val="tx1"/>
+                </a:solidFill>
+                <a:latin typeface="+mn-lt"/>
+              </a:defRPr>
+            </a:lvl9pPr>
+          </a:lstStyle>
+          <a:p>
+            <a:r>
+              <a:rPr lang="en-GB" b="0" kern="0" dirty="0"/>
+              <a:t>Assuming no error (ret &gt;= 0):</a:t>
+            </a:r>
+          </a:p>
+          <a:p>
+            <a:r>
+              <a:rPr lang="en-GB" b="0" kern="0" dirty="0"/>
+              <a:t>Code inside if(ret == 0){} block is executed by Child process</a:t>
+            </a:r>
+          </a:p>
+          <a:p>
+            <a:r>
+              <a:rPr lang="en-GB" b="0" kern="0" dirty="0"/>
+              <a:t>Code inside if(ret &gt; 0){} block is executed by Parent process</a:t>
+            </a:r>
+          </a:p>
+          <a:p>
+            <a:r>
+              <a:rPr lang="en-GB" b="0" kern="0" dirty="0"/>
+              <a:t>Code outside of if-then-else blocks is executed by both Child and Parent</a:t>
+            </a:r>
+            <a:endParaRPr lang="en-SE" b="0" kern="0" dirty="0"/>
+          </a:p>
+        </p:txBody>
+      </p:sp>
     </p:spTree>
     <p:extLst>
       <p:ext uri="{BB962C8B-B14F-4D97-AF65-F5344CB8AC3E}">
@@ -15160,7 +15277,7 @@
                   <a:srgbClr val="BA2121"/>
                 </a:solidFill>
               </a:rPr>
-              <a:t>"hello world (pid:%d)</a:t>
+              <a:t>"hello world (ret:%d)</a:t>
             </a:r>
             <a:r>
               <a:rPr lang="en-US" altLang="zh-CN" sz="1600" b="1" dirty="0">
@@ -19085,17 +19202,17 @@
           <a:effectLst/>
           <a:extLst>
             <a:ext uri="{FAA26D3D-D897-4be2-8F04-BA451C77F1D7}">
-              <ma14:placeholderFlag xmlns="" xmlns:ma14="http://schemas.microsoft.com/office/mac/drawingml/2011/main" val="1"/>
+              <ma14:placeholderFlag xmlns:ma14="http://schemas.microsoft.com/office/mac/drawingml/2011/main" xmlns="" val="1"/>
             </a:ext>
             <a:ext uri="{909E8E84-426E-40dd-AFC4-6F175D3DCCD1}">
-              <a14:hiddenFill xmlns="" xmlns:a14="http://schemas.microsoft.com/office/drawing/2010/main">
+              <a14:hiddenFill xmlns:a14="http://schemas.microsoft.com/office/drawing/2010/main" xmlns="">
                 <a:solidFill>
                   <a:schemeClr val="bg1"/>
                 </a:solidFill>
               </a14:hiddenFill>
             </a:ext>
             <a:ext uri="{91240B29-F687-4f45-9708-019B960494DF}">
-              <a14:hiddenLine xmlns="" xmlns:a14="http://schemas.microsoft.com/office/drawing/2010/main" w="12700">
+              <a14:hiddenLine xmlns:a14="http://schemas.microsoft.com/office/drawing/2010/main" xmlns="" w="12700">
                 <a:pattFill prst="narHorz">
                   <a:fgClr>
                     <a:schemeClr val="tx1"/>
@@ -19110,7 +19227,7 @@
               </a14:hiddenLine>
             </a:ext>
             <a:ext uri="{AF507438-7753-43e0-B8FC-AC1667EBCBE1}">
-              <a14:hiddenEffects xmlns="" xmlns:a14="http://schemas.microsoft.com/office/drawing/2010/main">
+              <a14:hiddenEffects xmlns:a14="http://schemas.microsoft.com/office/drawing/2010/main" xmlns="">
                 <a:effectLst>
                   <a:outerShdw blurRad="63500" dist="38099" dir="2700000" algn="ctr" rotWithShape="0">
                     <a:schemeClr val="bg2">
@@ -19366,7 +19483,42 @@
           <a:p>
             <a:r>
               <a:rPr lang="en-GB" altLang="zh-CN" sz="1800" b="0" kern="0" dirty="0"/>
-              <a:t>The </a:t>
+              <a:t>After call to </a:t>
+            </a:r>
+            <a:r>
+              <a:rPr lang="en-GB" altLang="zh-CN" sz="1800" b="0" kern="0" dirty="0" err="1"/>
+              <a:t>execvp</a:t>
+            </a:r>
+            <a:r>
+              <a:rPr lang="en-GB" altLang="zh-CN" sz="1800" b="0" kern="0" dirty="0"/>
+              <a:t>(), the whole child process address space is overwritten and replaced by the </a:t>
+            </a:r>
+            <a:r>
+              <a:rPr lang="en-GB" altLang="zh-CN" sz="1800" b="0" kern="0" dirty="0" err="1"/>
+              <a:t>wc</a:t>
+            </a:r>
+            <a:r>
+              <a:rPr lang="en-GB" altLang="zh-CN" sz="1800" b="0" kern="0" dirty="0"/>
+              <a:t> program, so the line “</a:t>
+            </a:r>
+            <a:r>
+              <a:rPr lang="en-GB" altLang="zh-CN" sz="1800" b="0" kern="0" dirty="0" err="1"/>
+              <a:t>printf</a:t>
+            </a:r>
+            <a:r>
+              <a:rPr lang="en-GB" altLang="zh-CN" sz="1800" b="0" kern="0" dirty="0"/>
+              <a:t>(“This line will never be executed.");“ will never </a:t>
+            </a:r>
+            <a:r>
+              <a:rPr lang="en-GB" altLang="zh-CN" sz="1800" b="0" kern="0"/>
+              <a:t>be executed. </a:t>
+            </a:r>
+            <a:endParaRPr lang="en-GB" altLang="zh-CN" sz="1800" b="0" kern="0" dirty="0"/>
+          </a:p>
+          <a:p>
+            <a:r>
+              <a:rPr lang="en-GB" altLang="zh-CN" sz="1800" b="0" kern="0" dirty="0"/>
+              <a:t>Minor point: </a:t>
             </a:r>
             <a:r>
               <a:rPr lang="en-GB" altLang="zh-CN" sz="1800" b="0" kern="0" dirty="0" err="1"/>
@@ -19374,7 +19526,7 @@
             </a:r>
             <a:r>
               <a:rPr lang="en-GB" altLang="zh-CN" sz="1800" b="0" kern="0" dirty="0"/>
-              <a:t>() function allocates memory on the heap and stores a copy of the string there. This is done to ensure that the strings are stored in memory that can be safely modified or freed later if needed. In this program, </a:t>
+              <a:t>() allocates memory on the heap and stores a copy of the string there. This is done to ensure that the strings are stored in memory that can be safely modified or freed later if needed. In this program, </a:t>
             </a:r>
             <a:r>
               <a:rPr lang="en-GB" altLang="zh-CN" sz="1800" b="0" kern="0" dirty="0" err="1"/>
@@ -19399,36 +19551,6 @@
             <a:r>
               <a:rPr lang="en-GB" altLang="zh-CN" sz="1800" b="0" kern="0" dirty="0"/>
               <a:t>`, since the strings are read only and not modified later.</a:t>
-            </a:r>
-          </a:p>
-          <a:p>
-            <a:r>
-              <a:rPr lang="en-GB" altLang="zh-CN" sz="1800" b="0" kern="0" dirty="0"/>
-              <a:t>After call to </a:t>
-            </a:r>
-            <a:r>
-              <a:rPr lang="en-GB" altLang="zh-CN" sz="1800" b="0" kern="0" dirty="0" err="1"/>
-              <a:t>execvp</a:t>
-            </a:r>
-            <a:r>
-              <a:rPr lang="en-GB" altLang="zh-CN" sz="1800" b="0" kern="0" dirty="0"/>
-              <a:t>(), the whole child process address space is overwritten and replaced by the </a:t>
-            </a:r>
-            <a:r>
-              <a:rPr lang="en-GB" altLang="zh-CN" sz="1800" b="0" kern="0" dirty="0" err="1"/>
-              <a:t>wc</a:t>
-            </a:r>
-            <a:r>
-              <a:rPr lang="en-GB" altLang="zh-CN" sz="1800" b="0" kern="0" dirty="0"/>
-              <a:t> program, so the line “</a:t>
-            </a:r>
-            <a:r>
-              <a:rPr lang="en-GB" altLang="zh-CN" sz="1800" b="0" kern="0" dirty="0" err="1"/>
-              <a:t>printf</a:t>
-            </a:r>
-            <a:r>
-              <a:rPr lang="en-GB" altLang="zh-CN" sz="1800" b="0" kern="0" dirty="0"/>
-              <a:t>(“This line will never be executed.");“ is overwritten and will never be called. </a:t>
             </a:r>
           </a:p>
         </p:txBody>
@@ -20564,7 +20686,7 @@
           </a:ln>
           <a:extLst>
             <a:ext uri="{AF507438-7753-43e0-B8FC-AC1667EBCBE1}">
-              <a14:hiddenEffects xmlns="" xmlns:a14="http://schemas.microsoft.com/office/drawing/2010/main">
+              <a14:hiddenEffects xmlns:a14="http://schemas.microsoft.com/office/drawing/2010/main" xmlns="">
                 <a:effectLst>
                   <a:outerShdw dist="35921" dir="2700000" algn="ctr" rotWithShape="0">
                     <a:schemeClr val="bg2"/>
@@ -20651,7 +20773,7 @@
           </a:ln>
           <a:extLst>
             <a:ext uri="{AF507438-7753-43e0-B8FC-AC1667EBCBE1}">
-              <a14:hiddenEffects xmlns="" xmlns:a14="http://schemas.microsoft.com/office/drawing/2010/main">
+              <a14:hiddenEffects xmlns:a14="http://schemas.microsoft.com/office/drawing/2010/main" xmlns="">
                 <a:effectLst>
                   <a:outerShdw dist="35921" dir="2700000" algn="ctr" rotWithShape="0">
                     <a:schemeClr val="bg2"/>
@@ -20824,7 +20946,7 @@
           </a:ln>
           <a:extLst>
             <a:ext uri="{AF507438-7753-43e0-B8FC-AC1667EBCBE1}">
-              <a14:hiddenEffects xmlns="" xmlns:a14="http://schemas.microsoft.com/office/drawing/2010/main">
+              <a14:hiddenEffects xmlns:a14="http://schemas.microsoft.com/office/drawing/2010/main" xmlns="">
                 <a:effectLst>
                   <a:outerShdw dist="35921" dir="2700000" algn="ctr" rotWithShape="0">
                     <a:schemeClr val="bg2"/>
@@ -23947,17 +24069,17 @@
           <a:effectLst/>
           <a:extLst>
             <a:ext uri="{FAA26D3D-D897-4be2-8F04-BA451C77F1D7}">
-              <ma14:placeholderFlag xmlns="" xmlns:ma14="http://schemas.microsoft.com/office/mac/drawingml/2011/main" val="1"/>
+              <ma14:placeholderFlag xmlns:ma14="http://schemas.microsoft.com/office/mac/drawingml/2011/main" xmlns="" val="1"/>
             </a:ext>
             <a:ext uri="{909E8E84-426E-40dd-AFC4-6F175D3DCCD1}">
-              <a14:hiddenFill xmlns="" xmlns:a14="http://schemas.microsoft.com/office/drawing/2010/main">
+              <a14:hiddenFill xmlns:a14="http://schemas.microsoft.com/office/drawing/2010/main" xmlns="">
                 <a:solidFill>
                   <a:schemeClr val="bg1"/>
                 </a:solidFill>
               </a14:hiddenFill>
             </a:ext>
             <a:ext uri="{91240B29-F687-4f45-9708-019B960494DF}">
-              <a14:hiddenLine xmlns="" xmlns:a14="http://schemas.microsoft.com/office/drawing/2010/main" w="12700">
+              <a14:hiddenLine xmlns:a14="http://schemas.microsoft.com/office/drawing/2010/main" xmlns="" w="12700">
                 <a:pattFill prst="narHorz">
                   <a:fgClr>
                     <a:schemeClr val="tx1"/>
@@ -23972,7 +24094,7 @@
               </a14:hiddenLine>
             </a:ext>
             <a:ext uri="{AF507438-7753-43e0-B8FC-AC1667EBCBE1}">
-              <a14:hiddenEffects xmlns="" xmlns:a14="http://schemas.microsoft.com/office/drawing/2010/main">
+              <a14:hiddenEffects xmlns:a14="http://schemas.microsoft.com/office/drawing/2010/main" xmlns="">
                 <a:effectLst>
                   <a:outerShdw blurRad="63500" dist="38099" dir="2700000" algn="ctr" rotWithShape="0">
                     <a:schemeClr val="bg2">
@@ -33349,17 +33471,17 @@
           <a:effectLst/>
           <a:extLst>
             <a:ext uri="{FAA26D3D-D897-4be2-8F04-BA451C77F1D7}">
-              <ma14:placeholderFlag xmlns="" xmlns:ma14="http://schemas.microsoft.com/office/mac/drawingml/2011/main" val="1"/>
+              <ma14:placeholderFlag xmlns:ma14="http://schemas.microsoft.com/office/mac/drawingml/2011/main" xmlns="" val="1"/>
             </a:ext>
             <a:ext uri="{909E8E84-426E-40dd-AFC4-6F175D3DCCD1}">
-              <a14:hiddenFill xmlns="" xmlns:a14="http://schemas.microsoft.com/office/drawing/2010/main">
+              <a14:hiddenFill xmlns:a14="http://schemas.microsoft.com/office/drawing/2010/main" xmlns="">
                 <a:solidFill>
                   <a:schemeClr val="bg1"/>
                 </a:solidFill>
               </a14:hiddenFill>
             </a:ext>
             <a:ext uri="{91240B29-F687-4f45-9708-019B960494DF}">
-              <a14:hiddenLine xmlns="" xmlns:a14="http://schemas.microsoft.com/office/drawing/2010/main" w="12700">
+              <a14:hiddenLine xmlns:a14="http://schemas.microsoft.com/office/drawing/2010/main" xmlns="" w="12700">
                 <a:pattFill prst="narHorz">
                   <a:fgClr>
                     <a:schemeClr val="tx1"/>
@@ -33374,7 +33496,7 @@
               </a14:hiddenLine>
             </a:ext>
             <a:ext uri="{AF507438-7753-43e0-B8FC-AC1667EBCBE1}">
-              <a14:hiddenEffects xmlns="" xmlns:a14="http://schemas.microsoft.com/office/drawing/2010/main">
+              <a14:hiddenEffects xmlns:a14="http://schemas.microsoft.com/office/drawing/2010/main" xmlns="">
                 <a:effectLst>
                   <a:outerShdw blurRad="63500" dist="38099" dir="2700000" algn="ctr" rotWithShape="0">
                     <a:schemeClr val="bg2">
@@ -34342,7 +34464,7 @@
           </a:ln>
           <a:extLst>
             <a:ext uri="{AF507438-7753-43e0-B8FC-AC1667EBCBE1}">
-              <a14:hiddenEffects xmlns="" xmlns:a14="http://schemas.microsoft.com/office/drawing/2010/main">
+              <a14:hiddenEffects xmlns:a14="http://schemas.microsoft.com/office/drawing/2010/main" xmlns="">
                 <a:effectLst>
                   <a:outerShdw dist="35921" dir="2700000" algn="ctr" rotWithShape="0">
                     <a:schemeClr val="bg2"/>
@@ -42691,7 +42813,7 @@
         <a:effectLst/>
         <a:extLst>
           <a:ext uri="{AF507438-7753-43e0-B8FC-AC1667EBCBE1}">
-            <a14:hiddenEffects xmlns:a14="http://schemas.microsoft.com/office/drawing/2010/main" xmlns="">
+            <a14:hiddenEffects xmlns="" xmlns:a14="http://schemas.microsoft.com/office/drawing/2010/main">
               <a:effectLst>
                 <a:outerShdw dist="35921" dir="2700000" algn="ctr" rotWithShape="0">
                   <a:schemeClr val="bg2"/>
@@ -42764,7 +42886,7 @@
         <a:effectLst/>
         <a:extLst>
           <a:ext uri="{AF507438-7753-43e0-B8FC-AC1667EBCBE1}">
-            <a14:hiddenEffects xmlns:a14="http://schemas.microsoft.com/office/drawing/2010/main" xmlns="">
+            <a14:hiddenEffects xmlns="" xmlns:a14="http://schemas.microsoft.com/office/drawing/2010/main">
               <a:effectLst>
                 <a:outerShdw dist="35921" dir="2700000" algn="ctr" rotWithShape="0">
                   <a:schemeClr val="bg2"/>

--- a/PPTs/L2-Processes Threads.pptx
+++ b/PPTs/L2-Processes Threads.pptx
@@ -245,6 +245,300 @@
 </p:presentation>
 </file>
 
+<file path=ppt/revisionInfo.xml><?xml version="1.0" encoding="utf-8"?>
+<p1510:revInfo xmlns:a="http://schemas.openxmlformats.org/drawingml/2006/main" xmlns:r="http://schemas.openxmlformats.org/officeDocument/2006/relationships" xmlns:p1510="http://schemas.microsoft.com/office/powerpoint/2015/10/main">
+  <p1510:revLst>
+    <p1510:client id="{0132A8DD-0A6B-4C84-9487-37DF9EE63DAE}" v="4" dt="2025-09-05T02:43:44.547"/>
+  </p1510:revLst>
+</p1510:revInfo>
+</file>
+
+<file path=ppt/changesInfos/changesInfo1.xml><?xml version="1.0" encoding="utf-8"?>
+<pc:chgInfo xmlns:a="http://schemas.openxmlformats.org/drawingml/2006/main" xmlns:r="http://schemas.openxmlformats.org/officeDocument/2006/relationships" xmlns:ac="http://schemas.microsoft.com/office/drawing/2013/main/command" xmlns:pc="http://schemas.microsoft.com/office/powerpoint/2013/main/command">
+  <pc:docChgLst>
+    <pc:chgData name="Zonghua Gu" userId="9a7e1853e1951ef5" providerId="LiveId" clId="{CF1FAA12-072C-4ED5-BA76-0FFFAEFDB88A}"/>
+    <pc:docChg chg="undo custSel modSld">
+      <pc:chgData name="Zonghua Gu" userId="9a7e1853e1951ef5" providerId="LiveId" clId="{CF1FAA12-072C-4ED5-BA76-0FFFAEFDB88A}" dt="2025-09-05T02:45:05.862" v="135" actId="20577"/>
+      <pc:docMkLst>
+        <pc:docMk/>
+      </pc:docMkLst>
+      <pc:sldChg chg="delSp mod">
+        <pc:chgData name="Zonghua Gu" userId="9a7e1853e1951ef5" providerId="LiveId" clId="{CF1FAA12-072C-4ED5-BA76-0FFFAEFDB88A}" dt="2025-09-05T02:37:36.716" v="0" actId="478"/>
+        <pc:sldMkLst>
+          <pc:docMk/>
+          <pc:sldMk cId="1914696869" sldId="276"/>
+        </pc:sldMkLst>
+        <pc:spChg chg="del">
+          <ac:chgData name="Zonghua Gu" userId="9a7e1853e1951ef5" providerId="LiveId" clId="{CF1FAA12-072C-4ED5-BA76-0FFFAEFDB88A}" dt="2025-09-05T02:37:36.716" v="0" actId="478"/>
+          <ac:spMkLst>
+            <pc:docMk/>
+            <pc:sldMk cId="1914696869" sldId="276"/>
+            <ac:spMk id="6" creationId="{BD13F078-3DD1-AB00-BEE1-DFA30BF505BB}"/>
+          </ac:spMkLst>
+        </pc:spChg>
+      </pc:sldChg>
+      <pc:sldChg chg="delSp mod">
+        <pc:chgData name="Zonghua Gu" userId="9a7e1853e1951ef5" providerId="LiveId" clId="{CF1FAA12-072C-4ED5-BA76-0FFFAEFDB88A}" dt="2025-09-05T02:37:43.120" v="1" actId="478"/>
+        <pc:sldMkLst>
+          <pc:docMk/>
+          <pc:sldMk cId="2522470081" sldId="277"/>
+        </pc:sldMkLst>
+        <pc:spChg chg="del">
+          <ac:chgData name="Zonghua Gu" userId="9a7e1853e1951ef5" providerId="LiveId" clId="{CF1FAA12-072C-4ED5-BA76-0FFFAEFDB88A}" dt="2025-09-05T02:37:43.120" v="1" actId="478"/>
+          <ac:spMkLst>
+            <pc:docMk/>
+            <pc:sldMk cId="2522470081" sldId="277"/>
+            <ac:spMk id="4" creationId="{6701F35C-325E-C0BB-1DC0-F9C992C0031E}"/>
+          </ac:spMkLst>
+        </pc:spChg>
+      </pc:sldChg>
+      <pc:sldChg chg="delSp mod">
+        <pc:chgData name="Zonghua Gu" userId="9a7e1853e1951ef5" providerId="LiveId" clId="{CF1FAA12-072C-4ED5-BA76-0FFFAEFDB88A}" dt="2025-09-05T02:37:50.566" v="2" actId="478"/>
+        <pc:sldMkLst>
+          <pc:docMk/>
+          <pc:sldMk cId="3380590396" sldId="278"/>
+        </pc:sldMkLst>
+        <pc:spChg chg="del">
+          <ac:chgData name="Zonghua Gu" userId="9a7e1853e1951ef5" providerId="LiveId" clId="{CF1FAA12-072C-4ED5-BA76-0FFFAEFDB88A}" dt="2025-09-05T02:37:50.566" v="2" actId="478"/>
+          <ac:spMkLst>
+            <pc:docMk/>
+            <pc:sldMk cId="3380590396" sldId="278"/>
+            <ac:spMk id="4" creationId="{CA92268A-2DCE-0BDC-31AD-54BC4E61A1D2}"/>
+          </ac:spMkLst>
+        </pc:spChg>
+      </pc:sldChg>
+      <pc:sldChg chg="modSp mod">
+        <pc:chgData name="Zonghua Gu" userId="9a7e1853e1951ef5" providerId="LiveId" clId="{CF1FAA12-072C-4ED5-BA76-0FFFAEFDB88A}" dt="2025-09-05T02:38:06.818" v="5"/>
+        <pc:sldMkLst>
+          <pc:docMk/>
+          <pc:sldMk cId="1712126727" sldId="280"/>
+        </pc:sldMkLst>
+        <pc:spChg chg="mod">
+          <ac:chgData name="Zonghua Gu" userId="9a7e1853e1951ef5" providerId="LiveId" clId="{CF1FAA12-072C-4ED5-BA76-0FFFAEFDB88A}" dt="2025-09-05T02:38:06.818" v="5"/>
+          <ac:spMkLst>
+            <pc:docMk/>
+            <pc:sldMk cId="1712126727" sldId="280"/>
+            <ac:spMk id="3" creationId="{FC7524D1-ADBD-8C45-9DC3-F343D7DEE3B6}"/>
+          </ac:spMkLst>
+        </pc:spChg>
+      </pc:sldChg>
+      <pc:sldChg chg="delSp modSp mod">
+        <pc:chgData name="Zonghua Gu" userId="9a7e1853e1951ef5" providerId="LiveId" clId="{CF1FAA12-072C-4ED5-BA76-0FFFAEFDB88A}" dt="2025-09-05T02:39:24.732" v="20" actId="20577"/>
+        <pc:sldMkLst>
+          <pc:docMk/>
+          <pc:sldMk cId="3282455432" sldId="281"/>
+        </pc:sldMkLst>
+        <pc:spChg chg="mod">
+          <ac:chgData name="Zonghua Gu" userId="9a7e1853e1951ef5" providerId="LiveId" clId="{CF1FAA12-072C-4ED5-BA76-0FFFAEFDB88A}" dt="2025-09-05T02:39:24.732" v="20" actId="20577"/>
+          <ac:spMkLst>
+            <pc:docMk/>
+            <pc:sldMk cId="3282455432" sldId="281"/>
+            <ac:spMk id="3" creationId="{FC7524D1-ADBD-8C45-9DC3-F343D7DEE3B6}"/>
+          </ac:spMkLst>
+        </pc:spChg>
+        <pc:spChg chg="del">
+          <ac:chgData name="Zonghua Gu" userId="9a7e1853e1951ef5" providerId="LiveId" clId="{CF1FAA12-072C-4ED5-BA76-0FFFAEFDB88A}" dt="2025-09-05T02:38:41.280" v="6" actId="478"/>
+          <ac:spMkLst>
+            <pc:docMk/>
+            <pc:sldMk cId="3282455432" sldId="281"/>
+            <ac:spMk id="5" creationId="{27B5FD14-8E36-C521-CB54-A044189C7339}"/>
+          </ac:spMkLst>
+        </pc:spChg>
+      </pc:sldChg>
+      <pc:sldChg chg="delSp mod">
+        <pc:chgData name="Zonghua Gu" userId="9a7e1853e1951ef5" providerId="LiveId" clId="{CF1FAA12-072C-4ED5-BA76-0FFFAEFDB88A}" dt="2025-09-05T02:39:59.159" v="21" actId="478"/>
+        <pc:sldMkLst>
+          <pc:docMk/>
+          <pc:sldMk cId="9699727" sldId="286"/>
+        </pc:sldMkLst>
+        <pc:spChg chg="del">
+          <ac:chgData name="Zonghua Gu" userId="9a7e1853e1951ef5" providerId="LiveId" clId="{CF1FAA12-072C-4ED5-BA76-0FFFAEFDB88A}" dt="2025-09-05T02:39:59.159" v="21" actId="478"/>
+          <ac:spMkLst>
+            <pc:docMk/>
+            <pc:sldMk cId="9699727" sldId="286"/>
+            <ac:spMk id="4" creationId="{3758AFB3-277B-2A04-CEB6-73BEDD8904DB}"/>
+          </ac:spMkLst>
+        </pc:spChg>
+      </pc:sldChg>
+      <pc:sldChg chg="delSp mod">
+        <pc:chgData name="Zonghua Gu" userId="9a7e1853e1951ef5" providerId="LiveId" clId="{CF1FAA12-072C-4ED5-BA76-0FFFAEFDB88A}" dt="2025-09-05T02:40:27.839" v="52" actId="478"/>
+        <pc:sldMkLst>
+          <pc:docMk/>
+          <pc:sldMk cId="705927903" sldId="290"/>
+        </pc:sldMkLst>
+        <pc:spChg chg="del">
+          <ac:chgData name="Zonghua Gu" userId="9a7e1853e1951ef5" providerId="LiveId" clId="{CF1FAA12-072C-4ED5-BA76-0FFFAEFDB88A}" dt="2025-09-05T02:40:27.839" v="52" actId="478"/>
+          <ac:spMkLst>
+            <pc:docMk/>
+            <pc:sldMk cId="705927903" sldId="290"/>
+            <ac:spMk id="4" creationId="{69DFB8A3-E1BE-C334-A263-0CE5196DCBE9}"/>
+          </ac:spMkLst>
+        </pc:spChg>
+      </pc:sldChg>
+      <pc:sldChg chg="delSp modSp mod">
+        <pc:chgData name="Zonghua Gu" userId="9a7e1853e1951ef5" providerId="LiveId" clId="{CF1FAA12-072C-4ED5-BA76-0FFFAEFDB88A}" dt="2025-09-05T02:40:46.190" v="56" actId="20577"/>
+        <pc:sldMkLst>
+          <pc:docMk/>
+          <pc:sldMk cId="1343251076" sldId="291"/>
+        </pc:sldMkLst>
+        <pc:spChg chg="mod">
+          <ac:chgData name="Zonghua Gu" userId="9a7e1853e1951ef5" providerId="LiveId" clId="{CF1FAA12-072C-4ED5-BA76-0FFFAEFDB88A}" dt="2025-09-05T02:40:46.190" v="56" actId="20577"/>
+          <ac:spMkLst>
+            <pc:docMk/>
+            <pc:sldMk cId="1343251076" sldId="291"/>
+            <ac:spMk id="3" creationId="{EEADE77D-C9B0-BC37-6639-E5FD1A7A5D3A}"/>
+          </ac:spMkLst>
+        </pc:spChg>
+        <pc:spChg chg="del">
+          <ac:chgData name="Zonghua Gu" userId="9a7e1853e1951ef5" providerId="LiveId" clId="{CF1FAA12-072C-4ED5-BA76-0FFFAEFDB88A}" dt="2025-09-05T02:40:33.187" v="53" actId="478"/>
+          <ac:spMkLst>
+            <pc:docMk/>
+            <pc:sldMk cId="1343251076" sldId="291"/>
+            <ac:spMk id="5" creationId="{661CF0C1-7A6D-A792-9708-069317353B40}"/>
+          </ac:spMkLst>
+        </pc:spChg>
+      </pc:sldChg>
+      <pc:sldChg chg="delSp mod">
+        <pc:chgData name="Zonghua Gu" userId="9a7e1853e1951ef5" providerId="LiveId" clId="{CF1FAA12-072C-4ED5-BA76-0FFFAEFDB88A}" dt="2025-09-05T02:40:55.275" v="57" actId="478"/>
+        <pc:sldMkLst>
+          <pc:docMk/>
+          <pc:sldMk cId="472040141" sldId="292"/>
+        </pc:sldMkLst>
+        <pc:spChg chg="del">
+          <ac:chgData name="Zonghua Gu" userId="9a7e1853e1951ef5" providerId="LiveId" clId="{CF1FAA12-072C-4ED5-BA76-0FFFAEFDB88A}" dt="2025-09-05T02:40:55.275" v="57" actId="478"/>
+          <ac:spMkLst>
+            <pc:docMk/>
+            <pc:sldMk cId="472040141" sldId="292"/>
+            <ac:spMk id="4" creationId="{E6E37ACA-281C-049F-BE91-61F2D9344249}"/>
+          </ac:spMkLst>
+        </pc:spChg>
+      </pc:sldChg>
+      <pc:sldChg chg="delSp modSp mod">
+        <pc:chgData name="Zonghua Gu" userId="9a7e1853e1951ef5" providerId="LiveId" clId="{CF1FAA12-072C-4ED5-BA76-0FFFAEFDB88A}" dt="2025-09-05T02:41:07.462" v="63" actId="20577"/>
+        <pc:sldMkLst>
+          <pc:docMk/>
+          <pc:sldMk cId="289959520" sldId="293"/>
+        </pc:sldMkLst>
+        <pc:spChg chg="mod">
+          <ac:chgData name="Zonghua Gu" userId="9a7e1853e1951ef5" providerId="LiveId" clId="{CF1FAA12-072C-4ED5-BA76-0FFFAEFDB88A}" dt="2025-09-05T02:41:07.462" v="63" actId="20577"/>
+          <ac:spMkLst>
+            <pc:docMk/>
+            <pc:sldMk cId="289959520" sldId="293"/>
+            <ac:spMk id="3" creationId="{1B2C01DF-FF3D-C020-33D0-F235B1B31AB7}"/>
+          </ac:spMkLst>
+        </pc:spChg>
+        <pc:spChg chg="del">
+          <ac:chgData name="Zonghua Gu" userId="9a7e1853e1951ef5" providerId="LiveId" clId="{CF1FAA12-072C-4ED5-BA76-0FFFAEFDB88A}" dt="2025-09-05T02:40:58.184" v="58" actId="478"/>
+          <ac:spMkLst>
+            <pc:docMk/>
+            <pc:sldMk cId="289959520" sldId="293"/>
+            <ac:spMk id="4" creationId="{22F2170D-6F52-01FA-E332-D923168C1EDE}"/>
+          </ac:spMkLst>
+        </pc:spChg>
+      </pc:sldChg>
+      <pc:sldChg chg="delSp modSp mod">
+        <pc:chgData name="Zonghua Gu" userId="9a7e1853e1951ef5" providerId="LiveId" clId="{CF1FAA12-072C-4ED5-BA76-0FFFAEFDB88A}" dt="2025-09-05T02:40:19.816" v="50" actId="20577"/>
+        <pc:sldMkLst>
+          <pc:docMk/>
+          <pc:sldMk cId="747926631" sldId="298"/>
+        </pc:sldMkLst>
+        <pc:spChg chg="mod">
+          <ac:chgData name="Zonghua Gu" userId="9a7e1853e1951ef5" providerId="LiveId" clId="{CF1FAA12-072C-4ED5-BA76-0FFFAEFDB88A}" dt="2025-09-05T02:40:19.816" v="50" actId="20577"/>
+          <ac:spMkLst>
+            <pc:docMk/>
+            <pc:sldMk cId="747926631" sldId="298"/>
+            <ac:spMk id="3" creationId="{08EA202D-2329-46FC-D16F-7F672EA47134}"/>
+          </ac:spMkLst>
+        </pc:spChg>
+        <pc:spChg chg="del">
+          <ac:chgData name="Zonghua Gu" userId="9a7e1853e1951ef5" providerId="LiveId" clId="{CF1FAA12-072C-4ED5-BA76-0FFFAEFDB88A}" dt="2025-09-05T02:40:07.356" v="22" actId="478"/>
+          <ac:spMkLst>
+            <pc:docMk/>
+            <pc:sldMk cId="747926631" sldId="298"/>
+            <ac:spMk id="4" creationId="{28DD35F1-0DFA-E584-9F82-156351DB9F54}"/>
+          </ac:spMkLst>
+        </pc:spChg>
+      </pc:sldChg>
+      <pc:sldChg chg="modSp mod">
+        <pc:chgData name="Zonghua Gu" userId="9a7e1853e1951ef5" providerId="LiveId" clId="{CF1FAA12-072C-4ED5-BA76-0FFFAEFDB88A}" dt="2025-09-05T02:42:37.007" v="78" actId="20577"/>
+        <pc:sldMkLst>
+          <pc:docMk/>
+          <pc:sldMk cId="0" sldId="299"/>
+        </pc:sldMkLst>
+        <pc:spChg chg="mod">
+          <ac:chgData name="Zonghua Gu" userId="9a7e1853e1951ef5" providerId="LiveId" clId="{CF1FAA12-072C-4ED5-BA76-0FFFAEFDB88A}" dt="2025-09-05T02:42:37.007" v="78" actId="20577"/>
+          <ac:spMkLst>
+            <pc:docMk/>
+            <pc:sldMk cId="0" sldId="299"/>
+            <ac:spMk id="134147" creationId="{CE953AE3-5CAF-12B2-BE9C-EDE56E337765}"/>
+          </ac:spMkLst>
+        </pc:spChg>
+      </pc:sldChg>
+      <pc:sldChg chg="delSp mod">
+        <pc:chgData name="Zonghua Gu" userId="9a7e1853e1951ef5" providerId="LiveId" clId="{CF1FAA12-072C-4ED5-BA76-0FFFAEFDB88A}" dt="2025-09-05T02:40:25.750" v="51" actId="478"/>
+        <pc:sldMkLst>
+          <pc:docMk/>
+          <pc:sldMk cId="4240962310" sldId="300"/>
+        </pc:sldMkLst>
+        <pc:spChg chg="del">
+          <ac:chgData name="Zonghua Gu" userId="9a7e1853e1951ef5" providerId="LiveId" clId="{CF1FAA12-072C-4ED5-BA76-0FFFAEFDB88A}" dt="2025-09-05T02:40:25.750" v="51" actId="478"/>
+          <ac:spMkLst>
+            <pc:docMk/>
+            <pc:sldMk cId="4240962310" sldId="300"/>
+            <ac:spMk id="4" creationId="{3F92FC57-F65E-53DD-575E-BBFA6A4C93F4}"/>
+          </ac:spMkLst>
+        </pc:spChg>
+      </pc:sldChg>
+      <pc:sldChg chg="modSp mod">
+        <pc:chgData name="Zonghua Gu" userId="9a7e1853e1951ef5" providerId="LiveId" clId="{CF1FAA12-072C-4ED5-BA76-0FFFAEFDB88A}" dt="2025-09-05T02:44:46.902" v="122" actId="20577"/>
+        <pc:sldMkLst>
+          <pc:docMk/>
+          <pc:sldMk cId="0" sldId="306"/>
+        </pc:sldMkLst>
+        <pc:spChg chg="mod">
+          <ac:chgData name="Zonghua Gu" userId="9a7e1853e1951ef5" providerId="LiveId" clId="{CF1FAA12-072C-4ED5-BA76-0FFFAEFDB88A}" dt="2025-09-05T02:44:46.902" v="122" actId="20577"/>
+          <ac:spMkLst>
+            <pc:docMk/>
+            <pc:sldMk cId="0" sldId="306"/>
+            <ac:spMk id="142339" creationId="{B7B9BAE2-5B77-4CA5-CCD1-DCB779806785}"/>
+          </ac:spMkLst>
+        </pc:spChg>
+      </pc:sldChg>
+      <pc:sldChg chg="modSp mod">
+        <pc:chgData name="Zonghua Gu" userId="9a7e1853e1951ef5" providerId="LiveId" clId="{CF1FAA12-072C-4ED5-BA76-0FFFAEFDB88A}" dt="2025-09-05T02:45:05.862" v="135" actId="20577"/>
+        <pc:sldMkLst>
+          <pc:docMk/>
+          <pc:sldMk cId="0" sldId="809"/>
+        </pc:sldMkLst>
+        <pc:spChg chg="mod">
+          <ac:chgData name="Zonghua Gu" userId="9a7e1853e1951ef5" providerId="LiveId" clId="{CF1FAA12-072C-4ED5-BA76-0FFFAEFDB88A}" dt="2025-09-05T02:45:05.862" v="135" actId="20577"/>
+          <ac:spMkLst>
+            <pc:docMk/>
+            <pc:sldMk cId="0" sldId="809"/>
+            <ac:spMk id="115715" creationId="{6FAAD509-C0EB-D3C7-7729-E2463120B77B}"/>
+          </ac:spMkLst>
+        </pc:spChg>
+      </pc:sldChg>
+      <pc:sldChg chg="modSp mod">
+        <pc:chgData name="Zonghua Gu" userId="9a7e1853e1951ef5" providerId="LiveId" clId="{CF1FAA12-072C-4ED5-BA76-0FFFAEFDB88A}" dt="2025-09-05T02:43:07.373" v="80" actId="20577"/>
+        <pc:sldMkLst>
+          <pc:docMk/>
+          <pc:sldMk cId="1021064887" sldId="821"/>
+        </pc:sldMkLst>
+        <pc:spChg chg="mod">
+          <ac:chgData name="Zonghua Gu" userId="9a7e1853e1951ef5" providerId="LiveId" clId="{CF1FAA12-072C-4ED5-BA76-0FFFAEFDB88A}" dt="2025-09-05T02:43:07.373" v="80" actId="20577"/>
+          <ac:spMkLst>
+            <pc:docMk/>
+            <pc:sldMk cId="1021064887" sldId="821"/>
+            <ac:spMk id="3" creationId="{DA94A7DF-21ED-3C73-F7B0-092CBE254CC3}"/>
+          </ac:spMkLst>
+        </pc:spChg>
+      </pc:sldChg>
+    </pc:docChg>
+  </pc:docChgLst>
+</pc:chgInfo>
+</file>
+
 <file path=ppt/handoutMasters/handoutMaster1.xml><?xml version="1.0" encoding="utf-8"?>
 <p:handoutMaster xmlns:a="http://schemas.openxmlformats.org/drawingml/2006/main" xmlns:r="http://schemas.openxmlformats.org/officeDocument/2006/relationships" xmlns:p="http://schemas.openxmlformats.org/presentationml/2006/main">
   <p:cSld>
@@ -293,14 +587,14 @@
           <a:effectLst/>
           <a:extLst>
             <a:ext uri="{909E8E84-426E-40dd-AFC4-6F175D3DCCD1}">
-              <a14:hiddenFill xmlns:a14="http://schemas.microsoft.com/office/drawing/2010/main" xmlns="">
+              <a14:hiddenFill xmlns="" xmlns:a14="http://schemas.microsoft.com/office/drawing/2010/main">
                 <a:solidFill>
                   <a:schemeClr val="bg1"/>
                 </a:solidFill>
               </a14:hiddenFill>
             </a:ext>
             <a:ext uri="{91240B29-F687-4f45-9708-019B960494DF}">
-              <a14:hiddenLine xmlns:a14="http://schemas.microsoft.com/office/drawing/2010/main" xmlns="" w="12700">
+              <a14:hiddenLine xmlns="" xmlns:a14="http://schemas.microsoft.com/office/drawing/2010/main" w="12700">
                 <a:pattFill prst="narHorz">
                   <a:fgClr>
                     <a:schemeClr val="tx1"/>
@@ -315,7 +609,7 @@
               </a14:hiddenLine>
             </a:ext>
             <a:ext uri="{AF507438-7753-43e0-B8FC-AC1667EBCBE1}">
-              <a14:hiddenEffects xmlns:a14="http://schemas.microsoft.com/office/drawing/2010/main" xmlns="">
+              <a14:hiddenEffects xmlns="" xmlns:a14="http://schemas.microsoft.com/office/drawing/2010/main">
                 <a:effectLst>
                   <a:outerShdw dist="35921" dir="2700000" algn="ctr" rotWithShape="0">
                     <a:schemeClr val="bg2"/>
@@ -421,14 +715,14 @@
           <a:effectLst/>
           <a:extLst>
             <a:ext uri="{909E8E84-426E-40dd-AFC4-6F175D3DCCD1}">
-              <a14:hiddenFill xmlns:a14="http://schemas.microsoft.com/office/drawing/2010/main" xmlns="">
+              <a14:hiddenFill xmlns="" xmlns:a14="http://schemas.microsoft.com/office/drawing/2010/main">
                 <a:solidFill>
                   <a:schemeClr val="bg1"/>
                 </a:solidFill>
               </a14:hiddenFill>
             </a:ext>
             <a:ext uri="{91240B29-F687-4f45-9708-019B960494DF}">
-              <a14:hiddenLine xmlns:a14="http://schemas.microsoft.com/office/drawing/2010/main" xmlns="" w="12700">
+              <a14:hiddenLine xmlns="" xmlns:a14="http://schemas.microsoft.com/office/drawing/2010/main" w="12700">
                 <a:pattFill prst="narHorz">
                   <a:fgClr>
                     <a:schemeClr val="tx1"/>
@@ -443,7 +737,7 @@
               </a14:hiddenLine>
             </a:ext>
             <a:ext uri="{AF507438-7753-43e0-B8FC-AC1667EBCBE1}">
-              <a14:hiddenEffects xmlns:a14="http://schemas.microsoft.com/office/drawing/2010/main" xmlns="">
+              <a14:hiddenEffects xmlns="" xmlns:a14="http://schemas.microsoft.com/office/drawing/2010/main">
                 <a:effectLst>
                   <a:outerShdw dist="35921" dir="2700000" algn="ctr" rotWithShape="0">
                     <a:schemeClr val="bg2"/>
@@ -511,17 +805,17 @@
           <a:effectLst/>
           <a:extLst>
             <a:ext uri="{FAA26D3D-D897-4be2-8F04-BA451C77F1D7}">
-              <ma14:placeholderFlag xmlns:ma14="http://schemas.microsoft.com/office/mac/drawingml/2011/main" xmlns="" val="1"/>
+              <ma14:placeholderFlag xmlns="" xmlns:ma14="http://schemas.microsoft.com/office/mac/drawingml/2011/main" val="1"/>
             </a:ext>
             <a:ext uri="{909E8E84-426E-40dd-AFC4-6F175D3DCCD1}">
-              <a14:hiddenFill xmlns:a14="http://schemas.microsoft.com/office/drawing/2010/main" xmlns="">
+              <a14:hiddenFill xmlns="" xmlns:a14="http://schemas.microsoft.com/office/drawing/2010/main">
                 <a:solidFill>
                   <a:srgbClr val="FFFFFF"/>
                 </a:solidFill>
               </a14:hiddenFill>
             </a:ext>
             <a:ext uri="{AF507438-7753-43e0-B8FC-AC1667EBCBE1}">
-              <a14:hiddenEffects xmlns:a14="http://schemas.microsoft.com/office/drawing/2010/main" xmlns="">
+              <a14:hiddenEffects xmlns="" xmlns:a14="http://schemas.microsoft.com/office/drawing/2010/main">
                 <a:effectLst>
                   <a:outerShdw blurRad="63500" dist="38099" dir="2700000" algn="ctr" rotWithShape="0">
                     <a:srgbClr val="000000">
@@ -532,7 +826,7 @@
               </a14:hiddenEffects>
             </a:ext>
             <a:ext uri="{53640926-AAD7-44d8-BBD7-CCE9431645EC}">
-              <a14:shadowObscured xmlns:a14="http://schemas.microsoft.com/office/drawing/2010/main" xmlns="" val="1"/>
+              <a14:shadowObscured xmlns="" xmlns:a14="http://schemas.microsoft.com/office/drawing/2010/main" val="1"/>
             </a:ext>
           </a:extLst>
         </p:spPr>
@@ -562,14 +856,14 @@
           <a:effectLst/>
           <a:extLst>
             <a:ext uri="{909E8E84-426E-40dd-AFC4-6F175D3DCCD1}">
-              <a14:hiddenFill xmlns:a14="http://schemas.microsoft.com/office/drawing/2010/main" xmlns="">
+              <a14:hiddenFill xmlns="" xmlns:a14="http://schemas.microsoft.com/office/drawing/2010/main">
                 <a:solidFill>
                   <a:schemeClr val="bg1"/>
                 </a:solidFill>
               </a14:hiddenFill>
             </a:ext>
             <a:ext uri="{91240B29-F687-4f45-9708-019B960494DF}">
-              <a14:hiddenLine xmlns:a14="http://schemas.microsoft.com/office/drawing/2010/main" xmlns="" w="12700">
+              <a14:hiddenLine xmlns="" xmlns:a14="http://schemas.microsoft.com/office/drawing/2010/main" w="12700">
                 <a:pattFill prst="narHorz">
                   <a:fgClr>
                     <a:schemeClr val="tx1"/>
@@ -584,7 +878,7 @@
               </a14:hiddenLine>
             </a:ext>
             <a:ext uri="{AF507438-7753-43e0-B8FC-AC1667EBCBE1}">
-              <a14:hiddenEffects xmlns:a14="http://schemas.microsoft.com/office/drawing/2010/main" xmlns="">
+              <a14:hiddenEffects xmlns="" xmlns:a14="http://schemas.microsoft.com/office/drawing/2010/main">
                 <a:effectLst>
                   <a:outerShdw dist="35921" dir="2700000" algn="ctr" rotWithShape="0">
                     <a:schemeClr val="bg2"/>
@@ -834,10 +1128,10 @@
         <p:spPr>
           <a:extLst>
             <a:ext uri="{FAA26D3D-D897-4be2-8F04-BA451C77F1D7}">
-              <ma14:placeholderFlag xmlns="" xmlns:ma14="http://schemas.microsoft.com/office/mac/drawingml/2011/main" val="1"/>
+              <ma14:placeholderFlag xmlns:ma14="http://schemas.microsoft.com/office/mac/drawingml/2011/main" xmlns="" val="1"/>
             </a:ext>
             <a:ext uri="{AF507438-7753-43e0-B8FC-AC1667EBCBE1}">
-              <a14:hiddenEffects xmlns="" xmlns:a14="http://schemas.microsoft.com/office/drawing/2010/main">
+              <a14:hiddenEffects xmlns:a14="http://schemas.microsoft.com/office/drawing/2010/main" xmlns="">
                 <a:effectLst>
                   <a:outerShdw blurRad="63500" dist="38099" dir="2700000" algn="ctr" rotWithShape="0">
                     <a:schemeClr val="bg2">
@@ -10331,17 +10625,17 @@
           <a:effectLst/>
           <a:extLst>
             <a:ext uri="{FAA26D3D-D897-4be2-8F04-BA451C77F1D7}">
-              <ma14:placeholderFlag xmlns:ma14="http://schemas.microsoft.com/office/mac/drawingml/2011/main" xmlns="" val="1"/>
+              <ma14:placeholderFlag xmlns="" xmlns:ma14="http://schemas.microsoft.com/office/mac/drawingml/2011/main" val="1"/>
             </a:ext>
             <a:ext uri="{909E8E84-426E-40dd-AFC4-6F175D3DCCD1}">
-              <a14:hiddenFill xmlns:a14="http://schemas.microsoft.com/office/drawing/2010/main" xmlns="">
+              <a14:hiddenFill xmlns="" xmlns:a14="http://schemas.microsoft.com/office/drawing/2010/main">
                 <a:solidFill>
                   <a:schemeClr val="bg1"/>
                 </a:solidFill>
               </a14:hiddenFill>
             </a:ext>
             <a:ext uri="{91240B29-F687-4f45-9708-019B960494DF}">
-              <a14:hiddenLine xmlns:a14="http://schemas.microsoft.com/office/drawing/2010/main" xmlns="" w="12700">
+              <a14:hiddenLine xmlns="" xmlns:a14="http://schemas.microsoft.com/office/drawing/2010/main" w="12700">
                 <a:pattFill prst="narHorz">
                   <a:fgClr>
                     <a:schemeClr val="tx1"/>
@@ -10356,7 +10650,7 @@
               </a14:hiddenLine>
             </a:ext>
             <a:ext uri="{AF507438-7753-43e0-B8FC-AC1667EBCBE1}">
-              <a14:hiddenEffects xmlns:a14="http://schemas.microsoft.com/office/drawing/2010/main" xmlns="">
+              <a14:hiddenEffects xmlns="" xmlns:a14="http://schemas.microsoft.com/office/drawing/2010/main">
                 <a:effectLst>
                   <a:outerShdw blurRad="63500" dist="38099" dir="2700000" algn="ctr" rotWithShape="0">
                     <a:schemeClr val="bg2">
@@ -10409,17 +10703,17 @@
           <a:effectLst/>
           <a:extLst>
             <a:ext uri="{FAA26D3D-D897-4be2-8F04-BA451C77F1D7}">
-              <ma14:placeholderFlag xmlns:ma14="http://schemas.microsoft.com/office/mac/drawingml/2011/main" xmlns="" val="1"/>
+              <ma14:placeholderFlag xmlns="" xmlns:ma14="http://schemas.microsoft.com/office/mac/drawingml/2011/main" val="1"/>
             </a:ext>
             <a:ext uri="{909E8E84-426E-40dd-AFC4-6F175D3DCCD1}">
-              <a14:hiddenFill xmlns:a14="http://schemas.microsoft.com/office/drawing/2010/main" xmlns="">
+              <a14:hiddenFill xmlns="" xmlns:a14="http://schemas.microsoft.com/office/drawing/2010/main">
                 <a:solidFill>
                   <a:schemeClr val="bg1"/>
                 </a:solidFill>
               </a14:hiddenFill>
             </a:ext>
             <a:ext uri="{91240B29-F687-4f45-9708-019B960494DF}">
-              <a14:hiddenLine xmlns:a14="http://schemas.microsoft.com/office/drawing/2010/main" xmlns="" w="12700">
+              <a14:hiddenLine xmlns="" xmlns:a14="http://schemas.microsoft.com/office/drawing/2010/main" w="12700">
                 <a:pattFill prst="narHorz">
                   <a:fgClr>
                     <a:schemeClr val="tx1"/>
@@ -10434,7 +10728,7 @@
               </a14:hiddenLine>
             </a:ext>
             <a:ext uri="{AF507438-7753-43e0-B8FC-AC1667EBCBE1}">
-              <a14:hiddenEffects xmlns:a14="http://schemas.microsoft.com/office/drawing/2010/main" xmlns="">
+              <a14:hiddenEffects xmlns="" xmlns:a14="http://schemas.microsoft.com/office/drawing/2010/main">
                 <a:effectLst>
                   <a:outerShdw blurRad="63500" dist="38099" dir="2700000" algn="ctr" rotWithShape="0">
                     <a:schemeClr val="bg2">
@@ -10518,12 +10812,12 @@
           <a:effectLst/>
           <a:extLst>
             <a:ext uri="{909E8E84-426E-40dd-AFC4-6F175D3DCCD1}">
-              <a14:hiddenFill xmlns:a14="http://schemas.microsoft.com/office/drawing/2010/main" xmlns="">
+              <a14:hiddenFill xmlns="" xmlns:a14="http://schemas.microsoft.com/office/drawing/2010/main">
                 <a:noFill/>
               </a14:hiddenFill>
             </a:ext>
             <a:ext uri="{AF507438-7753-43e0-B8FC-AC1667EBCBE1}">
-              <a14:hiddenEffects xmlns:a14="http://schemas.microsoft.com/office/drawing/2010/main" xmlns="">
+              <a14:hiddenEffects xmlns="" xmlns:a14="http://schemas.microsoft.com/office/drawing/2010/main">
                 <a:effectLst>
                   <a:outerShdw blurRad="63500" dist="38099" dir="2700000" algn="ctr" rotWithShape="0">
                     <a:schemeClr val="bg2">
@@ -10578,14 +10872,14 @@
           <a:effectLst/>
           <a:extLst>
             <a:ext uri="{909E8E84-426E-40dd-AFC4-6F175D3DCCD1}">
-              <a14:hiddenFill xmlns:a14="http://schemas.microsoft.com/office/drawing/2010/main" xmlns="">
+              <a14:hiddenFill xmlns="" xmlns:a14="http://schemas.microsoft.com/office/drawing/2010/main">
                 <a:solidFill>
                   <a:schemeClr val="bg1"/>
                 </a:solidFill>
               </a14:hiddenFill>
             </a:ext>
             <a:ext uri="{91240B29-F687-4f45-9708-019B960494DF}">
-              <a14:hiddenLine xmlns:a14="http://schemas.microsoft.com/office/drawing/2010/main" xmlns="" w="12700">
+              <a14:hiddenLine xmlns="" xmlns:a14="http://schemas.microsoft.com/office/drawing/2010/main" w="12700">
                 <a:pattFill prst="narHorz">
                   <a:fgClr>
                     <a:schemeClr val="tx1"/>
@@ -10600,7 +10894,7 @@
               </a14:hiddenLine>
             </a:ext>
             <a:ext uri="{AF507438-7753-43e0-B8FC-AC1667EBCBE1}">
-              <a14:hiddenEffects xmlns:a14="http://schemas.microsoft.com/office/drawing/2010/main" xmlns="">
+              <a14:hiddenEffects xmlns="" xmlns:a14="http://schemas.microsoft.com/office/drawing/2010/main">
                 <a:effectLst>
                   <a:outerShdw dist="35921" dir="2700000" algn="ctr" rotWithShape="0">
                     <a:schemeClr val="bg2"/>
@@ -12704,11 +12998,7 @@
             </a:r>
             <a:r>
               <a:rPr lang="en-US" altLang="zh-CN" sz="1800" dirty="0"/>
-              <a:t>(</a:t>
-            </a:r>
-            <a:r>
-              <a:rPr lang="en-US" altLang="zh-CN" sz="1800" dirty="0" err="1"/>
-              <a:t>pid</a:t>
+              <a:t>(ret</a:t>
             </a:r>
             <a:r>
               <a:rPr lang="en-US" altLang="zh-CN" sz="1800" dirty="0">
@@ -13534,17 +13824,17 @@
           <a:ln/>
           <a:extLst>
             <a:ext uri="{FAA26D3D-D897-4be2-8F04-BA451C77F1D7}">
-              <ma14:placeholderFlag xmlns:ma14="http://schemas.microsoft.com/office/mac/drawingml/2011/main" xmlns="" val="1"/>
+              <ma14:placeholderFlag xmlns="" xmlns:ma14="http://schemas.microsoft.com/office/mac/drawingml/2011/main" val="1"/>
             </a:ext>
             <a:ext uri="{909E8E84-426E-40dd-AFC4-6F175D3DCCD1}">
-              <a14:hiddenFill xmlns:a14="http://schemas.microsoft.com/office/drawing/2010/main" xmlns="">
+              <a14:hiddenFill xmlns="" xmlns:a14="http://schemas.microsoft.com/office/drawing/2010/main">
                 <a:solidFill>
                   <a:schemeClr val="bg1"/>
                 </a:solidFill>
               </a14:hiddenFill>
             </a:ext>
             <a:ext uri="{91240B29-F687-4f45-9708-019B960494DF}">
-              <a14:hiddenLine xmlns:a14="http://schemas.microsoft.com/office/drawing/2010/main" xmlns="" w="12700">
+              <a14:hiddenLine xmlns="" xmlns:a14="http://schemas.microsoft.com/office/drawing/2010/main" w="12700">
                 <a:pattFill prst="narHorz">
                   <a:fgClr>
                     <a:schemeClr val="tx1"/>
@@ -13559,7 +13849,7 @@
               </a14:hiddenLine>
             </a:ext>
             <a:ext uri="{AF507438-7753-43e0-B8FC-AC1667EBCBE1}">
-              <a14:hiddenEffects xmlns:a14="http://schemas.microsoft.com/office/drawing/2010/main" xmlns="">
+              <a14:hiddenEffects xmlns="" xmlns:a14="http://schemas.microsoft.com/office/drawing/2010/main">
                 <a:effectLst>
                   <a:outerShdw blurRad="63500" dist="38099" dir="2700000" algn="ctr" rotWithShape="0">
                     <a:schemeClr val="bg2">
@@ -15896,8 +16186,8 @@
               <a:t> </a:t>
             </a:r>
             <a:r>
-              <a:rPr lang="en-US" altLang="zh-CN" sz="1600" dirty="0" err="1"/>
-              <a:t>wc</a:t>
+              <a:rPr lang="en-US" altLang="zh-CN" sz="1600" dirty="0"/>
+              <a:t>ret</a:t>
             </a:r>
             <a:r>
               <a:rPr lang="en-US" altLang="zh-CN" sz="1600" dirty="0">
@@ -16041,12 +16331,8 @@
               <a:t> </a:t>
             </a:r>
             <a:r>
-              <a:rPr lang="en-US" altLang="zh-CN" sz="1600" dirty="0" err="1"/>
-              <a:t>wc</a:t>
-            </a:r>
-            <a:r>
               <a:rPr lang="en-US" altLang="zh-CN" sz="1600" dirty="0"/>
-              <a:t>,</a:t>
+              <a:t>ret,</a:t>
             </a:r>
             <a:r>
               <a:rPr lang="en-US" altLang="zh-CN" sz="1600" dirty="0">
@@ -16428,39 +16714,6 @@
                 </a:outerShdw>
               </a:effectLst>
             </a:endParaRPr>
-          </a:p>
-        </p:txBody>
-      </p:sp>
-      <p:sp>
-        <p:nvSpPr>
-          <p:cNvPr id="5" name="页脚占位符 4">
-            <a:extLst>
-              <a:ext uri="{FF2B5EF4-FFF2-40B4-BE49-F238E27FC236}">
-                <a16:creationId xmlns:a16="http://schemas.microsoft.com/office/drawing/2014/main" id="{27B5FD14-8E36-C521-CB54-A044189C7339}"/>
-              </a:ext>
-            </a:extLst>
-          </p:cNvPr>
-          <p:cNvSpPr>
-            <a:spLocks noGrp="1"/>
-          </p:cNvSpPr>
-          <p:nvPr>
-            <p:ph type="ftr" sz="quarter" idx="4294967295"/>
-          </p:nvPr>
-        </p:nvSpPr>
-        <p:spPr>
-          <a:xfrm>
-            <a:off x="4038600" y="6356351"/>
-            <a:ext cx="4114800" cy="365125"/>
-          </a:xfrm>
-          <a:prstGeom prst="rect">
-            <a:avLst/>
-          </a:prstGeom>
-        </p:spPr>
-        <p:txBody>
-          <a:bodyPr/>
-          <a:lstStyle/>
-          <a:p>
-            <a:endParaRPr lang="en-US" altLang="zh-CN" dirty="0"/>
           </a:p>
         </p:txBody>
       </p:sp>
@@ -19202,17 +19455,17 @@
           <a:effectLst/>
           <a:extLst>
             <a:ext uri="{FAA26D3D-D897-4be2-8F04-BA451C77F1D7}">
-              <ma14:placeholderFlag xmlns:ma14="http://schemas.microsoft.com/office/mac/drawingml/2011/main" xmlns="" val="1"/>
+              <ma14:placeholderFlag xmlns="" xmlns:ma14="http://schemas.microsoft.com/office/mac/drawingml/2011/main" val="1"/>
             </a:ext>
             <a:ext uri="{909E8E84-426E-40dd-AFC4-6F175D3DCCD1}">
-              <a14:hiddenFill xmlns:a14="http://schemas.microsoft.com/office/drawing/2010/main" xmlns="">
+              <a14:hiddenFill xmlns="" xmlns:a14="http://schemas.microsoft.com/office/drawing/2010/main">
                 <a:solidFill>
                   <a:schemeClr val="bg1"/>
                 </a:solidFill>
               </a14:hiddenFill>
             </a:ext>
             <a:ext uri="{91240B29-F687-4f45-9708-019B960494DF}">
-              <a14:hiddenLine xmlns:a14="http://schemas.microsoft.com/office/drawing/2010/main" xmlns="" w="12700">
+              <a14:hiddenLine xmlns="" xmlns:a14="http://schemas.microsoft.com/office/drawing/2010/main" w="12700">
                 <a:pattFill prst="narHorz">
                   <a:fgClr>
                     <a:schemeClr val="tx1"/>
@@ -19227,7 +19480,7 @@
               </a14:hiddenLine>
             </a:ext>
             <a:ext uri="{AF507438-7753-43e0-B8FC-AC1667EBCBE1}">
-              <a14:hiddenEffects xmlns:a14="http://schemas.microsoft.com/office/drawing/2010/main" xmlns="">
+              <a14:hiddenEffects xmlns="" xmlns:a14="http://schemas.microsoft.com/office/drawing/2010/main">
                 <a:effectLst>
                   <a:outerShdw blurRad="63500" dist="38099" dir="2700000" algn="ctr" rotWithShape="0">
                     <a:schemeClr val="bg2">
@@ -20079,39 +20332,6 @@
               <a:ea typeface="Courier" charset="0"/>
               <a:cs typeface="Courier" charset="0"/>
             </a:endParaRPr>
-          </a:p>
-        </p:txBody>
-      </p:sp>
-      <p:sp>
-        <p:nvSpPr>
-          <p:cNvPr id="4" name="页脚占位符 3">
-            <a:extLst>
-              <a:ext uri="{FF2B5EF4-FFF2-40B4-BE49-F238E27FC236}">
-                <a16:creationId xmlns:a16="http://schemas.microsoft.com/office/drawing/2014/main" id="{3758AFB3-277B-2A04-CEB6-73BEDD8904DB}"/>
-              </a:ext>
-            </a:extLst>
-          </p:cNvPr>
-          <p:cNvSpPr>
-            <a:spLocks noGrp="1"/>
-          </p:cNvSpPr>
-          <p:nvPr>
-            <p:ph type="ftr" sz="quarter" idx="4294967295"/>
-          </p:nvPr>
-        </p:nvSpPr>
-        <p:spPr>
-          <a:xfrm>
-            <a:off x="4038600" y="6356351"/>
-            <a:ext cx="4114800" cy="365125"/>
-          </a:xfrm>
-          <a:prstGeom prst="rect">
-            <a:avLst/>
-          </a:prstGeom>
-        </p:spPr>
-        <p:txBody>
-          <a:bodyPr/>
-          <a:lstStyle/>
-          <a:p>
-            <a:endParaRPr lang="en-US" altLang="zh-CN" dirty="0"/>
           </a:p>
         </p:txBody>
       </p:sp>
@@ -20686,7 +20906,7 @@
           </a:ln>
           <a:extLst>
             <a:ext uri="{AF507438-7753-43e0-B8FC-AC1667EBCBE1}">
-              <a14:hiddenEffects xmlns:a14="http://schemas.microsoft.com/office/drawing/2010/main" xmlns="">
+              <a14:hiddenEffects xmlns="" xmlns:a14="http://schemas.microsoft.com/office/drawing/2010/main">
                 <a:effectLst>
                   <a:outerShdw dist="35921" dir="2700000" algn="ctr" rotWithShape="0">
                     <a:schemeClr val="bg2"/>
@@ -20773,7 +20993,7 @@
           </a:ln>
           <a:extLst>
             <a:ext uri="{AF507438-7753-43e0-B8FC-AC1667EBCBE1}">
-              <a14:hiddenEffects xmlns:a14="http://schemas.microsoft.com/office/drawing/2010/main" xmlns="">
+              <a14:hiddenEffects xmlns="" xmlns:a14="http://schemas.microsoft.com/office/drawing/2010/main">
                 <a:effectLst>
                   <a:outerShdw dist="35921" dir="2700000" algn="ctr" rotWithShape="0">
                     <a:schemeClr val="bg2"/>
@@ -20946,7 +21166,7 @@
           </a:ln>
           <a:extLst>
             <a:ext uri="{AF507438-7753-43e0-B8FC-AC1667EBCBE1}">
-              <a14:hiddenEffects xmlns:a14="http://schemas.microsoft.com/office/drawing/2010/main" xmlns="">
+              <a14:hiddenEffects xmlns="" xmlns:a14="http://schemas.microsoft.com/office/drawing/2010/main">
                 <a:effectLst>
                   <a:outerShdw dist="35921" dir="2700000" algn="ctr" rotWithShape="0">
                     <a:schemeClr val="bg2"/>
@@ -21095,40 +21315,10 @@
           <a:bodyPr/>
           <a:lstStyle/>
           <a:p>
-            <a:endParaRPr lang="en-US"/>
-          </a:p>
-        </p:txBody>
-      </p:sp>
-      <p:sp>
-        <p:nvSpPr>
-          <p:cNvPr id="4" name="页脚占位符 3">
-            <a:extLst>
-              <a:ext uri="{FF2B5EF4-FFF2-40B4-BE49-F238E27FC236}">
-                <a16:creationId xmlns:a16="http://schemas.microsoft.com/office/drawing/2014/main" id="{28DD35F1-0DFA-E584-9F82-156351DB9F54}"/>
-              </a:ext>
-            </a:extLst>
-          </p:cNvPr>
-          <p:cNvSpPr>
-            <a:spLocks noGrp="1"/>
-          </p:cNvSpPr>
-          <p:nvPr>
-            <p:ph type="ftr" sz="quarter" idx="4294967295"/>
-          </p:nvPr>
-        </p:nvSpPr>
-        <p:spPr>
-          <a:xfrm>
-            <a:off x="4038600" y="6356351"/>
-            <a:ext cx="4114800" cy="365125"/>
-          </a:xfrm>
-          <a:prstGeom prst="rect">
-            <a:avLst/>
-          </a:prstGeom>
-        </p:spPr>
-        <p:txBody>
-          <a:bodyPr/>
-          <a:lstStyle/>
-          <a:p>
-            <a:endParaRPr lang="en-US" altLang="zh-CN" dirty="0"/>
+            <a:r>
+              <a:rPr lang="en-US" dirty="0"/>
+              <a:t>Typical Linux process tree</a:t>
+            </a:r>
           </a:p>
         </p:txBody>
       </p:sp>
@@ -21588,39 +21778,6 @@
               <a:t>processes as a flat list)</a:t>
             </a:r>
             <a:endParaRPr lang="en-US" dirty="0"/>
-          </a:p>
-        </p:txBody>
-      </p:sp>
-      <p:sp>
-        <p:nvSpPr>
-          <p:cNvPr id="4" name="页脚占位符 3">
-            <a:extLst>
-              <a:ext uri="{FF2B5EF4-FFF2-40B4-BE49-F238E27FC236}">
-                <a16:creationId xmlns:a16="http://schemas.microsoft.com/office/drawing/2014/main" id="{3F92FC57-F65E-53DD-575E-BBFA6A4C93F4}"/>
-              </a:ext>
-            </a:extLst>
-          </p:cNvPr>
-          <p:cNvSpPr>
-            <a:spLocks noGrp="1"/>
-          </p:cNvSpPr>
-          <p:nvPr>
-            <p:ph type="ftr" sz="quarter" idx="4294967295"/>
-          </p:nvPr>
-        </p:nvSpPr>
-        <p:spPr>
-          <a:xfrm>
-            <a:off x="4038600" y="6356351"/>
-            <a:ext cx="4114800" cy="365125"/>
-          </a:xfrm>
-          <a:prstGeom prst="rect">
-            <a:avLst/>
-          </a:prstGeom>
-        </p:spPr>
-        <p:txBody>
-          <a:bodyPr/>
-          <a:lstStyle/>
-          <a:p>
-            <a:endParaRPr lang="en-US" altLang="zh-CN" dirty="0"/>
           </a:p>
         </p:txBody>
       </p:sp>
@@ -22153,39 +22310,6 @@
           </a:p>
         </p:txBody>
       </p:sp>
-      <p:sp>
-        <p:nvSpPr>
-          <p:cNvPr id="4" name="页脚占位符 3">
-            <a:extLst>
-              <a:ext uri="{FF2B5EF4-FFF2-40B4-BE49-F238E27FC236}">
-                <a16:creationId xmlns:a16="http://schemas.microsoft.com/office/drawing/2014/main" id="{69DFB8A3-E1BE-C334-A263-0CE5196DCBE9}"/>
-              </a:ext>
-            </a:extLst>
-          </p:cNvPr>
-          <p:cNvSpPr>
-            <a:spLocks noGrp="1"/>
-          </p:cNvSpPr>
-          <p:nvPr>
-            <p:ph type="ftr" sz="quarter" idx="4294967295"/>
-          </p:nvPr>
-        </p:nvSpPr>
-        <p:spPr>
-          <a:xfrm>
-            <a:off x="4038600" y="6356351"/>
-            <a:ext cx="4114800" cy="365125"/>
-          </a:xfrm>
-          <a:prstGeom prst="rect">
-            <a:avLst/>
-          </a:prstGeom>
-        </p:spPr>
-        <p:txBody>
-          <a:bodyPr/>
-          <a:lstStyle/>
-          <a:p>
-            <a:endParaRPr lang="en-US" altLang="zh-CN" dirty="0"/>
-          </a:p>
-        </p:txBody>
-      </p:sp>
     </p:spTree>
     <p:extLst>
       <p:ext uri="{BB962C8B-B14F-4D97-AF65-F5344CB8AC3E}">
@@ -22476,14 +22600,6 @@
               </a:rPr>
               <a:t>instruction</a:t>
             </a:r>
-            <a:r>
-              <a:rPr lang="en-US" altLang="zh-CN" sz="2000" dirty="0"/>
-              <a:t>.</a:t>
-            </a:r>
-            <a:r>
-              <a:rPr lang="zh-CN" altLang="en-US" sz="2000" dirty="0"/>
-              <a:t> </a:t>
-            </a:r>
             <a:endParaRPr lang="en-US" altLang="zh-CN" sz="2000" dirty="0"/>
           </a:p>
           <a:p>
@@ -22657,7 +22773,7 @@
             </a:r>
             <a:r>
               <a:rPr lang="en-US" altLang="zh-CN" sz="2000" dirty="0"/>
-              <a:t>work.</a:t>
+              <a:t>work</a:t>
             </a:r>
           </a:p>
           <a:p>
@@ -22899,39 +23015,6 @@
           </a:extLst>
         </p:spPr>
       </p:pic>
-      <p:sp>
-        <p:nvSpPr>
-          <p:cNvPr id="5" name="页脚占位符 4">
-            <a:extLst>
-              <a:ext uri="{FF2B5EF4-FFF2-40B4-BE49-F238E27FC236}">
-                <a16:creationId xmlns:a16="http://schemas.microsoft.com/office/drawing/2014/main" id="{661CF0C1-7A6D-A792-9708-069317353B40}"/>
-              </a:ext>
-            </a:extLst>
-          </p:cNvPr>
-          <p:cNvSpPr>
-            <a:spLocks noGrp="1"/>
-          </p:cNvSpPr>
-          <p:nvPr>
-            <p:ph type="ftr" sz="quarter" idx="4294967295"/>
-          </p:nvPr>
-        </p:nvSpPr>
-        <p:spPr>
-          <a:xfrm>
-            <a:off x="4038600" y="6356351"/>
-            <a:ext cx="4114800" cy="365125"/>
-          </a:xfrm>
-          <a:prstGeom prst="rect">
-            <a:avLst/>
-          </a:prstGeom>
-        </p:spPr>
-        <p:txBody>
-          <a:bodyPr/>
-          <a:lstStyle/>
-          <a:p>
-            <a:endParaRPr lang="en-US" altLang="zh-CN" dirty="0"/>
-          </a:p>
-        </p:txBody>
-      </p:sp>
     </p:spTree>
     <p:extLst>
       <p:ext uri="{BB962C8B-B14F-4D97-AF65-F5344CB8AC3E}">
@@ -23265,39 +23348,6 @@
           <a:p>
             <a:pPr lvl="1"/>
             <a:endParaRPr lang="en-US" b="1" dirty="0"/>
-          </a:p>
-        </p:txBody>
-      </p:sp>
-      <p:sp>
-        <p:nvSpPr>
-          <p:cNvPr id="4" name="页脚占位符 3">
-            <a:extLst>
-              <a:ext uri="{FF2B5EF4-FFF2-40B4-BE49-F238E27FC236}">
-                <a16:creationId xmlns:a16="http://schemas.microsoft.com/office/drawing/2014/main" id="{E6E37ACA-281C-049F-BE91-61F2D9344249}"/>
-              </a:ext>
-            </a:extLst>
-          </p:cNvPr>
-          <p:cNvSpPr>
-            <a:spLocks noGrp="1"/>
-          </p:cNvSpPr>
-          <p:nvPr>
-            <p:ph type="ftr" sz="quarter" idx="4294967295"/>
-          </p:nvPr>
-        </p:nvSpPr>
-        <p:spPr>
-          <a:xfrm>
-            <a:off x="4038600" y="6356351"/>
-            <a:ext cx="4114800" cy="365125"/>
-          </a:xfrm>
-          <a:prstGeom prst="rect">
-            <a:avLst/>
-          </a:prstGeom>
-        </p:spPr>
-        <p:txBody>
-          <a:bodyPr/>
-          <a:lstStyle/>
-          <a:p>
-            <a:endParaRPr lang="en-US" altLang="zh-CN" dirty="0"/>
           </a:p>
         </p:txBody>
       </p:sp>
@@ -23547,15 +23597,11 @@
           <a:p>
             <a:r>
               <a:rPr lang="en-GB" altLang="zh-CN" dirty="0"/>
-              <a:t>F</a:t>
-            </a:r>
-            <a:r>
-              <a:rPr lang="en-US" altLang="zh-CN" dirty="0" err="1"/>
-              <a:t>ork</a:t>
-            </a:r>
-            <a:r>
-              <a:rPr lang="en-US" altLang="zh-CN" dirty="0"/>
-              <a:t>()</a:t>
+              <a:t>f</a:t>
+            </a:r>
+            <a:r>
+              <a:rPr lang="en-US" altLang="zh-CN" dirty="0"/>
+              <a:t>ork()</a:t>
             </a:r>
             <a:r>
               <a:rPr lang="zh-CN" altLang="en-US" dirty="0"/>
@@ -23635,39 +23681,6 @@
               <a:rPr lang="en-US" altLang="zh-CN" dirty="0"/>
               <a:t>Process scheduling</a:t>
             </a:r>
-          </a:p>
-        </p:txBody>
-      </p:sp>
-      <p:sp>
-        <p:nvSpPr>
-          <p:cNvPr id="4" name="页脚占位符 3">
-            <a:extLst>
-              <a:ext uri="{FF2B5EF4-FFF2-40B4-BE49-F238E27FC236}">
-                <a16:creationId xmlns:a16="http://schemas.microsoft.com/office/drawing/2014/main" id="{22F2170D-6F52-01FA-E332-D923168C1EDE}"/>
-              </a:ext>
-            </a:extLst>
-          </p:cNvPr>
-          <p:cNvSpPr>
-            <a:spLocks noGrp="1"/>
-          </p:cNvSpPr>
-          <p:nvPr>
-            <p:ph type="ftr" sz="quarter" idx="4294967295"/>
-          </p:nvPr>
-        </p:nvSpPr>
-        <p:spPr>
-          <a:xfrm>
-            <a:off x="4038600" y="6356351"/>
-            <a:ext cx="4114800" cy="365125"/>
-          </a:xfrm>
-          <a:prstGeom prst="rect">
-            <a:avLst/>
-          </a:prstGeom>
-        </p:spPr>
-        <p:txBody>
-          <a:bodyPr/>
-          <a:lstStyle/>
-          <a:p>
-            <a:endParaRPr lang="en-US" altLang="zh-CN" dirty="0"/>
           </a:p>
         </p:txBody>
       </p:sp>
@@ -24069,17 +24082,17 @@
           <a:effectLst/>
           <a:extLst>
             <a:ext uri="{FAA26D3D-D897-4be2-8F04-BA451C77F1D7}">
-              <ma14:placeholderFlag xmlns:ma14="http://schemas.microsoft.com/office/mac/drawingml/2011/main" xmlns="" val="1"/>
+              <ma14:placeholderFlag xmlns="" xmlns:ma14="http://schemas.microsoft.com/office/mac/drawingml/2011/main" val="1"/>
             </a:ext>
             <a:ext uri="{909E8E84-426E-40dd-AFC4-6F175D3DCCD1}">
-              <a14:hiddenFill xmlns:a14="http://schemas.microsoft.com/office/drawing/2010/main" xmlns="">
+              <a14:hiddenFill xmlns="" xmlns:a14="http://schemas.microsoft.com/office/drawing/2010/main">
                 <a:solidFill>
                   <a:schemeClr val="bg1"/>
                 </a:solidFill>
               </a14:hiddenFill>
             </a:ext>
             <a:ext uri="{91240B29-F687-4f45-9708-019B960494DF}">
-              <a14:hiddenLine xmlns:a14="http://schemas.microsoft.com/office/drawing/2010/main" xmlns="" w="12700">
+              <a14:hiddenLine xmlns="" xmlns:a14="http://schemas.microsoft.com/office/drawing/2010/main" w="12700">
                 <a:pattFill prst="narHorz">
                   <a:fgClr>
                     <a:schemeClr val="tx1"/>
@@ -24094,7 +24107,7 @@
               </a14:hiddenLine>
             </a:ext>
             <a:ext uri="{AF507438-7753-43e0-B8FC-AC1667EBCBE1}">
-              <a14:hiddenEffects xmlns:a14="http://schemas.microsoft.com/office/drawing/2010/main" xmlns="">
+              <a14:hiddenEffects xmlns="" xmlns:a14="http://schemas.microsoft.com/office/drawing/2010/main">
                 <a:effectLst>
                   <a:outerShdw blurRad="63500" dist="38099" dir="2700000" algn="ctr" rotWithShape="0">
                     <a:schemeClr val="bg2">
@@ -24648,28 +24661,7 @@
             <a:pPr lvl="1"/>
             <a:r>
               <a:rPr lang="en-US" altLang="en-SE" dirty="0"/>
-              <a:t>Everybody wants to run the same code</a:t>
-            </a:r>
-          </a:p>
-          <a:p>
-            <a:pPr lvl="1"/>
-            <a:r>
-              <a:rPr lang="en-US" altLang="en-SE" dirty="0"/>
-              <a:t>Everybody wants to access the same data</a:t>
-            </a:r>
-          </a:p>
-          <a:p>
-            <a:pPr lvl="1"/>
-            <a:r>
-              <a:rPr lang="en-US" altLang="en-SE" dirty="0"/>
-              <a:t>Everybody has the same privileges</a:t>
-            </a:r>
-          </a:p>
-          <a:p>
-            <a:pPr lvl="1"/>
-            <a:r>
-              <a:rPr lang="en-US" altLang="en-SE" dirty="0"/>
-              <a:t>Everybody uses the same resources (open files, network connections, etc.)</a:t>
+              <a:t>Everybody wants to run the same code, access the same data, has the same privileges, uses the same resources (open files, network connections, etc.)</a:t>
             </a:r>
           </a:p>
           <a:p>
@@ -24703,7 +24695,7 @@
             <a:pPr lvl="1"/>
             <a:r>
               <a:rPr lang="en-US" altLang="en-SE" dirty="0"/>
-              <a:t>a set of general-purpose processor registers and their values</a:t>
+              <a:t>a set of general-purpose registers</a:t>
             </a:r>
           </a:p>
           <a:p>
@@ -24715,13 +24707,19 @@
           <a:p>
             <a:r>
               <a:rPr lang="en-US" altLang="en-SE" dirty="0"/>
-              <a:t>Key idea: separate the concept of a process (address space, etc.) from that of a minimal “thread of control” (execution state:  PC, etc.)</a:t>
-            </a:r>
-          </a:p>
-          <a:p>
+              <a:t>Key idea: separate the concept of a </a:t>
+            </a:r>
+            <a:r>
+              <a:rPr lang="en-US" altLang="en-SE" dirty="0">
+                <a:solidFill>
+                  <a:srgbClr val="FF0000"/>
+                </a:solidFill>
+              </a:rPr>
+              <a:t>process</a:t>
+            </a:r>
             <a:r>
               <a:rPr lang="en-US" altLang="en-SE" dirty="0"/>
-              <a:t>This execution state is usually called a </a:t>
+              <a:t> (address space, etc.) from that of a minimal “</a:t>
             </a:r>
             <a:r>
               <a:rPr lang="en-US" altLang="en-SE" dirty="0">
@@ -24733,15 +24731,7 @@
             </a:r>
             <a:r>
               <a:rPr lang="en-US" altLang="en-SE" dirty="0"/>
-              <a:t>, or sometimes, a </a:t>
-            </a:r>
-            <a:r>
-              <a:rPr lang="en-US" altLang="en-SE" dirty="0">
-                <a:solidFill>
-                  <a:srgbClr val="FF0000"/>
-                </a:solidFill>
-              </a:rPr>
-              <a:t>lightweight process</a:t>
+              <a:t> of control” (execution state:  PC, etc.)</a:t>
             </a:r>
           </a:p>
         </p:txBody>
@@ -25050,7 +25040,7 @@
                 <a:effectLst/>
                 <a:latin typeface="Gill Sans Light"/>
               </a:rPr>
-              <a:t>Process ID</a:t>
+              <a:t>PID</a:t>
             </a:r>
           </a:p>
           <a:p>
@@ -25231,7 +25221,7 @@
                 <a:effectLst/>
                 <a:latin typeface="Gill Sans Light"/>
               </a:rPr>
-              <a:t>Less context switching overheads</a:t>
+              <a:t>Less context switching overhead</a:t>
             </a:r>
           </a:p>
         </p:txBody>
@@ -33471,17 +33461,17 @@
           <a:effectLst/>
           <a:extLst>
             <a:ext uri="{FAA26D3D-D897-4be2-8F04-BA451C77F1D7}">
-              <ma14:placeholderFlag xmlns:ma14="http://schemas.microsoft.com/office/mac/drawingml/2011/main" xmlns="" val="1"/>
+              <ma14:placeholderFlag xmlns="" xmlns:ma14="http://schemas.microsoft.com/office/mac/drawingml/2011/main" val="1"/>
             </a:ext>
             <a:ext uri="{909E8E84-426E-40dd-AFC4-6F175D3DCCD1}">
-              <a14:hiddenFill xmlns:a14="http://schemas.microsoft.com/office/drawing/2010/main" xmlns="">
+              <a14:hiddenFill xmlns="" xmlns:a14="http://schemas.microsoft.com/office/drawing/2010/main">
                 <a:solidFill>
                   <a:schemeClr val="bg1"/>
                 </a:solidFill>
               </a14:hiddenFill>
             </a:ext>
             <a:ext uri="{91240B29-F687-4f45-9708-019B960494DF}">
-              <a14:hiddenLine xmlns:a14="http://schemas.microsoft.com/office/drawing/2010/main" xmlns="" w="12700">
+              <a14:hiddenLine xmlns="" xmlns:a14="http://schemas.microsoft.com/office/drawing/2010/main" w="12700">
                 <a:pattFill prst="narHorz">
                   <a:fgClr>
                     <a:schemeClr val="tx1"/>
@@ -33496,7 +33486,7 @@
               </a14:hiddenLine>
             </a:ext>
             <a:ext uri="{AF507438-7753-43e0-B8FC-AC1667EBCBE1}">
-              <a14:hiddenEffects xmlns:a14="http://schemas.microsoft.com/office/drawing/2010/main" xmlns="">
+              <a14:hiddenEffects xmlns="" xmlns:a14="http://schemas.microsoft.com/office/drawing/2010/main">
                 <a:effectLst>
                   <a:outerShdw blurRad="63500" dist="38099" dir="2700000" algn="ctr" rotWithShape="0">
                     <a:schemeClr val="bg2">
@@ -34206,51 +34196,22 @@
             </a:pPr>
             <a:r>
               <a:rPr lang="en-US" altLang="en-SE" dirty="0"/>
-              <a:t>But, they’re still expensive for fine-grained use (e.g., orders of magnitude more expensive than a procedure call)</a:t>
-            </a:r>
-          </a:p>
-          <a:p>
-            <a:pPr lvl="1">
-              <a:lnSpc>
-                <a:spcPct val="90000"/>
-              </a:lnSpc>
-            </a:pPr>
+              <a:t>But they are still quite </a:t>
+            </a:r>
+            <a:r>
+              <a:rPr lang="en-US" altLang="en-SE"/>
+              <a:t>expensive (</a:t>
+            </a:r>
             <a:r>
               <a:rPr lang="en-US" altLang="en-SE" dirty="0"/>
-              <a:t>thread operations are all system calls</a:t>
-            </a:r>
-          </a:p>
-          <a:p>
-            <a:pPr lvl="2">
-              <a:lnSpc>
-                <a:spcPct val="90000"/>
-              </a:lnSpc>
-            </a:pPr>
+              <a:t>e.g., orders of magnitude more expensive than a procedure call)</a:t>
+            </a:r>
+          </a:p>
+          <a:p>
+            <a:pPr lvl="1"/>
             <a:r>
               <a:rPr lang="en-US" altLang="en-SE" dirty="0"/>
-              <a:t>context switch</a:t>
-            </a:r>
-          </a:p>
-          <a:p>
-            <a:pPr lvl="2">
-              <a:lnSpc>
-                <a:spcPct val="90000"/>
-              </a:lnSpc>
-            </a:pPr>
-            <a:r>
-              <a:rPr lang="en-US" altLang="en-SE" dirty="0"/>
-              <a:t>argument checks</a:t>
-            </a:r>
-          </a:p>
-          <a:p>
-            <a:pPr lvl="1">
-              <a:lnSpc>
-                <a:spcPct val="90000"/>
-              </a:lnSpc>
-            </a:pPr>
-            <a:r>
-              <a:rPr lang="en-US" altLang="en-SE" dirty="0"/>
-              <a:t>must maintain kernel state for each thread</a:t>
+              <a:t>thread context switch involves system calls, since OS must maintain kernel state for each thread</a:t>
             </a:r>
           </a:p>
         </p:txBody>
@@ -34464,7 +34425,7 @@
           </a:ln>
           <a:extLst>
             <a:ext uri="{AF507438-7753-43e0-B8FC-AC1667EBCBE1}">
-              <a14:hiddenEffects xmlns:a14="http://schemas.microsoft.com/office/drawing/2010/main" xmlns="">
+              <a14:hiddenEffects xmlns="" xmlns:a14="http://schemas.microsoft.com/office/drawing/2010/main">
                 <a:effectLst>
                   <a:outerShdw dist="35921" dir="2700000" algn="ctr" rotWithShape="0">
                     <a:schemeClr val="bg2"/>
@@ -34799,15 +34760,11 @@
             <a:pPr lvl="1"/>
             <a:r>
               <a:rPr lang="en-GB" altLang="zh-CN" dirty="0"/>
-              <a:t>F</a:t>
-            </a:r>
-            <a:r>
-              <a:rPr lang="en-US" altLang="zh-CN" dirty="0" err="1"/>
-              <a:t>ork</a:t>
-            </a:r>
-            <a:r>
-              <a:rPr lang="en-US" altLang="zh-CN" dirty="0"/>
-              <a:t>()</a:t>
+              <a:t>f</a:t>
+            </a:r>
+            <a:r>
+              <a:rPr lang="en-US" altLang="zh-CN" dirty="0"/>
+              <a:t>ork()</a:t>
             </a:r>
             <a:r>
               <a:rPr lang="zh-CN" altLang="en-US" dirty="0"/>
@@ -34892,15 +34849,7 @@
             <a:pPr lvl="1"/>
             <a:r>
               <a:rPr lang="en-US" altLang="en-SE" dirty="0"/>
-              <a:t>Multiple threads </a:t>
-            </a:r>
-            <a:r>
-              <a:rPr lang="en-US" altLang="en-SE"/>
-              <a:t>per process / </a:t>
-            </a:r>
-            <a:r>
-              <a:rPr lang="en-US" altLang="en-SE" dirty="0"/>
-              <a:t>address space</a:t>
+              <a:t>Multiple threads per process / address space</a:t>
             </a:r>
           </a:p>
           <a:p>
@@ -34908,13 +34857,6 @@
             <a:r>
               <a:rPr lang="en-US" altLang="en-SE" dirty="0"/>
               <a:t>Kernel threads are much more efficient than processes, but they’re still not cheap</a:t>
-            </a:r>
-          </a:p>
-          <a:p>
-            <a:pPr lvl="2"/>
-            <a:r>
-              <a:rPr lang="en-US" altLang="en-SE" dirty="0"/>
-              <a:t>all operations require a kernel call and parameter verification</a:t>
             </a:r>
           </a:p>
           <a:p>
@@ -39116,39 +39058,6 @@
               <a:t>)</a:t>
             </a:r>
             <a:endParaRPr lang="en-US" dirty="0"/>
-          </a:p>
-        </p:txBody>
-      </p:sp>
-      <p:sp>
-        <p:nvSpPr>
-          <p:cNvPr id="6" name="页脚占位符 5">
-            <a:extLst>
-              <a:ext uri="{FF2B5EF4-FFF2-40B4-BE49-F238E27FC236}">
-                <a16:creationId xmlns:a16="http://schemas.microsoft.com/office/drawing/2014/main" id="{BD13F078-3DD1-AB00-BEE1-DFA30BF505BB}"/>
-              </a:ext>
-            </a:extLst>
-          </p:cNvPr>
-          <p:cNvSpPr>
-            <a:spLocks noGrp="1"/>
-          </p:cNvSpPr>
-          <p:nvPr>
-            <p:ph type="ftr" sz="quarter" idx="4294967295"/>
-          </p:nvPr>
-        </p:nvSpPr>
-        <p:spPr>
-          <a:xfrm>
-            <a:off x="4038600" y="6356351"/>
-            <a:ext cx="4114800" cy="365125"/>
-          </a:xfrm>
-          <a:prstGeom prst="rect">
-            <a:avLst/>
-          </a:prstGeom>
-        </p:spPr>
-        <p:txBody>
-          <a:bodyPr/>
-          <a:lstStyle/>
-          <a:p>
-            <a:endParaRPr lang="en-US" altLang="zh-CN" dirty="0"/>
           </a:p>
         </p:txBody>
       </p:sp>
@@ -41991,39 +41900,6 @@
           </a:p>
         </p:txBody>
       </p:sp>
-      <p:sp>
-        <p:nvSpPr>
-          <p:cNvPr id="4" name="页脚占位符 3">
-            <a:extLst>
-              <a:ext uri="{FF2B5EF4-FFF2-40B4-BE49-F238E27FC236}">
-                <a16:creationId xmlns:a16="http://schemas.microsoft.com/office/drawing/2014/main" id="{6701F35C-325E-C0BB-1DC0-F9C992C0031E}"/>
-              </a:ext>
-            </a:extLst>
-          </p:cNvPr>
-          <p:cNvSpPr>
-            <a:spLocks noGrp="1"/>
-          </p:cNvSpPr>
-          <p:nvPr>
-            <p:ph type="ftr" sz="quarter" idx="4294967295"/>
-          </p:nvPr>
-        </p:nvSpPr>
-        <p:spPr>
-          <a:xfrm>
-            <a:off x="4038600" y="6356351"/>
-            <a:ext cx="4114800" cy="365125"/>
-          </a:xfrm>
-          <a:prstGeom prst="rect">
-            <a:avLst/>
-          </a:prstGeom>
-        </p:spPr>
-        <p:txBody>
-          <a:bodyPr/>
-          <a:lstStyle/>
-          <a:p>
-            <a:endParaRPr lang="en-US" altLang="zh-CN" dirty="0"/>
-          </a:p>
-        </p:txBody>
-      </p:sp>
     </p:spTree>
     <p:extLst>
       <p:ext uri="{BB962C8B-B14F-4D97-AF65-F5344CB8AC3E}">
@@ -42454,39 +42330,6 @@
               <a:rPr lang="en-US" altLang="zh-CN" dirty="0"/>
               <a:t>program</a:t>
             </a:r>
-          </a:p>
-        </p:txBody>
-      </p:sp>
-      <p:sp>
-        <p:nvSpPr>
-          <p:cNvPr id="4" name="页脚占位符 3">
-            <a:extLst>
-              <a:ext uri="{FF2B5EF4-FFF2-40B4-BE49-F238E27FC236}">
-                <a16:creationId xmlns:a16="http://schemas.microsoft.com/office/drawing/2014/main" id="{CA92268A-2DCE-0BDC-31AD-54BC4E61A1D2}"/>
-              </a:ext>
-            </a:extLst>
-          </p:cNvPr>
-          <p:cNvSpPr>
-            <a:spLocks noGrp="1"/>
-          </p:cNvSpPr>
-          <p:nvPr>
-            <p:ph type="ftr" sz="quarter" idx="4294967295"/>
-          </p:nvPr>
-        </p:nvSpPr>
-        <p:spPr>
-          <a:xfrm>
-            <a:off x="4038600" y="6356351"/>
-            <a:ext cx="4114800" cy="365125"/>
-          </a:xfrm>
-          <a:prstGeom prst="rect">
-            <a:avLst/>
-          </a:prstGeom>
-        </p:spPr>
-        <p:txBody>
-          <a:bodyPr/>
-          <a:lstStyle/>
-          <a:p>
-            <a:endParaRPr lang="en-US" altLang="zh-CN" dirty="0"/>
           </a:p>
         </p:txBody>
       </p:sp>
@@ -42813,7 +42656,7 @@
         <a:effectLst/>
         <a:extLst>
           <a:ext uri="{AF507438-7753-43e0-B8FC-AC1667EBCBE1}">
-            <a14:hiddenEffects xmlns="" xmlns:a14="http://schemas.microsoft.com/office/drawing/2010/main">
+            <a14:hiddenEffects xmlns:a14="http://schemas.microsoft.com/office/drawing/2010/main" xmlns="">
               <a:effectLst>
                 <a:outerShdw dist="35921" dir="2700000" algn="ctr" rotWithShape="0">
                   <a:schemeClr val="bg2"/>
@@ -42886,7 +42729,7 @@
         <a:effectLst/>
         <a:extLst>
           <a:ext uri="{AF507438-7753-43e0-B8FC-AC1667EBCBE1}">
-            <a14:hiddenEffects xmlns="" xmlns:a14="http://schemas.microsoft.com/office/drawing/2010/main">
+            <a14:hiddenEffects xmlns:a14="http://schemas.microsoft.com/office/drawing/2010/main" xmlns="">
               <a:effectLst>
                 <a:outerShdw dist="35921" dir="2700000" algn="ctr" rotWithShape="0">
                   <a:schemeClr val="bg2"/>
